--- a/slides/On-Campus/14_03_Collections.pptx
+++ b/slides/On-Campus/14_03_Collections.pptx
@@ -5,18 +5,22 @@
     <p:sldMasterId id="2147483648" r:id="rId1"/>
   </p:sldMasterIdLst>
   <p:notesMasterIdLst>
-    <p:notesMasterId r:id="rId8"/>
+    <p:notesMasterId r:id="rId12"/>
   </p:notesMasterIdLst>
   <p:handoutMasterIdLst>
-    <p:handoutMasterId r:id="rId9"/>
+    <p:handoutMasterId r:id="rId13"/>
   </p:handoutMasterIdLst>
   <p:sldIdLst>
     <p:sldId id="256" r:id="rId2"/>
-    <p:sldId id="257" r:id="rId3"/>
-    <p:sldId id="258" r:id="rId4"/>
-    <p:sldId id="259" r:id="rId5"/>
-    <p:sldId id="260" r:id="rId6"/>
-    <p:sldId id="261" r:id="rId7"/>
+    <p:sldId id="271" r:id="rId3"/>
+    <p:sldId id="257" r:id="rId4"/>
+    <p:sldId id="258" r:id="rId5"/>
+    <p:sldId id="272" r:id="rId6"/>
+    <p:sldId id="273" r:id="rId7"/>
+    <p:sldId id="259" r:id="rId8"/>
+    <p:sldId id="274" r:id="rId9"/>
+    <p:sldId id="260" r:id="rId10"/>
+    <p:sldId id="261" r:id="rId11"/>
   </p:sldIdLst>
   <p:sldSz cx="13817600" cy="7772400"/>
   <p:notesSz cx="6858000" cy="9144000"/>
@@ -137,6 +141,294 @@
 </p:presentation>
 </file>
 
+<file path=ppt/changesInfos/changesInfo1.xml><?xml version="1.0" encoding="utf-8"?>
+<pc:chgInfo xmlns:a="http://schemas.openxmlformats.org/drawingml/2006/main" xmlns:r="http://schemas.openxmlformats.org/officeDocument/2006/relationships" xmlns:ac="http://schemas.microsoft.com/office/drawing/2013/main/command" xmlns:pc="http://schemas.microsoft.com/office/powerpoint/2013/main/command">
+  <pc:docChgLst>
+    <pc:chgData name="Marcia Moraes" userId="c9c67e8a-58e2-4733-9a1c-5d44fec4775b" providerId="ADAL" clId="{3BFC9BD3-F1DA-49B1-A2D4-FEE4EE629475}"/>
+    <pc:docChg chg="undo custSel addSld modSld">
+      <pc:chgData name="Marcia Moraes" userId="c9c67e8a-58e2-4733-9a1c-5d44fec4775b" providerId="ADAL" clId="{3BFC9BD3-F1DA-49B1-A2D4-FEE4EE629475}" dt="2021-12-02T18:40:24.576" v="378" actId="1076"/>
+      <pc:docMkLst>
+        <pc:docMk/>
+      </pc:docMkLst>
+      <pc:sldChg chg="modSp">
+        <pc:chgData name="Marcia Moraes" userId="c9c67e8a-58e2-4733-9a1c-5d44fec4775b" providerId="ADAL" clId="{3BFC9BD3-F1DA-49B1-A2D4-FEE4EE629475}" dt="2021-12-02T18:13:42.178" v="358" actId="6549"/>
+        <pc:sldMkLst>
+          <pc:docMk/>
+          <pc:sldMk cId="3799542744" sldId="258"/>
+        </pc:sldMkLst>
+        <pc:spChg chg="mod">
+          <ac:chgData name="Marcia Moraes" userId="c9c67e8a-58e2-4733-9a1c-5d44fec4775b" providerId="ADAL" clId="{3BFC9BD3-F1DA-49B1-A2D4-FEE4EE629475}" dt="2021-12-02T18:13:42.178" v="358" actId="6549"/>
+          <ac:spMkLst>
+            <pc:docMk/>
+            <pc:sldMk cId="3799542744" sldId="258"/>
+            <ac:spMk id="2" creationId="{C01320E0-2E7E-3541-9887-8500C2522FF6}"/>
+          </ac:spMkLst>
+        </pc:spChg>
+        <pc:spChg chg="mod">
+          <ac:chgData name="Marcia Moraes" userId="c9c67e8a-58e2-4733-9a1c-5d44fec4775b" providerId="ADAL" clId="{3BFC9BD3-F1DA-49B1-A2D4-FEE4EE629475}" dt="2021-12-02T16:58:26.051" v="80" actId="20577"/>
+          <ac:spMkLst>
+            <pc:docMk/>
+            <pc:sldMk cId="3799542744" sldId="258"/>
+            <ac:spMk id="4" creationId="{D4FC46AB-C5DF-E843-9D4E-6A06AABD2C23}"/>
+          </ac:spMkLst>
+        </pc:spChg>
+      </pc:sldChg>
+      <pc:sldChg chg="modSp">
+        <pc:chgData name="Marcia Moraes" userId="c9c67e8a-58e2-4733-9a1c-5d44fec4775b" providerId="ADAL" clId="{3BFC9BD3-F1DA-49B1-A2D4-FEE4EE629475}" dt="2021-12-02T17:27:08.242" v="105" actId="20577"/>
+        <pc:sldMkLst>
+          <pc:docMk/>
+          <pc:sldMk cId="311983275" sldId="259"/>
+        </pc:sldMkLst>
+        <pc:spChg chg="mod">
+          <ac:chgData name="Marcia Moraes" userId="c9c67e8a-58e2-4733-9a1c-5d44fec4775b" providerId="ADAL" clId="{3BFC9BD3-F1DA-49B1-A2D4-FEE4EE629475}" dt="2021-12-02T17:27:08.242" v="105" actId="20577"/>
+          <ac:spMkLst>
+            <pc:docMk/>
+            <pc:sldMk cId="311983275" sldId="259"/>
+            <ac:spMk id="3" creationId="{E224CD26-AE72-4442-A08A-920C27D956E2}"/>
+          </ac:spMkLst>
+        </pc:spChg>
+      </pc:sldChg>
+      <pc:sldChg chg="modSp add">
+        <pc:chgData name="Marcia Moraes" userId="c9c67e8a-58e2-4733-9a1c-5d44fec4775b" providerId="ADAL" clId="{3BFC9BD3-F1DA-49B1-A2D4-FEE4EE629475}" dt="2021-12-02T16:41:11.631" v="21" actId="6549"/>
+        <pc:sldMkLst>
+          <pc:docMk/>
+          <pc:sldMk cId="926474781" sldId="271"/>
+        </pc:sldMkLst>
+        <pc:spChg chg="mod">
+          <ac:chgData name="Marcia Moraes" userId="c9c67e8a-58e2-4733-9a1c-5d44fec4775b" providerId="ADAL" clId="{3BFC9BD3-F1DA-49B1-A2D4-FEE4EE629475}" dt="2021-12-02T16:40:46.106" v="2" actId="27636"/>
+          <ac:spMkLst>
+            <pc:docMk/>
+            <pc:sldMk cId="926474781" sldId="271"/>
+            <ac:spMk id="5" creationId="{1BBD0DB5-379A-304F-9307-E7B1A89B08F7}"/>
+          </ac:spMkLst>
+        </pc:spChg>
+        <pc:spChg chg="mod">
+          <ac:chgData name="Marcia Moraes" userId="c9c67e8a-58e2-4733-9a1c-5d44fec4775b" providerId="ADAL" clId="{3BFC9BD3-F1DA-49B1-A2D4-FEE4EE629475}" dt="2021-12-02T16:41:11.631" v="21" actId="6549"/>
+          <ac:spMkLst>
+            <pc:docMk/>
+            <pc:sldMk cId="926474781" sldId="271"/>
+            <ac:spMk id="6" creationId="{32A3B87A-BBC0-704B-AC99-3984206450D5}"/>
+          </ac:spMkLst>
+        </pc:spChg>
+      </pc:sldChg>
+      <pc:sldChg chg="addSp delSp modSp add">
+        <pc:chgData name="Marcia Moraes" userId="c9c67e8a-58e2-4733-9a1c-5d44fec4775b" providerId="ADAL" clId="{3BFC9BD3-F1DA-49B1-A2D4-FEE4EE629475}" dt="2021-12-02T18:09:53.028" v="344" actId="1076"/>
+        <pc:sldMkLst>
+          <pc:docMk/>
+          <pc:sldMk cId="10387276" sldId="272"/>
+        </pc:sldMkLst>
+        <pc:spChg chg="mod">
+          <ac:chgData name="Marcia Moraes" userId="c9c67e8a-58e2-4733-9a1c-5d44fec4775b" providerId="ADAL" clId="{3BFC9BD3-F1DA-49B1-A2D4-FEE4EE629475}" dt="2021-12-02T18:09:34.733" v="339" actId="1076"/>
+          <ac:spMkLst>
+            <pc:docMk/>
+            <pc:sldMk cId="10387276" sldId="272"/>
+            <ac:spMk id="2" creationId="{C01320E0-2E7E-3541-9887-8500C2522FF6}"/>
+          </ac:spMkLst>
+        </pc:spChg>
+        <pc:spChg chg="del">
+          <ac:chgData name="Marcia Moraes" userId="c9c67e8a-58e2-4733-9a1c-5d44fec4775b" providerId="ADAL" clId="{3BFC9BD3-F1DA-49B1-A2D4-FEE4EE629475}" dt="2021-12-02T17:35:57.592" v="107" actId="478"/>
+          <ac:spMkLst>
+            <pc:docMk/>
+            <pc:sldMk cId="10387276" sldId="272"/>
+            <ac:spMk id="3" creationId="{344E7C9A-020B-9C42-8FF3-6B525DEFA0BD}"/>
+          </ac:spMkLst>
+        </pc:spChg>
+        <pc:spChg chg="del">
+          <ac:chgData name="Marcia Moraes" userId="c9c67e8a-58e2-4733-9a1c-5d44fec4775b" providerId="ADAL" clId="{3BFC9BD3-F1DA-49B1-A2D4-FEE4EE629475}" dt="2021-12-02T17:36:52.697" v="118" actId="478"/>
+          <ac:spMkLst>
+            <pc:docMk/>
+            <pc:sldMk cId="10387276" sldId="272"/>
+            <ac:spMk id="4" creationId="{D4FC46AB-C5DF-E843-9D4E-6A06AABD2C23}"/>
+          </ac:spMkLst>
+        </pc:spChg>
+        <pc:spChg chg="add del mod">
+          <ac:chgData name="Marcia Moraes" userId="c9c67e8a-58e2-4733-9a1c-5d44fec4775b" providerId="ADAL" clId="{3BFC9BD3-F1DA-49B1-A2D4-FEE4EE629475}" dt="2021-12-02T17:36:45.965" v="116" actId="478"/>
+          <ac:spMkLst>
+            <pc:docMk/>
+            <pc:sldMk cId="10387276" sldId="272"/>
+            <ac:spMk id="7" creationId="{F11F8996-7A64-42F5-8827-C06B900A03D3}"/>
+          </ac:spMkLst>
+        </pc:spChg>
+        <pc:spChg chg="del">
+          <ac:chgData name="Marcia Moraes" userId="c9c67e8a-58e2-4733-9a1c-5d44fec4775b" providerId="ADAL" clId="{3BFC9BD3-F1DA-49B1-A2D4-FEE4EE629475}" dt="2021-12-02T17:36:01.799" v="108" actId="478"/>
+          <ac:spMkLst>
+            <pc:docMk/>
+            <pc:sldMk cId="10387276" sldId="272"/>
+            <ac:spMk id="8" creationId="{FEF2A65A-3F78-B04C-BE4E-D784A850CD4E}"/>
+          </ac:spMkLst>
+        </pc:spChg>
+        <pc:spChg chg="add mod">
+          <ac:chgData name="Marcia Moraes" userId="c9c67e8a-58e2-4733-9a1c-5d44fec4775b" providerId="ADAL" clId="{3BFC9BD3-F1DA-49B1-A2D4-FEE4EE629475}" dt="2021-12-02T18:09:45.484" v="342" actId="1076"/>
+          <ac:spMkLst>
+            <pc:docMk/>
+            <pc:sldMk cId="10387276" sldId="272"/>
+            <ac:spMk id="12" creationId="{72EC0222-8481-4009-9B06-701273EDC984}"/>
+          </ac:spMkLst>
+        </pc:spChg>
+        <pc:spChg chg="add del">
+          <ac:chgData name="Marcia Moraes" userId="c9c67e8a-58e2-4733-9a1c-5d44fec4775b" providerId="ADAL" clId="{3BFC9BD3-F1DA-49B1-A2D4-FEE4EE629475}" dt="2021-12-02T17:54:54.151" v="152"/>
+          <ac:spMkLst>
+            <pc:docMk/>
+            <pc:sldMk cId="10387276" sldId="272"/>
+            <ac:spMk id="13" creationId="{F0A8C206-56FC-4F34-9482-4D1127A374E1}"/>
+          </ac:spMkLst>
+        </pc:spChg>
+        <pc:picChg chg="del">
+          <ac:chgData name="Marcia Moraes" userId="c9c67e8a-58e2-4733-9a1c-5d44fec4775b" providerId="ADAL" clId="{3BFC9BD3-F1DA-49B1-A2D4-FEE4EE629475}" dt="2021-12-02T17:36:48.231" v="117" actId="478"/>
+          <ac:picMkLst>
+            <pc:docMk/>
+            <pc:sldMk cId="10387276" sldId="272"/>
+            <ac:picMk id="6" creationId="{4EC44C51-197A-A540-B7E4-2056C11A78B0}"/>
+          </ac:picMkLst>
+        </pc:picChg>
+        <pc:picChg chg="add del mod">
+          <ac:chgData name="Marcia Moraes" userId="c9c67e8a-58e2-4733-9a1c-5d44fec4775b" providerId="ADAL" clId="{3BFC9BD3-F1DA-49B1-A2D4-FEE4EE629475}" dt="2021-12-02T17:36:18.569" v="112"/>
+          <ac:picMkLst>
+            <pc:docMk/>
+            <pc:sldMk cId="10387276" sldId="272"/>
+            <ac:picMk id="9" creationId="{4E2D8B57-5B9E-4395-8F97-116CDAFA0691}"/>
+          </ac:picMkLst>
+        </pc:picChg>
+        <pc:picChg chg="add mod">
+          <ac:chgData name="Marcia Moraes" userId="c9c67e8a-58e2-4733-9a1c-5d44fec4775b" providerId="ADAL" clId="{3BFC9BD3-F1DA-49B1-A2D4-FEE4EE629475}" dt="2021-12-02T18:09:53.028" v="344" actId="1076"/>
+          <ac:picMkLst>
+            <pc:docMk/>
+            <pc:sldMk cId="10387276" sldId="272"/>
+            <ac:picMk id="10" creationId="{DCC8E5DC-B666-4F1B-8AF1-D08F6E0FA192}"/>
+          </ac:picMkLst>
+        </pc:picChg>
+        <pc:picChg chg="add mod">
+          <ac:chgData name="Marcia Moraes" userId="c9c67e8a-58e2-4733-9a1c-5d44fec4775b" providerId="ADAL" clId="{3BFC9BD3-F1DA-49B1-A2D4-FEE4EE629475}" dt="2021-12-02T18:09:49.363" v="343" actId="1076"/>
+          <ac:picMkLst>
+            <pc:docMk/>
+            <pc:sldMk cId="10387276" sldId="272"/>
+            <ac:picMk id="11" creationId="{75817717-241B-4A30-8686-7091D3EC909F}"/>
+          </ac:picMkLst>
+        </pc:picChg>
+      </pc:sldChg>
+      <pc:sldChg chg="delSp modSp add">
+        <pc:chgData name="Marcia Moraes" userId="c9c67e8a-58e2-4733-9a1c-5d44fec4775b" providerId="ADAL" clId="{3BFC9BD3-F1DA-49B1-A2D4-FEE4EE629475}" dt="2021-12-02T18:07:47.413" v="327" actId="255"/>
+        <pc:sldMkLst>
+          <pc:docMk/>
+          <pc:sldMk cId="1220976107" sldId="273"/>
+        </pc:sldMkLst>
+        <pc:spChg chg="mod">
+          <ac:chgData name="Marcia Moraes" userId="c9c67e8a-58e2-4733-9a1c-5d44fec4775b" providerId="ADAL" clId="{3BFC9BD3-F1DA-49B1-A2D4-FEE4EE629475}" dt="2021-12-02T17:58:31.050" v="233" actId="20577"/>
+          <ac:spMkLst>
+            <pc:docMk/>
+            <pc:sldMk cId="1220976107" sldId="273"/>
+            <ac:spMk id="2" creationId="{C01320E0-2E7E-3541-9887-8500C2522FF6}"/>
+          </ac:spMkLst>
+        </pc:spChg>
+        <pc:spChg chg="mod">
+          <ac:chgData name="Marcia Moraes" userId="c9c67e8a-58e2-4733-9a1c-5d44fec4775b" providerId="ADAL" clId="{3BFC9BD3-F1DA-49B1-A2D4-FEE4EE629475}" dt="2021-12-02T18:07:47.413" v="327" actId="255"/>
+          <ac:spMkLst>
+            <pc:docMk/>
+            <pc:sldMk cId="1220976107" sldId="273"/>
+            <ac:spMk id="3" creationId="{344E7C9A-020B-9C42-8FF3-6B525DEFA0BD}"/>
+          </ac:spMkLst>
+        </pc:spChg>
+        <pc:spChg chg="del">
+          <ac:chgData name="Marcia Moraes" userId="c9c67e8a-58e2-4733-9a1c-5d44fec4775b" providerId="ADAL" clId="{3BFC9BD3-F1DA-49B1-A2D4-FEE4EE629475}" dt="2021-12-02T17:58:15.887" v="211" actId="478"/>
+          <ac:spMkLst>
+            <pc:docMk/>
+            <pc:sldMk cId="1220976107" sldId="273"/>
+            <ac:spMk id="4" creationId="{D4FC46AB-C5DF-E843-9D4E-6A06AABD2C23}"/>
+          </ac:spMkLst>
+        </pc:spChg>
+        <pc:spChg chg="del">
+          <ac:chgData name="Marcia Moraes" userId="c9c67e8a-58e2-4733-9a1c-5d44fec4775b" providerId="ADAL" clId="{3BFC9BD3-F1DA-49B1-A2D4-FEE4EE629475}" dt="2021-12-02T17:58:35.969" v="235" actId="478"/>
+          <ac:spMkLst>
+            <pc:docMk/>
+            <pc:sldMk cId="1220976107" sldId="273"/>
+            <ac:spMk id="8" creationId="{FEF2A65A-3F78-B04C-BE4E-D784A850CD4E}"/>
+          </ac:spMkLst>
+        </pc:spChg>
+        <pc:picChg chg="del">
+          <ac:chgData name="Marcia Moraes" userId="c9c67e8a-58e2-4733-9a1c-5d44fec4775b" providerId="ADAL" clId="{3BFC9BD3-F1DA-49B1-A2D4-FEE4EE629475}" dt="2021-12-02T17:58:33.679" v="234" actId="478"/>
+          <ac:picMkLst>
+            <pc:docMk/>
+            <pc:sldMk cId="1220976107" sldId="273"/>
+            <ac:picMk id="6" creationId="{4EC44C51-197A-A540-B7E4-2056C11A78B0}"/>
+          </ac:picMkLst>
+        </pc:picChg>
+      </pc:sldChg>
+      <pc:sldChg chg="addSp delSp modSp add">
+        <pc:chgData name="Marcia Moraes" userId="c9c67e8a-58e2-4733-9a1c-5d44fec4775b" providerId="ADAL" clId="{3BFC9BD3-F1DA-49B1-A2D4-FEE4EE629475}" dt="2021-12-02T18:40:24.576" v="378" actId="1076"/>
+        <pc:sldMkLst>
+          <pc:docMk/>
+          <pc:sldMk cId="3184630012" sldId="274"/>
+        </pc:sldMkLst>
+        <pc:spChg chg="mod">
+          <ac:chgData name="Marcia Moraes" userId="c9c67e8a-58e2-4733-9a1c-5d44fec4775b" providerId="ADAL" clId="{3BFC9BD3-F1DA-49B1-A2D4-FEE4EE629475}" dt="2021-12-02T18:12:37.227" v="354" actId="20577"/>
+          <ac:spMkLst>
+            <pc:docMk/>
+            <pc:sldMk cId="3184630012" sldId="274"/>
+            <ac:spMk id="2" creationId="{C01320E0-2E7E-3541-9887-8500C2522FF6}"/>
+          </ac:spMkLst>
+        </pc:spChg>
+        <pc:spChg chg="add mod">
+          <ac:chgData name="Marcia Moraes" userId="c9c67e8a-58e2-4733-9a1c-5d44fec4775b" providerId="ADAL" clId="{3BFC9BD3-F1DA-49B1-A2D4-FEE4EE629475}" dt="2021-12-02T18:40:24.576" v="378" actId="1076"/>
+          <ac:spMkLst>
+            <pc:docMk/>
+            <pc:sldMk cId="3184630012" sldId="274"/>
+            <ac:spMk id="6" creationId="{8BDC4F6F-7A69-4AB7-9524-4D6EBF2F6457}"/>
+          </ac:spMkLst>
+        </pc:spChg>
+        <pc:spChg chg="del">
+          <ac:chgData name="Marcia Moraes" userId="c9c67e8a-58e2-4733-9a1c-5d44fec4775b" providerId="ADAL" clId="{3BFC9BD3-F1DA-49B1-A2D4-FEE4EE629475}" dt="2021-12-02T18:12:42.289" v="357" actId="478"/>
+          <ac:spMkLst>
+            <pc:docMk/>
+            <pc:sldMk cId="3184630012" sldId="274"/>
+            <ac:spMk id="12" creationId="{72EC0222-8481-4009-9B06-701273EDC984}"/>
+          </ac:spMkLst>
+        </pc:spChg>
+        <pc:picChg chg="add del mod">
+          <ac:chgData name="Marcia Moraes" userId="c9c67e8a-58e2-4733-9a1c-5d44fec4775b" providerId="ADAL" clId="{3BFC9BD3-F1DA-49B1-A2D4-FEE4EE629475}" dt="2021-12-02T18:15:14.646" v="362" actId="478"/>
+          <ac:picMkLst>
+            <pc:docMk/>
+            <pc:sldMk cId="3184630012" sldId="274"/>
+            <ac:picMk id="3" creationId="{FAD35E6E-882B-4CFF-95A5-D3A10A9F6383}"/>
+          </ac:picMkLst>
+        </pc:picChg>
+        <pc:picChg chg="add mod">
+          <ac:chgData name="Marcia Moraes" userId="c9c67e8a-58e2-4733-9a1c-5d44fec4775b" providerId="ADAL" clId="{3BFC9BD3-F1DA-49B1-A2D4-FEE4EE629475}" dt="2021-12-02T18:16:42.609" v="370" actId="14100"/>
+          <ac:picMkLst>
+            <pc:docMk/>
+            <pc:sldMk cId="3184630012" sldId="274"/>
+            <ac:picMk id="4" creationId="{B30E869A-2D70-4245-8CE7-F0C0DBC62E35}"/>
+          </ac:picMkLst>
+        </pc:picChg>
+        <pc:picChg chg="add mod">
+          <ac:chgData name="Marcia Moraes" userId="c9c67e8a-58e2-4733-9a1c-5d44fec4775b" providerId="ADAL" clId="{3BFC9BD3-F1DA-49B1-A2D4-FEE4EE629475}" dt="2021-12-02T18:16:48.375" v="372" actId="1076"/>
+          <ac:picMkLst>
+            <pc:docMk/>
+            <pc:sldMk cId="3184630012" sldId="274"/>
+            <ac:picMk id="5" creationId="{4D0C3E70-2208-4F6F-8B29-4B831E0F00BA}"/>
+          </ac:picMkLst>
+        </pc:picChg>
+        <pc:picChg chg="del">
+          <ac:chgData name="Marcia Moraes" userId="c9c67e8a-58e2-4733-9a1c-5d44fec4775b" providerId="ADAL" clId="{3BFC9BD3-F1DA-49B1-A2D4-FEE4EE629475}" dt="2021-12-02T18:12:39.850" v="355" actId="478"/>
+          <ac:picMkLst>
+            <pc:docMk/>
+            <pc:sldMk cId="3184630012" sldId="274"/>
+            <ac:picMk id="10" creationId="{DCC8E5DC-B666-4F1B-8AF1-D08F6E0FA192}"/>
+          </ac:picMkLst>
+        </pc:picChg>
+        <pc:picChg chg="del">
+          <ac:chgData name="Marcia Moraes" userId="c9c67e8a-58e2-4733-9a1c-5d44fec4775b" providerId="ADAL" clId="{3BFC9BD3-F1DA-49B1-A2D4-FEE4EE629475}" dt="2021-12-02T18:12:40.668" v="356" actId="478"/>
+          <ac:picMkLst>
+            <pc:docMk/>
+            <pc:sldMk cId="3184630012" sldId="274"/>
+            <ac:picMk id="11" creationId="{75817717-241B-4A30-8686-7091D3EC909F}"/>
+          </ac:picMkLst>
+        </pc:picChg>
+      </pc:sldChg>
+    </pc:docChg>
+  </pc:docChgLst>
+</pc:chgInfo>
+</file>
+
 <file path=ppt/handoutMasters/handoutMaster1.xml><?xml version="1.0" encoding="utf-8"?>
 <p:handoutMaster xmlns:a="http://schemas.openxmlformats.org/drawingml/2006/main" xmlns:r="http://schemas.openxmlformats.org/officeDocument/2006/relationships" xmlns:p="http://schemas.openxmlformats.org/presentationml/2006/main">
   <p:cSld>
@@ -219,7 +511,7 @@
           <a:p>
             <a:fld id="{4D7E51A5-B478-1E40-8CBB-0DAA8831E99D}" type="datetimeFigureOut">
               <a:rPr lang="en-US" smtClean="0"/>
-              <a:t>4/24/20</a:t>
+              <a:t>12/2/2021</a:t>
             </a:fld>
             <a:endParaRPr lang="en-US"/>
           </a:p>
@@ -384,7 +676,7 @@
           <a:p>
             <a:fld id="{D0ED587F-861E-6740-9643-E3DDAE89B8D6}" type="datetimeFigureOut">
               <a:rPr lang="en-US" smtClean="0"/>
-              <a:t>4/24/20</a:t>
+              <a:t>12/2/2021</a:t>
             </a:fld>
             <a:endParaRPr lang="en-US"/>
           </a:p>
@@ -4011,6 +4303,602 @@
 </p:sldLayout>
 </file>
 
+<file path=ppt/slideLayouts/slideLayout25.xml><?xml version="1.0" encoding="utf-8"?>
+<p:sldLayout xmlns:a="http://schemas.openxmlformats.org/drawingml/2006/main" xmlns:r="http://schemas.openxmlformats.org/officeDocument/2006/relationships" xmlns:p="http://schemas.openxmlformats.org/presentationml/2006/main" matchingName="Title and Content">
+  <p:cSld name="1_Title and Content">
+    <p:spTree>
+      <p:nvGrpSpPr>
+        <p:cNvPr id="1" name="Shape 53"/>
+        <p:cNvGrpSpPr/>
+        <p:nvPr/>
+      </p:nvGrpSpPr>
+      <p:grpSpPr>
+        <a:xfrm>
+          <a:off x="0" y="0"/>
+          <a:ext cx="0" cy="0"/>
+          <a:chOff x="0" y="0"/>
+          <a:chExt cx="0" cy="0"/>
+        </a:xfrm>
+      </p:grpSpPr>
+      <p:grpSp>
+        <p:nvGrpSpPr>
+          <p:cNvPr id="54" name="Google Shape;54;p14"/>
+          <p:cNvGrpSpPr/>
+          <p:nvPr/>
+        </p:nvGrpSpPr>
+        <p:grpSpPr>
+          <a:xfrm>
+            <a:off x="0" y="7372875"/>
+            <a:ext cx="13849756" cy="400074"/>
+            <a:chOff x="0" y="7372350"/>
+            <a:chExt cx="13817700" cy="400053"/>
+          </a:xfrm>
+        </p:grpSpPr>
+        <p:sp>
+          <p:nvSpPr>
+            <p:cNvPr id="55" name="Google Shape;55;p14"/>
+            <p:cNvSpPr/>
+            <p:nvPr/>
+          </p:nvSpPr>
+          <p:spPr>
+            <a:xfrm>
+              <a:off x="0" y="7372350"/>
+              <a:ext cx="13817700" cy="399900"/>
+            </a:xfrm>
+            <a:prstGeom prst="rect">
+              <a:avLst/>
+            </a:prstGeom>
+            <a:solidFill>
+              <a:schemeClr val="dk2"/>
+            </a:solidFill>
+            <a:ln>
+              <a:noFill/>
+            </a:ln>
+          </p:spPr>
+          <p:txBody>
+            <a:bodyPr spcFirstLastPara="1" wrap="square" lIns="60500" tIns="30250" rIns="60500" bIns="30250" anchor="ctr" anchorCtr="0">
+              <a:noAutofit/>
+            </a:bodyPr>
+            <a:lstStyle/>
+            <a:p>
+              <a:pPr marL="0" marR="0" lvl="0" indent="0" algn="ctr" rtl="0">
+                <a:spcBef>
+                  <a:spcPts val="0"/>
+                </a:spcBef>
+                <a:spcAft>
+                  <a:spcPts val="0"/>
+                </a:spcAft>
+                <a:buNone/>
+              </a:pPr>
+              <a:endParaRPr sz="1964" b="0" i="0" u="none" strike="noStrike" cap="none">
+                <a:solidFill>
+                  <a:schemeClr val="lt1"/>
+                </a:solidFill>
+                <a:latin typeface="Arial"/>
+                <a:ea typeface="Arial"/>
+                <a:cs typeface="Arial"/>
+                <a:sym typeface="Arial"/>
+              </a:endParaRPr>
+            </a:p>
+          </p:txBody>
+        </p:sp>
+        <p:pic>
+          <p:nvPicPr>
+            <p:cNvPr id="56" name="Google Shape;56;p14"/>
+            <p:cNvPicPr preferRelativeResize="0"/>
+            <p:nvPr/>
+          </p:nvPicPr>
+          <p:blipFill rotWithShape="1">
+            <a:blip r:embed="rId2">
+              <a:alphaModFix/>
+            </a:blip>
+            <a:srcRect/>
+            <a:stretch/>
+          </p:blipFill>
+          <p:spPr>
+            <a:xfrm>
+              <a:off x="152257" y="7372351"/>
+              <a:ext cx="1788558" cy="400050"/>
+            </a:xfrm>
+            <a:prstGeom prst="rect">
+              <a:avLst/>
+            </a:prstGeom>
+            <a:noFill/>
+            <a:ln>
+              <a:noFill/>
+            </a:ln>
+          </p:spPr>
+        </p:pic>
+        <p:sp>
+          <p:nvSpPr>
+            <p:cNvPr id="57" name="Google Shape;57;p14"/>
+            <p:cNvSpPr/>
+            <p:nvPr/>
+          </p:nvSpPr>
+          <p:spPr>
+            <a:xfrm>
+              <a:off x="0" y="7372351"/>
+              <a:ext cx="13817700" cy="399900"/>
+            </a:xfrm>
+            <a:prstGeom prst="rect">
+              <a:avLst/>
+            </a:prstGeom>
+            <a:solidFill>
+              <a:schemeClr val="dk2"/>
+            </a:solidFill>
+            <a:ln>
+              <a:noFill/>
+            </a:ln>
+          </p:spPr>
+          <p:txBody>
+            <a:bodyPr spcFirstLastPara="1" wrap="square" lIns="60500" tIns="30250" rIns="60500" bIns="30250" anchor="ctr" anchorCtr="0">
+              <a:noAutofit/>
+            </a:bodyPr>
+            <a:lstStyle/>
+            <a:p>
+              <a:pPr marL="0" marR="0" lvl="0" indent="0" algn="ctr" rtl="0">
+                <a:spcBef>
+                  <a:spcPts val="0"/>
+                </a:spcBef>
+                <a:spcAft>
+                  <a:spcPts val="0"/>
+                </a:spcAft>
+                <a:buNone/>
+              </a:pPr>
+              <a:endParaRPr sz="1964" b="0" i="0" u="none" strike="noStrike" cap="none">
+                <a:solidFill>
+                  <a:schemeClr val="lt1"/>
+                </a:solidFill>
+                <a:latin typeface="Arial"/>
+                <a:ea typeface="Arial"/>
+                <a:cs typeface="Arial"/>
+                <a:sym typeface="Arial"/>
+              </a:endParaRPr>
+            </a:p>
+          </p:txBody>
+        </p:sp>
+        <p:pic>
+          <p:nvPicPr>
+            <p:cNvPr id="58" name="Google Shape;58;p14"/>
+            <p:cNvPicPr preferRelativeResize="0"/>
+            <p:nvPr/>
+          </p:nvPicPr>
+          <p:blipFill rotWithShape="1">
+            <a:blip r:embed="rId2">
+              <a:alphaModFix/>
+            </a:blip>
+            <a:srcRect/>
+            <a:stretch/>
+          </p:blipFill>
+          <p:spPr>
+            <a:xfrm>
+              <a:off x="152257" y="7372352"/>
+              <a:ext cx="1788558" cy="400050"/>
+            </a:xfrm>
+            <a:prstGeom prst="rect">
+              <a:avLst/>
+            </a:prstGeom>
+            <a:noFill/>
+            <a:ln>
+              <a:noFill/>
+            </a:ln>
+          </p:spPr>
+        </p:pic>
+      </p:grpSp>
+      <p:sp>
+        <p:nvSpPr>
+          <p:cNvPr id="59" name="Google Shape;59;p14"/>
+          <p:cNvSpPr txBox="1">
+            <a:spLocks noGrp="1"/>
+          </p:cNvSpPr>
+          <p:nvPr>
+            <p:ph type="title"/>
+          </p:nvPr>
+        </p:nvSpPr>
+        <p:spPr>
+          <a:xfrm>
+            <a:off x="628075" y="905258"/>
+            <a:ext cx="12561413" cy="1015467"/>
+          </a:xfrm>
+          <a:prstGeom prst="rect">
+            <a:avLst/>
+          </a:prstGeom>
+          <a:noFill/>
+          <a:ln>
+            <a:noFill/>
+          </a:ln>
+        </p:spPr>
+        <p:txBody>
+          <a:bodyPr spcFirstLastPara="1" wrap="square" lIns="60500" tIns="60500" rIns="60500" bIns="60500" anchor="b" anchorCtr="0">
+            <a:noAutofit/>
+          </a:bodyPr>
+          <a:lstStyle>
+            <a:lvl1pPr marR="0" lvl="0" algn="l" rtl="0">
+              <a:spcBef>
+                <a:spcPts val="0"/>
+              </a:spcBef>
+              <a:spcAft>
+                <a:spcPts val="0"/>
+              </a:spcAft>
+              <a:buClr>
+                <a:schemeClr val="dk2"/>
+              </a:buClr>
+              <a:buSzPts val="3600"/>
+              <a:buFont typeface="Arial"/>
+              <a:buNone/>
+              <a:defRPr sz="5440" b="0" i="0" u="none" strike="noStrike" cap="none">
+                <a:solidFill>
+                  <a:schemeClr val="dk2"/>
+                </a:solidFill>
+                <a:latin typeface="Arial"/>
+                <a:ea typeface="Arial"/>
+                <a:cs typeface="Arial"/>
+                <a:sym typeface="Arial"/>
+              </a:defRPr>
+            </a:lvl1pPr>
+            <a:lvl2pPr lvl="1" rtl="0">
+              <a:spcBef>
+                <a:spcPts val="0"/>
+              </a:spcBef>
+              <a:spcAft>
+                <a:spcPts val="0"/>
+              </a:spcAft>
+              <a:buSzPts val="900"/>
+              <a:buNone/>
+              <a:defRPr sz="1813"/>
+            </a:lvl2pPr>
+            <a:lvl3pPr lvl="2" rtl="0">
+              <a:spcBef>
+                <a:spcPts val="0"/>
+              </a:spcBef>
+              <a:spcAft>
+                <a:spcPts val="0"/>
+              </a:spcAft>
+              <a:buSzPts val="900"/>
+              <a:buNone/>
+              <a:defRPr sz="1813"/>
+            </a:lvl3pPr>
+            <a:lvl4pPr lvl="3" rtl="0">
+              <a:spcBef>
+                <a:spcPts val="0"/>
+              </a:spcBef>
+              <a:spcAft>
+                <a:spcPts val="0"/>
+              </a:spcAft>
+              <a:buSzPts val="900"/>
+              <a:buNone/>
+              <a:defRPr sz="1813"/>
+            </a:lvl4pPr>
+            <a:lvl5pPr lvl="4" rtl="0">
+              <a:spcBef>
+                <a:spcPts val="0"/>
+              </a:spcBef>
+              <a:spcAft>
+                <a:spcPts val="0"/>
+              </a:spcAft>
+              <a:buSzPts val="900"/>
+              <a:buNone/>
+              <a:defRPr sz="1813"/>
+            </a:lvl5pPr>
+            <a:lvl6pPr lvl="5" rtl="0">
+              <a:spcBef>
+                <a:spcPts val="0"/>
+              </a:spcBef>
+              <a:spcAft>
+                <a:spcPts val="0"/>
+              </a:spcAft>
+              <a:buSzPts val="900"/>
+              <a:buNone/>
+              <a:defRPr sz="1813"/>
+            </a:lvl6pPr>
+            <a:lvl7pPr lvl="6" rtl="0">
+              <a:spcBef>
+                <a:spcPts val="0"/>
+              </a:spcBef>
+              <a:spcAft>
+                <a:spcPts val="0"/>
+              </a:spcAft>
+              <a:buSzPts val="900"/>
+              <a:buNone/>
+              <a:defRPr sz="1813"/>
+            </a:lvl7pPr>
+            <a:lvl8pPr lvl="7" rtl="0">
+              <a:spcBef>
+                <a:spcPts val="0"/>
+              </a:spcBef>
+              <a:spcAft>
+                <a:spcPts val="0"/>
+              </a:spcAft>
+              <a:buSzPts val="900"/>
+              <a:buNone/>
+              <a:defRPr sz="1813"/>
+            </a:lvl8pPr>
+            <a:lvl9pPr lvl="8" rtl="0">
+              <a:spcBef>
+                <a:spcPts val="0"/>
+              </a:spcBef>
+              <a:spcAft>
+                <a:spcPts val="0"/>
+              </a:spcAft>
+              <a:buSzPts val="900"/>
+              <a:buNone/>
+              <a:defRPr sz="1813"/>
+            </a:lvl9pPr>
+          </a:lstStyle>
+          <a:p>
+            <a:endParaRPr/>
+          </a:p>
+        </p:txBody>
+      </p:sp>
+      <p:sp>
+        <p:nvSpPr>
+          <p:cNvPr id="60" name="Google Shape;60;p14"/>
+          <p:cNvSpPr txBox="1">
+            <a:spLocks noGrp="1"/>
+          </p:cNvSpPr>
+          <p:nvPr>
+            <p:ph type="body" idx="1"/>
+          </p:nvPr>
+        </p:nvSpPr>
+        <p:spPr>
+          <a:xfrm>
+            <a:off x="628075" y="2487883"/>
+            <a:ext cx="12561413" cy="2015520"/>
+          </a:xfrm>
+          <a:prstGeom prst="rect">
+            <a:avLst/>
+          </a:prstGeom>
+          <a:noFill/>
+          <a:ln>
+            <a:noFill/>
+          </a:ln>
+        </p:spPr>
+        <p:txBody>
+          <a:bodyPr spcFirstLastPara="1" wrap="square" lIns="60500" tIns="60500" rIns="60500" bIns="60500" anchor="t" anchorCtr="0">
+            <a:noAutofit/>
+          </a:bodyPr>
+          <a:lstStyle>
+            <a:lvl1pPr marL="690875" marR="0" lvl="0" indent="-460583" algn="l" rtl="0">
+              <a:lnSpc>
+                <a:spcPct val="120000"/>
+              </a:lnSpc>
+              <a:spcBef>
+                <a:spcPts val="604"/>
+              </a:spcBef>
+              <a:spcAft>
+                <a:spcPts val="0"/>
+              </a:spcAft>
+              <a:buClr>
+                <a:schemeClr val="dk1"/>
+              </a:buClr>
+              <a:buSzPts val="1200"/>
+              <a:buFont typeface="Arial"/>
+              <a:buChar char="•"/>
+              <a:defRPr sz="1813" b="0" i="0" u="none" strike="noStrike" cap="none">
+                <a:solidFill>
+                  <a:schemeClr val="dk1"/>
+                </a:solidFill>
+                <a:latin typeface="Proxima Nova"/>
+                <a:ea typeface="Proxima Nova"/>
+                <a:cs typeface="Proxima Nova"/>
+                <a:sym typeface="Proxima Nova"/>
+              </a:defRPr>
+            </a:lvl1pPr>
+            <a:lvl2pPr marL="1381750" marR="0" lvl="1" indent="-450988" algn="l" rtl="0">
+              <a:lnSpc>
+                <a:spcPct val="120000"/>
+              </a:lnSpc>
+              <a:spcBef>
+                <a:spcPts val="604"/>
+              </a:spcBef>
+              <a:spcAft>
+                <a:spcPts val="0"/>
+              </a:spcAft>
+              <a:buClr>
+                <a:schemeClr val="dk1"/>
+              </a:buClr>
+              <a:buSzPts val="1100"/>
+              <a:buFont typeface="Arial"/>
+              <a:buChar char="–"/>
+              <a:defRPr sz="1662" b="0" i="0" u="none" strike="noStrike" cap="none">
+                <a:solidFill>
+                  <a:schemeClr val="dk1"/>
+                </a:solidFill>
+                <a:latin typeface="Proxima Nova"/>
+                <a:ea typeface="Proxima Nova"/>
+                <a:cs typeface="Proxima Nova"/>
+                <a:sym typeface="Proxima Nova"/>
+              </a:defRPr>
+            </a:lvl2pPr>
+            <a:lvl3pPr marL="2072625" marR="0" lvl="2" indent="-450988" algn="l" rtl="0">
+              <a:lnSpc>
+                <a:spcPct val="120000"/>
+              </a:lnSpc>
+              <a:spcBef>
+                <a:spcPts val="604"/>
+              </a:spcBef>
+              <a:spcAft>
+                <a:spcPts val="0"/>
+              </a:spcAft>
+              <a:buClr>
+                <a:schemeClr val="dk1"/>
+              </a:buClr>
+              <a:buSzPts val="1100"/>
+              <a:buFont typeface="Arial"/>
+              <a:buChar char="•"/>
+              <a:defRPr sz="1662" b="0" i="0" u="none" strike="noStrike" cap="none">
+                <a:solidFill>
+                  <a:schemeClr val="dk1"/>
+                </a:solidFill>
+                <a:latin typeface="Proxima Nova"/>
+                <a:ea typeface="Proxima Nova"/>
+                <a:cs typeface="Proxima Nova"/>
+                <a:sym typeface="Proxima Nova"/>
+              </a:defRPr>
+            </a:lvl3pPr>
+            <a:lvl4pPr marL="2763500" marR="0" lvl="3" indent="-450988" algn="l" rtl="0">
+              <a:lnSpc>
+                <a:spcPct val="120000"/>
+              </a:lnSpc>
+              <a:spcBef>
+                <a:spcPts val="604"/>
+              </a:spcBef>
+              <a:spcAft>
+                <a:spcPts val="0"/>
+              </a:spcAft>
+              <a:buClr>
+                <a:schemeClr val="dk1"/>
+              </a:buClr>
+              <a:buSzPts val="1100"/>
+              <a:buFont typeface="Arial"/>
+              <a:buChar char="–"/>
+              <a:defRPr sz="1662" b="0" i="0" u="none" strike="noStrike" cap="none">
+                <a:solidFill>
+                  <a:schemeClr val="dk1"/>
+                </a:solidFill>
+                <a:latin typeface="Proxima Nova"/>
+                <a:ea typeface="Proxima Nova"/>
+                <a:cs typeface="Proxima Nova"/>
+                <a:sym typeface="Proxima Nova"/>
+              </a:defRPr>
+            </a:lvl4pPr>
+            <a:lvl5pPr marL="3454375" marR="0" lvl="4" indent="-450988" algn="l" rtl="0">
+              <a:spcBef>
+                <a:spcPts val="604"/>
+              </a:spcBef>
+              <a:spcAft>
+                <a:spcPts val="0"/>
+              </a:spcAft>
+              <a:buClr>
+                <a:schemeClr val="dk1"/>
+              </a:buClr>
+              <a:buSzPts val="1100"/>
+              <a:buFont typeface="Arial"/>
+              <a:buChar char="»"/>
+              <a:defRPr sz="1662" b="0" i="0" u="none" strike="noStrike" cap="none">
+                <a:solidFill>
+                  <a:schemeClr val="dk1"/>
+                </a:solidFill>
+                <a:latin typeface="Source Sans Pro"/>
+                <a:ea typeface="Source Sans Pro"/>
+                <a:cs typeface="Source Sans Pro"/>
+                <a:sym typeface="Source Sans Pro"/>
+              </a:defRPr>
+            </a:lvl5pPr>
+            <a:lvl6pPr marL="4145250" marR="0" lvl="5" indent="-537347" algn="l" rtl="0">
+              <a:spcBef>
+                <a:spcPts val="604"/>
+              </a:spcBef>
+              <a:spcAft>
+                <a:spcPts val="0"/>
+              </a:spcAft>
+              <a:buClr>
+                <a:schemeClr val="dk1"/>
+              </a:buClr>
+              <a:buSzPts val="2000"/>
+              <a:buFont typeface="Arial"/>
+              <a:buChar char="•"/>
+              <a:defRPr sz="3022" b="0" i="0" u="none" strike="noStrike" cap="none">
+                <a:solidFill>
+                  <a:schemeClr val="dk1"/>
+                </a:solidFill>
+                <a:latin typeface="Arial"/>
+                <a:ea typeface="Arial"/>
+                <a:cs typeface="Arial"/>
+                <a:sym typeface="Arial"/>
+              </a:defRPr>
+            </a:lvl6pPr>
+            <a:lvl7pPr marL="4836124" marR="0" lvl="6" indent="-537347" algn="l" rtl="0">
+              <a:spcBef>
+                <a:spcPts val="604"/>
+              </a:spcBef>
+              <a:spcAft>
+                <a:spcPts val="0"/>
+              </a:spcAft>
+              <a:buClr>
+                <a:schemeClr val="dk1"/>
+              </a:buClr>
+              <a:buSzPts val="2000"/>
+              <a:buFont typeface="Arial"/>
+              <a:buChar char="•"/>
+              <a:defRPr sz="3022" b="0" i="0" u="none" strike="noStrike" cap="none">
+                <a:solidFill>
+                  <a:schemeClr val="dk1"/>
+                </a:solidFill>
+                <a:latin typeface="Arial"/>
+                <a:ea typeface="Arial"/>
+                <a:cs typeface="Arial"/>
+                <a:sym typeface="Arial"/>
+              </a:defRPr>
+            </a:lvl7pPr>
+            <a:lvl8pPr marL="5526999" marR="0" lvl="7" indent="-537347" algn="l" rtl="0">
+              <a:spcBef>
+                <a:spcPts val="604"/>
+              </a:spcBef>
+              <a:spcAft>
+                <a:spcPts val="0"/>
+              </a:spcAft>
+              <a:buClr>
+                <a:schemeClr val="dk1"/>
+              </a:buClr>
+              <a:buSzPts val="2000"/>
+              <a:buFont typeface="Arial"/>
+              <a:buChar char="•"/>
+              <a:defRPr sz="3022" b="0" i="0" u="none" strike="noStrike" cap="none">
+                <a:solidFill>
+                  <a:schemeClr val="dk1"/>
+                </a:solidFill>
+                <a:latin typeface="Arial"/>
+                <a:ea typeface="Arial"/>
+                <a:cs typeface="Arial"/>
+                <a:sym typeface="Arial"/>
+              </a:defRPr>
+            </a:lvl8pPr>
+            <a:lvl9pPr marL="6217874" marR="0" lvl="8" indent="-537347" algn="l" rtl="0">
+              <a:spcBef>
+                <a:spcPts val="604"/>
+              </a:spcBef>
+              <a:spcAft>
+                <a:spcPts val="0"/>
+              </a:spcAft>
+              <a:buClr>
+                <a:schemeClr val="dk1"/>
+              </a:buClr>
+              <a:buSzPts val="2000"/>
+              <a:buFont typeface="Arial"/>
+              <a:buChar char="•"/>
+              <a:defRPr sz="3022" b="0" i="0" u="none" strike="noStrike" cap="none">
+                <a:solidFill>
+                  <a:schemeClr val="dk1"/>
+                </a:solidFill>
+                <a:latin typeface="Arial"/>
+                <a:ea typeface="Arial"/>
+                <a:cs typeface="Arial"/>
+                <a:sym typeface="Arial"/>
+              </a:defRPr>
+            </a:lvl9pPr>
+          </a:lstStyle>
+          <a:p>
+            <a:endParaRPr/>
+          </a:p>
+        </p:txBody>
+      </p:sp>
+    </p:spTree>
+    <p:extLst>
+      <p:ext uri="{BB962C8B-B14F-4D97-AF65-F5344CB8AC3E}">
+        <p14:creationId xmlns:p14="http://schemas.microsoft.com/office/powerpoint/2010/main" val="2928133614"/>
+      </p:ext>
+    </p:extLst>
+  </p:cSld>
+  <p:clrMapOvr>
+    <a:masterClrMapping/>
+  </p:clrMapOvr>
+  <p:transition>
+    <p:fade/>
+  </p:transition>
+</p:sldLayout>
+</file>
+
 <file path=ppt/slideLayouts/slideLayout3.xml><?xml version="1.0" encoding="utf-8"?>
 <p:sldLayout xmlns:a="http://schemas.openxmlformats.org/drawingml/2006/main" xmlns:r="http://schemas.openxmlformats.org/officeDocument/2006/relationships" xmlns:p="http://schemas.openxmlformats.org/presentationml/2006/main" preserve="1" userDrawn="1">
   <p:cSld name="Title Green Ram CSU">
@@ -6316,6 +7204,7 @@
     <p:sldLayoutId id="2147483677" r:id="rId22"/>
     <p:sldLayoutId id="2147483692" r:id="rId23"/>
     <p:sldLayoutId id="2147483672" r:id="rId24"/>
+    <p:sldLayoutId id="2147483693" r:id="rId25"/>
   </p:sldLayoutIdLst>
   <mc:AlternateContent xmlns:mc="http://schemas.openxmlformats.org/markup-compatibility/2006" xmlns:p14="http://schemas.microsoft.com/office/powerpoint/2010/main">
     <mc:Choice Requires="p14">
@@ -6708,7 +7597,495 @@
 </p:sld>
 </file>
 
+<file path=ppt/slides/slide10.xml><?xml version="1.0" encoding="utf-8"?>
+<p:sld xmlns:a="http://schemas.openxmlformats.org/drawingml/2006/main" xmlns:r="http://schemas.openxmlformats.org/officeDocument/2006/relationships" xmlns:p="http://schemas.openxmlformats.org/presentationml/2006/main">
+  <p:cSld>
+    <p:spTree>
+      <p:nvGrpSpPr>
+        <p:cNvPr id="1" name=""/>
+        <p:cNvGrpSpPr/>
+        <p:nvPr/>
+      </p:nvGrpSpPr>
+      <p:grpSpPr>
+        <a:xfrm>
+          <a:off x="0" y="0"/>
+          <a:ext cx="0" cy="0"/>
+          <a:chOff x="0" y="0"/>
+          <a:chExt cx="0" cy="0"/>
+        </a:xfrm>
+      </p:grpSpPr>
+      <p:sp>
+        <p:nvSpPr>
+          <p:cNvPr id="2" name="Title 1">
+            <a:extLst>
+              <a:ext uri="{FF2B5EF4-FFF2-40B4-BE49-F238E27FC236}">
+                <a16:creationId xmlns:a16="http://schemas.microsoft.com/office/drawing/2014/main" id="{ECF0639A-2606-1D4E-BA53-6D607171AEAF}"/>
+              </a:ext>
+            </a:extLst>
+          </p:cNvPr>
+          <p:cNvSpPr>
+            <a:spLocks noGrp="1"/>
+          </p:cNvSpPr>
+          <p:nvPr>
+            <p:ph type="title"/>
+          </p:nvPr>
+        </p:nvSpPr>
+        <p:spPr/>
+        <p:txBody>
+          <a:bodyPr/>
+          <a:lstStyle/>
+          <a:p>
+            <a:r>
+              <a:rPr lang="en-US" dirty="0"/>
+              <a:t>Last but not least</a:t>
+            </a:r>
+          </a:p>
+        </p:txBody>
+      </p:sp>
+      <p:sp>
+        <p:nvSpPr>
+          <p:cNvPr id="3" name="Text Placeholder 2">
+            <a:extLst>
+              <a:ext uri="{FF2B5EF4-FFF2-40B4-BE49-F238E27FC236}">
+                <a16:creationId xmlns:a16="http://schemas.microsoft.com/office/drawing/2014/main" id="{E37EEB9F-F492-BF44-96E6-342CAC543EE6}"/>
+              </a:ext>
+            </a:extLst>
+          </p:cNvPr>
+          <p:cNvSpPr>
+            <a:spLocks noGrp="1"/>
+          </p:cNvSpPr>
+          <p:nvPr>
+            <p:ph type="body" sz="quarter" idx="10"/>
+          </p:nvPr>
+        </p:nvSpPr>
+        <p:spPr>
+          <a:xfrm>
+            <a:off x="628075" y="1776683"/>
+            <a:ext cx="12561453" cy="2426562"/>
+          </a:xfrm>
+        </p:spPr>
+        <p:txBody>
+          <a:bodyPr/>
+          <a:lstStyle/>
+          <a:p>
+            <a:r>
+              <a:rPr lang="en-US" dirty="0"/>
+              <a:t>Thank you!!!</a:t>
+            </a:r>
+          </a:p>
+          <a:p>
+            <a:endParaRPr lang="en-US" dirty="0"/>
+          </a:p>
+          <a:p>
+            <a:r>
+              <a:rPr lang="en-US" dirty="0"/>
+              <a:t>Please fill out course survey</a:t>
+            </a:r>
+          </a:p>
+          <a:p>
+            <a:endParaRPr lang="en-US" dirty="0"/>
+          </a:p>
+          <a:p>
+            <a:r>
+              <a:rPr lang="en-US" dirty="0"/>
+              <a:t>Keep coding, keep learning, and we hope to see you in CS 165</a:t>
+            </a:r>
+          </a:p>
+        </p:txBody>
+      </p:sp>
+      <p:pic>
+        <p:nvPicPr>
+          <p:cNvPr id="4" name="Picture 3">
+            <a:extLst>
+              <a:ext uri="{FF2B5EF4-FFF2-40B4-BE49-F238E27FC236}">
+                <a16:creationId xmlns:a16="http://schemas.microsoft.com/office/drawing/2014/main" id="{D77678DE-2B83-9F4D-A7A8-B9E77E1098FB}"/>
+              </a:ext>
+            </a:extLst>
+          </p:cNvPr>
+          <p:cNvPicPr>
+            <a:picLocks noChangeAspect="1"/>
+          </p:cNvPicPr>
+          <p:nvPr/>
+        </p:nvPicPr>
+        <p:blipFill>
+          <a:blip r:embed="rId2"/>
+          <a:stretch>
+            <a:fillRect/>
+          </a:stretch>
+        </p:blipFill>
+        <p:spPr>
+          <a:xfrm>
+            <a:off x="4581172" y="2499783"/>
+            <a:ext cx="2171700" cy="1282700"/>
+          </a:xfrm>
+          <a:prstGeom prst="rect">
+            <a:avLst/>
+          </a:prstGeom>
+        </p:spPr>
+      </p:pic>
+    </p:spTree>
+    <p:extLst>
+      <p:ext uri="{BB962C8B-B14F-4D97-AF65-F5344CB8AC3E}">
+        <p14:creationId xmlns:p14="http://schemas.microsoft.com/office/powerpoint/2010/main" val="2131549678"/>
+      </p:ext>
+    </p:extLst>
+  </p:cSld>
+  <p:clrMapOvr>
+    <a:masterClrMapping/>
+  </p:clrMapOvr>
+  <mc:AlternateContent xmlns:mc="http://schemas.openxmlformats.org/markup-compatibility/2006" xmlns:p14="http://schemas.microsoft.com/office/powerpoint/2010/main">
+    <mc:Choice Requires="p14">
+      <p:transition p14:dur="300">
+        <p:fade/>
+      </p:transition>
+    </mc:Choice>
+    <mc:Fallback xmlns="">
+      <p:transition>
+        <p:fade/>
+      </p:transition>
+    </mc:Fallback>
+  </mc:AlternateContent>
+</p:sld>
+</file>
+
 <file path=ppt/slides/slide2.xml><?xml version="1.0" encoding="utf-8"?>
+<p:sld xmlns:a="http://schemas.openxmlformats.org/drawingml/2006/main" xmlns:r="http://schemas.openxmlformats.org/officeDocument/2006/relationships" xmlns:p="http://schemas.openxmlformats.org/presentationml/2006/main">
+  <p:cSld>
+    <p:spTree>
+      <p:nvGrpSpPr>
+        <p:cNvPr id="1" name=""/>
+        <p:cNvGrpSpPr/>
+        <p:nvPr/>
+      </p:nvGrpSpPr>
+      <p:grpSpPr>
+        <a:xfrm>
+          <a:off x="0" y="0"/>
+          <a:ext cx="0" cy="0"/>
+          <a:chOff x="0" y="0"/>
+          <a:chExt cx="0" cy="0"/>
+        </a:xfrm>
+      </p:grpSpPr>
+      <p:sp>
+        <p:nvSpPr>
+          <p:cNvPr id="4" name="Title 3">
+            <a:extLst>
+              <a:ext uri="{FF2B5EF4-FFF2-40B4-BE49-F238E27FC236}">
+                <a16:creationId xmlns:a16="http://schemas.microsoft.com/office/drawing/2014/main" id="{119AD8F2-D5DB-A84B-A5B3-F7935E3E6D1D}"/>
+              </a:ext>
+            </a:extLst>
+          </p:cNvPr>
+          <p:cNvSpPr>
+            <a:spLocks noGrp="1"/>
+          </p:cNvSpPr>
+          <p:nvPr>
+            <p:ph type="title"/>
+          </p:nvPr>
+        </p:nvSpPr>
+        <p:spPr>
+          <a:xfrm>
+            <a:off x="628076" y="607804"/>
+            <a:ext cx="5642096" cy="916848"/>
+          </a:xfrm>
+        </p:spPr>
+        <p:txBody>
+          <a:bodyPr/>
+          <a:lstStyle/>
+          <a:p>
+            <a:r>
+              <a:rPr lang="en-US" dirty="0"/>
+              <a:t>Announcements</a:t>
+            </a:r>
+          </a:p>
+        </p:txBody>
+      </p:sp>
+      <p:sp>
+        <p:nvSpPr>
+          <p:cNvPr id="5" name="Text Placeholder 4">
+            <a:extLst>
+              <a:ext uri="{FF2B5EF4-FFF2-40B4-BE49-F238E27FC236}">
+                <a16:creationId xmlns:a16="http://schemas.microsoft.com/office/drawing/2014/main" id="{1BBD0DB5-379A-304F-9307-E7B1A89B08F7}"/>
+              </a:ext>
+            </a:extLst>
+          </p:cNvPr>
+          <p:cNvSpPr>
+            <a:spLocks noGrp="1"/>
+          </p:cNvSpPr>
+          <p:nvPr>
+            <p:ph type="body" idx="1"/>
+          </p:nvPr>
+        </p:nvSpPr>
+        <p:spPr>
+          <a:xfrm>
+            <a:off x="628076" y="1826093"/>
+            <a:ext cx="8704610" cy="3311805"/>
+          </a:xfrm>
+        </p:spPr>
+        <p:txBody>
+          <a:bodyPr>
+            <a:normAutofit/>
+          </a:bodyPr>
+          <a:lstStyle/>
+          <a:p>
+            <a:r>
+              <a:rPr lang="en-US" dirty="0"/>
+              <a:t>NEXT Week (week before finals)</a:t>
+            </a:r>
+          </a:p>
+          <a:p>
+            <a:pPr lvl="1"/>
+            <a:r>
+              <a:rPr lang="en-US" dirty="0"/>
+              <a:t>Monday, Wednesday – Review Lectures</a:t>
+            </a:r>
+          </a:p>
+          <a:p>
+            <a:pPr lvl="1"/>
+            <a:r>
+              <a:rPr lang="en-US" dirty="0"/>
+              <a:t>Friday – Early Take Option, Final Exam</a:t>
+            </a:r>
+          </a:p>
+          <a:p>
+            <a:pPr lvl="1"/>
+            <a:r>
+              <a:rPr lang="en-US" dirty="0"/>
+              <a:t>Help Desk Closes on the *due date* of the last assignment (not late window)</a:t>
+            </a:r>
+          </a:p>
+          <a:p>
+            <a:pPr lvl="2"/>
+            <a:r>
+              <a:rPr lang="en-US" dirty="0"/>
+              <a:t>HELP DESK CLOSES - December 9</a:t>
+            </a:r>
+            <a:r>
+              <a:rPr lang="en-US" baseline="30000" dirty="0"/>
+              <a:t>th</a:t>
+            </a:r>
+            <a:r>
+              <a:rPr lang="en-US" dirty="0"/>
+              <a:t>! </a:t>
+            </a:r>
+          </a:p>
+          <a:p>
+            <a:r>
+              <a:rPr lang="en-US" dirty="0"/>
+              <a:t>Finals Week</a:t>
+            </a:r>
+          </a:p>
+          <a:p>
+            <a:pPr lvl="1"/>
+            <a:r>
+              <a:rPr lang="en-US" dirty="0"/>
+              <a:t>Monday – early take option, and then scheduled exam time</a:t>
+            </a:r>
+          </a:p>
+          <a:p>
+            <a:pPr marL="230292" indent="0">
+              <a:buNone/>
+            </a:pPr>
+            <a:endParaRPr lang="en-US" dirty="0"/>
+          </a:p>
+        </p:txBody>
+      </p:sp>
+      <p:sp>
+        <p:nvSpPr>
+          <p:cNvPr id="6" name="TextBox 5">
+            <a:extLst>
+              <a:ext uri="{FF2B5EF4-FFF2-40B4-BE49-F238E27FC236}">
+                <a16:creationId xmlns:a16="http://schemas.microsoft.com/office/drawing/2014/main" id="{32A3B87A-BBC0-704B-AC99-3984206450D5}"/>
+              </a:ext>
+            </a:extLst>
+          </p:cNvPr>
+          <p:cNvSpPr txBox="1"/>
+          <p:nvPr/>
+        </p:nvSpPr>
+        <p:spPr>
+          <a:xfrm>
+            <a:off x="9634356" y="1660010"/>
+            <a:ext cx="3892958" cy="1487523"/>
+          </a:xfrm>
+          <a:prstGeom prst="rect">
+            <a:avLst/>
+          </a:prstGeom>
+          <a:noFill/>
+        </p:spPr>
+        <p:txBody>
+          <a:bodyPr wrap="square" rtlCol="0">
+            <a:spAutoFit/>
+          </a:bodyPr>
+          <a:lstStyle/>
+          <a:p>
+            <a:r>
+              <a:rPr lang="en-US" sz="3022" dirty="0" err="1"/>
+              <a:t>Todo</a:t>
+            </a:r>
+            <a:r>
+              <a:rPr lang="en-US" sz="3022" dirty="0"/>
+              <a:t>:</a:t>
+            </a:r>
+          </a:p>
+          <a:p>
+            <a:r>
+              <a:rPr lang="en-US" sz="3022" dirty="0"/>
+              <a:t>Finish Practical 5 </a:t>
+            </a:r>
+          </a:p>
+          <a:p>
+            <a:endParaRPr lang="en-US" sz="3022" dirty="0"/>
+          </a:p>
+        </p:txBody>
+      </p:sp>
+      <p:sp>
+        <p:nvSpPr>
+          <p:cNvPr id="7" name="TextBox 6">
+            <a:extLst>
+              <a:ext uri="{FF2B5EF4-FFF2-40B4-BE49-F238E27FC236}">
+                <a16:creationId xmlns:a16="http://schemas.microsoft.com/office/drawing/2014/main" id="{BF16D510-BC74-4FA5-AFD2-193B039115A5}"/>
+              </a:ext>
+            </a:extLst>
+          </p:cNvPr>
+          <p:cNvSpPr txBox="1"/>
+          <p:nvPr/>
+        </p:nvSpPr>
+        <p:spPr>
+          <a:xfrm>
+            <a:off x="7228114" y="362857"/>
+            <a:ext cx="6125029" cy="707886"/>
+          </a:xfrm>
+          <a:prstGeom prst="rect">
+            <a:avLst/>
+          </a:prstGeom>
+          <a:solidFill>
+            <a:schemeClr val="accent2"/>
+          </a:solidFill>
+        </p:spPr>
+        <p:txBody>
+          <a:bodyPr wrap="square" rtlCol="0">
+            <a:spAutoFit/>
+          </a:bodyPr>
+          <a:lstStyle/>
+          <a:p>
+            <a:r>
+              <a:rPr lang="en-US" b="1" dirty="0"/>
+              <a:t>Opening Question: </a:t>
+            </a:r>
+          </a:p>
+          <a:p>
+            <a:r>
+              <a:rPr lang="en-US" dirty="0"/>
+              <a:t>How is your Practical 5?</a:t>
+            </a:r>
+          </a:p>
+        </p:txBody>
+      </p:sp>
+      <p:sp>
+        <p:nvSpPr>
+          <p:cNvPr id="8" name="TextBox 7">
+            <a:extLst>
+              <a:ext uri="{FF2B5EF4-FFF2-40B4-BE49-F238E27FC236}">
+                <a16:creationId xmlns:a16="http://schemas.microsoft.com/office/drawing/2014/main" id="{BAB4692C-71C9-4BC4-AAC6-FCD7E7C27E03}"/>
+              </a:ext>
+            </a:extLst>
+          </p:cNvPr>
+          <p:cNvSpPr txBox="1"/>
+          <p:nvPr/>
+        </p:nvSpPr>
+        <p:spPr>
+          <a:xfrm>
+            <a:off x="1469903" y="5591807"/>
+            <a:ext cx="12057411" cy="1754326"/>
+          </a:xfrm>
+          <a:prstGeom prst="rect">
+            <a:avLst/>
+          </a:prstGeom>
+          <a:noFill/>
+          <a:ln>
+            <a:solidFill>
+              <a:schemeClr val="accent5"/>
+            </a:solidFill>
+          </a:ln>
+        </p:spPr>
+        <p:txBody>
+          <a:bodyPr wrap="square">
+            <a:spAutoFit/>
+          </a:bodyPr>
+          <a:lstStyle/>
+          <a:p>
+            <a:r>
+              <a:rPr lang="en-US" sz="1800" dirty="0"/>
+              <a:t>CS 165 – Next Course In Sequence (also 201 is popular with 165)</a:t>
+            </a:r>
+          </a:p>
+          <a:p>
+            <a:pPr marL="342900" indent="-342900">
+              <a:buFont typeface="Arial" panose="020B0604020202020204" pitchFamily="34" charset="0"/>
+              <a:buChar char="•"/>
+            </a:pPr>
+            <a:r>
+              <a:rPr lang="en-US" sz="1800" dirty="0"/>
+              <a:t>CO Jobs Report 2021 – 77% of *all* new jobs in Colorado require programming</a:t>
+            </a:r>
+          </a:p>
+          <a:p>
+            <a:pPr marL="342900" indent="-342900">
+              <a:buFont typeface="Arial" panose="020B0604020202020204" pitchFamily="34" charset="0"/>
+              <a:buChar char="•"/>
+            </a:pPr>
+            <a:r>
+              <a:rPr lang="en-US" sz="1800" dirty="0"/>
+              <a:t>60% of all STEM jobs requires *advanced* (200-300 level) </a:t>
+            </a:r>
+          </a:p>
+          <a:p>
+            <a:pPr marL="342900" indent="-342900">
+              <a:buFont typeface="Arial" panose="020B0604020202020204" pitchFamily="34" charset="0"/>
+              <a:buChar char="•"/>
+            </a:pPr>
+            <a:r>
+              <a:rPr lang="en-US" sz="1800" dirty="0"/>
+              <a:t>31% of all Bachelor of Arts degree titled jobs also required coding skills </a:t>
+            </a:r>
+          </a:p>
+          <a:p>
+            <a:pPr marL="342900" indent="-342900">
+              <a:buFont typeface="Arial" panose="020B0604020202020204" pitchFamily="34" charset="0"/>
+              <a:buChar char="•"/>
+            </a:pPr>
+            <a:r>
+              <a:rPr lang="en-US" sz="1800" dirty="0"/>
+              <a:t>2016 Report found on average jobs that require coding skills paid $22,000 more</a:t>
+            </a:r>
+          </a:p>
+          <a:p>
+            <a:pPr marL="342900" indent="-342900">
+              <a:buFont typeface="Arial" panose="020B0604020202020204" pitchFamily="34" charset="0"/>
+              <a:buChar char="•"/>
+            </a:pPr>
+            <a:r>
+              <a:rPr lang="en-US" sz="1800" dirty="0"/>
+              <a:t>Math and Stats majors, at least consider CS 220 (Discrete Structures) – substitutes in your program requirements</a:t>
+            </a:r>
+          </a:p>
+        </p:txBody>
+      </p:sp>
+    </p:spTree>
+    <p:extLst>
+      <p:ext uri="{BB962C8B-B14F-4D97-AF65-F5344CB8AC3E}">
+        <p14:creationId xmlns:p14="http://schemas.microsoft.com/office/powerpoint/2010/main" val="926474781"/>
+      </p:ext>
+    </p:extLst>
+  </p:cSld>
+  <p:clrMapOvr>
+    <a:masterClrMapping/>
+  </p:clrMapOvr>
+  <p:transition>
+    <p:fade/>
+  </p:transition>
+</p:sld>
+</file>
+
+<file path=ppt/slides/slide3.xml><?xml version="1.0" encoding="utf-8"?>
 <p:sld xmlns:a="http://schemas.openxmlformats.org/drawingml/2006/main" xmlns:r="http://schemas.openxmlformats.org/officeDocument/2006/relationships" xmlns:p="http://schemas.openxmlformats.org/presentationml/2006/main">
   <p:cSld>
     <p:spTree>
@@ -6905,7 +8282,7 @@
 </p:sld>
 </file>
 
-<file path=ppt/slides/slide3.xml><?xml version="1.0" encoding="utf-8"?>
+<file path=ppt/slides/slide4.xml><?xml version="1.0" encoding="utf-8"?>
 <p:sld xmlns:a="http://schemas.openxmlformats.org/drawingml/2006/main" xmlns:r="http://schemas.openxmlformats.org/officeDocument/2006/relationships" xmlns:p="http://schemas.openxmlformats.org/presentationml/2006/main">
   <p:cSld>
     <p:spTree>
@@ -6945,7 +8322,7 @@
           <a:p>
             <a:r>
               <a:rPr lang="en-US" dirty="0"/>
-              <a:t>Linked List</a:t>
+              <a:t>LinkedList</a:t>
             </a:r>
           </a:p>
         </p:txBody>
@@ -7073,7 +8450,7 @@
         <p:spPr>
           <a:xfrm>
             <a:off x="5793993" y="47949"/>
-            <a:ext cx="8023607" cy="400110"/>
+            <a:ext cx="8023607" cy="1015663"/>
           </a:xfrm>
           <a:prstGeom prst="rect">
             <a:avLst/>
@@ -7095,6 +8472,40 @@
                 <a:hlinkClick r:id="rId2"/>
               </a:rPr>
               <a:t>https://www.geeksforgeeks.org/linked-list-in-java/</a:t>
+            </a:r>
+            <a:endParaRPr lang="en-US" dirty="0"/>
+          </a:p>
+          <a:p>
+            <a:r>
+              <a:rPr lang="en-US" dirty="0"/>
+              <a:t>Simulator: </a:t>
+            </a:r>
+            <a:r>
+              <a:rPr lang="en-US" dirty="0" err="1"/>
+              <a:t>Visualgo</a:t>
+            </a:r>
+            <a:r>
+              <a:rPr lang="en-US" dirty="0"/>
+              <a:t>: </a:t>
+            </a:r>
+            <a:r>
+              <a:rPr lang="en-US" dirty="0">
+                <a:hlinkClick r:id="rId3"/>
+              </a:rPr>
+              <a:t>https://visualgo.net/en/list</a:t>
+            </a:r>
+            <a:endParaRPr lang="en-US" dirty="0"/>
+          </a:p>
+          <a:p>
+            <a:r>
+              <a:rPr lang="en-US" dirty="0"/>
+              <a:t>Blockchain: </a:t>
+            </a:r>
+            <a:r>
+              <a:rPr lang="en-US" dirty="0">
+                <a:hlinkClick r:id="rId4"/>
+              </a:rPr>
+              <a:t>https://www.ibm.com/topics/what-is-blockchain</a:t>
             </a:r>
             <a:r>
               <a:rPr lang="en-US" dirty="0"/>
@@ -7118,10 +8529,10 @@
           <p:nvPr/>
         </p:nvPicPr>
         <p:blipFill>
-          <a:blip r:embed="rId3">
+          <a:blip r:embed="rId5">
             <a:extLst>
               <a:ext uri="{837473B0-CC2E-450A-ABE3-18F120FF3D39}">
-                <a1611:picAttrSrcUrl xmlns:a1611="http://schemas.microsoft.com/office/drawing/2016/11/main" r:id="rId4"/>
+                <a1611:picAttrSrcUrl xmlns:a1611="http://schemas.microsoft.com/office/drawing/2016/11/main" r:id="rId6"/>
               </a:ext>
             </a:extLst>
           </a:blip>
@@ -7404,678 +8815,6 @@
 </p:sld>
 </file>
 
-<file path=ppt/slides/slide4.xml><?xml version="1.0" encoding="utf-8"?>
-<p:sld xmlns:a="http://schemas.openxmlformats.org/drawingml/2006/main" xmlns:r="http://schemas.openxmlformats.org/officeDocument/2006/relationships" xmlns:p="http://schemas.openxmlformats.org/presentationml/2006/main">
-  <p:cSld>
-    <p:spTree>
-      <p:nvGrpSpPr>
-        <p:cNvPr id="1" name=""/>
-        <p:cNvGrpSpPr/>
-        <p:nvPr/>
-      </p:nvGrpSpPr>
-      <p:grpSpPr>
-        <a:xfrm>
-          <a:off x="0" y="0"/>
-          <a:ext cx="0" cy="0"/>
-          <a:chOff x="0" y="0"/>
-          <a:chExt cx="0" cy="0"/>
-        </a:xfrm>
-      </p:grpSpPr>
-      <p:sp>
-        <p:nvSpPr>
-          <p:cNvPr id="2" name="Title 1">
-            <a:extLst>
-              <a:ext uri="{FF2B5EF4-FFF2-40B4-BE49-F238E27FC236}">
-                <a16:creationId xmlns:a16="http://schemas.microsoft.com/office/drawing/2014/main" id="{88AE3598-7F95-7245-BF60-EA577FD87AA5}"/>
-              </a:ext>
-            </a:extLst>
-          </p:cNvPr>
-          <p:cNvSpPr>
-            <a:spLocks noGrp="1"/>
-          </p:cNvSpPr>
-          <p:nvPr>
-            <p:ph type="title"/>
-          </p:nvPr>
-        </p:nvSpPr>
-        <p:spPr/>
-        <p:txBody>
-          <a:bodyPr/>
-          <a:lstStyle/>
-          <a:p>
-            <a:r>
-              <a:rPr lang="en-US" dirty="0"/>
-              <a:t>Map</a:t>
-            </a:r>
-          </a:p>
-        </p:txBody>
-      </p:sp>
-      <p:sp>
-        <p:nvSpPr>
-          <p:cNvPr id="3" name="Text Placeholder 2">
-            <a:extLst>
-              <a:ext uri="{FF2B5EF4-FFF2-40B4-BE49-F238E27FC236}">
-                <a16:creationId xmlns:a16="http://schemas.microsoft.com/office/drawing/2014/main" id="{E224CD26-AE72-4442-A08A-920C27D956E2}"/>
-              </a:ext>
-            </a:extLst>
-          </p:cNvPr>
-          <p:cNvSpPr>
-            <a:spLocks noGrp="1"/>
-          </p:cNvSpPr>
-          <p:nvPr>
-            <p:ph type="body" sz="quarter" idx="10"/>
-          </p:nvPr>
-        </p:nvSpPr>
-        <p:spPr>
-          <a:xfrm>
-            <a:off x="628075" y="1776683"/>
-            <a:ext cx="12561453" cy="2575129"/>
-          </a:xfrm>
-        </p:spPr>
-        <p:txBody>
-          <a:bodyPr/>
-          <a:lstStyle/>
-          <a:p>
-            <a:r>
-              <a:rPr lang="en-US" dirty="0"/>
-              <a:t>What if you had key value pairs?</a:t>
-            </a:r>
-          </a:p>
-          <a:p>
-            <a:r>
-              <a:rPr lang="en-US" dirty="0"/>
-              <a:t>Example: Your address points to your house</a:t>
-            </a:r>
-          </a:p>
-          <a:p>
-            <a:pPr lvl="1"/>
-            <a:r>
-              <a:rPr lang="en-US" dirty="0"/>
-              <a:t>Does a book of addresses, store all the information about your house?</a:t>
-            </a:r>
-          </a:p>
-          <a:p>
-            <a:pPr lvl="1"/>
-            <a:r>
-              <a:rPr lang="en-US" dirty="0"/>
-              <a:t>Or simply the address, that can get the info?</a:t>
-            </a:r>
-          </a:p>
-          <a:p>
-            <a:r>
-              <a:rPr lang="en-US" dirty="0"/>
-              <a:t>Introducing </a:t>
-            </a:r>
-            <a:r>
-              <a:rPr lang="en-US" b="1" dirty="0"/>
-              <a:t>Maps</a:t>
-            </a:r>
-          </a:p>
-          <a:p>
-            <a:pPr lvl="1"/>
-            <a:r>
-              <a:rPr lang="en-US" dirty="0"/>
-              <a:t>Pairs keys to values</a:t>
-            </a:r>
-          </a:p>
-        </p:txBody>
-      </p:sp>
-      <p:sp>
-        <p:nvSpPr>
-          <p:cNvPr id="4" name="TextBox 3">
-            <a:extLst>
-              <a:ext uri="{FF2B5EF4-FFF2-40B4-BE49-F238E27FC236}">
-                <a16:creationId xmlns:a16="http://schemas.microsoft.com/office/drawing/2014/main" id="{7CD46E52-6D8F-B944-A0D3-448E75382E9B}"/>
-              </a:ext>
-            </a:extLst>
-          </p:cNvPr>
-          <p:cNvSpPr txBox="1"/>
-          <p:nvPr/>
-        </p:nvSpPr>
-        <p:spPr>
-          <a:xfrm>
-            <a:off x="3115375" y="47949"/>
-            <a:ext cx="10702225" cy="400110"/>
-          </a:xfrm>
-          <a:prstGeom prst="rect">
-            <a:avLst/>
-          </a:prstGeom>
-          <a:noFill/>
-        </p:spPr>
-        <p:txBody>
-          <a:bodyPr wrap="none" rtlCol="0">
-            <a:spAutoFit/>
-          </a:bodyPr>
-          <a:lstStyle/>
-          <a:p>
-            <a:r>
-              <a:rPr lang="en-US" dirty="0"/>
-              <a:t>Additional Reading: </a:t>
-            </a:r>
-            <a:r>
-              <a:rPr lang="en-US" dirty="0">
-                <a:hlinkClick r:id="rId2"/>
-              </a:rPr>
-              <a:t>https://www.geeksforgeeks.org/java-util-hashmap-in-java-with-examples/</a:t>
-            </a:r>
-            <a:endParaRPr lang="en-US" dirty="0"/>
-          </a:p>
-        </p:txBody>
-      </p:sp>
-      <p:sp>
-        <p:nvSpPr>
-          <p:cNvPr id="5" name="Rectangle 4">
-            <a:extLst>
-              <a:ext uri="{FF2B5EF4-FFF2-40B4-BE49-F238E27FC236}">
-                <a16:creationId xmlns:a16="http://schemas.microsoft.com/office/drawing/2014/main" id="{80FE7AD7-2774-B543-91B8-4B4FE1A61B91}"/>
-              </a:ext>
-            </a:extLst>
-          </p:cNvPr>
-          <p:cNvSpPr/>
-          <p:nvPr/>
-        </p:nvSpPr>
-        <p:spPr>
-          <a:xfrm>
-            <a:off x="628075" y="4694046"/>
-            <a:ext cx="9791700" cy="1569660"/>
-          </a:xfrm>
-          <a:prstGeom prst="rect">
-            <a:avLst/>
-          </a:prstGeom>
-          <a:ln>
-            <a:solidFill>
-              <a:schemeClr val="tx1"/>
-            </a:solidFill>
-          </a:ln>
-        </p:spPr>
-        <p:txBody>
-          <a:bodyPr wrap="square">
-            <a:spAutoFit/>
-          </a:bodyPr>
-          <a:lstStyle/>
-          <a:p>
-            <a:r>
-              <a:rPr lang="en-US" sz="1600" dirty="0">
-                <a:latin typeface="Consolas" panose="020B0609020204030204" pitchFamily="49" charset="0"/>
-                <a:cs typeface="Consolas" panose="020B0609020204030204" pitchFamily="49" charset="0"/>
-              </a:rPr>
-              <a:t>HashMap&lt;String</a:t>
-            </a:r>
-            <a:r>
-              <a:rPr lang="en-US" sz="1600" dirty="0">
-                <a:solidFill>
-                  <a:srgbClr val="CC7832"/>
-                </a:solidFill>
-                <a:latin typeface="Consolas" panose="020B0609020204030204" pitchFamily="49" charset="0"/>
-                <a:cs typeface="Consolas" panose="020B0609020204030204" pitchFamily="49" charset="0"/>
-              </a:rPr>
-              <a:t>, </a:t>
-            </a:r>
-            <a:r>
-              <a:rPr lang="en-US" sz="1600" dirty="0">
-                <a:latin typeface="Consolas" panose="020B0609020204030204" pitchFamily="49" charset="0"/>
-                <a:cs typeface="Consolas" panose="020B0609020204030204" pitchFamily="49" charset="0"/>
-              </a:rPr>
-              <a:t>String&gt; contacts = </a:t>
-            </a:r>
-            <a:r>
-              <a:rPr lang="en-US" sz="1600" dirty="0">
-                <a:solidFill>
-                  <a:srgbClr val="CC7832"/>
-                </a:solidFill>
-                <a:latin typeface="Consolas" panose="020B0609020204030204" pitchFamily="49" charset="0"/>
-                <a:cs typeface="Consolas" panose="020B0609020204030204" pitchFamily="49" charset="0"/>
-              </a:rPr>
-              <a:t>new </a:t>
-            </a:r>
-            <a:r>
-              <a:rPr lang="en-US" sz="1600" dirty="0">
-                <a:latin typeface="Consolas" panose="020B0609020204030204" pitchFamily="49" charset="0"/>
-                <a:cs typeface="Consolas" panose="020B0609020204030204" pitchFamily="49" charset="0"/>
-              </a:rPr>
-              <a:t>HashMap&lt;&gt;()</a:t>
-            </a:r>
-            <a:r>
-              <a:rPr lang="en-US" sz="1600" dirty="0">
-                <a:solidFill>
-                  <a:srgbClr val="CC7832"/>
-                </a:solidFill>
-                <a:latin typeface="Consolas" panose="020B0609020204030204" pitchFamily="49" charset="0"/>
-                <a:cs typeface="Consolas" panose="020B0609020204030204" pitchFamily="49" charset="0"/>
-              </a:rPr>
-              <a:t>;</a:t>
-            </a:r>
-            <a:br>
-              <a:rPr lang="en-US" sz="1600" dirty="0">
-                <a:solidFill>
-                  <a:srgbClr val="CC7832"/>
-                </a:solidFill>
-                <a:latin typeface="Consolas" panose="020B0609020204030204" pitchFamily="49" charset="0"/>
-                <a:cs typeface="Consolas" panose="020B0609020204030204" pitchFamily="49" charset="0"/>
-              </a:rPr>
-            </a:br>
-            <a:r>
-              <a:rPr lang="en-US" sz="1600" dirty="0" err="1">
-                <a:latin typeface="Consolas" panose="020B0609020204030204" pitchFamily="49" charset="0"/>
-                <a:cs typeface="Consolas" panose="020B0609020204030204" pitchFamily="49" charset="0"/>
-              </a:rPr>
-              <a:t>contacts.put</a:t>
-            </a:r>
-            <a:r>
-              <a:rPr lang="en-US" sz="1600" dirty="0">
-                <a:latin typeface="Consolas" panose="020B0609020204030204" pitchFamily="49" charset="0"/>
-                <a:cs typeface="Consolas" panose="020B0609020204030204" pitchFamily="49" charset="0"/>
-              </a:rPr>
-              <a:t>(</a:t>
-            </a:r>
-            <a:r>
-              <a:rPr lang="en-US" sz="1600" dirty="0">
-                <a:solidFill>
-                  <a:srgbClr val="6A8759"/>
-                </a:solidFill>
-                <a:latin typeface="Consolas" panose="020B0609020204030204" pitchFamily="49" charset="0"/>
-                <a:cs typeface="Consolas" panose="020B0609020204030204" pitchFamily="49" charset="0"/>
-              </a:rPr>
-              <a:t>"</a:t>
-            </a:r>
-            <a:r>
-              <a:rPr lang="en-US" sz="1600" dirty="0" err="1">
-                <a:solidFill>
-                  <a:srgbClr val="6A8759"/>
-                </a:solidFill>
-                <a:latin typeface="Consolas" panose="020B0609020204030204" pitchFamily="49" charset="0"/>
-                <a:cs typeface="Consolas" panose="020B0609020204030204" pitchFamily="49" charset="0"/>
-              </a:rPr>
-              <a:t>awonder</a:t>
-            </a:r>
-            <a:r>
-              <a:rPr lang="en-US" sz="1600" dirty="0">
-                <a:solidFill>
-                  <a:srgbClr val="6A8759"/>
-                </a:solidFill>
-                <a:latin typeface="Consolas" panose="020B0609020204030204" pitchFamily="49" charset="0"/>
-                <a:cs typeface="Consolas" panose="020B0609020204030204" pitchFamily="49" charset="0"/>
-              </a:rPr>
-              <a:t>"</a:t>
-            </a:r>
-            <a:r>
-              <a:rPr lang="en-US" sz="1600" dirty="0">
-                <a:solidFill>
-                  <a:srgbClr val="CC7832"/>
-                </a:solidFill>
-                <a:latin typeface="Consolas" panose="020B0609020204030204" pitchFamily="49" charset="0"/>
-                <a:cs typeface="Consolas" panose="020B0609020204030204" pitchFamily="49" charset="0"/>
-              </a:rPr>
-              <a:t>, </a:t>
-            </a:r>
-            <a:r>
-              <a:rPr lang="en-US" sz="1600" dirty="0">
-                <a:solidFill>
-                  <a:srgbClr val="6A8759"/>
-                </a:solidFill>
-                <a:latin typeface="Consolas" panose="020B0609020204030204" pitchFamily="49" charset="0"/>
-                <a:cs typeface="Consolas" panose="020B0609020204030204" pitchFamily="49" charset="0"/>
-              </a:rPr>
-              <a:t>"</a:t>
-            </a:r>
-            <a:r>
-              <a:rPr lang="en-US" sz="1600" dirty="0" err="1">
-                <a:solidFill>
-                  <a:srgbClr val="6A8759"/>
-                </a:solidFill>
-                <a:latin typeface="Consolas" panose="020B0609020204030204" pitchFamily="49" charset="0"/>
-                <a:cs typeface="Consolas" panose="020B0609020204030204" pitchFamily="49" charset="0"/>
-              </a:rPr>
-              <a:t>awonder@wonderland.colostate.edu</a:t>
-            </a:r>
-            <a:r>
-              <a:rPr lang="en-US" sz="1600" dirty="0">
-                <a:solidFill>
-                  <a:srgbClr val="6A8759"/>
-                </a:solidFill>
-                <a:latin typeface="Consolas" panose="020B0609020204030204" pitchFamily="49" charset="0"/>
-                <a:cs typeface="Consolas" panose="020B0609020204030204" pitchFamily="49" charset="0"/>
-              </a:rPr>
-              <a:t>"</a:t>
-            </a:r>
-            <a:r>
-              <a:rPr lang="en-US" sz="1600" dirty="0">
-                <a:latin typeface="Consolas" panose="020B0609020204030204" pitchFamily="49" charset="0"/>
-                <a:cs typeface="Consolas" panose="020B0609020204030204" pitchFamily="49" charset="0"/>
-              </a:rPr>
-              <a:t>)</a:t>
-            </a:r>
-            <a:r>
-              <a:rPr lang="en-US" sz="1600" dirty="0">
-                <a:solidFill>
-                  <a:srgbClr val="CC7832"/>
-                </a:solidFill>
-                <a:latin typeface="Consolas" panose="020B0609020204030204" pitchFamily="49" charset="0"/>
-                <a:cs typeface="Consolas" panose="020B0609020204030204" pitchFamily="49" charset="0"/>
-              </a:rPr>
-              <a:t>;</a:t>
-            </a:r>
-            <a:br>
-              <a:rPr lang="en-US" sz="1600" dirty="0">
-                <a:solidFill>
-                  <a:srgbClr val="CC7832"/>
-                </a:solidFill>
-                <a:latin typeface="Consolas" panose="020B0609020204030204" pitchFamily="49" charset="0"/>
-                <a:cs typeface="Consolas" panose="020B0609020204030204" pitchFamily="49" charset="0"/>
-              </a:rPr>
-            </a:br>
-            <a:r>
-              <a:rPr lang="en-US" sz="1600" dirty="0" err="1">
-                <a:latin typeface="Consolas" panose="020B0609020204030204" pitchFamily="49" charset="0"/>
-                <a:cs typeface="Consolas" panose="020B0609020204030204" pitchFamily="49" charset="0"/>
-              </a:rPr>
-              <a:t>contacts.put</a:t>
-            </a:r>
-            <a:r>
-              <a:rPr lang="en-US" sz="1600" dirty="0">
-                <a:latin typeface="Consolas" panose="020B0609020204030204" pitchFamily="49" charset="0"/>
-                <a:cs typeface="Consolas" panose="020B0609020204030204" pitchFamily="49" charset="0"/>
-              </a:rPr>
-              <a:t>(</a:t>
-            </a:r>
-            <a:r>
-              <a:rPr lang="en-US" sz="1600" dirty="0">
-                <a:solidFill>
-                  <a:srgbClr val="6A8759"/>
-                </a:solidFill>
-                <a:latin typeface="Consolas" panose="020B0609020204030204" pitchFamily="49" charset="0"/>
-                <a:cs typeface="Consolas" panose="020B0609020204030204" pitchFamily="49" charset="0"/>
-              </a:rPr>
-              <a:t>"queen"</a:t>
-            </a:r>
-            <a:r>
-              <a:rPr lang="en-US" sz="1600" dirty="0">
-                <a:solidFill>
-                  <a:srgbClr val="CC7832"/>
-                </a:solidFill>
-                <a:latin typeface="Consolas" panose="020B0609020204030204" pitchFamily="49" charset="0"/>
-                <a:cs typeface="Consolas" panose="020B0609020204030204" pitchFamily="49" charset="0"/>
-              </a:rPr>
-              <a:t>, </a:t>
-            </a:r>
-            <a:r>
-              <a:rPr lang="en-US" sz="1600" dirty="0">
-                <a:solidFill>
-                  <a:srgbClr val="6A8759"/>
-                </a:solidFill>
-                <a:latin typeface="Consolas" panose="020B0609020204030204" pitchFamily="49" charset="0"/>
-                <a:cs typeface="Consolas" panose="020B0609020204030204" pitchFamily="49" charset="0"/>
-              </a:rPr>
-              <a:t>"</a:t>
-            </a:r>
-            <a:r>
-              <a:rPr lang="en-US" sz="1600" dirty="0" err="1">
-                <a:solidFill>
-                  <a:srgbClr val="6A8759"/>
-                </a:solidFill>
-                <a:latin typeface="Consolas" panose="020B0609020204030204" pitchFamily="49" charset="0"/>
-                <a:cs typeface="Consolas" panose="020B0609020204030204" pitchFamily="49" charset="0"/>
-              </a:rPr>
-              <a:t>redqueen@wonderland.colostate.edu</a:t>
-            </a:r>
-            <a:r>
-              <a:rPr lang="en-US" sz="1600" dirty="0">
-                <a:solidFill>
-                  <a:srgbClr val="6A8759"/>
-                </a:solidFill>
-                <a:latin typeface="Consolas" panose="020B0609020204030204" pitchFamily="49" charset="0"/>
-                <a:cs typeface="Consolas" panose="020B0609020204030204" pitchFamily="49" charset="0"/>
-              </a:rPr>
-              <a:t>"</a:t>
-            </a:r>
-            <a:r>
-              <a:rPr lang="en-US" sz="1600" dirty="0">
-                <a:latin typeface="Consolas" panose="020B0609020204030204" pitchFamily="49" charset="0"/>
-                <a:cs typeface="Consolas" panose="020B0609020204030204" pitchFamily="49" charset="0"/>
-              </a:rPr>
-              <a:t>)</a:t>
-            </a:r>
-            <a:r>
-              <a:rPr lang="en-US" sz="1600" dirty="0">
-                <a:solidFill>
-                  <a:srgbClr val="CC7832"/>
-                </a:solidFill>
-                <a:latin typeface="Consolas" panose="020B0609020204030204" pitchFamily="49" charset="0"/>
-                <a:cs typeface="Consolas" panose="020B0609020204030204" pitchFamily="49" charset="0"/>
-              </a:rPr>
-              <a:t>;</a:t>
-            </a:r>
-            <a:br>
-              <a:rPr lang="en-US" sz="1600" dirty="0">
-                <a:solidFill>
-                  <a:srgbClr val="CC7832"/>
-                </a:solidFill>
-                <a:latin typeface="Consolas" panose="020B0609020204030204" pitchFamily="49" charset="0"/>
-                <a:cs typeface="Consolas" panose="020B0609020204030204" pitchFamily="49" charset="0"/>
-              </a:rPr>
-            </a:br>
-            <a:r>
-              <a:rPr lang="en-US" sz="1600" dirty="0" err="1">
-                <a:latin typeface="Consolas" panose="020B0609020204030204" pitchFamily="49" charset="0"/>
-                <a:cs typeface="Consolas" panose="020B0609020204030204" pitchFamily="49" charset="0"/>
-              </a:rPr>
-              <a:t>contacts.put</a:t>
-            </a:r>
-            <a:r>
-              <a:rPr lang="en-US" sz="1600" dirty="0">
-                <a:latin typeface="Consolas" panose="020B0609020204030204" pitchFamily="49" charset="0"/>
-                <a:cs typeface="Consolas" panose="020B0609020204030204" pitchFamily="49" charset="0"/>
-              </a:rPr>
-              <a:t>(</a:t>
-            </a:r>
-            <a:r>
-              <a:rPr lang="en-US" sz="1600" dirty="0">
-                <a:solidFill>
-                  <a:srgbClr val="6A8759"/>
-                </a:solidFill>
-                <a:latin typeface="Consolas" panose="020B0609020204030204" pitchFamily="49" charset="0"/>
-                <a:cs typeface="Consolas" panose="020B0609020204030204" pitchFamily="49" charset="0"/>
-              </a:rPr>
-              <a:t>"hatter"</a:t>
-            </a:r>
-            <a:r>
-              <a:rPr lang="en-US" sz="1600" dirty="0">
-                <a:solidFill>
-                  <a:srgbClr val="CC7832"/>
-                </a:solidFill>
-                <a:latin typeface="Consolas" panose="020B0609020204030204" pitchFamily="49" charset="0"/>
-                <a:cs typeface="Consolas" panose="020B0609020204030204" pitchFamily="49" charset="0"/>
-              </a:rPr>
-              <a:t>, </a:t>
-            </a:r>
-            <a:r>
-              <a:rPr lang="en-US" sz="1600" dirty="0">
-                <a:solidFill>
-                  <a:srgbClr val="6A8759"/>
-                </a:solidFill>
-                <a:latin typeface="Consolas" panose="020B0609020204030204" pitchFamily="49" charset="0"/>
-                <a:cs typeface="Consolas" panose="020B0609020204030204" pitchFamily="49" charset="0"/>
-              </a:rPr>
-              <a:t>"</a:t>
-            </a:r>
-            <a:r>
-              <a:rPr lang="en-US" sz="1600" dirty="0" err="1">
-                <a:solidFill>
-                  <a:srgbClr val="6A8759"/>
-                </a:solidFill>
-                <a:latin typeface="Consolas" panose="020B0609020204030204" pitchFamily="49" charset="0"/>
-                <a:cs typeface="Consolas" panose="020B0609020204030204" pitchFamily="49" charset="0"/>
-              </a:rPr>
-              <a:t>madhatter@wonderland.colostate.edu</a:t>
-            </a:r>
-            <a:r>
-              <a:rPr lang="en-US" sz="1600" dirty="0">
-                <a:solidFill>
-                  <a:srgbClr val="6A8759"/>
-                </a:solidFill>
-                <a:latin typeface="Consolas" panose="020B0609020204030204" pitchFamily="49" charset="0"/>
-                <a:cs typeface="Consolas" panose="020B0609020204030204" pitchFamily="49" charset="0"/>
-              </a:rPr>
-              <a:t>"</a:t>
-            </a:r>
-            <a:r>
-              <a:rPr lang="en-US" sz="1600" dirty="0">
-                <a:latin typeface="Consolas" panose="020B0609020204030204" pitchFamily="49" charset="0"/>
-                <a:cs typeface="Consolas" panose="020B0609020204030204" pitchFamily="49" charset="0"/>
-              </a:rPr>
-              <a:t>)</a:t>
-            </a:r>
-            <a:r>
-              <a:rPr lang="en-US" sz="1600" dirty="0">
-                <a:solidFill>
-                  <a:srgbClr val="CC7832"/>
-                </a:solidFill>
-                <a:latin typeface="Consolas" panose="020B0609020204030204" pitchFamily="49" charset="0"/>
-                <a:cs typeface="Consolas" panose="020B0609020204030204" pitchFamily="49" charset="0"/>
-              </a:rPr>
-              <a:t>;</a:t>
-            </a:r>
-            <a:br>
-              <a:rPr lang="en-US" sz="1600" dirty="0">
-                <a:solidFill>
-                  <a:srgbClr val="CC7832"/>
-                </a:solidFill>
-                <a:latin typeface="Consolas" panose="020B0609020204030204" pitchFamily="49" charset="0"/>
-                <a:cs typeface="Consolas" panose="020B0609020204030204" pitchFamily="49" charset="0"/>
-              </a:rPr>
-            </a:br>
-            <a:r>
-              <a:rPr lang="en-US" sz="1600" dirty="0" err="1">
-                <a:latin typeface="Consolas" panose="020B0609020204030204" pitchFamily="49" charset="0"/>
-                <a:cs typeface="Consolas" panose="020B0609020204030204" pitchFamily="49" charset="0"/>
-              </a:rPr>
-              <a:t>System.</a:t>
-            </a:r>
-            <a:r>
-              <a:rPr lang="en-US" sz="1600" i="1" dirty="0" err="1">
-                <a:solidFill>
-                  <a:srgbClr val="9876AA"/>
-                </a:solidFill>
-                <a:latin typeface="Consolas" panose="020B0609020204030204" pitchFamily="49" charset="0"/>
-                <a:cs typeface="Consolas" panose="020B0609020204030204" pitchFamily="49" charset="0"/>
-              </a:rPr>
-              <a:t>out</a:t>
-            </a:r>
-            <a:r>
-              <a:rPr lang="en-US" sz="1600" dirty="0" err="1">
-                <a:latin typeface="Consolas" panose="020B0609020204030204" pitchFamily="49" charset="0"/>
-                <a:cs typeface="Consolas" panose="020B0609020204030204" pitchFamily="49" charset="0"/>
-              </a:rPr>
-              <a:t>.println</a:t>
-            </a:r>
-            <a:r>
-              <a:rPr lang="en-US" sz="1600" dirty="0">
-                <a:latin typeface="Consolas" panose="020B0609020204030204" pitchFamily="49" charset="0"/>
-                <a:cs typeface="Consolas" panose="020B0609020204030204" pitchFamily="49" charset="0"/>
-              </a:rPr>
-              <a:t>(</a:t>
-            </a:r>
-            <a:r>
-              <a:rPr lang="en-US" sz="1600" dirty="0" err="1">
-                <a:latin typeface="Consolas" panose="020B0609020204030204" pitchFamily="49" charset="0"/>
-                <a:cs typeface="Consolas" panose="020B0609020204030204" pitchFamily="49" charset="0"/>
-              </a:rPr>
-              <a:t>contacts.get</a:t>
-            </a:r>
-            <a:r>
-              <a:rPr lang="en-US" sz="1600" dirty="0">
-                <a:latin typeface="Consolas" panose="020B0609020204030204" pitchFamily="49" charset="0"/>
-                <a:cs typeface="Consolas" panose="020B0609020204030204" pitchFamily="49" charset="0"/>
-              </a:rPr>
-              <a:t>(</a:t>
-            </a:r>
-            <a:r>
-              <a:rPr lang="en-US" sz="1600" dirty="0">
-                <a:solidFill>
-                  <a:srgbClr val="6A8759"/>
-                </a:solidFill>
-                <a:latin typeface="Consolas" panose="020B0609020204030204" pitchFamily="49" charset="0"/>
-                <a:cs typeface="Consolas" panose="020B0609020204030204" pitchFamily="49" charset="0"/>
-              </a:rPr>
-              <a:t>"queen"</a:t>
-            </a:r>
-            <a:r>
-              <a:rPr lang="en-US" sz="1600" dirty="0">
-                <a:latin typeface="Consolas" panose="020B0609020204030204" pitchFamily="49" charset="0"/>
-                <a:cs typeface="Consolas" panose="020B0609020204030204" pitchFamily="49" charset="0"/>
-              </a:rPr>
-              <a:t>))</a:t>
-            </a:r>
-            <a:r>
-              <a:rPr lang="en-US" sz="1600" dirty="0">
-                <a:solidFill>
-                  <a:srgbClr val="CC7832"/>
-                </a:solidFill>
-                <a:latin typeface="Consolas" panose="020B0609020204030204" pitchFamily="49" charset="0"/>
-                <a:cs typeface="Consolas" panose="020B0609020204030204" pitchFamily="49" charset="0"/>
-              </a:rPr>
-              <a:t>; </a:t>
-            </a:r>
-            <a:r>
-              <a:rPr lang="en-US" sz="1600" dirty="0">
-                <a:solidFill>
-                  <a:srgbClr val="808080"/>
-                </a:solidFill>
-                <a:latin typeface="Consolas" panose="020B0609020204030204" pitchFamily="49" charset="0"/>
-                <a:cs typeface="Consolas" panose="020B0609020204030204" pitchFamily="49" charset="0"/>
-              </a:rPr>
-              <a:t>// prints </a:t>
-            </a:r>
-            <a:r>
-              <a:rPr lang="en-US" sz="1600" dirty="0" err="1">
-                <a:solidFill>
-                  <a:srgbClr val="808080"/>
-                </a:solidFill>
-                <a:latin typeface="Consolas" panose="020B0609020204030204" pitchFamily="49" charset="0"/>
-                <a:cs typeface="Consolas" panose="020B0609020204030204" pitchFamily="49" charset="0"/>
-              </a:rPr>
-              <a:t>redqueen@wonderland.colostate.edu</a:t>
-            </a:r>
-            <a:br>
-              <a:rPr lang="en-US" sz="1600" dirty="0">
-                <a:solidFill>
-                  <a:srgbClr val="808080"/>
-                </a:solidFill>
-                <a:latin typeface="Consolas" panose="020B0609020204030204" pitchFamily="49" charset="0"/>
-                <a:cs typeface="Consolas" panose="020B0609020204030204" pitchFamily="49" charset="0"/>
-              </a:rPr>
-            </a:br>
-            <a:endParaRPr lang="en-US" sz="1600" dirty="0">
-              <a:latin typeface="Consolas" panose="020B0609020204030204" pitchFamily="49" charset="0"/>
-              <a:cs typeface="Consolas" panose="020B0609020204030204" pitchFamily="49" charset="0"/>
-            </a:endParaRPr>
-          </a:p>
-        </p:txBody>
-      </p:sp>
-    </p:spTree>
-    <p:extLst>
-      <p:ext uri="{BB962C8B-B14F-4D97-AF65-F5344CB8AC3E}">
-        <p14:creationId xmlns:p14="http://schemas.microsoft.com/office/powerpoint/2010/main" val="311983275"/>
-      </p:ext>
-    </p:extLst>
-  </p:cSld>
-  <p:clrMapOvr>
-    <a:masterClrMapping/>
-  </p:clrMapOvr>
-  <mc:AlternateContent xmlns:mc="http://schemas.openxmlformats.org/markup-compatibility/2006" xmlns:p14="http://schemas.microsoft.com/office/powerpoint/2010/main">
-    <mc:Choice Requires="p14">
-      <p:transition p14:dur="300">
-        <p:fade/>
-      </p:transition>
-    </mc:Choice>
-    <mc:Fallback xmlns="">
-      <p:transition>
-        <p:fade/>
-      </p:transition>
-    </mc:Fallback>
-  </mc:AlternateContent>
-</p:sld>
-</file>
-
 <file path=ppt/slides/slide5.xml><?xml version="1.0" encoding="utf-8"?>
 <p:sld xmlns:a="http://schemas.openxmlformats.org/drawingml/2006/main" xmlns:r="http://schemas.openxmlformats.org/officeDocument/2006/relationships" xmlns:p="http://schemas.openxmlformats.org/presentationml/2006/main">
   <p:cSld>
@@ -8098,7 +8837,7 @@
           <p:cNvPr id="2" name="Title 1">
             <a:extLst>
               <a:ext uri="{FF2B5EF4-FFF2-40B4-BE49-F238E27FC236}">
-                <a16:creationId xmlns:a16="http://schemas.microsoft.com/office/drawing/2014/main" id="{F032DB5C-3924-B449-A254-956EE896D367}"/>
+                <a16:creationId xmlns:a16="http://schemas.microsoft.com/office/drawing/2014/main" id="{C01320E0-2E7E-3541-9887-8500C2522FF6}"/>
               </a:ext>
             </a:extLst>
           </p:cNvPr>
@@ -8109,38 +8848,10 @@
             <p:ph type="title"/>
           </p:nvPr>
         </p:nvSpPr>
-        <p:spPr/>
-        <p:txBody>
-          <a:bodyPr/>
-          <a:lstStyle/>
-          <a:p>
-            <a:r>
-              <a:rPr lang="en-US" dirty="0"/>
-              <a:t>Why does it matter?</a:t>
-            </a:r>
-          </a:p>
-        </p:txBody>
-      </p:sp>
-      <p:sp>
-        <p:nvSpPr>
-          <p:cNvPr id="3" name="Text Placeholder 2">
-            <a:extLst>
-              <a:ext uri="{FF2B5EF4-FFF2-40B4-BE49-F238E27FC236}">
-                <a16:creationId xmlns:a16="http://schemas.microsoft.com/office/drawing/2014/main" id="{6A21B95C-0522-3241-A8F1-0F91587DD94C}"/>
-              </a:ext>
-            </a:extLst>
-          </p:cNvPr>
-          <p:cNvSpPr>
-            <a:spLocks noGrp="1"/>
-          </p:cNvSpPr>
-          <p:nvPr>
-            <p:ph type="body" sz="quarter" idx="10"/>
-          </p:nvPr>
-        </p:nvSpPr>
         <p:spPr>
           <a:xfrm>
-            <a:off x="628075" y="1776683"/>
-            <a:ext cx="12561453" cy="4060855"/>
+            <a:off x="75179" y="-38401"/>
+            <a:ext cx="12561453" cy="1846659"/>
           </a:xfrm>
         </p:spPr>
         <p:txBody>
@@ -8149,81 +8860,1724 @@
           <a:p>
             <a:r>
               <a:rPr lang="en-US" dirty="0"/>
-              <a:t>Different data structures</a:t>
-            </a:r>
-          </a:p>
-          <a:p>
-            <a:pPr lvl="1"/>
-            <a:r>
+              <a:t>LinkedList basic methods </a:t>
+            </a:r>
+            <a:br>
               <a:rPr lang="en-US" dirty="0"/>
-              <a:t>affects speed, memory and storage</a:t>
-            </a:r>
-          </a:p>
-          <a:p>
-            <a:pPr lvl="1"/>
+            </a:br>
             <a:r>
               <a:rPr lang="en-US" dirty="0"/>
-              <a:t>important for all fields</a:t>
-            </a:r>
-          </a:p>
-          <a:p>
-            <a:pPr lvl="2"/>
-            <a:r>
-              <a:rPr lang="en-US" dirty="0"/>
-              <a:t>biology – large datasets</a:t>
-            </a:r>
-          </a:p>
-          <a:p>
-            <a:pPr lvl="2"/>
-            <a:r>
-              <a:rPr lang="en-US" dirty="0"/>
-              <a:t>graphics – speed is needed</a:t>
-            </a:r>
-          </a:p>
-          <a:p>
-            <a:pPr lvl="2"/>
-            <a:r>
-              <a:rPr lang="en-US" dirty="0"/>
-              <a:t>cybersecurity  - processing serialized information over networks</a:t>
-            </a:r>
-          </a:p>
-          <a:p>
-            <a:r>
-              <a:rPr lang="en-US" dirty="0"/>
-              <a:t>If you interview at Google, Amazon, </a:t>
-            </a:r>
-            <a:r>
-              <a:rPr lang="en-US" dirty="0" err="1"/>
-              <a:t>etc</a:t>
-            </a:r>
-            <a:endParaRPr lang="en-US" dirty="0"/>
-          </a:p>
-          <a:p>
-            <a:pPr lvl="1"/>
-            <a:r>
-              <a:rPr lang="en-US" dirty="0"/>
-              <a:t>they often give you a tech quiz</a:t>
-            </a:r>
-          </a:p>
-          <a:p>
-            <a:pPr lvl="1"/>
-            <a:r>
-              <a:rPr lang="en-US" dirty="0"/>
-              <a:t>Most of what is on that quiz – you learn in CS 165</a:t>
-            </a:r>
-          </a:p>
-          <a:p>
-            <a:r>
-              <a:rPr lang="en-US" dirty="0"/>
-              <a:t>Take CS 165, it provides major programming foundation!</a:t>
-            </a:r>
+              <a:t>and Practice</a:t>
+            </a:r>
+          </a:p>
+        </p:txBody>
+      </p:sp>
+      <p:pic>
+        <p:nvPicPr>
+          <p:cNvPr id="10" name="Picture 9">
+            <a:extLst>
+              <a:ext uri="{FF2B5EF4-FFF2-40B4-BE49-F238E27FC236}">
+                <a16:creationId xmlns:a16="http://schemas.microsoft.com/office/drawing/2014/main" id="{DCC8E5DC-B666-4F1B-8AF1-D08F6E0FA192}"/>
+              </a:ext>
+            </a:extLst>
+          </p:cNvPr>
+          <p:cNvPicPr>
+            <a:picLocks noChangeAspect="1"/>
+          </p:cNvPicPr>
+          <p:nvPr/>
+        </p:nvPicPr>
+        <p:blipFill>
+          <a:blip r:embed="rId2"/>
+          <a:stretch>
+            <a:fillRect/>
+          </a:stretch>
+        </p:blipFill>
+        <p:spPr>
+          <a:xfrm>
+            <a:off x="75179" y="1670327"/>
+            <a:ext cx="3561580" cy="4521607"/>
+          </a:xfrm>
+          <a:prstGeom prst="rect">
+            <a:avLst/>
+          </a:prstGeom>
+        </p:spPr>
+      </p:pic>
+      <p:pic>
+        <p:nvPicPr>
+          <p:cNvPr id="11" name="Picture 10">
+            <a:extLst>
+              <a:ext uri="{FF2B5EF4-FFF2-40B4-BE49-F238E27FC236}">
+                <a16:creationId xmlns:a16="http://schemas.microsoft.com/office/drawing/2014/main" id="{75817717-241B-4A30-8686-7091D3EC909F}"/>
+              </a:ext>
+            </a:extLst>
+          </p:cNvPr>
+          <p:cNvPicPr>
+            <a:picLocks noChangeAspect="1"/>
+          </p:cNvPicPr>
+          <p:nvPr/>
+        </p:nvPicPr>
+        <p:blipFill>
+          <a:blip r:embed="rId3"/>
+          <a:stretch>
+            <a:fillRect/>
+          </a:stretch>
+        </p:blipFill>
+        <p:spPr>
+          <a:xfrm>
+            <a:off x="3636759" y="1670327"/>
+            <a:ext cx="4243154" cy="5723141"/>
+          </a:xfrm>
+          <a:prstGeom prst="rect">
+            <a:avLst/>
+          </a:prstGeom>
+        </p:spPr>
+      </p:pic>
+      <p:sp>
+        <p:nvSpPr>
+          <p:cNvPr id="12" name="Rectangle 1">
+            <a:extLst>
+              <a:ext uri="{FF2B5EF4-FFF2-40B4-BE49-F238E27FC236}">
+                <a16:creationId xmlns:a16="http://schemas.microsoft.com/office/drawing/2014/main" id="{72EC0222-8481-4009-9B06-701273EDC984}"/>
+              </a:ext>
+            </a:extLst>
+          </p:cNvPr>
+          <p:cNvSpPr>
+            <a:spLocks noChangeArrowheads="1"/>
+          </p:cNvSpPr>
+          <p:nvPr/>
+        </p:nvSpPr>
+        <p:spPr bwMode="auto">
+          <a:xfrm>
+            <a:off x="8042707" y="377547"/>
+            <a:ext cx="5613991" cy="7017306"/>
+          </a:xfrm>
+          <a:prstGeom prst="rect">
+            <a:avLst/>
+          </a:prstGeom>
+          <a:solidFill>
+            <a:srgbClr val="2B2B2B"/>
+          </a:solidFill>
+          <a:ln>
+            <a:noFill/>
+          </a:ln>
+          <a:effectLst/>
+          <a:extLst>
+            <a:ext uri="{91240B29-F687-4F45-9708-019B960494DF}">
+              <a14:hiddenLine xmlns:a14="http://schemas.microsoft.com/office/drawing/2010/main" w="9525">
+                <a:solidFill>
+                  <a:schemeClr val="tx1"/>
+                </a:solidFill>
+                <a:miter lim="800000"/>
+                <a:headEnd/>
+                <a:tailEnd/>
+              </a14:hiddenLine>
+            </a:ext>
+            <a:ext uri="{AF507438-7753-43E0-B8FC-AC1667EBCBE1}">
+              <a14:hiddenEffects xmlns:a14="http://schemas.microsoft.com/office/drawing/2010/main">
+                <a:effectLst>
+                  <a:outerShdw dist="35921" dir="2700000" algn="ctr" rotWithShape="0">
+                    <a:schemeClr val="bg2"/>
+                  </a:outerShdw>
+                </a:effectLst>
+              </a14:hiddenEffects>
+            </a:ext>
+          </a:extLst>
+        </p:spPr>
+        <p:txBody>
+          <a:bodyPr vert="horz" wrap="square" lIns="91440" tIns="45720" rIns="91440" bIns="45720" numCol="1" anchor="ctr" anchorCtr="0" compatLnSpc="1">
+            <a:prstTxWarp prst="textNoShape">
+              <a:avLst/>
+            </a:prstTxWarp>
+            <a:spAutoFit/>
+          </a:bodyPr>
+          <a:lstStyle/>
+          <a:p>
+            <a:pPr marL="0" marR="0" lvl="0" indent="0" algn="l" defTabSz="914400" rtl="0" eaLnBrk="0" fontAlgn="base" latinLnBrk="0" hangingPunct="0">
+              <a:lnSpc>
+                <a:spcPct val="100000"/>
+              </a:lnSpc>
+              <a:spcBef>
+                <a:spcPct val="0"/>
+              </a:spcBef>
+              <a:spcAft>
+                <a:spcPct val="0"/>
+              </a:spcAft>
+              <a:buClrTx/>
+              <a:buSzTx/>
+              <a:buFontTx/>
+              <a:buNone/>
+              <a:tabLst/>
+            </a:pPr>
+            <a:r>
+              <a:rPr kumimoji="0" lang="en-US" altLang="en-US" sz="1800" b="0" i="0" u="none" strike="noStrike" cap="none" normalizeH="0" baseline="0" dirty="0">
+                <a:ln>
+                  <a:noFill/>
+                </a:ln>
+                <a:solidFill>
+                  <a:srgbClr val="CC7832"/>
+                </a:solidFill>
+                <a:effectLst/>
+                <a:latin typeface="JetBrains Mono"/>
+              </a:rPr>
+              <a:t>import </a:t>
+            </a:r>
+            <a:r>
+              <a:rPr kumimoji="0" lang="en-US" altLang="en-US" sz="1800" b="0" i="0" u="none" strike="noStrike" cap="none" normalizeH="0" baseline="0" dirty="0" err="1">
+                <a:ln>
+                  <a:noFill/>
+                </a:ln>
+                <a:solidFill>
+                  <a:srgbClr val="A9B7C6"/>
+                </a:solidFill>
+                <a:effectLst/>
+                <a:latin typeface="JetBrains Mono"/>
+              </a:rPr>
+              <a:t>java.util.LinkedList</a:t>
+            </a:r>
+            <a:r>
+              <a:rPr kumimoji="0" lang="en-US" altLang="en-US" sz="1800" b="0" i="0" u="none" strike="noStrike" cap="none" normalizeH="0" baseline="0" dirty="0">
+                <a:ln>
+                  <a:noFill/>
+                </a:ln>
+                <a:solidFill>
+                  <a:srgbClr val="CC7832"/>
+                </a:solidFill>
+                <a:effectLst/>
+                <a:latin typeface="JetBrains Mono"/>
+              </a:rPr>
+              <a:t>;</a:t>
+            </a:r>
+            <a:br>
+              <a:rPr kumimoji="0" lang="en-US" altLang="en-US" sz="1800" b="0" i="0" u="none" strike="noStrike" cap="none" normalizeH="0" baseline="0" dirty="0">
+                <a:ln>
+                  <a:noFill/>
+                </a:ln>
+                <a:solidFill>
+                  <a:srgbClr val="CC7832"/>
+                </a:solidFill>
+                <a:effectLst/>
+                <a:latin typeface="JetBrains Mono"/>
+              </a:rPr>
+            </a:br>
+            <a:r>
+              <a:rPr kumimoji="0" lang="en-US" altLang="en-US" sz="1800" b="0" i="0" u="none" strike="noStrike" cap="none" normalizeH="0" baseline="0" dirty="0">
+                <a:ln>
+                  <a:noFill/>
+                </a:ln>
+                <a:solidFill>
+                  <a:srgbClr val="CC7832"/>
+                </a:solidFill>
+                <a:effectLst/>
+                <a:latin typeface="JetBrains Mono"/>
+              </a:rPr>
+              <a:t>import </a:t>
+            </a:r>
+            <a:r>
+              <a:rPr kumimoji="0" lang="en-US" altLang="en-US" sz="1800" b="0" i="0" u="none" strike="noStrike" cap="none" normalizeH="0" baseline="0" dirty="0" err="1">
+                <a:ln>
+                  <a:noFill/>
+                </a:ln>
+                <a:solidFill>
+                  <a:srgbClr val="A9B7C6"/>
+                </a:solidFill>
+                <a:effectLst/>
+                <a:latin typeface="JetBrains Mono"/>
+              </a:rPr>
+              <a:t>java.util.ListIterator</a:t>
+            </a:r>
+            <a:r>
+              <a:rPr kumimoji="0" lang="en-US" altLang="en-US" sz="1800" b="0" i="0" u="none" strike="noStrike" cap="none" normalizeH="0" baseline="0" dirty="0">
+                <a:ln>
+                  <a:noFill/>
+                </a:ln>
+                <a:solidFill>
+                  <a:srgbClr val="CC7832"/>
+                </a:solidFill>
+                <a:effectLst/>
+                <a:latin typeface="JetBrains Mono"/>
+              </a:rPr>
+              <a:t>;</a:t>
+            </a:r>
+            <a:br>
+              <a:rPr kumimoji="0" lang="en-US" altLang="en-US" sz="1800" b="0" i="0" u="none" strike="noStrike" cap="none" normalizeH="0" baseline="0" dirty="0">
+                <a:ln>
+                  <a:noFill/>
+                </a:ln>
+                <a:solidFill>
+                  <a:srgbClr val="CC7832"/>
+                </a:solidFill>
+                <a:effectLst/>
+                <a:latin typeface="JetBrains Mono"/>
+              </a:rPr>
+            </a:br>
+            <a:r>
+              <a:rPr kumimoji="0" lang="en-US" altLang="en-US" sz="1800" b="0" i="0" u="none" strike="noStrike" cap="none" normalizeH="0" baseline="0" dirty="0">
+                <a:ln>
+                  <a:noFill/>
+                </a:ln>
+                <a:solidFill>
+                  <a:srgbClr val="CC7832"/>
+                </a:solidFill>
+                <a:effectLst/>
+                <a:latin typeface="JetBrains Mono"/>
+              </a:rPr>
+              <a:t>public class </a:t>
+            </a:r>
+            <a:r>
+              <a:rPr kumimoji="0" lang="en-US" altLang="en-US" sz="1800" b="0" i="0" u="none" strike="noStrike" cap="none" normalizeH="0" baseline="0" dirty="0" err="1">
+                <a:ln>
+                  <a:noFill/>
+                </a:ln>
+                <a:solidFill>
+                  <a:srgbClr val="A9B7C6"/>
+                </a:solidFill>
+                <a:effectLst/>
+                <a:latin typeface="JetBrains Mono"/>
+              </a:rPr>
+              <a:t>LLTest</a:t>
+            </a:r>
+            <a:r>
+              <a:rPr kumimoji="0" lang="en-US" altLang="en-US" sz="1800" b="0" i="0" u="none" strike="noStrike" cap="none" normalizeH="0" baseline="0" dirty="0">
+                <a:ln>
+                  <a:noFill/>
+                </a:ln>
+                <a:solidFill>
+                  <a:srgbClr val="A9B7C6"/>
+                </a:solidFill>
+                <a:effectLst/>
+                <a:latin typeface="JetBrains Mono"/>
+              </a:rPr>
+              <a:t> {</a:t>
+            </a:r>
+            <a:br>
+              <a:rPr kumimoji="0" lang="en-US" altLang="en-US" sz="1800" b="0" i="0" u="none" strike="noStrike" cap="none" normalizeH="0" baseline="0" dirty="0">
+                <a:ln>
+                  <a:noFill/>
+                </a:ln>
+                <a:solidFill>
+                  <a:srgbClr val="A9B7C6"/>
+                </a:solidFill>
+                <a:effectLst/>
+                <a:latin typeface="JetBrains Mono"/>
+              </a:rPr>
+            </a:br>
+            <a:r>
+              <a:rPr kumimoji="0" lang="en-US" altLang="en-US" sz="1800" b="0" i="0" u="none" strike="noStrike" cap="none" normalizeH="0" baseline="0" dirty="0">
+                <a:ln>
+                  <a:noFill/>
+                </a:ln>
+                <a:solidFill>
+                  <a:srgbClr val="A9B7C6"/>
+                </a:solidFill>
+                <a:effectLst/>
+                <a:latin typeface="JetBrains Mono"/>
+              </a:rPr>
+              <a:t>    </a:t>
+            </a:r>
+            <a:r>
+              <a:rPr kumimoji="0" lang="en-US" altLang="en-US" sz="1800" b="0" i="0" u="none" strike="noStrike" cap="none" normalizeH="0" baseline="0" dirty="0">
+                <a:ln>
+                  <a:noFill/>
+                </a:ln>
+                <a:solidFill>
+                  <a:srgbClr val="CC7832"/>
+                </a:solidFill>
+                <a:effectLst/>
+                <a:latin typeface="JetBrains Mono"/>
+              </a:rPr>
+              <a:t>public static void </a:t>
+            </a:r>
+            <a:r>
+              <a:rPr kumimoji="0" lang="en-US" altLang="en-US" sz="1800" b="0" i="0" u="none" strike="noStrike" cap="none" normalizeH="0" baseline="0" dirty="0">
+                <a:ln>
+                  <a:noFill/>
+                </a:ln>
+                <a:solidFill>
+                  <a:srgbClr val="FFC66D"/>
+                </a:solidFill>
+                <a:effectLst/>
+                <a:latin typeface="JetBrains Mono"/>
+              </a:rPr>
+              <a:t>main</a:t>
+            </a:r>
+            <a:r>
+              <a:rPr kumimoji="0" lang="en-US" altLang="en-US" sz="1800" b="0" i="0" u="none" strike="noStrike" cap="none" normalizeH="0" baseline="0" dirty="0">
+                <a:ln>
+                  <a:noFill/>
+                </a:ln>
+                <a:solidFill>
+                  <a:srgbClr val="A9B7C6"/>
+                </a:solidFill>
+                <a:effectLst/>
+                <a:latin typeface="JetBrains Mono"/>
+              </a:rPr>
+              <a:t>(String </a:t>
+            </a:r>
+            <a:r>
+              <a:rPr kumimoji="0" lang="en-US" altLang="en-US" sz="1800" b="0" i="0" u="none" strike="noStrike" cap="none" normalizeH="0" baseline="0" dirty="0" err="1">
+                <a:ln>
+                  <a:noFill/>
+                </a:ln>
+                <a:solidFill>
+                  <a:srgbClr val="A9B7C6"/>
+                </a:solidFill>
+                <a:effectLst/>
+                <a:latin typeface="JetBrains Mono"/>
+              </a:rPr>
+              <a:t>args</a:t>
+            </a:r>
+            <a:r>
+              <a:rPr kumimoji="0" lang="en-US" altLang="en-US" sz="1800" b="0" i="0" u="none" strike="noStrike" cap="none" normalizeH="0" baseline="0" dirty="0">
+                <a:ln>
+                  <a:noFill/>
+                </a:ln>
+                <a:solidFill>
+                  <a:srgbClr val="A9B7C6"/>
+                </a:solidFill>
+                <a:effectLst/>
+                <a:latin typeface="JetBrains Mono"/>
+              </a:rPr>
+              <a:t>[]){</a:t>
+            </a:r>
+            <a:br>
+              <a:rPr kumimoji="0" lang="en-US" altLang="en-US" sz="1800" b="0" i="0" u="none" strike="noStrike" cap="none" normalizeH="0" baseline="0" dirty="0">
+                <a:ln>
+                  <a:noFill/>
+                </a:ln>
+                <a:solidFill>
+                  <a:srgbClr val="A9B7C6"/>
+                </a:solidFill>
+                <a:effectLst/>
+                <a:latin typeface="JetBrains Mono"/>
+              </a:rPr>
+            </a:br>
+            <a:r>
+              <a:rPr kumimoji="0" lang="en-US" altLang="en-US" sz="1800" b="0" i="0" u="none" strike="noStrike" cap="none" normalizeH="0" baseline="0" dirty="0">
+                <a:ln>
+                  <a:noFill/>
+                </a:ln>
+                <a:solidFill>
+                  <a:srgbClr val="A9B7C6"/>
+                </a:solidFill>
+                <a:effectLst/>
+                <a:latin typeface="JetBrains Mono"/>
+              </a:rPr>
+              <a:t>        LinkedList&lt;Integer&gt; list = </a:t>
+            </a:r>
+            <a:r>
+              <a:rPr kumimoji="0" lang="en-US" altLang="en-US" sz="1800" b="0" i="0" u="none" strike="noStrike" cap="none" normalizeH="0" baseline="0" dirty="0">
+                <a:ln>
+                  <a:noFill/>
+                </a:ln>
+                <a:solidFill>
+                  <a:srgbClr val="CC7832"/>
+                </a:solidFill>
+                <a:effectLst/>
+                <a:latin typeface="JetBrains Mono"/>
+              </a:rPr>
+              <a:t>new </a:t>
+            </a:r>
+            <a:r>
+              <a:rPr kumimoji="0" lang="en-US" altLang="en-US" sz="1800" b="0" i="0" u="none" strike="noStrike" cap="none" normalizeH="0" baseline="0" dirty="0">
+                <a:ln>
+                  <a:noFill/>
+                </a:ln>
+                <a:solidFill>
+                  <a:srgbClr val="A9B7C6"/>
+                </a:solidFill>
+                <a:effectLst/>
+                <a:latin typeface="JetBrains Mono"/>
+              </a:rPr>
+              <a:t>LinkedList&lt;&gt;()</a:t>
+            </a:r>
+            <a:r>
+              <a:rPr kumimoji="0" lang="en-US" altLang="en-US" sz="1800" b="0" i="0" u="none" strike="noStrike" cap="none" normalizeH="0" baseline="0" dirty="0">
+                <a:ln>
+                  <a:noFill/>
+                </a:ln>
+                <a:solidFill>
+                  <a:srgbClr val="CC7832"/>
+                </a:solidFill>
+                <a:effectLst/>
+                <a:latin typeface="JetBrains Mono"/>
+              </a:rPr>
+              <a:t>;</a:t>
+            </a:r>
+            <a:br>
+              <a:rPr kumimoji="0" lang="en-US" altLang="en-US" sz="1800" b="0" i="0" u="none" strike="noStrike" cap="none" normalizeH="0" baseline="0" dirty="0">
+                <a:ln>
+                  <a:noFill/>
+                </a:ln>
+                <a:solidFill>
+                  <a:srgbClr val="CC7832"/>
+                </a:solidFill>
+                <a:effectLst/>
+                <a:latin typeface="JetBrains Mono"/>
+              </a:rPr>
+            </a:br>
+            <a:r>
+              <a:rPr kumimoji="0" lang="en-US" altLang="en-US" sz="1800" b="0" i="0" u="none" strike="noStrike" cap="none" normalizeH="0" baseline="0" dirty="0">
+                <a:ln>
+                  <a:noFill/>
+                </a:ln>
+                <a:solidFill>
+                  <a:srgbClr val="CC7832"/>
+                </a:solidFill>
+                <a:effectLst/>
+                <a:latin typeface="JetBrains Mono"/>
+              </a:rPr>
+              <a:t>        </a:t>
+            </a:r>
+            <a:r>
+              <a:rPr kumimoji="0" lang="en-US" altLang="en-US" sz="1800" b="0" i="0" u="none" strike="noStrike" cap="none" normalizeH="0" baseline="0" dirty="0" err="1">
+                <a:ln>
+                  <a:noFill/>
+                </a:ln>
+                <a:solidFill>
+                  <a:srgbClr val="A9B7C6"/>
+                </a:solidFill>
+                <a:effectLst/>
+                <a:latin typeface="JetBrains Mono"/>
+              </a:rPr>
+              <a:t>list.add</a:t>
+            </a:r>
+            <a:r>
+              <a:rPr kumimoji="0" lang="en-US" altLang="en-US" sz="1800" b="0" i="0" u="none" strike="noStrike" cap="none" normalizeH="0" baseline="0" dirty="0">
+                <a:ln>
+                  <a:noFill/>
+                </a:ln>
+                <a:solidFill>
+                  <a:srgbClr val="A9B7C6"/>
+                </a:solidFill>
+                <a:effectLst/>
+                <a:latin typeface="JetBrains Mono"/>
+              </a:rPr>
+              <a:t>(</a:t>
+            </a:r>
+            <a:r>
+              <a:rPr kumimoji="0" lang="en-US" altLang="en-US" sz="1800" b="0" i="0" u="none" strike="noStrike" cap="none" normalizeH="0" baseline="0" dirty="0">
+                <a:ln>
+                  <a:noFill/>
+                </a:ln>
+                <a:solidFill>
+                  <a:srgbClr val="6897BB"/>
+                </a:solidFill>
+                <a:effectLst/>
+                <a:latin typeface="JetBrains Mono"/>
+              </a:rPr>
+              <a:t>2</a:t>
+            </a:r>
+            <a:r>
+              <a:rPr kumimoji="0" lang="en-US" altLang="en-US" sz="1800" b="0" i="0" u="none" strike="noStrike" cap="none" normalizeH="0" baseline="0" dirty="0">
+                <a:ln>
+                  <a:noFill/>
+                </a:ln>
+                <a:solidFill>
+                  <a:srgbClr val="A9B7C6"/>
+                </a:solidFill>
+                <a:effectLst/>
+                <a:latin typeface="JetBrains Mono"/>
+              </a:rPr>
+              <a:t>)</a:t>
+            </a:r>
+            <a:r>
+              <a:rPr kumimoji="0" lang="en-US" altLang="en-US" sz="1800" b="0" i="0" u="none" strike="noStrike" cap="none" normalizeH="0" baseline="0" dirty="0">
+                <a:ln>
+                  <a:noFill/>
+                </a:ln>
+                <a:solidFill>
+                  <a:srgbClr val="CC7832"/>
+                </a:solidFill>
+                <a:effectLst/>
+                <a:latin typeface="JetBrains Mono"/>
+              </a:rPr>
+              <a:t>;</a:t>
+            </a:r>
+            <a:br>
+              <a:rPr kumimoji="0" lang="en-US" altLang="en-US" sz="1800" b="0" i="0" u="none" strike="noStrike" cap="none" normalizeH="0" baseline="0" dirty="0">
+                <a:ln>
+                  <a:noFill/>
+                </a:ln>
+                <a:solidFill>
+                  <a:srgbClr val="CC7832"/>
+                </a:solidFill>
+                <a:effectLst/>
+                <a:latin typeface="JetBrains Mono"/>
+              </a:rPr>
+            </a:br>
+            <a:r>
+              <a:rPr kumimoji="0" lang="en-US" altLang="en-US" sz="1800" b="0" i="0" u="none" strike="noStrike" cap="none" normalizeH="0" baseline="0" dirty="0">
+                <a:ln>
+                  <a:noFill/>
+                </a:ln>
+                <a:solidFill>
+                  <a:srgbClr val="CC7832"/>
+                </a:solidFill>
+                <a:effectLst/>
+                <a:latin typeface="JetBrains Mono"/>
+              </a:rPr>
+              <a:t>        </a:t>
+            </a:r>
+            <a:r>
+              <a:rPr kumimoji="0" lang="en-US" altLang="en-US" sz="1800" b="0" i="0" u="none" strike="noStrike" cap="none" normalizeH="0" baseline="0" dirty="0" err="1">
+                <a:ln>
+                  <a:noFill/>
+                </a:ln>
+                <a:solidFill>
+                  <a:srgbClr val="A9B7C6"/>
+                </a:solidFill>
+                <a:effectLst/>
+                <a:latin typeface="JetBrains Mono"/>
+              </a:rPr>
+              <a:t>list.add</a:t>
+            </a:r>
+            <a:r>
+              <a:rPr kumimoji="0" lang="en-US" altLang="en-US" sz="1800" b="0" i="0" u="none" strike="noStrike" cap="none" normalizeH="0" baseline="0" dirty="0">
+                <a:ln>
+                  <a:noFill/>
+                </a:ln>
+                <a:solidFill>
+                  <a:srgbClr val="A9B7C6"/>
+                </a:solidFill>
+                <a:effectLst/>
+                <a:latin typeface="JetBrains Mono"/>
+              </a:rPr>
+              <a:t>(</a:t>
+            </a:r>
+            <a:r>
+              <a:rPr kumimoji="0" lang="en-US" altLang="en-US" sz="1800" b="0" i="0" u="none" strike="noStrike" cap="none" normalizeH="0" baseline="0" dirty="0">
+                <a:ln>
+                  <a:noFill/>
+                </a:ln>
+                <a:solidFill>
+                  <a:srgbClr val="6897BB"/>
+                </a:solidFill>
+                <a:effectLst/>
+                <a:latin typeface="JetBrains Mono"/>
+              </a:rPr>
+              <a:t>4</a:t>
+            </a:r>
+            <a:r>
+              <a:rPr kumimoji="0" lang="en-US" altLang="en-US" sz="1800" b="0" i="0" u="none" strike="noStrike" cap="none" normalizeH="0" baseline="0" dirty="0">
+                <a:ln>
+                  <a:noFill/>
+                </a:ln>
+                <a:solidFill>
+                  <a:srgbClr val="A9B7C6"/>
+                </a:solidFill>
+                <a:effectLst/>
+                <a:latin typeface="JetBrains Mono"/>
+              </a:rPr>
+              <a:t>)</a:t>
+            </a:r>
+            <a:r>
+              <a:rPr kumimoji="0" lang="en-US" altLang="en-US" sz="1800" b="0" i="0" u="none" strike="noStrike" cap="none" normalizeH="0" baseline="0" dirty="0">
+                <a:ln>
+                  <a:noFill/>
+                </a:ln>
+                <a:solidFill>
+                  <a:srgbClr val="CC7832"/>
+                </a:solidFill>
+                <a:effectLst/>
+                <a:latin typeface="JetBrains Mono"/>
+              </a:rPr>
+              <a:t>;</a:t>
+            </a:r>
+            <a:br>
+              <a:rPr kumimoji="0" lang="en-US" altLang="en-US" sz="1800" b="0" i="0" u="none" strike="noStrike" cap="none" normalizeH="0" baseline="0" dirty="0">
+                <a:ln>
+                  <a:noFill/>
+                </a:ln>
+                <a:solidFill>
+                  <a:srgbClr val="CC7832"/>
+                </a:solidFill>
+                <a:effectLst/>
+                <a:latin typeface="JetBrains Mono"/>
+              </a:rPr>
+            </a:br>
+            <a:r>
+              <a:rPr kumimoji="0" lang="en-US" altLang="en-US" sz="1800" b="0" i="0" u="none" strike="noStrike" cap="none" normalizeH="0" baseline="0" dirty="0">
+                <a:ln>
+                  <a:noFill/>
+                </a:ln>
+                <a:solidFill>
+                  <a:srgbClr val="CC7832"/>
+                </a:solidFill>
+                <a:effectLst/>
+                <a:latin typeface="JetBrains Mono"/>
+              </a:rPr>
+              <a:t>        </a:t>
+            </a:r>
+            <a:r>
+              <a:rPr kumimoji="0" lang="en-US" altLang="en-US" sz="1800" b="0" i="0" u="none" strike="noStrike" cap="none" normalizeH="0" baseline="0" dirty="0" err="1">
+                <a:ln>
+                  <a:noFill/>
+                </a:ln>
+                <a:solidFill>
+                  <a:srgbClr val="A9B7C6"/>
+                </a:solidFill>
+                <a:effectLst/>
+                <a:latin typeface="JetBrains Mono"/>
+              </a:rPr>
+              <a:t>list.add</a:t>
+            </a:r>
+            <a:r>
+              <a:rPr kumimoji="0" lang="en-US" altLang="en-US" sz="1800" b="0" i="0" u="none" strike="noStrike" cap="none" normalizeH="0" baseline="0" dirty="0">
+                <a:ln>
+                  <a:noFill/>
+                </a:ln>
+                <a:solidFill>
+                  <a:srgbClr val="A9B7C6"/>
+                </a:solidFill>
+                <a:effectLst/>
+                <a:latin typeface="JetBrains Mono"/>
+              </a:rPr>
+              <a:t>(</a:t>
+            </a:r>
+            <a:r>
+              <a:rPr kumimoji="0" lang="en-US" altLang="en-US" sz="1800" b="0" i="0" u="none" strike="noStrike" cap="none" normalizeH="0" baseline="0" dirty="0">
+                <a:ln>
+                  <a:noFill/>
+                </a:ln>
+                <a:solidFill>
+                  <a:srgbClr val="6897BB"/>
+                </a:solidFill>
+                <a:effectLst/>
+                <a:latin typeface="JetBrains Mono"/>
+              </a:rPr>
+              <a:t>6</a:t>
+            </a:r>
+            <a:r>
+              <a:rPr kumimoji="0" lang="en-US" altLang="en-US" sz="1800" b="0" i="0" u="none" strike="noStrike" cap="none" normalizeH="0" baseline="0" dirty="0">
+                <a:ln>
+                  <a:noFill/>
+                </a:ln>
+                <a:solidFill>
+                  <a:srgbClr val="A9B7C6"/>
+                </a:solidFill>
+                <a:effectLst/>
+                <a:latin typeface="JetBrains Mono"/>
+              </a:rPr>
+              <a:t>)</a:t>
+            </a:r>
+            <a:r>
+              <a:rPr kumimoji="0" lang="en-US" altLang="en-US" sz="1800" b="0" i="0" u="none" strike="noStrike" cap="none" normalizeH="0" baseline="0" dirty="0">
+                <a:ln>
+                  <a:noFill/>
+                </a:ln>
+                <a:solidFill>
+                  <a:srgbClr val="CC7832"/>
+                </a:solidFill>
+                <a:effectLst/>
+                <a:latin typeface="JetBrains Mono"/>
+              </a:rPr>
+              <a:t>;</a:t>
+            </a:r>
+            <a:br>
+              <a:rPr kumimoji="0" lang="en-US" altLang="en-US" sz="1800" b="0" i="0" u="none" strike="noStrike" cap="none" normalizeH="0" baseline="0" dirty="0">
+                <a:ln>
+                  <a:noFill/>
+                </a:ln>
+                <a:solidFill>
+                  <a:srgbClr val="CC7832"/>
+                </a:solidFill>
+                <a:effectLst/>
+                <a:latin typeface="JetBrains Mono"/>
+              </a:rPr>
+            </a:br>
+            <a:r>
+              <a:rPr kumimoji="0" lang="en-US" altLang="en-US" sz="1800" b="0" i="0" u="none" strike="noStrike" cap="none" normalizeH="0" baseline="0" dirty="0">
+                <a:ln>
+                  <a:noFill/>
+                </a:ln>
+                <a:solidFill>
+                  <a:srgbClr val="CC7832"/>
+                </a:solidFill>
+                <a:effectLst/>
+                <a:latin typeface="JetBrains Mono"/>
+              </a:rPr>
+              <a:t>        </a:t>
+            </a:r>
+            <a:r>
+              <a:rPr kumimoji="0" lang="en-US" altLang="en-US" sz="1800" b="0" i="0" u="none" strike="noStrike" cap="none" normalizeH="0" baseline="0" dirty="0" err="1">
+                <a:ln>
+                  <a:noFill/>
+                </a:ln>
+                <a:solidFill>
+                  <a:srgbClr val="A9B7C6"/>
+                </a:solidFill>
+                <a:effectLst/>
+                <a:latin typeface="JetBrains Mono"/>
+              </a:rPr>
+              <a:t>ListIterator</a:t>
+            </a:r>
+            <a:r>
+              <a:rPr kumimoji="0" lang="en-US" altLang="en-US" sz="1800" b="0" i="0" u="none" strike="noStrike" cap="none" normalizeH="0" baseline="0" dirty="0">
+                <a:ln>
+                  <a:noFill/>
+                </a:ln>
+                <a:solidFill>
+                  <a:srgbClr val="A9B7C6"/>
+                </a:solidFill>
+                <a:effectLst/>
+                <a:latin typeface="JetBrains Mono"/>
+              </a:rPr>
+              <a:t>&lt;Integer&gt; </a:t>
+            </a:r>
+            <a:r>
+              <a:rPr kumimoji="0" lang="en-US" altLang="en-US" sz="1800" b="0" i="0" u="none" strike="noStrike" cap="none" normalizeH="0" baseline="0" dirty="0" err="1">
+                <a:ln>
+                  <a:noFill/>
+                </a:ln>
+                <a:solidFill>
+                  <a:srgbClr val="A9B7C6"/>
+                </a:solidFill>
+                <a:effectLst/>
+                <a:latin typeface="JetBrains Mono"/>
+              </a:rPr>
+              <a:t>intIterator</a:t>
+            </a:r>
+            <a:r>
+              <a:rPr kumimoji="0" lang="en-US" altLang="en-US" sz="1800" b="0" i="0" u="none" strike="noStrike" cap="none" normalizeH="0" baseline="0" dirty="0">
+                <a:ln>
+                  <a:noFill/>
+                </a:ln>
+                <a:solidFill>
+                  <a:srgbClr val="A9B7C6"/>
+                </a:solidFill>
+                <a:effectLst/>
+                <a:latin typeface="JetBrains Mono"/>
+              </a:rPr>
+              <a:t> = </a:t>
+            </a:r>
+            <a:r>
+              <a:rPr kumimoji="0" lang="en-US" altLang="en-US" sz="1800" b="0" i="0" u="none" strike="noStrike" cap="none" normalizeH="0" baseline="0" dirty="0" err="1">
+                <a:ln>
+                  <a:noFill/>
+                </a:ln>
+                <a:solidFill>
+                  <a:srgbClr val="A9B7C6"/>
+                </a:solidFill>
+                <a:effectLst/>
+                <a:latin typeface="JetBrains Mono"/>
+              </a:rPr>
+              <a:t>list.listIterator</a:t>
+            </a:r>
+            <a:r>
+              <a:rPr kumimoji="0" lang="en-US" altLang="en-US" sz="1800" b="0" i="0" u="none" strike="noStrike" cap="none" normalizeH="0" baseline="0" dirty="0">
+                <a:ln>
+                  <a:noFill/>
+                </a:ln>
+                <a:solidFill>
+                  <a:srgbClr val="A9B7C6"/>
+                </a:solidFill>
+                <a:effectLst/>
+                <a:latin typeface="JetBrains Mono"/>
+              </a:rPr>
+              <a:t>()</a:t>
+            </a:r>
+            <a:r>
+              <a:rPr kumimoji="0" lang="en-US" altLang="en-US" sz="1800" b="0" i="0" u="none" strike="noStrike" cap="none" normalizeH="0" baseline="0" dirty="0">
+                <a:ln>
+                  <a:noFill/>
+                </a:ln>
+                <a:solidFill>
+                  <a:srgbClr val="CC7832"/>
+                </a:solidFill>
+                <a:effectLst/>
+                <a:latin typeface="JetBrains Mono"/>
+              </a:rPr>
+              <a:t>;</a:t>
+            </a:r>
+            <a:br>
+              <a:rPr kumimoji="0" lang="en-US" altLang="en-US" sz="1800" b="0" i="0" u="none" strike="noStrike" cap="none" normalizeH="0" baseline="0" dirty="0">
+                <a:ln>
+                  <a:noFill/>
+                </a:ln>
+                <a:solidFill>
+                  <a:srgbClr val="CC7832"/>
+                </a:solidFill>
+                <a:effectLst/>
+                <a:latin typeface="JetBrains Mono"/>
+              </a:rPr>
+            </a:br>
+            <a:r>
+              <a:rPr kumimoji="0" lang="en-US" altLang="en-US" sz="1800" b="0" i="0" u="none" strike="noStrike" cap="none" normalizeH="0" baseline="0" dirty="0">
+                <a:ln>
+                  <a:noFill/>
+                </a:ln>
+                <a:solidFill>
+                  <a:srgbClr val="CC7832"/>
+                </a:solidFill>
+                <a:effectLst/>
+                <a:latin typeface="JetBrains Mono"/>
+              </a:rPr>
+              <a:t>        </a:t>
+            </a:r>
+            <a:r>
+              <a:rPr kumimoji="0" lang="en-US" altLang="en-US" sz="1800" b="0" i="0" u="none" strike="noStrike" cap="none" normalizeH="0" baseline="0" dirty="0">
+                <a:ln>
+                  <a:noFill/>
+                </a:ln>
+                <a:solidFill>
+                  <a:srgbClr val="808080"/>
+                </a:solidFill>
+                <a:effectLst/>
+                <a:latin typeface="JetBrains Mono"/>
+              </a:rPr>
+              <a:t>//what is printed?</a:t>
+            </a:r>
+            <a:br>
+              <a:rPr kumimoji="0" lang="en-US" altLang="en-US" sz="1800" b="0" i="0" u="none" strike="noStrike" cap="none" normalizeH="0" baseline="0" dirty="0">
+                <a:ln>
+                  <a:noFill/>
+                </a:ln>
+                <a:solidFill>
+                  <a:srgbClr val="808080"/>
+                </a:solidFill>
+                <a:effectLst/>
+                <a:latin typeface="JetBrains Mono"/>
+              </a:rPr>
+            </a:br>
+            <a:r>
+              <a:rPr kumimoji="0" lang="en-US" altLang="en-US" sz="1800" b="0" i="0" u="none" strike="noStrike" cap="none" normalizeH="0" baseline="0" dirty="0">
+                <a:ln>
+                  <a:noFill/>
+                </a:ln>
+                <a:solidFill>
+                  <a:srgbClr val="808080"/>
+                </a:solidFill>
+                <a:effectLst/>
+                <a:latin typeface="JetBrains Mono"/>
+              </a:rPr>
+              <a:t>        </a:t>
+            </a:r>
+            <a:r>
+              <a:rPr kumimoji="0" lang="en-US" altLang="en-US" sz="1800" b="0" i="0" u="none" strike="noStrike" cap="none" normalizeH="0" baseline="0" dirty="0">
+                <a:ln>
+                  <a:noFill/>
+                </a:ln>
+                <a:solidFill>
+                  <a:srgbClr val="CC7832"/>
+                </a:solidFill>
+                <a:effectLst/>
+                <a:latin typeface="JetBrains Mono"/>
+              </a:rPr>
+              <a:t>while</a:t>
+            </a:r>
+            <a:r>
+              <a:rPr kumimoji="0" lang="en-US" altLang="en-US" sz="1800" b="0" i="0" u="none" strike="noStrike" cap="none" normalizeH="0" baseline="0" dirty="0">
+                <a:ln>
+                  <a:noFill/>
+                </a:ln>
+                <a:solidFill>
+                  <a:srgbClr val="A9B7C6"/>
+                </a:solidFill>
+                <a:effectLst/>
+                <a:latin typeface="JetBrains Mono"/>
+              </a:rPr>
+              <a:t>(</a:t>
+            </a:r>
+            <a:r>
+              <a:rPr kumimoji="0" lang="en-US" altLang="en-US" sz="1800" b="0" i="0" u="none" strike="noStrike" cap="none" normalizeH="0" baseline="0" dirty="0" err="1">
+                <a:ln>
+                  <a:noFill/>
+                </a:ln>
+                <a:solidFill>
+                  <a:srgbClr val="A9B7C6"/>
+                </a:solidFill>
+                <a:effectLst/>
+                <a:latin typeface="JetBrains Mono"/>
+              </a:rPr>
+              <a:t>intIterator.hasNext</a:t>
+            </a:r>
+            <a:r>
+              <a:rPr kumimoji="0" lang="en-US" altLang="en-US" sz="1800" b="0" i="0" u="none" strike="noStrike" cap="none" normalizeH="0" baseline="0" dirty="0">
+                <a:ln>
+                  <a:noFill/>
+                </a:ln>
+                <a:solidFill>
+                  <a:srgbClr val="A9B7C6"/>
+                </a:solidFill>
+                <a:effectLst/>
+                <a:latin typeface="JetBrains Mono"/>
+              </a:rPr>
+              <a:t>()){</a:t>
+            </a:r>
+            <a:br>
+              <a:rPr kumimoji="0" lang="en-US" altLang="en-US" sz="1800" b="0" i="0" u="none" strike="noStrike" cap="none" normalizeH="0" baseline="0" dirty="0">
+                <a:ln>
+                  <a:noFill/>
+                </a:ln>
+                <a:solidFill>
+                  <a:srgbClr val="A9B7C6"/>
+                </a:solidFill>
+                <a:effectLst/>
+                <a:latin typeface="JetBrains Mono"/>
+              </a:rPr>
+            </a:br>
+            <a:r>
+              <a:rPr kumimoji="0" lang="en-US" altLang="en-US" sz="1800" b="0" i="0" u="none" strike="noStrike" cap="none" normalizeH="0" baseline="0" dirty="0">
+                <a:ln>
+                  <a:noFill/>
+                </a:ln>
+                <a:solidFill>
+                  <a:srgbClr val="A9B7C6"/>
+                </a:solidFill>
+                <a:effectLst/>
+                <a:latin typeface="JetBrains Mono"/>
+              </a:rPr>
+              <a:t>            </a:t>
+            </a:r>
+            <a:r>
+              <a:rPr kumimoji="0" lang="en-US" altLang="en-US" sz="1800" b="0" i="0" u="none" strike="noStrike" cap="none" normalizeH="0" baseline="0" dirty="0" err="1">
+                <a:ln>
+                  <a:noFill/>
+                </a:ln>
+                <a:solidFill>
+                  <a:srgbClr val="A9B7C6"/>
+                </a:solidFill>
+                <a:effectLst/>
+                <a:latin typeface="JetBrains Mono"/>
+              </a:rPr>
+              <a:t>System.</a:t>
+            </a:r>
+            <a:r>
+              <a:rPr kumimoji="0" lang="en-US" altLang="en-US" sz="1800" b="0" i="1" u="none" strike="noStrike" cap="none" normalizeH="0" baseline="0" dirty="0" err="1">
+                <a:ln>
+                  <a:noFill/>
+                </a:ln>
+                <a:solidFill>
+                  <a:srgbClr val="9876AA"/>
+                </a:solidFill>
+                <a:effectLst/>
+                <a:latin typeface="JetBrains Mono"/>
+              </a:rPr>
+              <a:t>out</a:t>
+            </a:r>
+            <a:r>
+              <a:rPr kumimoji="0" lang="en-US" altLang="en-US" sz="1800" b="0" i="0" u="none" strike="noStrike" cap="none" normalizeH="0" baseline="0" dirty="0" err="1">
+                <a:ln>
+                  <a:noFill/>
+                </a:ln>
+                <a:solidFill>
+                  <a:srgbClr val="A9B7C6"/>
+                </a:solidFill>
+                <a:effectLst/>
+                <a:latin typeface="JetBrains Mono"/>
+              </a:rPr>
+              <a:t>.print</a:t>
+            </a:r>
+            <a:r>
+              <a:rPr kumimoji="0" lang="en-US" altLang="en-US" sz="1800" b="0" i="0" u="none" strike="noStrike" cap="none" normalizeH="0" baseline="0" dirty="0">
+                <a:ln>
+                  <a:noFill/>
+                </a:ln>
+                <a:solidFill>
+                  <a:srgbClr val="A9B7C6"/>
+                </a:solidFill>
+                <a:effectLst/>
+                <a:latin typeface="JetBrains Mono"/>
+              </a:rPr>
+              <a:t>(</a:t>
+            </a:r>
+            <a:r>
+              <a:rPr kumimoji="0" lang="en-US" altLang="en-US" sz="1800" b="0" i="0" u="none" strike="noStrike" cap="none" normalizeH="0" baseline="0" dirty="0" err="1">
+                <a:ln>
+                  <a:noFill/>
+                </a:ln>
+                <a:solidFill>
+                  <a:srgbClr val="A9B7C6"/>
+                </a:solidFill>
+                <a:effectLst/>
+                <a:latin typeface="JetBrains Mono"/>
+              </a:rPr>
+              <a:t>intIterator.next</a:t>
+            </a:r>
+            <a:r>
+              <a:rPr kumimoji="0" lang="en-US" altLang="en-US" sz="1800" b="0" i="0" u="none" strike="noStrike" cap="none" normalizeH="0" baseline="0" dirty="0">
+                <a:ln>
+                  <a:noFill/>
+                </a:ln>
+                <a:solidFill>
+                  <a:srgbClr val="A9B7C6"/>
+                </a:solidFill>
+                <a:effectLst/>
+                <a:latin typeface="JetBrains Mono"/>
+              </a:rPr>
+              <a:t>())</a:t>
+            </a:r>
+            <a:r>
+              <a:rPr kumimoji="0" lang="en-US" altLang="en-US" sz="1800" b="0" i="0" u="none" strike="noStrike" cap="none" normalizeH="0" baseline="0" dirty="0">
+                <a:ln>
+                  <a:noFill/>
+                </a:ln>
+                <a:solidFill>
+                  <a:srgbClr val="CC7832"/>
+                </a:solidFill>
+                <a:effectLst/>
+                <a:latin typeface="JetBrains Mono"/>
+              </a:rPr>
+              <a:t>;</a:t>
+            </a:r>
+            <a:br>
+              <a:rPr kumimoji="0" lang="en-US" altLang="en-US" sz="1800" b="0" i="0" u="none" strike="noStrike" cap="none" normalizeH="0" baseline="0" dirty="0">
+                <a:ln>
+                  <a:noFill/>
+                </a:ln>
+                <a:solidFill>
+                  <a:srgbClr val="CC7832"/>
+                </a:solidFill>
+                <a:effectLst/>
+                <a:latin typeface="JetBrains Mono"/>
+              </a:rPr>
+            </a:br>
+            <a:r>
+              <a:rPr kumimoji="0" lang="en-US" altLang="en-US" sz="1800" b="0" i="0" u="none" strike="noStrike" cap="none" normalizeH="0" baseline="0" dirty="0">
+                <a:ln>
+                  <a:noFill/>
+                </a:ln>
+                <a:solidFill>
+                  <a:srgbClr val="CC7832"/>
+                </a:solidFill>
+                <a:effectLst/>
+                <a:latin typeface="JetBrains Mono"/>
+              </a:rPr>
+              <a:t>        </a:t>
+            </a:r>
+            <a:r>
+              <a:rPr kumimoji="0" lang="en-US" altLang="en-US" sz="1800" b="0" i="0" u="none" strike="noStrike" cap="none" normalizeH="0" baseline="0" dirty="0">
+                <a:ln>
+                  <a:noFill/>
+                </a:ln>
+                <a:solidFill>
+                  <a:srgbClr val="A9B7C6"/>
+                </a:solidFill>
+                <a:effectLst/>
+                <a:latin typeface="JetBrains Mono"/>
+              </a:rPr>
+              <a:t>}</a:t>
+            </a:r>
+            <a:br>
+              <a:rPr kumimoji="0" lang="en-US" altLang="en-US" sz="1800" b="0" i="0" u="none" strike="noStrike" cap="none" normalizeH="0" baseline="0" dirty="0">
+                <a:ln>
+                  <a:noFill/>
+                </a:ln>
+                <a:solidFill>
+                  <a:srgbClr val="A9B7C6"/>
+                </a:solidFill>
+                <a:effectLst/>
+                <a:latin typeface="JetBrains Mono"/>
+              </a:rPr>
+            </a:br>
+            <a:r>
+              <a:rPr kumimoji="0" lang="en-US" altLang="en-US" sz="1800" b="0" i="0" u="none" strike="noStrike" cap="none" normalizeH="0" baseline="0" dirty="0">
+                <a:ln>
+                  <a:noFill/>
+                </a:ln>
+                <a:solidFill>
+                  <a:srgbClr val="A9B7C6"/>
+                </a:solidFill>
+                <a:effectLst/>
+                <a:latin typeface="JetBrains Mono"/>
+              </a:rPr>
+              <a:t>        </a:t>
+            </a:r>
+            <a:r>
+              <a:rPr kumimoji="0" lang="en-US" altLang="en-US" sz="1800" b="0" i="0" u="none" strike="noStrike" cap="none" normalizeH="0" baseline="0" dirty="0" err="1">
+                <a:ln>
+                  <a:noFill/>
+                </a:ln>
+                <a:solidFill>
+                  <a:srgbClr val="A9B7C6"/>
+                </a:solidFill>
+                <a:effectLst/>
+                <a:latin typeface="JetBrains Mono"/>
+              </a:rPr>
+              <a:t>System.</a:t>
+            </a:r>
+            <a:r>
+              <a:rPr kumimoji="0" lang="en-US" altLang="en-US" sz="1800" b="0" i="1" u="none" strike="noStrike" cap="none" normalizeH="0" baseline="0" dirty="0" err="1">
+                <a:ln>
+                  <a:noFill/>
+                </a:ln>
+                <a:solidFill>
+                  <a:srgbClr val="9876AA"/>
+                </a:solidFill>
+                <a:effectLst/>
+                <a:latin typeface="JetBrains Mono"/>
+              </a:rPr>
+              <a:t>out</a:t>
+            </a:r>
+            <a:r>
+              <a:rPr kumimoji="0" lang="en-US" altLang="en-US" sz="1800" b="0" i="0" u="none" strike="noStrike" cap="none" normalizeH="0" baseline="0" dirty="0" err="1">
+                <a:ln>
+                  <a:noFill/>
+                </a:ln>
+                <a:solidFill>
+                  <a:srgbClr val="A9B7C6"/>
+                </a:solidFill>
+                <a:effectLst/>
+                <a:latin typeface="JetBrains Mono"/>
+              </a:rPr>
+              <a:t>.println</a:t>
+            </a:r>
+            <a:r>
+              <a:rPr kumimoji="0" lang="en-US" altLang="en-US" sz="1800" b="0" i="0" u="none" strike="noStrike" cap="none" normalizeH="0" baseline="0" dirty="0">
+                <a:ln>
+                  <a:noFill/>
+                </a:ln>
+                <a:solidFill>
+                  <a:srgbClr val="A9B7C6"/>
+                </a:solidFill>
+                <a:effectLst/>
+                <a:latin typeface="JetBrains Mono"/>
+              </a:rPr>
+              <a:t>(</a:t>
+            </a:r>
+            <a:r>
+              <a:rPr kumimoji="0" lang="en-US" altLang="en-US" sz="1800" b="0" i="0" u="none" strike="noStrike" cap="none" normalizeH="0" baseline="0" dirty="0">
+                <a:ln>
+                  <a:noFill/>
+                </a:ln>
+                <a:solidFill>
+                  <a:srgbClr val="6A8759"/>
+                </a:solidFill>
+                <a:effectLst/>
+                <a:latin typeface="JetBrains Mono"/>
+              </a:rPr>
+              <a:t>""</a:t>
+            </a:r>
+            <a:r>
+              <a:rPr kumimoji="0" lang="en-US" altLang="en-US" sz="1800" b="0" i="0" u="none" strike="noStrike" cap="none" normalizeH="0" baseline="0" dirty="0">
+                <a:ln>
+                  <a:noFill/>
+                </a:ln>
+                <a:solidFill>
+                  <a:srgbClr val="A9B7C6"/>
+                </a:solidFill>
+                <a:effectLst/>
+                <a:latin typeface="JetBrains Mono"/>
+              </a:rPr>
+              <a:t>)</a:t>
+            </a:r>
+            <a:r>
+              <a:rPr kumimoji="0" lang="en-US" altLang="en-US" sz="1800" b="0" i="0" u="none" strike="noStrike" cap="none" normalizeH="0" baseline="0" dirty="0">
+                <a:ln>
+                  <a:noFill/>
+                </a:ln>
+                <a:solidFill>
+                  <a:srgbClr val="CC7832"/>
+                </a:solidFill>
+                <a:effectLst/>
+                <a:latin typeface="JetBrains Mono"/>
+              </a:rPr>
+              <a:t>;</a:t>
+            </a:r>
+            <a:br>
+              <a:rPr kumimoji="0" lang="en-US" altLang="en-US" sz="1800" b="0" i="0" u="none" strike="noStrike" cap="none" normalizeH="0" baseline="0" dirty="0">
+                <a:ln>
+                  <a:noFill/>
+                </a:ln>
+                <a:solidFill>
+                  <a:srgbClr val="CC7832"/>
+                </a:solidFill>
+                <a:effectLst/>
+                <a:latin typeface="JetBrains Mono"/>
+              </a:rPr>
+            </a:br>
+            <a:r>
+              <a:rPr kumimoji="0" lang="en-US" altLang="en-US" sz="1800" b="0" i="0" u="none" strike="noStrike" cap="none" normalizeH="0" baseline="0" dirty="0">
+                <a:ln>
+                  <a:noFill/>
+                </a:ln>
+                <a:solidFill>
+                  <a:srgbClr val="CC7832"/>
+                </a:solidFill>
+                <a:effectLst/>
+                <a:latin typeface="JetBrains Mono"/>
+              </a:rPr>
+              <a:t>        </a:t>
+            </a:r>
+            <a:r>
+              <a:rPr kumimoji="0" lang="en-US" altLang="en-US" sz="1800" b="0" i="0" u="none" strike="noStrike" cap="none" normalizeH="0" baseline="0" dirty="0">
+                <a:ln>
+                  <a:noFill/>
+                </a:ln>
+                <a:solidFill>
+                  <a:srgbClr val="808080"/>
+                </a:solidFill>
+                <a:effectLst/>
+                <a:latin typeface="JetBrains Mono"/>
+              </a:rPr>
+              <a:t>//how to add number 5 between numbers 4 and 6?</a:t>
+            </a:r>
+            <a:br>
+              <a:rPr kumimoji="0" lang="en-US" altLang="en-US" sz="1800" b="0" i="0" u="none" strike="noStrike" cap="none" normalizeH="0" baseline="0" dirty="0">
+                <a:ln>
+                  <a:noFill/>
+                </a:ln>
+                <a:solidFill>
+                  <a:srgbClr val="808080"/>
+                </a:solidFill>
+                <a:effectLst/>
+                <a:latin typeface="JetBrains Mono"/>
+              </a:rPr>
+            </a:br>
+            <a:r>
+              <a:rPr kumimoji="0" lang="en-US" altLang="en-US" sz="1800" b="0" i="0" u="none" strike="noStrike" cap="none" normalizeH="0" baseline="0" dirty="0">
+                <a:ln>
+                  <a:noFill/>
+                </a:ln>
+                <a:solidFill>
+                  <a:srgbClr val="808080"/>
+                </a:solidFill>
+                <a:effectLst/>
+                <a:latin typeface="JetBrains Mono"/>
+              </a:rPr>
+              <a:t>        //how to add number 1 before number 2?</a:t>
+            </a:r>
+            <a:br>
+              <a:rPr kumimoji="0" lang="en-US" altLang="en-US" sz="1800" b="0" i="0" u="none" strike="noStrike" cap="none" normalizeH="0" baseline="0" dirty="0">
+                <a:ln>
+                  <a:noFill/>
+                </a:ln>
+                <a:solidFill>
+                  <a:srgbClr val="808080"/>
+                </a:solidFill>
+                <a:effectLst/>
+                <a:latin typeface="JetBrains Mono"/>
+              </a:rPr>
+            </a:br>
+            <a:r>
+              <a:rPr kumimoji="0" lang="en-US" altLang="en-US" sz="1800" b="0" i="0" u="none" strike="noStrike" cap="none" normalizeH="0" baseline="0" dirty="0">
+                <a:ln>
+                  <a:noFill/>
+                </a:ln>
+                <a:solidFill>
+                  <a:srgbClr val="808080"/>
+                </a:solidFill>
+                <a:effectLst/>
+                <a:latin typeface="JetBrains Mono"/>
+              </a:rPr>
+              <a:t>        //how to remove number 2?</a:t>
+            </a:r>
+            <a:br>
+              <a:rPr kumimoji="0" lang="en-US" altLang="en-US" sz="1800" b="0" i="0" u="none" strike="noStrike" cap="none" normalizeH="0" baseline="0" dirty="0">
+                <a:ln>
+                  <a:noFill/>
+                </a:ln>
+                <a:solidFill>
+                  <a:srgbClr val="808080"/>
+                </a:solidFill>
+                <a:effectLst/>
+                <a:latin typeface="JetBrains Mono"/>
+              </a:rPr>
+            </a:br>
+            <a:r>
+              <a:rPr kumimoji="0" lang="en-US" altLang="en-US" sz="1800" b="0" i="0" u="none" strike="noStrike" cap="none" normalizeH="0" baseline="0" dirty="0">
+                <a:ln>
+                  <a:noFill/>
+                </a:ln>
+                <a:solidFill>
+                  <a:srgbClr val="808080"/>
+                </a:solidFill>
+                <a:effectLst/>
+                <a:latin typeface="JetBrains Mono"/>
+              </a:rPr>
+              <a:t>        //how to remove the second element in the list?</a:t>
+            </a:r>
+            <a:br>
+              <a:rPr kumimoji="0" lang="en-US" altLang="en-US" sz="1800" b="0" i="0" u="none" strike="noStrike" cap="none" normalizeH="0" baseline="0" dirty="0">
+                <a:ln>
+                  <a:noFill/>
+                </a:ln>
+                <a:solidFill>
+                  <a:srgbClr val="808080"/>
+                </a:solidFill>
+                <a:effectLst/>
+                <a:latin typeface="JetBrains Mono"/>
+              </a:rPr>
+            </a:br>
+            <a:r>
+              <a:rPr kumimoji="0" lang="en-US" altLang="en-US" sz="1800" b="0" i="0" u="none" strike="noStrike" cap="none" normalizeH="0" baseline="0" dirty="0">
+                <a:ln>
+                  <a:noFill/>
+                </a:ln>
+                <a:solidFill>
+                  <a:srgbClr val="808080"/>
+                </a:solidFill>
+                <a:effectLst/>
+                <a:latin typeface="JetBrains Mono"/>
+              </a:rPr>
+              <a:t>        //what is printed?</a:t>
+            </a:r>
+          </a:p>
+          <a:p>
+            <a:pPr lvl="0" defTabSz="914400" eaLnBrk="0" fontAlgn="base" hangingPunct="0">
+              <a:spcBef>
+                <a:spcPct val="0"/>
+              </a:spcBef>
+              <a:spcAft>
+                <a:spcPct val="0"/>
+              </a:spcAft>
+            </a:pPr>
+            <a:r>
+              <a:rPr kumimoji="0" lang="en-US" altLang="en-US" sz="1800" b="0" i="0" u="none" strike="noStrike" cap="none" normalizeH="0" baseline="0" dirty="0">
+                <a:ln>
+                  <a:noFill/>
+                </a:ln>
+                <a:solidFill>
+                  <a:srgbClr val="808080"/>
+                </a:solidFill>
+                <a:effectLst/>
+                <a:latin typeface="JetBrains Mono"/>
+              </a:rPr>
+              <a:t>        </a:t>
+            </a:r>
+            <a:r>
+              <a:rPr lang="en-US" altLang="en-US" sz="1800" dirty="0" err="1">
+                <a:solidFill>
+                  <a:srgbClr val="A9B7C6"/>
+                </a:solidFill>
+                <a:latin typeface="JetBrains Mono"/>
+              </a:rPr>
+              <a:t>intIterator</a:t>
+            </a:r>
+            <a:r>
+              <a:rPr lang="en-US" altLang="en-US" sz="1800" dirty="0">
+                <a:solidFill>
+                  <a:srgbClr val="A9B7C6"/>
+                </a:solidFill>
+                <a:latin typeface="JetBrains Mono"/>
+              </a:rPr>
+              <a:t> = </a:t>
+            </a:r>
+            <a:r>
+              <a:rPr lang="en-US" altLang="en-US" sz="1800" dirty="0" err="1">
+                <a:solidFill>
+                  <a:srgbClr val="A9B7C6"/>
+                </a:solidFill>
+                <a:latin typeface="JetBrains Mono"/>
+              </a:rPr>
+              <a:t>list.listIterator</a:t>
+            </a:r>
+            <a:r>
+              <a:rPr lang="en-US" altLang="en-US" sz="1800" dirty="0">
+                <a:solidFill>
+                  <a:srgbClr val="A9B7C6"/>
+                </a:solidFill>
+                <a:latin typeface="JetBrains Mono"/>
+              </a:rPr>
+              <a:t>()</a:t>
+            </a:r>
+            <a:r>
+              <a:rPr lang="en-US" altLang="en-US" sz="1800" dirty="0">
+                <a:solidFill>
+                  <a:srgbClr val="CC7832"/>
+                </a:solidFill>
+                <a:latin typeface="JetBrains Mono"/>
+              </a:rPr>
+              <a:t>;</a:t>
+            </a:r>
+            <a:br>
+              <a:rPr kumimoji="0" lang="en-US" altLang="en-US" sz="1800" b="0" i="0" u="none" strike="noStrike" cap="none" normalizeH="0" baseline="0" dirty="0">
+                <a:ln>
+                  <a:noFill/>
+                </a:ln>
+                <a:solidFill>
+                  <a:srgbClr val="808080"/>
+                </a:solidFill>
+                <a:effectLst/>
+                <a:latin typeface="JetBrains Mono"/>
+              </a:rPr>
+            </a:br>
+            <a:r>
+              <a:rPr kumimoji="0" lang="en-US" altLang="en-US" sz="1800" b="0" i="0" u="none" strike="noStrike" cap="none" normalizeH="0" baseline="0" dirty="0">
+                <a:ln>
+                  <a:noFill/>
+                </a:ln>
+                <a:solidFill>
+                  <a:srgbClr val="808080"/>
+                </a:solidFill>
+                <a:effectLst/>
+                <a:latin typeface="JetBrains Mono"/>
+              </a:rPr>
+              <a:t>        </a:t>
+            </a:r>
+            <a:r>
+              <a:rPr kumimoji="0" lang="en-US" altLang="en-US" sz="1800" b="0" i="0" u="none" strike="noStrike" cap="none" normalizeH="0" baseline="0" dirty="0">
+                <a:ln>
+                  <a:noFill/>
+                </a:ln>
+                <a:solidFill>
+                  <a:srgbClr val="CC7832"/>
+                </a:solidFill>
+                <a:effectLst/>
+                <a:latin typeface="JetBrains Mono"/>
+              </a:rPr>
+              <a:t>while</a:t>
+            </a:r>
+            <a:r>
+              <a:rPr kumimoji="0" lang="en-US" altLang="en-US" sz="1800" b="0" i="0" u="none" strike="noStrike" cap="none" normalizeH="0" baseline="0" dirty="0">
+                <a:ln>
+                  <a:noFill/>
+                </a:ln>
+                <a:solidFill>
+                  <a:srgbClr val="A9B7C6"/>
+                </a:solidFill>
+                <a:effectLst/>
+                <a:latin typeface="JetBrains Mono"/>
+              </a:rPr>
+              <a:t>(</a:t>
+            </a:r>
+            <a:r>
+              <a:rPr kumimoji="0" lang="en-US" altLang="en-US" sz="1800" b="0" i="0" u="none" strike="noStrike" cap="none" normalizeH="0" baseline="0" dirty="0" err="1">
+                <a:ln>
+                  <a:noFill/>
+                </a:ln>
+                <a:solidFill>
+                  <a:srgbClr val="A9B7C6"/>
+                </a:solidFill>
+                <a:effectLst/>
+                <a:latin typeface="JetBrains Mono"/>
+              </a:rPr>
+              <a:t>intIterator.hasNext</a:t>
+            </a:r>
+            <a:r>
+              <a:rPr kumimoji="0" lang="en-US" altLang="en-US" sz="1800" b="0" i="0" u="none" strike="noStrike" cap="none" normalizeH="0" baseline="0" dirty="0">
+                <a:ln>
+                  <a:noFill/>
+                </a:ln>
+                <a:solidFill>
+                  <a:srgbClr val="A9B7C6"/>
+                </a:solidFill>
+                <a:effectLst/>
+                <a:latin typeface="JetBrains Mono"/>
+              </a:rPr>
+              <a:t>()){</a:t>
+            </a:r>
+            <a:br>
+              <a:rPr kumimoji="0" lang="en-US" altLang="en-US" sz="1800" b="0" i="0" u="none" strike="noStrike" cap="none" normalizeH="0" baseline="0" dirty="0">
+                <a:ln>
+                  <a:noFill/>
+                </a:ln>
+                <a:solidFill>
+                  <a:srgbClr val="A9B7C6"/>
+                </a:solidFill>
+                <a:effectLst/>
+                <a:latin typeface="JetBrains Mono"/>
+              </a:rPr>
+            </a:br>
+            <a:r>
+              <a:rPr kumimoji="0" lang="en-US" altLang="en-US" sz="1800" b="0" i="0" u="none" strike="noStrike" cap="none" normalizeH="0" baseline="0" dirty="0">
+                <a:ln>
+                  <a:noFill/>
+                </a:ln>
+                <a:solidFill>
+                  <a:srgbClr val="A9B7C6"/>
+                </a:solidFill>
+                <a:effectLst/>
+                <a:latin typeface="JetBrains Mono"/>
+              </a:rPr>
+              <a:t>            </a:t>
+            </a:r>
+            <a:r>
+              <a:rPr kumimoji="0" lang="en-US" altLang="en-US" sz="1800" b="0" i="0" u="none" strike="noStrike" cap="none" normalizeH="0" baseline="0" dirty="0" err="1">
+                <a:ln>
+                  <a:noFill/>
+                </a:ln>
+                <a:solidFill>
+                  <a:srgbClr val="A9B7C6"/>
+                </a:solidFill>
+                <a:effectLst/>
+                <a:latin typeface="JetBrains Mono"/>
+              </a:rPr>
+              <a:t>System.</a:t>
+            </a:r>
+            <a:r>
+              <a:rPr kumimoji="0" lang="en-US" altLang="en-US" sz="1800" b="0" i="1" u="none" strike="noStrike" cap="none" normalizeH="0" baseline="0" dirty="0" err="1">
+                <a:ln>
+                  <a:noFill/>
+                </a:ln>
+                <a:solidFill>
+                  <a:srgbClr val="9876AA"/>
+                </a:solidFill>
+                <a:effectLst/>
+                <a:latin typeface="JetBrains Mono"/>
+              </a:rPr>
+              <a:t>out</a:t>
+            </a:r>
+            <a:r>
+              <a:rPr kumimoji="0" lang="en-US" altLang="en-US" sz="1800" b="0" i="0" u="none" strike="noStrike" cap="none" normalizeH="0" baseline="0" dirty="0" err="1">
+                <a:ln>
+                  <a:noFill/>
+                </a:ln>
+                <a:solidFill>
+                  <a:srgbClr val="A9B7C6"/>
+                </a:solidFill>
+                <a:effectLst/>
+                <a:latin typeface="JetBrains Mono"/>
+              </a:rPr>
+              <a:t>.print</a:t>
+            </a:r>
+            <a:r>
+              <a:rPr kumimoji="0" lang="en-US" altLang="en-US" sz="1800" b="0" i="0" u="none" strike="noStrike" cap="none" normalizeH="0" baseline="0" dirty="0">
+                <a:ln>
+                  <a:noFill/>
+                </a:ln>
+                <a:solidFill>
+                  <a:srgbClr val="A9B7C6"/>
+                </a:solidFill>
+                <a:effectLst/>
+                <a:latin typeface="JetBrains Mono"/>
+              </a:rPr>
+              <a:t>(</a:t>
+            </a:r>
+            <a:r>
+              <a:rPr kumimoji="0" lang="en-US" altLang="en-US" sz="1800" b="0" i="0" u="none" strike="noStrike" cap="none" normalizeH="0" baseline="0" dirty="0" err="1">
+                <a:ln>
+                  <a:noFill/>
+                </a:ln>
+                <a:solidFill>
+                  <a:srgbClr val="A9B7C6"/>
+                </a:solidFill>
+                <a:effectLst/>
+                <a:latin typeface="JetBrains Mono"/>
+              </a:rPr>
+              <a:t>intIterator.next</a:t>
+            </a:r>
+            <a:r>
+              <a:rPr kumimoji="0" lang="en-US" altLang="en-US" sz="1800" b="0" i="0" u="none" strike="noStrike" cap="none" normalizeH="0" baseline="0" dirty="0">
+                <a:ln>
+                  <a:noFill/>
+                </a:ln>
+                <a:solidFill>
+                  <a:srgbClr val="A9B7C6"/>
+                </a:solidFill>
+                <a:effectLst/>
+                <a:latin typeface="JetBrains Mono"/>
+              </a:rPr>
+              <a:t>())</a:t>
+            </a:r>
+            <a:r>
+              <a:rPr kumimoji="0" lang="en-US" altLang="en-US" sz="1800" b="0" i="0" u="none" strike="noStrike" cap="none" normalizeH="0" baseline="0" dirty="0">
+                <a:ln>
+                  <a:noFill/>
+                </a:ln>
+                <a:solidFill>
+                  <a:srgbClr val="CC7832"/>
+                </a:solidFill>
+                <a:effectLst/>
+                <a:latin typeface="JetBrains Mono"/>
+              </a:rPr>
+              <a:t>;</a:t>
+            </a:r>
+            <a:br>
+              <a:rPr kumimoji="0" lang="en-US" altLang="en-US" sz="1800" b="0" i="0" u="none" strike="noStrike" cap="none" normalizeH="0" baseline="0" dirty="0">
+                <a:ln>
+                  <a:noFill/>
+                </a:ln>
+                <a:solidFill>
+                  <a:srgbClr val="CC7832"/>
+                </a:solidFill>
+                <a:effectLst/>
+                <a:latin typeface="JetBrains Mono"/>
+              </a:rPr>
+            </a:br>
+            <a:r>
+              <a:rPr kumimoji="0" lang="en-US" altLang="en-US" sz="1800" b="0" i="0" u="none" strike="noStrike" cap="none" normalizeH="0" baseline="0" dirty="0">
+                <a:ln>
+                  <a:noFill/>
+                </a:ln>
+                <a:solidFill>
+                  <a:srgbClr val="CC7832"/>
+                </a:solidFill>
+                <a:effectLst/>
+                <a:latin typeface="JetBrains Mono"/>
+              </a:rPr>
+              <a:t>        </a:t>
+            </a:r>
+            <a:r>
+              <a:rPr kumimoji="0" lang="en-US" altLang="en-US" sz="1800" b="0" i="0" u="none" strike="noStrike" cap="none" normalizeH="0" baseline="0" dirty="0">
+                <a:ln>
+                  <a:noFill/>
+                </a:ln>
+                <a:solidFill>
+                  <a:srgbClr val="A9B7C6"/>
+                </a:solidFill>
+                <a:effectLst/>
+                <a:latin typeface="JetBrains Mono"/>
+              </a:rPr>
+              <a:t>}</a:t>
+            </a:r>
+            <a:br>
+              <a:rPr kumimoji="0" lang="en-US" altLang="en-US" sz="1800" b="0" i="0" u="none" strike="noStrike" cap="none" normalizeH="0" baseline="0" dirty="0">
+                <a:ln>
+                  <a:noFill/>
+                </a:ln>
+                <a:solidFill>
+                  <a:srgbClr val="A9B7C6"/>
+                </a:solidFill>
+                <a:effectLst/>
+                <a:latin typeface="JetBrains Mono"/>
+              </a:rPr>
+            </a:br>
+            <a:r>
+              <a:rPr kumimoji="0" lang="en-US" altLang="en-US" sz="1800" b="0" i="0" u="none" strike="noStrike" cap="none" normalizeH="0" baseline="0" dirty="0">
+                <a:ln>
+                  <a:noFill/>
+                </a:ln>
+                <a:solidFill>
+                  <a:srgbClr val="A9B7C6"/>
+                </a:solidFill>
+                <a:effectLst/>
+                <a:latin typeface="JetBrains Mono"/>
+              </a:rPr>
+              <a:t>    }</a:t>
+            </a:r>
+            <a:br>
+              <a:rPr kumimoji="0" lang="en-US" altLang="en-US" sz="1800" b="0" i="0" u="none" strike="noStrike" cap="none" normalizeH="0" baseline="0" dirty="0">
+                <a:ln>
+                  <a:noFill/>
+                </a:ln>
+                <a:solidFill>
+                  <a:srgbClr val="A9B7C6"/>
+                </a:solidFill>
+                <a:effectLst/>
+                <a:latin typeface="JetBrains Mono"/>
+              </a:rPr>
+            </a:br>
+            <a:r>
+              <a:rPr kumimoji="0" lang="en-US" altLang="en-US" sz="1800" b="0" i="0" u="none" strike="noStrike" cap="none" normalizeH="0" baseline="0" dirty="0">
+                <a:ln>
+                  <a:noFill/>
+                </a:ln>
+                <a:solidFill>
+                  <a:srgbClr val="A9B7C6"/>
+                </a:solidFill>
+                <a:effectLst/>
+                <a:latin typeface="JetBrains Mono"/>
+              </a:rPr>
+              <a:t>}</a:t>
+            </a:r>
+            <a:endParaRPr kumimoji="0" lang="en-US" altLang="en-US" sz="1800" b="0" i="0" u="none" strike="noStrike" cap="none" normalizeH="0" baseline="0" dirty="0">
+              <a:ln>
+                <a:noFill/>
+              </a:ln>
+              <a:solidFill>
+                <a:schemeClr val="tx1"/>
+              </a:solidFill>
+              <a:effectLst/>
+              <a:latin typeface="Arial" panose="020B0604020202020204" pitchFamily="34" charset="0"/>
+            </a:endParaRPr>
           </a:p>
         </p:txBody>
       </p:sp>
     </p:spTree>
     <p:extLst>
       <p:ext uri="{BB962C8B-B14F-4D97-AF65-F5344CB8AC3E}">
-        <p14:creationId xmlns:p14="http://schemas.microsoft.com/office/powerpoint/2010/main" val="170699439"/>
+        <p14:creationId xmlns:p14="http://schemas.microsoft.com/office/powerpoint/2010/main" val="10387276"/>
       </p:ext>
     </p:extLst>
   </p:cSld>
@@ -8267,7 +10621,7 @@
           <p:cNvPr id="2" name="Title 1">
             <a:extLst>
               <a:ext uri="{FF2B5EF4-FFF2-40B4-BE49-F238E27FC236}">
-                <a16:creationId xmlns:a16="http://schemas.microsoft.com/office/drawing/2014/main" id="{ECF0639A-2606-1D4E-BA53-6D607171AEAF}"/>
+                <a16:creationId xmlns:a16="http://schemas.microsoft.com/office/drawing/2014/main" id="{C01320E0-2E7E-3541-9887-8500C2522FF6}"/>
               </a:ext>
             </a:extLst>
           </p:cNvPr>
@@ -8285,8 +10639,13 @@
           <a:p>
             <a:r>
               <a:rPr lang="en-US" dirty="0"/>
-              <a:t>Last but not least</a:t>
-            </a:r>
+              <a:t>LinkedList versus </a:t>
+            </a:r>
+            <a:r>
+              <a:rPr lang="en-US" dirty="0" err="1"/>
+              <a:t>ArrayList</a:t>
+            </a:r>
+            <a:endParaRPr lang="en-US" dirty="0"/>
           </a:p>
         </p:txBody>
       </p:sp>
@@ -8295,7 +10654,7 @@
           <p:cNvPr id="3" name="Text Placeholder 2">
             <a:extLst>
               <a:ext uri="{FF2B5EF4-FFF2-40B4-BE49-F238E27FC236}">
-                <a16:creationId xmlns:a16="http://schemas.microsoft.com/office/drawing/2014/main" id="{E37EEB9F-F492-BF44-96E6-342CAC543EE6}"/>
+                <a16:creationId xmlns:a16="http://schemas.microsoft.com/office/drawing/2014/main" id="{344E7C9A-020B-9C42-8FF3-6B525DEFA0BD}"/>
               </a:ext>
             </a:extLst>
           </p:cNvPr>
@@ -8309,7 +10668,7 @@
         <p:spPr>
           <a:xfrm>
             <a:off x="628075" y="1776683"/>
-            <a:ext cx="12561453" cy="2426562"/>
+            <a:ext cx="10663702" cy="4149149"/>
           </a:xfrm>
         </p:spPr>
         <p:txBody>
@@ -8317,26 +10676,813 @@
           <a:lstStyle/>
           <a:p>
             <a:r>
+              <a:rPr lang="en-US" sz="2200" dirty="0"/>
+              <a:t>A LinkedList typically provides faster element insertion and removal at the list's ends (and middle if using </a:t>
+            </a:r>
+            <a:r>
+              <a:rPr lang="en-US" sz="2200" dirty="0" err="1"/>
+              <a:t>ListIterator</a:t>
+            </a:r>
+            <a:r>
+              <a:rPr lang="en-US" sz="2200" dirty="0"/>
+              <a:t>)</a:t>
+            </a:r>
+          </a:p>
+          <a:p>
+            <a:pPr lvl="1"/>
+            <a:r>
+              <a:rPr lang="en-US" sz="1800" dirty="0"/>
+              <a:t>LinkedList methods with index parameters, such as get() or set(), cause the list to be traversed from the first element to the specified element each time the method is called. Thus, using the </a:t>
+            </a:r>
+            <a:r>
+              <a:rPr lang="en-US" sz="1800" dirty="0" err="1"/>
+              <a:t>LinkedLists</a:t>
+            </a:r>
+            <a:r>
+              <a:rPr lang="en-US" sz="1800" dirty="0"/>
+              <a:t>' get() or set() methods within a loop that iterates through all list elements is inefficient.</a:t>
+            </a:r>
+          </a:p>
+          <a:p>
+            <a:pPr lvl="1"/>
+            <a:endParaRPr lang="en-US" sz="1800" dirty="0"/>
+          </a:p>
+          <a:p>
+            <a:r>
+              <a:rPr lang="en-US" sz="2200" dirty="0" err="1"/>
+              <a:t>ArrayList</a:t>
+            </a:r>
+            <a:r>
+              <a:rPr lang="en-US" sz="2200" dirty="0"/>
+              <a:t> offers faster positional access with indices</a:t>
+            </a:r>
+          </a:p>
+          <a:p>
+            <a:pPr lvl="1"/>
+            <a:r>
+              <a:rPr lang="en-US" sz="2000" dirty="0"/>
+              <a:t>it maintains index based system for its elements as it uses array data structure implicitly which makes it faster for searching an element in the list.</a:t>
+            </a:r>
+          </a:p>
+        </p:txBody>
+      </p:sp>
+    </p:spTree>
+    <p:extLst>
+      <p:ext uri="{BB962C8B-B14F-4D97-AF65-F5344CB8AC3E}">
+        <p14:creationId xmlns:p14="http://schemas.microsoft.com/office/powerpoint/2010/main" val="1220976107"/>
+      </p:ext>
+    </p:extLst>
+  </p:cSld>
+  <p:clrMapOvr>
+    <a:masterClrMapping/>
+  </p:clrMapOvr>
+  <mc:AlternateContent xmlns:mc="http://schemas.openxmlformats.org/markup-compatibility/2006" xmlns:p14="http://schemas.microsoft.com/office/powerpoint/2010/main">
+    <mc:Choice Requires="p14">
+      <p:transition p14:dur="300">
+        <p:fade/>
+      </p:transition>
+    </mc:Choice>
+    <mc:Fallback xmlns="">
+      <p:transition>
+        <p:fade/>
+      </p:transition>
+    </mc:Fallback>
+  </mc:AlternateContent>
+</p:sld>
+</file>
+
+<file path=ppt/slides/slide7.xml><?xml version="1.0" encoding="utf-8"?>
+<p:sld xmlns:a="http://schemas.openxmlformats.org/drawingml/2006/main" xmlns:r="http://schemas.openxmlformats.org/officeDocument/2006/relationships" xmlns:p="http://schemas.openxmlformats.org/presentationml/2006/main">
+  <p:cSld>
+    <p:spTree>
+      <p:nvGrpSpPr>
+        <p:cNvPr id="1" name=""/>
+        <p:cNvGrpSpPr/>
+        <p:nvPr/>
+      </p:nvGrpSpPr>
+      <p:grpSpPr>
+        <a:xfrm>
+          <a:off x="0" y="0"/>
+          <a:ext cx="0" cy="0"/>
+          <a:chOff x="0" y="0"/>
+          <a:chExt cx="0" cy="0"/>
+        </a:xfrm>
+      </p:grpSpPr>
+      <p:sp>
+        <p:nvSpPr>
+          <p:cNvPr id="2" name="Title 1">
+            <a:extLst>
+              <a:ext uri="{FF2B5EF4-FFF2-40B4-BE49-F238E27FC236}">
+                <a16:creationId xmlns:a16="http://schemas.microsoft.com/office/drawing/2014/main" id="{88AE3598-7F95-7245-BF60-EA577FD87AA5}"/>
+              </a:ext>
+            </a:extLst>
+          </p:cNvPr>
+          <p:cNvSpPr>
+            <a:spLocks noGrp="1"/>
+          </p:cNvSpPr>
+          <p:nvPr>
+            <p:ph type="title"/>
+          </p:nvPr>
+        </p:nvSpPr>
+        <p:spPr/>
+        <p:txBody>
+          <a:bodyPr/>
+          <a:lstStyle/>
+          <a:p>
+            <a:r>
               <a:rPr lang="en-US" dirty="0"/>
-              <a:t>Thank you!!!</a:t>
-            </a:r>
-          </a:p>
-          <a:p>
+              <a:t>Map</a:t>
+            </a:r>
+          </a:p>
+        </p:txBody>
+      </p:sp>
+      <p:sp>
+        <p:nvSpPr>
+          <p:cNvPr id="3" name="Text Placeholder 2">
+            <a:extLst>
+              <a:ext uri="{FF2B5EF4-FFF2-40B4-BE49-F238E27FC236}">
+                <a16:creationId xmlns:a16="http://schemas.microsoft.com/office/drawing/2014/main" id="{E224CD26-AE72-4442-A08A-920C27D956E2}"/>
+              </a:ext>
+            </a:extLst>
+          </p:cNvPr>
+          <p:cNvSpPr>
+            <a:spLocks noGrp="1"/>
+          </p:cNvSpPr>
+          <p:nvPr>
+            <p:ph type="body" sz="quarter" idx="10"/>
+          </p:nvPr>
+        </p:nvSpPr>
+        <p:spPr>
+          <a:xfrm>
+            <a:off x="628075" y="1776683"/>
+            <a:ext cx="12561453" cy="2947538"/>
+          </a:xfrm>
+        </p:spPr>
+        <p:txBody>
+          <a:bodyPr/>
+          <a:lstStyle/>
+          <a:p>
+            <a:r>
+              <a:rPr lang="en-US" dirty="0"/>
+              <a:t>What if you had key value pairs?</a:t>
+            </a:r>
+          </a:p>
+          <a:p>
+            <a:r>
+              <a:rPr lang="en-US" dirty="0"/>
+              <a:t>Example: Your address points to your house</a:t>
+            </a:r>
+          </a:p>
+          <a:p>
+            <a:pPr lvl="1"/>
+            <a:r>
+              <a:rPr lang="en-US" dirty="0"/>
+              <a:t>Does a book of addresses, store all the information about your house?</a:t>
+            </a:r>
+          </a:p>
+          <a:p>
+            <a:pPr lvl="1"/>
+            <a:r>
+              <a:rPr lang="en-US" dirty="0"/>
+              <a:t>Or simply the address, that can get the info?</a:t>
+            </a:r>
+          </a:p>
+          <a:p>
+            <a:r>
+              <a:rPr lang="en-US" dirty="0"/>
+              <a:t>Introducing </a:t>
+            </a:r>
+            <a:r>
+              <a:rPr lang="en-US" b="1" dirty="0"/>
+              <a:t>Maps</a:t>
+            </a:r>
+          </a:p>
+          <a:p>
+            <a:pPr lvl="1"/>
+            <a:r>
+              <a:rPr lang="en-US" dirty="0"/>
+              <a:t>Pairs keys to values</a:t>
+            </a:r>
+          </a:p>
+          <a:p>
+            <a:pPr lvl="1"/>
+            <a:r>
+              <a:rPr lang="en-US" dirty="0"/>
+              <a:t>Keys needs to be unique</a:t>
+            </a:r>
+          </a:p>
+        </p:txBody>
+      </p:sp>
+      <p:sp>
+        <p:nvSpPr>
+          <p:cNvPr id="4" name="TextBox 3">
+            <a:extLst>
+              <a:ext uri="{FF2B5EF4-FFF2-40B4-BE49-F238E27FC236}">
+                <a16:creationId xmlns:a16="http://schemas.microsoft.com/office/drawing/2014/main" id="{7CD46E52-6D8F-B944-A0D3-448E75382E9B}"/>
+              </a:ext>
+            </a:extLst>
+          </p:cNvPr>
+          <p:cNvSpPr txBox="1"/>
+          <p:nvPr/>
+        </p:nvSpPr>
+        <p:spPr>
+          <a:xfrm>
+            <a:off x="3115375" y="47949"/>
+            <a:ext cx="10702225" cy="400110"/>
+          </a:xfrm>
+          <a:prstGeom prst="rect">
+            <a:avLst/>
+          </a:prstGeom>
+          <a:noFill/>
+        </p:spPr>
+        <p:txBody>
+          <a:bodyPr wrap="none" rtlCol="0">
+            <a:spAutoFit/>
+          </a:bodyPr>
+          <a:lstStyle/>
+          <a:p>
+            <a:r>
+              <a:rPr lang="en-US" dirty="0"/>
+              <a:t>Additional Reading: </a:t>
+            </a:r>
+            <a:r>
+              <a:rPr lang="en-US" dirty="0">
+                <a:hlinkClick r:id="rId2"/>
+              </a:rPr>
+              <a:t>https://www.geeksforgeeks.org/java-util-hashmap-in-java-with-examples/</a:t>
+            </a:r>
             <a:endParaRPr lang="en-US" dirty="0"/>
           </a:p>
+        </p:txBody>
+      </p:sp>
+      <p:sp>
+        <p:nvSpPr>
+          <p:cNvPr id="5" name="Rectangle 4">
+            <a:extLst>
+              <a:ext uri="{FF2B5EF4-FFF2-40B4-BE49-F238E27FC236}">
+                <a16:creationId xmlns:a16="http://schemas.microsoft.com/office/drawing/2014/main" id="{80FE7AD7-2774-B543-91B8-4B4FE1A61B91}"/>
+              </a:ext>
+            </a:extLst>
+          </p:cNvPr>
+          <p:cNvSpPr/>
+          <p:nvPr/>
+        </p:nvSpPr>
+        <p:spPr>
+          <a:xfrm>
+            <a:off x="628075" y="4694046"/>
+            <a:ext cx="9791700" cy="1569660"/>
+          </a:xfrm>
+          <a:prstGeom prst="rect">
+            <a:avLst/>
+          </a:prstGeom>
+          <a:ln>
+            <a:solidFill>
+              <a:schemeClr val="tx1"/>
+            </a:solidFill>
+          </a:ln>
+        </p:spPr>
+        <p:txBody>
+          <a:bodyPr wrap="square">
+            <a:spAutoFit/>
+          </a:bodyPr>
+          <a:lstStyle/>
+          <a:p>
+            <a:r>
+              <a:rPr lang="en-US" sz="1600" dirty="0">
+                <a:latin typeface="Consolas" panose="020B0609020204030204" pitchFamily="49" charset="0"/>
+                <a:cs typeface="Consolas" panose="020B0609020204030204" pitchFamily="49" charset="0"/>
+              </a:rPr>
+              <a:t>HashMap&lt;String</a:t>
+            </a:r>
+            <a:r>
+              <a:rPr lang="en-US" sz="1600" dirty="0">
+                <a:solidFill>
+                  <a:srgbClr val="CC7832"/>
+                </a:solidFill>
+                <a:latin typeface="Consolas" panose="020B0609020204030204" pitchFamily="49" charset="0"/>
+                <a:cs typeface="Consolas" panose="020B0609020204030204" pitchFamily="49" charset="0"/>
+              </a:rPr>
+              <a:t>, </a:t>
+            </a:r>
+            <a:r>
+              <a:rPr lang="en-US" sz="1600" dirty="0">
+                <a:latin typeface="Consolas" panose="020B0609020204030204" pitchFamily="49" charset="0"/>
+                <a:cs typeface="Consolas" panose="020B0609020204030204" pitchFamily="49" charset="0"/>
+              </a:rPr>
+              <a:t>String&gt; contacts = </a:t>
+            </a:r>
+            <a:r>
+              <a:rPr lang="en-US" sz="1600" dirty="0">
+                <a:solidFill>
+                  <a:srgbClr val="CC7832"/>
+                </a:solidFill>
+                <a:latin typeface="Consolas" panose="020B0609020204030204" pitchFamily="49" charset="0"/>
+                <a:cs typeface="Consolas" panose="020B0609020204030204" pitchFamily="49" charset="0"/>
+              </a:rPr>
+              <a:t>new </a:t>
+            </a:r>
+            <a:r>
+              <a:rPr lang="en-US" sz="1600" dirty="0">
+                <a:latin typeface="Consolas" panose="020B0609020204030204" pitchFamily="49" charset="0"/>
+                <a:cs typeface="Consolas" panose="020B0609020204030204" pitchFamily="49" charset="0"/>
+              </a:rPr>
+              <a:t>HashMap&lt;&gt;()</a:t>
+            </a:r>
+            <a:r>
+              <a:rPr lang="en-US" sz="1600" dirty="0">
+                <a:solidFill>
+                  <a:srgbClr val="CC7832"/>
+                </a:solidFill>
+                <a:latin typeface="Consolas" panose="020B0609020204030204" pitchFamily="49" charset="0"/>
+                <a:cs typeface="Consolas" panose="020B0609020204030204" pitchFamily="49" charset="0"/>
+              </a:rPr>
+              <a:t>;</a:t>
+            </a:r>
+            <a:br>
+              <a:rPr lang="en-US" sz="1600" dirty="0">
+                <a:solidFill>
+                  <a:srgbClr val="CC7832"/>
+                </a:solidFill>
+                <a:latin typeface="Consolas" panose="020B0609020204030204" pitchFamily="49" charset="0"/>
+                <a:cs typeface="Consolas" panose="020B0609020204030204" pitchFamily="49" charset="0"/>
+              </a:rPr>
+            </a:br>
+            <a:r>
+              <a:rPr lang="en-US" sz="1600" dirty="0" err="1">
+                <a:latin typeface="Consolas" panose="020B0609020204030204" pitchFamily="49" charset="0"/>
+                <a:cs typeface="Consolas" panose="020B0609020204030204" pitchFamily="49" charset="0"/>
+              </a:rPr>
+              <a:t>contacts.put</a:t>
+            </a:r>
+            <a:r>
+              <a:rPr lang="en-US" sz="1600" dirty="0">
+                <a:latin typeface="Consolas" panose="020B0609020204030204" pitchFamily="49" charset="0"/>
+                <a:cs typeface="Consolas" panose="020B0609020204030204" pitchFamily="49" charset="0"/>
+              </a:rPr>
+              <a:t>(</a:t>
+            </a:r>
+            <a:r>
+              <a:rPr lang="en-US" sz="1600" dirty="0">
+                <a:solidFill>
+                  <a:srgbClr val="6A8759"/>
+                </a:solidFill>
+                <a:latin typeface="Consolas" panose="020B0609020204030204" pitchFamily="49" charset="0"/>
+                <a:cs typeface="Consolas" panose="020B0609020204030204" pitchFamily="49" charset="0"/>
+              </a:rPr>
+              <a:t>"</a:t>
+            </a:r>
+            <a:r>
+              <a:rPr lang="en-US" sz="1600" dirty="0" err="1">
+                <a:solidFill>
+                  <a:srgbClr val="6A8759"/>
+                </a:solidFill>
+                <a:latin typeface="Consolas" panose="020B0609020204030204" pitchFamily="49" charset="0"/>
+                <a:cs typeface="Consolas" panose="020B0609020204030204" pitchFamily="49" charset="0"/>
+              </a:rPr>
+              <a:t>awonder</a:t>
+            </a:r>
+            <a:r>
+              <a:rPr lang="en-US" sz="1600" dirty="0">
+                <a:solidFill>
+                  <a:srgbClr val="6A8759"/>
+                </a:solidFill>
+                <a:latin typeface="Consolas" panose="020B0609020204030204" pitchFamily="49" charset="0"/>
+                <a:cs typeface="Consolas" panose="020B0609020204030204" pitchFamily="49" charset="0"/>
+              </a:rPr>
+              <a:t>"</a:t>
+            </a:r>
+            <a:r>
+              <a:rPr lang="en-US" sz="1600" dirty="0">
+                <a:solidFill>
+                  <a:srgbClr val="CC7832"/>
+                </a:solidFill>
+                <a:latin typeface="Consolas" panose="020B0609020204030204" pitchFamily="49" charset="0"/>
+                <a:cs typeface="Consolas" panose="020B0609020204030204" pitchFamily="49" charset="0"/>
+              </a:rPr>
+              <a:t>, </a:t>
+            </a:r>
+            <a:r>
+              <a:rPr lang="en-US" sz="1600" dirty="0">
+                <a:solidFill>
+                  <a:srgbClr val="6A8759"/>
+                </a:solidFill>
+                <a:latin typeface="Consolas" panose="020B0609020204030204" pitchFamily="49" charset="0"/>
+                <a:cs typeface="Consolas" panose="020B0609020204030204" pitchFamily="49" charset="0"/>
+              </a:rPr>
+              <a:t>"</a:t>
+            </a:r>
+            <a:r>
+              <a:rPr lang="en-US" sz="1600" dirty="0" err="1">
+                <a:solidFill>
+                  <a:srgbClr val="6A8759"/>
+                </a:solidFill>
+                <a:latin typeface="Consolas" panose="020B0609020204030204" pitchFamily="49" charset="0"/>
+                <a:cs typeface="Consolas" panose="020B0609020204030204" pitchFamily="49" charset="0"/>
+              </a:rPr>
+              <a:t>awonder@wonderland.colostate.edu</a:t>
+            </a:r>
+            <a:r>
+              <a:rPr lang="en-US" sz="1600" dirty="0">
+                <a:solidFill>
+                  <a:srgbClr val="6A8759"/>
+                </a:solidFill>
+                <a:latin typeface="Consolas" panose="020B0609020204030204" pitchFamily="49" charset="0"/>
+                <a:cs typeface="Consolas" panose="020B0609020204030204" pitchFamily="49" charset="0"/>
+              </a:rPr>
+              <a:t>"</a:t>
+            </a:r>
+            <a:r>
+              <a:rPr lang="en-US" sz="1600" dirty="0">
+                <a:latin typeface="Consolas" panose="020B0609020204030204" pitchFamily="49" charset="0"/>
+                <a:cs typeface="Consolas" panose="020B0609020204030204" pitchFamily="49" charset="0"/>
+              </a:rPr>
+              <a:t>)</a:t>
+            </a:r>
+            <a:r>
+              <a:rPr lang="en-US" sz="1600" dirty="0">
+                <a:solidFill>
+                  <a:srgbClr val="CC7832"/>
+                </a:solidFill>
+                <a:latin typeface="Consolas" panose="020B0609020204030204" pitchFamily="49" charset="0"/>
+                <a:cs typeface="Consolas" panose="020B0609020204030204" pitchFamily="49" charset="0"/>
+              </a:rPr>
+              <a:t>;</a:t>
+            </a:r>
+            <a:br>
+              <a:rPr lang="en-US" sz="1600" dirty="0">
+                <a:solidFill>
+                  <a:srgbClr val="CC7832"/>
+                </a:solidFill>
+                <a:latin typeface="Consolas" panose="020B0609020204030204" pitchFamily="49" charset="0"/>
+                <a:cs typeface="Consolas" panose="020B0609020204030204" pitchFamily="49" charset="0"/>
+              </a:rPr>
+            </a:br>
+            <a:r>
+              <a:rPr lang="en-US" sz="1600" dirty="0" err="1">
+                <a:latin typeface="Consolas" panose="020B0609020204030204" pitchFamily="49" charset="0"/>
+                <a:cs typeface="Consolas" panose="020B0609020204030204" pitchFamily="49" charset="0"/>
+              </a:rPr>
+              <a:t>contacts.put</a:t>
+            </a:r>
+            <a:r>
+              <a:rPr lang="en-US" sz="1600" dirty="0">
+                <a:latin typeface="Consolas" panose="020B0609020204030204" pitchFamily="49" charset="0"/>
+                <a:cs typeface="Consolas" panose="020B0609020204030204" pitchFamily="49" charset="0"/>
+              </a:rPr>
+              <a:t>(</a:t>
+            </a:r>
+            <a:r>
+              <a:rPr lang="en-US" sz="1600" dirty="0">
+                <a:solidFill>
+                  <a:srgbClr val="6A8759"/>
+                </a:solidFill>
+                <a:latin typeface="Consolas" panose="020B0609020204030204" pitchFamily="49" charset="0"/>
+                <a:cs typeface="Consolas" panose="020B0609020204030204" pitchFamily="49" charset="0"/>
+              </a:rPr>
+              <a:t>"queen"</a:t>
+            </a:r>
+            <a:r>
+              <a:rPr lang="en-US" sz="1600" dirty="0">
+                <a:solidFill>
+                  <a:srgbClr val="CC7832"/>
+                </a:solidFill>
+                <a:latin typeface="Consolas" panose="020B0609020204030204" pitchFamily="49" charset="0"/>
+                <a:cs typeface="Consolas" panose="020B0609020204030204" pitchFamily="49" charset="0"/>
+              </a:rPr>
+              <a:t>, </a:t>
+            </a:r>
+            <a:r>
+              <a:rPr lang="en-US" sz="1600" dirty="0">
+                <a:solidFill>
+                  <a:srgbClr val="6A8759"/>
+                </a:solidFill>
+                <a:latin typeface="Consolas" panose="020B0609020204030204" pitchFamily="49" charset="0"/>
+                <a:cs typeface="Consolas" panose="020B0609020204030204" pitchFamily="49" charset="0"/>
+              </a:rPr>
+              <a:t>"</a:t>
+            </a:r>
+            <a:r>
+              <a:rPr lang="en-US" sz="1600" dirty="0" err="1">
+                <a:solidFill>
+                  <a:srgbClr val="6A8759"/>
+                </a:solidFill>
+                <a:latin typeface="Consolas" panose="020B0609020204030204" pitchFamily="49" charset="0"/>
+                <a:cs typeface="Consolas" panose="020B0609020204030204" pitchFamily="49" charset="0"/>
+              </a:rPr>
+              <a:t>redqueen@wonderland.colostate.edu</a:t>
+            </a:r>
+            <a:r>
+              <a:rPr lang="en-US" sz="1600" dirty="0">
+                <a:solidFill>
+                  <a:srgbClr val="6A8759"/>
+                </a:solidFill>
+                <a:latin typeface="Consolas" panose="020B0609020204030204" pitchFamily="49" charset="0"/>
+                <a:cs typeface="Consolas" panose="020B0609020204030204" pitchFamily="49" charset="0"/>
+              </a:rPr>
+              <a:t>"</a:t>
+            </a:r>
+            <a:r>
+              <a:rPr lang="en-US" sz="1600" dirty="0">
+                <a:latin typeface="Consolas" panose="020B0609020204030204" pitchFamily="49" charset="0"/>
+                <a:cs typeface="Consolas" panose="020B0609020204030204" pitchFamily="49" charset="0"/>
+              </a:rPr>
+              <a:t>)</a:t>
+            </a:r>
+            <a:r>
+              <a:rPr lang="en-US" sz="1600" dirty="0">
+                <a:solidFill>
+                  <a:srgbClr val="CC7832"/>
+                </a:solidFill>
+                <a:latin typeface="Consolas" panose="020B0609020204030204" pitchFamily="49" charset="0"/>
+                <a:cs typeface="Consolas" panose="020B0609020204030204" pitchFamily="49" charset="0"/>
+              </a:rPr>
+              <a:t>;</a:t>
+            </a:r>
+            <a:br>
+              <a:rPr lang="en-US" sz="1600" dirty="0">
+                <a:solidFill>
+                  <a:srgbClr val="CC7832"/>
+                </a:solidFill>
+                <a:latin typeface="Consolas" panose="020B0609020204030204" pitchFamily="49" charset="0"/>
+                <a:cs typeface="Consolas" panose="020B0609020204030204" pitchFamily="49" charset="0"/>
+              </a:rPr>
+            </a:br>
+            <a:r>
+              <a:rPr lang="en-US" sz="1600" dirty="0" err="1">
+                <a:latin typeface="Consolas" panose="020B0609020204030204" pitchFamily="49" charset="0"/>
+                <a:cs typeface="Consolas" panose="020B0609020204030204" pitchFamily="49" charset="0"/>
+              </a:rPr>
+              <a:t>contacts.put</a:t>
+            </a:r>
+            <a:r>
+              <a:rPr lang="en-US" sz="1600" dirty="0">
+                <a:latin typeface="Consolas" panose="020B0609020204030204" pitchFamily="49" charset="0"/>
+                <a:cs typeface="Consolas" panose="020B0609020204030204" pitchFamily="49" charset="0"/>
+              </a:rPr>
+              <a:t>(</a:t>
+            </a:r>
+            <a:r>
+              <a:rPr lang="en-US" sz="1600" dirty="0">
+                <a:solidFill>
+                  <a:srgbClr val="6A8759"/>
+                </a:solidFill>
+                <a:latin typeface="Consolas" panose="020B0609020204030204" pitchFamily="49" charset="0"/>
+                <a:cs typeface="Consolas" panose="020B0609020204030204" pitchFamily="49" charset="0"/>
+              </a:rPr>
+              <a:t>"hatter"</a:t>
+            </a:r>
+            <a:r>
+              <a:rPr lang="en-US" sz="1600" dirty="0">
+                <a:solidFill>
+                  <a:srgbClr val="CC7832"/>
+                </a:solidFill>
+                <a:latin typeface="Consolas" panose="020B0609020204030204" pitchFamily="49" charset="0"/>
+                <a:cs typeface="Consolas" panose="020B0609020204030204" pitchFamily="49" charset="0"/>
+              </a:rPr>
+              <a:t>, </a:t>
+            </a:r>
+            <a:r>
+              <a:rPr lang="en-US" sz="1600" dirty="0">
+                <a:solidFill>
+                  <a:srgbClr val="6A8759"/>
+                </a:solidFill>
+                <a:latin typeface="Consolas" panose="020B0609020204030204" pitchFamily="49" charset="0"/>
+                <a:cs typeface="Consolas" panose="020B0609020204030204" pitchFamily="49" charset="0"/>
+              </a:rPr>
+              <a:t>"</a:t>
+            </a:r>
+            <a:r>
+              <a:rPr lang="en-US" sz="1600" dirty="0" err="1">
+                <a:solidFill>
+                  <a:srgbClr val="6A8759"/>
+                </a:solidFill>
+                <a:latin typeface="Consolas" panose="020B0609020204030204" pitchFamily="49" charset="0"/>
+                <a:cs typeface="Consolas" panose="020B0609020204030204" pitchFamily="49" charset="0"/>
+              </a:rPr>
+              <a:t>madhatter@wonderland.colostate.edu</a:t>
+            </a:r>
+            <a:r>
+              <a:rPr lang="en-US" sz="1600" dirty="0">
+                <a:solidFill>
+                  <a:srgbClr val="6A8759"/>
+                </a:solidFill>
+                <a:latin typeface="Consolas" panose="020B0609020204030204" pitchFamily="49" charset="0"/>
+                <a:cs typeface="Consolas" panose="020B0609020204030204" pitchFamily="49" charset="0"/>
+              </a:rPr>
+              <a:t>"</a:t>
+            </a:r>
+            <a:r>
+              <a:rPr lang="en-US" sz="1600" dirty="0">
+                <a:latin typeface="Consolas" panose="020B0609020204030204" pitchFamily="49" charset="0"/>
+                <a:cs typeface="Consolas" panose="020B0609020204030204" pitchFamily="49" charset="0"/>
+              </a:rPr>
+              <a:t>)</a:t>
+            </a:r>
+            <a:r>
+              <a:rPr lang="en-US" sz="1600" dirty="0">
+                <a:solidFill>
+                  <a:srgbClr val="CC7832"/>
+                </a:solidFill>
+                <a:latin typeface="Consolas" panose="020B0609020204030204" pitchFamily="49" charset="0"/>
+                <a:cs typeface="Consolas" panose="020B0609020204030204" pitchFamily="49" charset="0"/>
+              </a:rPr>
+              <a:t>;</a:t>
+            </a:r>
+            <a:br>
+              <a:rPr lang="en-US" sz="1600" dirty="0">
+                <a:solidFill>
+                  <a:srgbClr val="CC7832"/>
+                </a:solidFill>
+                <a:latin typeface="Consolas" panose="020B0609020204030204" pitchFamily="49" charset="0"/>
+                <a:cs typeface="Consolas" panose="020B0609020204030204" pitchFamily="49" charset="0"/>
+              </a:rPr>
+            </a:br>
+            <a:r>
+              <a:rPr lang="en-US" sz="1600" dirty="0" err="1">
+                <a:latin typeface="Consolas" panose="020B0609020204030204" pitchFamily="49" charset="0"/>
+                <a:cs typeface="Consolas" panose="020B0609020204030204" pitchFamily="49" charset="0"/>
+              </a:rPr>
+              <a:t>System.</a:t>
+            </a:r>
+            <a:r>
+              <a:rPr lang="en-US" sz="1600" i="1" dirty="0" err="1">
+                <a:solidFill>
+                  <a:srgbClr val="9876AA"/>
+                </a:solidFill>
+                <a:latin typeface="Consolas" panose="020B0609020204030204" pitchFamily="49" charset="0"/>
+                <a:cs typeface="Consolas" panose="020B0609020204030204" pitchFamily="49" charset="0"/>
+              </a:rPr>
+              <a:t>out</a:t>
+            </a:r>
+            <a:r>
+              <a:rPr lang="en-US" sz="1600" dirty="0" err="1">
+                <a:latin typeface="Consolas" panose="020B0609020204030204" pitchFamily="49" charset="0"/>
+                <a:cs typeface="Consolas" panose="020B0609020204030204" pitchFamily="49" charset="0"/>
+              </a:rPr>
+              <a:t>.println</a:t>
+            </a:r>
+            <a:r>
+              <a:rPr lang="en-US" sz="1600" dirty="0">
+                <a:latin typeface="Consolas" panose="020B0609020204030204" pitchFamily="49" charset="0"/>
+                <a:cs typeface="Consolas" panose="020B0609020204030204" pitchFamily="49" charset="0"/>
+              </a:rPr>
+              <a:t>(</a:t>
+            </a:r>
+            <a:r>
+              <a:rPr lang="en-US" sz="1600" dirty="0" err="1">
+                <a:latin typeface="Consolas" panose="020B0609020204030204" pitchFamily="49" charset="0"/>
+                <a:cs typeface="Consolas" panose="020B0609020204030204" pitchFamily="49" charset="0"/>
+              </a:rPr>
+              <a:t>contacts.get</a:t>
+            </a:r>
+            <a:r>
+              <a:rPr lang="en-US" sz="1600" dirty="0">
+                <a:latin typeface="Consolas" panose="020B0609020204030204" pitchFamily="49" charset="0"/>
+                <a:cs typeface="Consolas" panose="020B0609020204030204" pitchFamily="49" charset="0"/>
+              </a:rPr>
+              <a:t>(</a:t>
+            </a:r>
+            <a:r>
+              <a:rPr lang="en-US" sz="1600" dirty="0">
+                <a:solidFill>
+                  <a:srgbClr val="6A8759"/>
+                </a:solidFill>
+                <a:latin typeface="Consolas" panose="020B0609020204030204" pitchFamily="49" charset="0"/>
+                <a:cs typeface="Consolas" panose="020B0609020204030204" pitchFamily="49" charset="0"/>
+              </a:rPr>
+              <a:t>"queen"</a:t>
+            </a:r>
+            <a:r>
+              <a:rPr lang="en-US" sz="1600" dirty="0">
+                <a:latin typeface="Consolas" panose="020B0609020204030204" pitchFamily="49" charset="0"/>
+                <a:cs typeface="Consolas" panose="020B0609020204030204" pitchFamily="49" charset="0"/>
+              </a:rPr>
+              <a:t>))</a:t>
+            </a:r>
+            <a:r>
+              <a:rPr lang="en-US" sz="1600" dirty="0">
+                <a:solidFill>
+                  <a:srgbClr val="CC7832"/>
+                </a:solidFill>
+                <a:latin typeface="Consolas" panose="020B0609020204030204" pitchFamily="49" charset="0"/>
+                <a:cs typeface="Consolas" panose="020B0609020204030204" pitchFamily="49" charset="0"/>
+              </a:rPr>
+              <a:t>; </a:t>
+            </a:r>
+            <a:r>
+              <a:rPr lang="en-US" sz="1600" dirty="0">
+                <a:solidFill>
+                  <a:srgbClr val="808080"/>
+                </a:solidFill>
+                <a:latin typeface="Consolas" panose="020B0609020204030204" pitchFamily="49" charset="0"/>
+                <a:cs typeface="Consolas" panose="020B0609020204030204" pitchFamily="49" charset="0"/>
+              </a:rPr>
+              <a:t>// prints </a:t>
+            </a:r>
+            <a:r>
+              <a:rPr lang="en-US" sz="1600" dirty="0" err="1">
+                <a:solidFill>
+                  <a:srgbClr val="808080"/>
+                </a:solidFill>
+                <a:latin typeface="Consolas" panose="020B0609020204030204" pitchFamily="49" charset="0"/>
+                <a:cs typeface="Consolas" panose="020B0609020204030204" pitchFamily="49" charset="0"/>
+              </a:rPr>
+              <a:t>redqueen@wonderland.colostate.edu</a:t>
+            </a:r>
+            <a:br>
+              <a:rPr lang="en-US" sz="1600" dirty="0">
+                <a:solidFill>
+                  <a:srgbClr val="808080"/>
+                </a:solidFill>
+                <a:latin typeface="Consolas" panose="020B0609020204030204" pitchFamily="49" charset="0"/>
+                <a:cs typeface="Consolas" panose="020B0609020204030204" pitchFamily="49" charset="0"/>
+              </a:rPr>
+            </a:br>
+            <a:endParaRPr lang="en-US" sz="1600" dirty="0">
+              <a:latin typeface="Consolas" panose="020B0609020204030204" pitchFamily="49" charset="0"/>
+              <a:cs typeface="Consolas" panose="020B0609020204030204" pitchFamily="49" charset="0"/>
+            </a:endParaRPr>
+          </a:p>
+        </p:txBody>
+      </p:sp>
+    </p:spTree>
+    <p:extLst>
+      <p:ext uri="{BB962C8B-B14F-4D97-AF65-F5344CB8AC3E}">
+        <p14:creationId xmlns:p14="http://schemas.microsoft.com/office/powerpoint/2010/main" val="311983275"/>
+      </p:ext>
+    </p:extLst>
+  </p:cSld>
+  <p:clrMapOvr>
+    <a:masterClrMapping/>
+  </p:clrMapOvr>
+  <mc:AlternateContent xmlns:mc="http://schemas.openxmlformats.org/markup-compatibility/2006" xmlns:p14="http://schemas.microsoft.com/office/powerpoint/2010/main">
+    <mc:Choice Requires="p14">
+      <p:transition p14:dur="300">
+        <p:fade/>
+      </p:transition>
+    </mc:Choice>
+    <mc:Fallback xmlns="">
+      <p:transition>
+        <p:fade/>
+      </p:transition>
+    </mc:Fallback>
+  </mc:AlternateContent>
+</p:sld>
+</file>
+
+<file path=ppt/slides/slide8.xml><?xml version="1.0" encoding="utf-8"?>
+<p:sld xmlns:a="http://schemas.openxmlformats.org/drawingml/2006/main" xmlns:r="http://schemas.openxmlformats.org/officeDocument/2006/relationships" xmlns:p="http://schemas.openxmlformats.org/presentationml/2006/main">
+  <p:cSld>
+    <p:spTree>
+      <p:nvGrpSpPr>
+        <p:cNvPr id="1" name=""/>
+        <p:cNvGrpSpPr/>
+        <p:nvPr/>
+      </p:nvGrpSpPr>
+      <p:grpSpPr>
+        <a:xfrm>
+          <a:off x="0" y="0"/>
+          <a:ext cx="0" cy="0"/>
+          <a:chOff x="0" y="0"/>
+          <a:chExt cx="0" cy="0"/>
+        </a:xfrm>
+      </p:grpSpPr>
+      <p:sp>
+        <p:nvSpPr>
+          <p:cNvPr id="2" name="Title 1">
+            <a:extLst>
+              <a:ext uri="{FF2B5EF4-FFF2-40B4-BE49-F238E27FC236}">
+                <a16:creationId xmlns:a16="http://schemas.microsoft.com/office/drawing/2014/main" id="{C01320E0-2E7E-3541-9887-8500C2522FF6}"/>
+              </a:ext>
+            </a:extLst>
+          </p:cNvPr>
+          <p:cNvSpPr>
+            <a:spLocks noGrp="1"/>
+          </p:cNvSpPr>
+          <p:nvPr>
+            <p:ph type="title"/>
+          </p:nvPr>
+        </p:nvSpPr>
+        <p:spPr>
+          <a:xfrm>
+            <a:off x="75179" y="-38401"/>
+            <a:ext cx="12561453" cy="1846659"/>
+          </a:xfrm>
+        </p:spPr>
+        <p:txBody>
+          <a:bodyPr/>
+          <a:lstStyle/>
           <a:p>
             <a:r>
               <a:rPr lang="en-US" dirty="0"/>
-              <a:t>Please fill out course survey</a:t>
-            </a:r>
-          </a:p>
-          <a:p>
-            <a:endParaRPr lang="en-US" dirty="0"/>
-          </a:p>
-          <a:p>
-            <a:r>
+              <a:t>HashMap basic methods </a:t>
+            </a:r>
+            <a:br>
               <a:rPr lang="en-US" dirty="0"/>
-              <a:t>Keep coding, keep learning, and we hope to see you in CS 165</a:t>
+            </a:br>
+            <a:r>
+              <a:rPr lang="en-US" dirty="0"/>
+              <a:t>and Practice</a:t>
             </a:r>
           </a:p>
         </p:txBody>
@@ -8346,7 +11492,7 @@
           <p:cNvPr id="4" name="Picture 3">
             <a:extLst>
               <a:ext uri="{FF2B5EF4-FFF2-40B4-BE49-F238E27FC236}">
-                <a16:creationId xmlns:a16="http://schemas.microsoft.com/office/drawing/2014/main" id="{D77678DE-2B83-9F4D-A7A8-B9E77E1098FB}"/>
+                <a16:creationId xmlns:a16="http://schemas.microsoft.com/office/drawing/2014/main" id="{B30E869A-2D70-4245-8CE7-F0C0DBC62E35}"/>
               </a:ext>
             </a:extLst>
           </p:cNvPr>
@@ -8363,18 +11509,1641 @@
         </p:blipFill>
         <p:spPr>
           <a:xfrm>
-            <a:off x="4581172" y="2499783"/>
-            <a:ext cx="2171700" cy="1282700"/>
+            <a:off x="0" y="1999806"/>
+            <a:ext cx="4562866" cy="3284575"/>
           </a:xfrm>
           <a:prstGeom prst="rect">
             <a:avLst/>
           </a:prstGeom>
         </p:spPr>
       </p:pic>
+      <p:pic>
+        <p:nvPicPr>
+          <p:cNvPr id="5" name="Picture 4">
+            <a:extLst>
+              <a:ext uri="{FF2B5EF4-FFF2-40B4-BE49-F238E27FC236}">
+                <a16:creationId xmlns:a16="http://schemas.microsoft.com/office/drawing/2014/main" id="{4D0C3E70-2208-4F6F-8B29-4B831E0F00BA}"/>
+              </a:ext>
+            </a:extLst>
+          </p:cNvPr>
+          <p:cNvPicPr>
+            <a:picLocks noChangeAspect="1"/>
+          </p:cNvPicPr>
+          <p:nvPr/>
+        </p:nvPicPr>
+        <p:blipFill>
+          <a:blip r:embed="rId3"/>
+          <a:stretch>
+            <a:fillRect/>
+          </a:stretch>
+        </p:blipFill>
+        <p:spPr>
+          <a:xfrm>
+            <a:off x="4562866" y="1999806"/>
+            <a:ext cx="3987344" cy="3284575"/>
+          </a:xfrm>
+          <a:prstGeom prst="rect">
+            <a:avLst/>
+          </a:prstGeom>
+        </p:spPr>
+      </p:pic>
+      <p:sp>
+        <p:nvSpPr>
+          <p:cNvPr id="6" name="Rectangle 1">
+            <a:extLst>
+              <a:ext uri="{FF2B5EF4-FFF2-40B4-BE49-F238E27FC236}">
+                <a16:creationId xmlns:a16="http://schemas.microsoft.com/office/drawing/2014/main" id="{8BDC4F6F-7A69-4AB7-9524-4D6EBF2F6457}"/>
+              </a:ext>
+            </a:extLst>
+          </p:cNvPr>
+          <p:cNvSpPr>
+            <a:spLocks noChangeArrowheads="1"/>
+          </p:cNvSpPr>
+          <p:nvPr/>
+        </p:nvSpPr>
+        <p:spPr bwMode="auto">
+          <a:xfrm>
+            <a:off x="8625389" y="1999806"/>
+            <a:ext cx="5192211" cy="5355312"/>
+          </a:xfrm>
+          <a:prstGeom prst="rect">
+            <a:avLst/>
+          </a:prstGeom>
+          <a:solidFill>
+            <a:srgbClr val="2B2B2B"/>
+          </a:solidFill>
+          <a:ln>
+            <a:noFill/>
+          </a:ln>
+          <a:effectLst/>
+          <a:extLst>
+            <a:ext uri="{91240B29-F687-4F45-9708-019B960494DF}">
+              <a14:hiddenLine xmlns:a14="http://schemas.microsoft.com/office/drawing/2010/main" w="9525">
+                <a:solidFill>
+                  <a:schemeClr val="tx1"/>
+                </a:solidFill>
+                <a:miter lim="800000"/>
+                <a:headEnd/>
+                <a:tailEnd/>
+              </a14:hiddenLine>
+            </a:ext>
+            <a:ext uri="{AF507438-7753-43E0-B8FC-AC1667EBCBE1}">
+              <a14:hiddenEffects xmlns:a14="http://schemas.microsoft.com/office/drawing/2010/main">
+                <a:effectLst>
+                  <a:outerShdw dist="35921" dir="2700000" algn="ctr" rotWithShape="0">
+                    <a:schemeClr val="bg2"/>
+                  </a:outerShdw>
+                </a:effectLst>
+              </a14:hiddenEffects>
+            </a:ext>
+          </a:extLst>
+        </p:spPr>
+        <p:txBody>
+          <a:bodyPr vert="horz" wrap="square" lIns="91440" tIns="45720" rIns="91440" bIns="45720" numCol="1" anchor="ctr" anchorCtr="0" compatLnSpc="1">
+            <a:prstTxWarp prst="textNoShape">
+              <a:avLst/>
+            </a:prstTxWarp>
+            <a:spAutoFit/>
+          </a:bodyPr>
+          <a:lstStyle/>
+          <a:p>
+            <a:pPr marL="0" marR="0" lvl="0" indent="0" algn="l" defTabSz="914400" rtl="0" eaLnBrk="0" fontAlgn="base" latinLnBrk="0" hangingPunct="0">
+              <a:lnSpc>
+                <a:spcPct val="100000"/>
+              </a:lnSpc>
+              <a:spcBef>
+                <a:spcPct val="0"/>
+              </a:spcBef>
+              <a:spcAft>
+                <a:spcPct val="0"/>
+              </a:spcAft>
+              <a:buClrTx/>
+              <a:buSzTx/>
+              <a:buFontTx/>
+              <a:buNone/>
+              <a:tabLst/>
+            </a:pPr>
+            <a:r>
+              <a:rPr kumimoji="0" lang="en-US" altLang="en-US" sz="1800" b="0" i="0" u="none" strike="noStrike" cap="none" normalizeH="0" baseline="0" dirty="0">
+                <a:ln>
+                  <a:noFill/>
+                </a:ln>
+                <a:solidFill>
+                  <a:srgbClr val="CC7832"/>
+                </a:solidFill>
+                <a:effectLst/>
+                <a:latin typeface="JetBrains Mono"/>
+              </a:rPr>
+              <a:t>import </a:t>
+            </a:r>
+            <a:r>
+              <a:rPr kumimoji="0" lang="en-US" altLang="en-US" sz="1800" b="0" i="0" u="none" strike="noStrike" cap="none" normalizeH="0" baseline="0" dirty="0" err="1">
+                <a:ln>
+                  <a:noFill/>
+                </a:ln>
+                <a:solidFill>
+                  <a:srgbClr val="A9B7C6"/>
+                </a:solidFill>
+                <a:effectLst/>
+                <a:latin typeface="JetBrains Mono"/>
+              </a:rPr>
+              <a:t>java.util.Collection</a:t>
+            </a:r>
+            <a:r>
+              <a:rPr kumimoji="0" lang="en-US" altLang="en-US" sz="1800" b="0" i="0" u="none" strike="noStrike" cap="none" normalizeH="0" baseline="0" dirty="0">
+                <a:ln>
+                  <a:noFill/>
+                </a:ln>
+                <a:solidFill>
+                  <a:srgbClr val="CC7832"/>
+                </a:solidFill>
+                <a:effectLst/>
+                <a:latin typeface="JetBrains Mono"/>
+              </a:rPr>
+              <a:t>;</a:t>
+            </a:r>
+            <a:br>
+              <a:rPr kumimoji="0" lang="en-US" altLang="en-US" sz="1800" b="0" i="0" u="none" strike="noStrike" cap="none" normalizeH="0" baseline="0" dirty="0">
+                <a:ln>
+                  <a:noFill/>
+                </a:ln>
+                <a:solidFill>
+                  <a:srgbClr val="CC7832"/>
+                </a:solidFill>
+                <a:effectLst/>
+                <a:latin typeface="JetBrains Mono"/>
+              </a:rPr>
+            </a:br>
+            <a:r>
+              <a:rPr kumimoji="0" lang="en-US" altLang="en-US" sz="1800" b="0" i="0" u="none" strike="noStrike" cap="none" normalizeH="0" baseline="0" dirty="0">
+                <a:ln>
+                  <a:noFill/>
+                </a:ln>
+                <a:solidFill>
+                  <a:srgbClr val="CC7832"/>
+                </a:solidFill>
+                <a:effectLst/>
+                <a:latin typeface="JetBrains Mono"/>
+              </a:rPr>
+              <a:t>import </a:t>
+            </a:r>
+            <a:r>
+              <a:rPr kumimoji="0" lang="en-US" altLang="en-US" sz="1800" b="0" i="0" u="none" strike="noStrike" cap="none" normalizeH="0" baseline="0" dirty="0" err="1">
+                <a:ln>
+                  <a:noFill/>
+                </a:ln>
+                <a:solidFill>
+                  <a:srgbClr val="A9B7C6"/>
+                </a:solidFill>
+                <a:effectLst/>
+                <a:latin typeface="JetBrains Mono"/>
+              </a:rPr>
+              <a:t>java.util.HashMap</a:t>
+            </a:r>
+            <a:r>
+              <a:rPr kumimoji="0" lang="en-US" altLang="en-US" sz="1800" b="0" i="0" u="none" strike="noStrike" cap="none" normalizeH="0" baseline="0" dirty="0">
+                <a:ln>
+                  <a:noFill/>
+                </a:ln>
+                <a:solidFill>
+                  <a:srgbClr val="CC7832"/>
+                </a:solidFill>
+                <a:effectLst/>
+                <a:latin typeface="JetBrains Mono"/>
+              </a:rPr>
+              <a:t>;</a:t>
+            </a:r>
+            <a:br>
+              <a:rPr kumimoji="0" lang="en-US" altLang="en-US" sz="1800" b="0" i="0" u="none" strike="noStrike" cap="none" normalizeH="0" baseline="0" dirty="0">
+                <a:ln>
+                  <a:noFill/>
+                </a:ln>
+                <a:solidFill>
+                  <a:srgbClr val="CC7832"/>
+                </a:solidFill>
+                <a:effectLst/>
+                <a:latin typeface="JetBrains Mono"/>
+              </a:rPr>
+            </a:br>
+            <a:r>
+              <a:rPr kumimoji="0" lang="en-US" altLang="en-US" sz="1800" b="0" i="0" u="none" strike="noStrike" cap="none" normalizeH="0" baseline="0" dirty="0">
+                <a:ln>
+                  <a:noFill/>
+                </a:ln>
+                <a:solidFill>
+                  <a:srgbClr val="CC7832"/>
+                </a:solidFill>
+                <a:effectLst/>
+                <a:latin typeface="JetBrains Mono"/>
+              </a:rPr>
+              <a:t>import </a:t>
+            </a:r>
+            <a:r>
+              <a:rPr kumimoji="0" lang="en-US" altLang="en-US" sz="1800" b="0" i="0" u="none" strike="noStrike" cap="none" normalizeH="0" baseline="0" dirty="0" err="1">
+                <a:ln>
+                  <a:noFill/>
+                </a:ln>
+                <a:solidFill>
+                  <a:srgbClr val="A9B7C6"/>
+                </a:solidFill>
+                <a:effectLst/>
+                <a:latin typeface="JetBrains Mono"/>
+              </a:rPr>
+              <a:t>java.util.Set</a:t>
+            </a:r>
+            <a:r>
+              <a:rPr kumimoji="0" lang="en-US" altLang="en-US" sz="1800" b="0" i="0" u="none" strike="noStrike" cap="none" normalizeH="0" baseline="0" dirty="0">
+                <a:ln>
+                  <a:noFill/>
+                </a:ln>
+                <a:solidFill>
+                  <a:srgbClr val="CC7832"/>
+                </a:solidFill>
+                <a:effectLst/>
+                <a:latin typeface="JetBrains Mono"/>
+              </a:rPr>
+              <a:t>;</a:t>
+            </a:r>
+            <a:br>
+              <a:rPr kumimoji="0" lang="en-US" altLang="en-US" sz="1800" b="0" i="0" u="none" strike="noStrike" cap="none" normalizeH="0" baseline="0" dirty="0">
+                <a:ln>
+                  <a:noFill/>
+                </a:ln>
+                <a:solidFill>
+                  <a:srgbClr val="CC7832"/>
+                </a:solidFill>
+                <a:effectLst/>
+                <a:latin typeface="JetBrains Mono"/>
+              </a:rPr>
+            </a:br>
+            <a:r>
+              <a:rPr kumimoji="0" lang="en-US" altLang="en-US" sz="1800" b="0" i="0" u="none" strike="noStrike" cap="none" normalizeH="0" baseline="0" dirty="0">
+                <a:ln>
+                  <a:noFill/>
+                </a:ln>
+                <a:solidFill>
+                  <a:srgbClr val="CC7832"/>
+                </a:solidFill>
+                <a:effectLst/>
+                <a:latin typeface="JetBrains Mono"/>
+              </a:rPr>
+              <a:t>public class </a:t>
+            </a:r>
+            <a:r>
+              <a:rPr kumimoji="0" lang="en-US" altLang="en-US" sz="1800" b="0" i="0" u="none" strike="noStrike" cap="none" normalizeH="0" baseline="0" dirty="0" err="1">
+                <a:ln>
+                  <a:noFill/>
+                </a:ln>
+                <a:solidFill>
+                  <a:srgbClr val="A9B7C6"/>
+                </a:solidFill>
+                <a:effectLst/>
+                <a:latin typeface="JetBrains Mono"/>
+              </a:rPr>
+              <a:t>CountryMap</a:t>
+            </a:r>
+            <a:r>
+              <a:rPr kumimoji="0" lang="en-US" altLang="en-US" sz="1800" b="0" i="0" u="none" strike="noStrike" cap="none" normalizeH="0" baseline="0" dirty="0">
+                <a:ln>
+                  <a:noFill/>
+                </a:ln>
+                <a:solidFill>
+                  <a:srgbClr val="A9B7C6"/>
+                </a:solidFill>
+                <a:effectLst/>
+                <a:latin typeface="JetBrains Mono"/>
+              </a:rPr>
+              <a:t> {</a:t>
+            </a:r>
+            <a:br>
+              <a:rPr kumimoji="0" lang="en-US" altLang="en-US" sz="1800" b="0" i="0" u="none" strike="noStrike" cap="none" normalizeH="0" baseline="0" dirty="0">
+                <a:ln>
+                  <a:noFill/>
+                </a:ln>
+                <a:solidFill>
+                  <a:srgbClr val="A9B7C6"/>
+                </a:solidFill>
+                <a:effectLst/>
+                <a:latin typeface="JetBrains Mono"/>
+              </a:rPr>
+            </a:br>
+            <a:r>
+              <a:rPr kumimoji="0" lang="en-US" altLang="en-US" sz="1800" b="0" i="0" u="none" strike="noStrike" cap="none" normalizeH="0" baseline="0" dirty="0">
+                <a:ln>
+                  <a:noFill/>
+                </a:ln>
+                <a:solidFill>
+                  <a:srgbClr val="A9B7C6"/>
+                </a:solidFill>
+                <a:effectLst/>
+                <a:latin typeface="JetBrains Mono"/>
+              </a:rPr>
+              <a:t>    </a:t>
+            </a:r>
+            <a:r>
+              <a:rPr kumimoji="0" lang="en-US" altLang="en-US" sz="1800" b="0" i="0" u="none" strike="noStrike" cap="none" normalizeH="0" baseline="0" dirty="0">
+                <a:ln>
+                  <a:noFill/>
+                </a:ln>
+                <a:solidFill>
+                  <a:srgbClr val="CC7832"/>
+                </a:solidFill>
+                <a:effectLst/>
+                <a:latin typeface="JetBrains Mono"/>
+              </a:rPr>
+              <a:t>public static void </a:t>
+            </a:r>
+            <a:r>
+              <a:rPr kumimoji="0" lang="en-US" altLang="en-US" sz="1800" b="0" i="0" u="none" strike="noStrike" cap="none" normalizeH="0" baseline="0" dirty="0">
+                <a:ln>
+                  <a:noFill/>
+                </a:ln>
+                <a:solidFill>
+                  <a:srgbClr val="FFC66D"/>
+                </a:solidFill>
+                <a:effectLst/>
+                <a:latin typeface="JetBrains Mono"/>
+              </a:rPr>
+              <a:t>main</a:t>
+            </a:r>
+            <a:r>
+              <a:rPr kumimoji="0" lang="en-US" altLang="en-US" sz="1800" b="0" i="0" u="none" strike="noStrike" cap="none" normalizeH="0" baseline="0" dirty="0">
+                <a:ln>
+                  <a:noFill/>
+                </a:ln>
+                <a:solidFill>
+                  <a:srgbClr val="A9B7C6"/>
+                </a:solidFill>
+                <a:effectLst/>
+                <a:latin typeface="JetBrains Mono"/>
+              </a:rPr>
+              <a:t>(String </a:t>
+            </a:r>
+            <a:r>
+              <a:rPr kumimoji="0" lang="en-US" altLang="en-US" sz="1800" b="0" i="0" u="none" strike="noStrike" cap="none" normalizeH="0" baseline="0" dirty="0" err="1">
+                <a:ln>
+                  <a:noFill/>
+                </a:ln>
+                <a:solidFill>
+                  <a:srgbClr val="A9B7C6"/>
+                </a:solidFill>
+                <a:effectLst/>
+                <a:latin typeface="JetBrains Mono"/>
+              </a:rPr>
+              <a:t>args</a:t>
+            </a:r>
+            <a:r>
+              <a:rPr kumimoji="0" lang="en-US" altLang="en-US" sz="1800" b="0" i="0" u="none" strike="noStrike" cap="none" normalizeH="0" baseline="0" dirty="0">
+                <a:ln>
+                  <a:noFill/>
+                </a:ln>
+                <a:solidFill>
+                  <a:srgbClr val="A9B7C6"/>
+                </a:solidFill>
+                <a:effectLst/>
+                <a:latin typeface="JetBrains Mono"/>
+              </a:rPr>
+              <a:t> []){</a:t>
+            </a:r>
+            <a:br>
+              <a:rPr kumimoji="0" lang="en-US" altLang="en-US" sz="1800" b="0" i="0" u="none" strike="noStrike" cap="none" normalizeH="0" baseline="0" dirty="0">
+                <a:ln>
+                  <a:noFill/>
+                </a:ln>
+                <a:solidFill>
+                  <a:srgbClr val="A9B7C6"/>
+                </a:solidFill>
+                <a:effectLst/>
+                <a:latin typeface="JetBrains Mono"/>
+              </a:rPr>
+            </a:br>
+            <a:r>
+              <a:rPr kumimoji="0" lang="en-US" altLang="en-US" sz="1800" b="0" i="0" u="none" strike="noStrike" cap="none" normalizeH="0" baseline="0" dirty="0">
+                <a:ln>
+                  <a:noFill/>
+                </a:ln>
+                <a:solidFill>
+                  <a:srgbClr val="A9B7C6"/>
+                </a:solidFill>
+                <a:effectLst/>
+                <a:latin typeface="JetBrains Mono"/>
+              </a:rPr>
+              <a:t>        HashMap&lt;String</a:t>
+            </a:r>
+            <a:r>
+              <a:rPr kumimoji="0" lang="en-US" altLang="en-US" sz="1800" b="0" i="0" u="none" strike="noStrike" cap="none" normalizeH="0" baseline="0" dirty="0">
+                <a:ln>
+                  <a:noFill/>
+                </a:ln>
+                <a:solidFill>
+                  <a:srgbClr val="CC7832"/>
+                </a:solidFill>
+                <a:effectLst/>
+                <a:latin typeface="JetBrains Mono"/>
+              </a:rPr>
+              <a:t>, </a:t>
+            </a:r>
+            <a:r>
+              <a:rPr kumimoji="0" lang="en-US" altLang="en-US" sz="1800" b="0" i="0" u="none" strike="noStrike" cap="none" normalizeH="0" baseline="0" dirty="0">
+                <a:ln>
+                  <a:noFill/>
+                </a:ln>
+                <a:solidFill>
+                  <a:srgbClr val="A9B7C6"/>
+                </a:solidFill>
+                <a:effectLst/>
+                <a:latin typeface="JetBrains Mono"/>
+              </a:rPr>
+              <a:t>Double&gt; </a:t>
+            </a:r>
+            <a:r>
+              <a:rPr kumimoji="0" lang="en-US" altLang="en-US" sz="1800" b="0" i="0" u="none" strike="noStrike" cap="none" normalizeH="0" baseline="0" dirty="0" err="1">
+                <a:ln>
+                  <a:noFill/>
+                </a:ln>
+                <a:solidFill>
+                  <a:srgbClr val="A9B7C6"/>
+                </a:solidFill>
+                <a:effectLst/>
+                <a:latin typeface="JetBrains Mono"/>
+              </a:rPr>
+              <a:t>mapCountry</a:t>
+            </a:r>
+            <a:r>
+              <a:rPr kumimoji="0" lang="en-US" altLang="en-US" sz="1800" b="0" i="0" u="none" strike="noStrike" cap="none" normalizeH="0" baseline="0" dirty="0">
+                <a:ln>
+                  <a:noFill/>
+                </a:ln>
+                <a:solidFill>
+                  <a:srgbClr val="A9B7C6"/>
+                </a:solidFill>
+                <a:effectLst/>
+                <a:latin typeface="JetBrains Mono"/>
+              </a:rPr>
+              <a:t> = </a:t>
+            </a:r>
+            <a:r>
+              <a:rPr kumimoji="0" lang="en-US" altLang="en-US" sz="1800" b="0" i="0" u="none" strike="noStrike" cap="none" normalizeH="0" baseline="0" dirty="0">
+                <a:ln>
+                  <a:noFill/>
+                </a:ln>
+                <a:solidFill>
+                  <a:srgbClr val="CC7832"/>
+                </a:solidFill>
+                <a:effectLst/>
+                <a:latin typeface="JetBrains Mono"/>
+              </a:rPr>
+              <a:t>new </a:t>
+            </a:r>
+            <a:r>
+              <a:rPr kumimoji="0" lang="en-US" altLang="en-US" sz="1800" b="0" i="0" u="none" strike="noStrike" cap="none" normalizeH="0" baseline="0" dirty="0">
+                <a:ln>
+                  <a:noFill/>
+                </a:ln>
+                <a:solidFill>
+                  <a:srgbClr val="A9B7C6"/>
+                </a:solidFill>
+                <a:effectLst/>
+                <a:latin typeface="JetBrains Mono"/>
+              </a:rPr>
+              <a:t>HashMap&lt;String</a:t>
+            </a:r>
+            <a:r>
+              <a:rPr kumimoji="0" lang="en-US" altLang="en-US" sz="1800" b="0" i="0" u="none" strike="noStrike" cap="none" normalizeH="0" baseline="0" dirty="0">
+                <a:ln>
+                  <a:noFill/>
+                </a:ln>
+                <a:solidFill>
+                  <a:srgbClr val="CC7832"/>
+                </a:solidFill>
+                <a:effectLst/>
+                <a:latin typeface="JetBrains Mono"/>
+              </a:rPr>
+              <a:t>, </a:t>
+            </a:r>
+            <a:r>
+              <a:rPr kumimoji="0" lang="en-US" altLang="en-US" sz="1800" b="0" i="0" u="none" strike="noStrike" cap="none" normalizeH="0" baseline="0" dirty="0">
+                <a:ln>
+                  <a:noFill/>
+                </a:ln>
+                <a:solidFill>
+                  <a:srgbClr val="A9B7C6"/>
+                </a:solidFill>
+                <a:effectLst/>
+                <a:latin typeface="JetBrains Mono"/>
+              </a:rPr>
+              <a:t>Double&gt;()</a:t>
+            </a:r>
+            <a:r>
+              <a:rPr kumimoji="0" lang="en-US" altLang="en-US" sz="1800" b="0" i="0" u="none" strike="noStrike" cap="none" normalizeH="0" baseline="0" dirty="0">
+                <a:ln>
+                  <a:noFill/>
+                </a:ln>
+                <a:solidFill>
+                  <a:srgbClr val="CC7832"/>
+                </a:solidFill>
+                <a:effectLst/>
+                <a:latin typeface="JetBrains Mono"/>
+              </a:rPr>
+              <a:t>;</a:t>
+            </a:r>
+            <a:br>
+              <a:rPr kumimoji="0" lang="en-US" altLang="en-US" sz="1800" b="0" i="0" u="none" strike="noStrike" cap="none" normalizeH="0" baseline="0" dirty="0">
+                <a:ln>
+                  <a:noFill/>
+                </a:ln>
+                <a:solidFill>
+                  <a:srgbClr val="CC7832"/>
+                </a:solidFill>
+                <a:effectLst/>
+                <a:latin typeface="JetBrains Mono"/>
+              </a:rPr>
+            </a:br>
+            <a:r>
+              <a:rPr kumimoji="0" lang="en-US" altLang="en-US" sz="1800" b="0" i="0" u="none" strike="noStrike" cap="none" normalizeH="0" baseline="0" dirty="0">
+                <a:ln>
+                  <a:noFill/>
+                </a:ln>
+                <a:solidFill>
+                  <a:srgbClr val="CC7832"/>
+                </a:solidFill>
+                <a:effectLst/>
+                <a:latin typeface="JetBrains Mono"/>
+              </a:rPr>
+              <a:t>        </a:t>
+            </a:r>
+            <a:r>
+              <a:rPr kumimoji="0" lang="en-US" altLang="en-US" sz="1800" b="0" i="0" u="none" strike="noStrike" cap="none" normalizeH="0" baseline="0" dirty="0" err="1">
+                <a:ln>
+                  <a:noFill/>
+                </a:ln>
+                <a:solidFill>
+                  <a:srgbClr val="A9B7C6"/>
+                </a:solidFill>
+                <a:effectLst/>
+                <a:latin typeface="JetBrains Mono"/>
+              </a:rPr>
+              <a:t>mapCountry.put</a:t>
+            </a:r>
+            <a:r>
+              <a:rPr kumimoji="0" lang="en-US" altLang="en-US" sz="1800" b="0" i="0" u="none" strike="noStrike" cap="none" normalizeH="0" baseline="0" dirty="0">
+                <a:ln>
+                  <a:noFill/>
+                </a:ln>
+                <a:solidFill>
+                  <a:srgbClr val="A9B7C6"/>
+                </a:solidFill>
+                <a:effectLst/>
+                <a:latin typeface="JetBrains Mono"/>
+              </a:rPr>
+              <a:t>(</a:t>
+            </a:r>
+            <a:r>
+              <a:rPr kumimoji="0" lang="en-US" altLang="en-US" sz="1800" b="0" i="0" u="none" strike="noStrike" cap="none" normalizeH="0" baseline="0" dirty="0">
+                <a:ln>
+                  <a:noFill/>
+                </a:ln>
+                <a:solidFill>
+                  <a:srgbClr val="6A8759"/>
+                </a:solidFill>
+                <a:effectLst/>
+                <a:latin typeface="JetBrains Mono"/>
+              </a:rPr>
+              <a:t>"Brazil"</a:t>
+            </a:r>
+            <a:r>
+              <a:rPr kumimoji="0" lang="en-US" altLang="en-US" sz="1800" b="0" i="0" u="none" strike="noStrike" cap="none" normalizeH="0" baseline="0" dirty="0">
+                <a:ln>
+                  <a:noFill/>
+                </a:ln>
+                <a:solidFill>
+                  <a:srgbClr val="CC7832"/>
+                </a:solidFill>
+                <a:effectLst/>
+                <a:latin typeface="JetBrains Mono"/>
+              </a:rPr>
+              <a:t>,</a:t>
+            </a:r>
+            <a:r>
+              <a:rPr kumimoji="0" lang="en-US" altLang="en-US" sz="1800" b="0" i="0" u="none" strike="noStrike" cap="none" normalizeH="0" baseline="0" dirty="0">
+                <a:ln>
+                  <a:noFill/>
+                </a:ln>
+                <a:solidFill>
+                  <a:srgbClr val="6897BB"/>
+                </a:solidFill>
+                <a:effectLst/>
+                <a:latin typeface="JetBrains Mono"/>
+              </a:rPr>
+              <a:t>3288000.0</a:t>
+            </a:r>
+            <a:r>
+              <a:rPr kumimoji="0" lang="en-US" altLang="en-US" sz="1800" b="0" i="0" u="none" strike="noStrike" cap="none" normalizeH="0" baseline="0" dirty="0">
+                <a:ln>
+                  <a:noFill/>
+                </a:ln>
+                <a:solidFill>
+                  <a:srgbClr val="A9B7C6"/>
+                </a:solidFill>
+                <a:effectLst/>
+                <a:latin typeface="JetBrains Mono"/>
+              </a:rPr>
+              <a:t>)</a:t>
+            </a:r>
+            <a:r>
+              <a:rPr kumimoji="0" lang="en-US" altLang="en-US" sz="1800" b="0" i="0" u="none" strike="noStrike" cap="none" normalizeH="0" baseline="0" dirty="0">
+                <a:ln>
+                  <a:noFill/>
+                </a:ln>
+                <a:solidFill>
+                  <a:srgbClr val="CC7832"/>
+                </a:solidFill>
+                <a:effectLst/>
+                <a:latin typeface="JetBrains Mono"/>
+              </a:rPr>
+              <a:t>;</a:t>
+            </a:r>
+            <a:br>
+              <a:rPr kumimoji="0" lang="en-US" altLang="en-US" sz="1800" b="0" i="0" u="none" strike="noStrike" cap="none" normalizeH="0" baseline="0" dirty="0">
+                <a:ln>
+                  <a:noFill/>
+                </a:ln>
+                <a:solidFill>
+                  <a:srgbClr val="CC7832"/>
+                </a:solidFill>
+                <a:effectLst/>
+                <a:latin typeface="JetBrains Mono"/>
+              </a:rPr>
+            </a:br>
+            <a:r>
+              <a:rPr kumimoji="0" lang="en-US" altLang="en-US" sz="1800" b="0" i="0" u="none" strike="noStrike" cap="none" normalizeH="0" baseline="0" dirty="0">
+                <a:ln>
+                  <a:noFill/>
+                </a:ln>
+                <a:solidFill>
+                  <a:srgbClr val="CC7832"/>
+                </a:solidFill>
+                <a:effectLst/>
+                <a:latin typeface="JetBrains Mono"/>
+              </a:rPr>
+              <a:t>        </a:t>
+            </a:r>
+            <a:r>
+              <a:rPr kumimoji="0" lang="en-US" altLang="en-US" sz="1800" b="0" i="0" u="none" strike="noStrike" cap="none" normalizeH="0" baseline="0" dirty="0" err="1">
+                <a:ln>
+                  <a:noFill/>
+                </a:ln>
+                <a:solidFill>
+                  <a:srgbClr val="A9B7C6"/>
+                </a:solidFill>
+                <a:effectLst/>
+                <a:latin typeface="JetBrains Mono"/>
+              </a:rPr>
+              <a:t>mapCountry.put</a:t>
+            </a:r>
+            <a:r>
+              <a:rPr kumimoji="0" lang="en-US" altLang="en-US" sz="1800" b="0" i="0" u="none" strike="noStrike" cap="none" normalizeH="0" baseline="0" dirty="0">
+                <a:ln>
+                  <a:noFill/>
+                </a:ln>
+                <a:solidFill>
+                  <a:srgbClr val="A9B7C6"/>
+                </a:solidFill>
+                <a:effectLst/>
+                <a:latin typeface="JetBrains Mono"/>
+              </a:rPr>
+              <a:t>(</a:t>
+            </a:r>
+            <a:r>
+              <a:rPr kumimoji="0" lang="en-US" altLang="en-US" sz="1800" b="0" i="0" u="none" strike="noStrike" cap="none" normalizeH="0" baseline="0" dirty="0">
+                <a:ln>
+                  <a:noFill/>
+                </a:ln>
+                <a:solidFill>
+                  <a:srgbClr val="6A8759"/>
+                </a:solidFill>
+                <a:effectLst/>
+                <a:latin typeface="JetBrains Mono"/>
+              </a:rPr>
+              <a:t>"USA"</a:t>
+            </a:r>
+            <a:r>
+              <a:rPr kumimoji="0" lang="en-US" altLang="en-US" sz="1800" b="0" i="0" u="none" strike="noStrike" cap="none" normalizeH="0" baseline="0" dirty="0">
+                <a:ln>
+                  <a:noFill/>
+                </a:ln>
+                <a:solidFill>
+                  <a:srgbClr val="CC7832"/>
+                </a:solidFill>
+                <a:effectLst/>
+                <a:latin typeface="JetBrains Mono"/>
+              </a:rPr>
+              <a:t>, </a:t>
+            </a:r>
+            <a:r>
+              <a:rPr kumimoji="0" lang="en-US" altLang="en-US" sz="1800" b="0" i="0" u="none" strike="noStrike" cap="none" normalizeH="0" baseline="0" dirty="0">
+                <a:ln>
+                  <a:noFill/>
+                </a:ln>
+                <a:solidFill>
+                  <a:srgbClr val="6897BB"/>
+                </a:solidFill>
+                <a:effectLst/>
+                <a:latin typeface="JetBrains Mono"/>
+              </a:rPr>
+              <a:t>3797000.0</a:t>
+            </a:r>
+            <a:r>
+              <a:rPr kumimoji="0" lang="en-US" altLang="en-US" sz="1800" b="0" i="0" u="none" strike="noStrike" cap="none" normalizeH="0" baseline="0" dirty="0">
+                <a:ln>
+                  <a:noFill/>
+                </a:ln>
+                <a:solidFill>
+                  <a:srgbClr val="A9B7C6"/>
+                </a:solidFill>
+                <a:effectLst/>
+                <a:latin typeface="JetBrains Mono"/>
+              </a:rPr>
+              <a:t>)</a:t>
+            </a:r>
+            <a:r>
+              <a:rPr kumimoji="0" lang="en-US" altLang="en-US" sz="1800" b="0" i="0" u="none" strike="noStrike" cap="none" normalizeH="0" baseline="0" dirty="0">
+                <a:ln>
+                  <a:noFill/>
+                </a:ln>
+                <a:solidFill>
+                  <a:srgbClr val="CC7832"/>
+                </a:solidFill>
+                <a:effectLst/>
+                <a:latin typeface="JetBrains Mono"/>
+              </a:rPr>
+              <a:t>;</a:t>
+            </a:r>
+            <a:br>
+              <a:rPr kumimoji="0" lang="en-US" altLang="en-US" sz="1800" b="0" i="0" u="none" strike="noStrike" cap="none" normalizeH="0" baseline="0" dirty="0">
+                <a:ln>
+                  <a:noFill/>
+                </a:ln>
+                <a:solidFill>
+                  <a:srgbClr val="CC7832"/>
+                </a:solidFill>
+                <a:effectLst/>
+                <a:latin typeface="JetBrains Mono"/>
+              </a:rPr>
+            </a:br>
+            <a:r>
+              <a:rPr kumimoji="0" lang="en-US" altLang="en-US" sz="1800" b="0" i="0" u="none" strike="noStrike" cap="none" normalizeH="0" baseline="0" dirty="0">
+                <a:ln>
+                  <a:noFill/>
+                </a:ln>
+                <a:solidFill>
+                  <a:srgbClr val="CC7832"/>
+                </a:solidFill>
+                <a:effectLst/>
+                <a:latin typeface="JetBrains Mono"/>
+              </a:rPr>
+              <a:t>        </a:t>
+            </a:r>
+            <a:r>
+              <a:rPr kumimoji="0" lang="en-US" altLang="en-US" sz="1800" b="0" i="0" u="none" strike="noStrike" cap="none" normalizeH="0" baseline="0" dirty="0" err="1">
+                <a:ln>
+                  <a:noFill/>
+                </a:ln>
+                <a:solidFill>
+                  <a:srgbClr val="A9B7C6"/>
+                </a:solidFill>
+                <a:effectLst/>
+                <a:latin typeface="JetBrains Mono"/>
+              </a:rPr>
+              <a:t>mapCountry.put</a:t>
+            </a:r>
+            <a:r>
+              <a:rPr kumimoji="0" lang="en-US" altLang="en-US" sz="1800" b="0" i="0" u="none" strike="noStrike" cap="none" normalizeH="0" baseline="0" dirty="0">
+                <a:ln>
+                  <a:noFill/>
+                </a:ln>
+                <a:solidFill>
+                  <a:srgbClr val="A9B7C6"/>
+                </a:solidFill>
+                <a:effectLst/>
+                <a:latin typeface="JetBrains Mono"/>
+              </a:rPr>
+              <a:t>(</a:t>
+            </a:r>
+            <a:r>
+              <a:rPr kumimoji="0" lang="en-US" altLang="en-US" sz="1800" b="0" i="0" u="none" strike="noStrike" cap="none" normalizeH="0" baseline="0" dirty="0">
+                <a:ln>
+                  <a:noFill/>
+                </a:ln>
+                <a:solidFill>
+                  <a:srgbClr val="6A8759"/>
+                </a:solidFill>
+                <a:effectLst/>
+                <a:latin typeface="JetBrains Mono"/>
+              </a:rPr>
+              <a:t>"Portugal"</a:t>
+            </a:r>
+            <a:r>
+              <a:rPr kumimoji="0" lang="en-US" altLang="en-US" sz="1800" b="0" i="0" u="none" strike="noStrike" cap="none" normalizeH="0" baseline="0" dirty="0">
+                <a:ln>
+                  <a:noFill/>
+                </a:ln>
+                <a:solidFill>
+                  <a:srgbClr val="CC7832"/>
+                </a:solidFill>
+                <a:effectLst/>
+                <a:latin typeface="JetBrains Mono"/>
+              </a:rPr>
+              <a:t>, </a:t>
+            </a:r>
+            <a:r>
+              <a:rPr kumimoji="0" lang="en-US" altLang="en-US" sz="1800" b="0" i="0" u="none" strike="noStrike" cap="none" normalizeH="0" baseline="0" dirty="0">
+                <a:ln>
+                  <a:noFill/>
+                </a:ln>
+                <a:solidFill>
+                  <a:srgbClr val="6897BB"/>
+                </a:solidFill>
+                <a:effectLst/>
+                <a:latin typeface="JetBrains Mono"/>
+              </a:rPr>
+              <a:t>35603.0</a:t>
+            </a:r>
+            <a:r>
+              <a:rPr kumimoji="0" lang="en-US" altLang="en-US" sz="1800" b="0" i="0" u="none" strike="noStrike" cap="none" normalizeH="0" baseline="0" dirty="0">
+                <a:ln>
+                  <a:noFill/>
+                </a:ln>
+                <a:solidFill>
+                  <a:srgbClr val="A9B7C6"/>
+                </a:solidFill>
+                <a:effectLst/>
+                <a:latin typeface="JetBrains Mono"/>
+              </a:rPr>
+              <a:t>)</a:t>
+            </a:r>
+            <a:r>
+              <a:rPr kumimoji="0" lang="en-US" altLang="en-US" sz="1800" b="0" i="0" u="none" strike="noStrike" cap="none" normalizeH="0" baseline="0" dirty="0">
+                <a:ln>
+                  <a:noFill/>
+                </a:ln>
+                <a:solidFill>
+                  <a:srgbClr val="CC7832"/>
+                </a:solidFill>
+                <a:effectLst/>
+                <a:latin typeface="JetBrains Mono"/>
+              </a:rPr>
+              <a:t>;</a:t>
+            </a:r>
+            <a:br>
+              <a:rPr kumimoji="0" lang="en-US" altLang="en-US" sz="1800" b="0" i="0" u="none" strike="noStrike" cap="none" normalizeH="0" baseline="0" dirty="0">
+                <a:ln>
+                  <a:noFill/>
+                </a:ln>
+                <a:solidFill>
+                  <a:srgbClr val="CC7832"/>
+                </a:solidFill>
+                <a:effectLst/>
+                <a:latin typeface="JetBrains Mono"/>
+              </a:rPr>
+            </a:br>
+            <a:r>
+              <a:rPr kumimoji="0" lang="en-US" altLang="en-US" sz="1800" b="0" i="0" u="none" strike="noStrike" cap="none" normalizeH="0" baseline="0" dirty="0">
+                <a:ln>
+                  <a:noFill/>
+                </a:ln>
+                <a:solidFill>
+                  <a:srgbClr val="CC7832"/>
+                </a:solidFill>
+                <a:effectLst/>
+                <a:latin typeface="JetBrains Mono"/>
+              </a:rPr>
+              <a:t>        </a:t>
+            </a:r>
+            <a:r>
+              <a:rPr kumimoji="0" lang="en-US" altLang="en-US" sz="1800" b="0" i="0" u="none" strike="noStrike" cap="none" normalizeH="0" baseline="0" dirty="0" err="1">
+                <a:ln>
+                  <a:noFill/>
+                </a:ln>
+                <a:solidFill>
+                  <a:srgbClr val="A9B7C6"/>
+                </a:solidFill>
+                <a:effectLst/>
+                <a:latin typeface="JetBrains Mono"/>
+              </a:rPr>
+              <a:t>mapCountry.put</a:t>
+            </a:r>
+            <a:r>
+              <a:rPr kumimoji="0" lang="en-US" altLang="en-US" sz="1800" b="0" i="0" u="none" strike="noStrike" cap="none" normalizeH="0" baseline="0" dirty="0">
+                <a:ln>
+                  <a:noFill/>
+                </a:ln>
+                <a:solidFill>
+                  <a:srgbClr val="A9B7C6"/>
+                </a:solidFill>
+                <a:effectLst/>
+                <a:latin typeface="JetBrains Mono"/>
+              </a:rPr>
+              <a:t>(</a:t>
+            </a:r>
+            <a:r>
+              <a:rPr kumimoji="0" lang="en-US" altLang="en-US" sz="1800" b="0" i="0" u="none" strike="noStrike" cap="none" normalizeH="0" baseline="0" dirty="0">
+                <a:ln>
+                  <a:noFill/>
+                </a:ln>
+                <a:solidFill>
+                  <a:srgbClr val="6A8759"/>
+                </a:solidFill>
+                <a:effectLst/>
+                <a:latin typeface="JetBrains Mono"/>
+              </a:rPr>
+              <a:t>"India"</a:t>
+            </a:r>
+            <a:r>
+              <a:rPr kumimoji="0" lang="en-US" altLang="en-US" sz="1800" b="0" i="0" u="none" strike="noStrike" cap="none" normalizeH="0" baseline="0" dirty="0">
+                <a:ln>
+                  <a:noFill/>
+                </a:ln>
+                <a:solidFill>
+                  <a:srgbClr val="CC7832"/>
+                </a:solidFill>
+                <a:effectLst/>
+                <a:latin typeface="JetBrains Mono"/>
+              </a:rPr>
+              <a:t>, </a:t>
+            </a:r>
+            <a:r>
+              <a:rPr kumimoji="0" lang="en-US" altLang="en-US" sz="1800" b="0" i="0" u="none" strike="noStrike" cap="none" normalizeH="0" baseline="0" dirty="0">
+                <a:ln>
+                  <a:noFill/>
+                </a:ln>
+                <a:solidFill>
+                  <a:srgbClr val="6897BB"/>
+                </a:solidFill>
+                <a:effectLst/>
+                <a:latin typeface="JetBrains Mono"/>
+              </a:rPr>
+              <a:t>1269000.0</a:t>
+            </a:r>
+            <a:r>
+              <a:rPr kumimoji="0" lang="en-US" altLang="en-US" sz="1800" b="0" i="0" u="none" strike="noStrike" cap="none" normalizeH="0" baseline="0" dirty="0">
+                <a:ln>
+                  <a:noFill/>
+                </a:ln>
+                <a:solidFill>
+                  <a:srgbClr val="A9B7C6"/>
+                </a:solidFill>
+                <a:effectLst/>
+                <a:latin typeface="JetBrains Mono"/>
+              </a:rPr>
+              <a:t>)</a:t>
+            </a:r>
+            <a:r>
+              <a:rPr kumimoji="0" lang="en-US" altLang="en-US" sz="1800" b="0" i="0" u="none" strike="noStrike" cap="none" normalizeH="0" baseline="0" dirty="0">
+                <a:ln>
+                  <a:noFill/>
+                </a:ln>
+                <a:solidFill>
+                  <a:srgbClr val="CC7832"/>
+                </a:solidFill>
+                <a:effectLst/>
+                <a:latin typeface="JetBrains Mono"/>
+              </a:rPr>
+              <a:t>;</a:t>
+            </a:r>
+            <a:br>
+              <a:rPr kumimoji="0" lang="en-US" altLang="en-US" sz="1800" b="0" i="0" u="none" strike="noStrike" cap="none" normalizeH="0" baseline="0" dirty="0">
+                <a:ln>
+                  <a:noFill/>
+                </a:ln>
+                <a:solidFill>
+                  <a:srgbClr val="CC7832"/>
+                </a:solidFill>
+                <a:effectLst/>
+                <a:latin typeface="JetBrains Mono"/>
+              </a:rPr>
+            </a:br>
+            <a:r>
+              <a:rPr kumimoji="0" lang="en-US" altLang="en-US" sz="1800" b="0" i="0" u="none" strike="noStrike" cap="none" normalizeH="0" baseline="0" dirty="0">
+                <a:ln>
+                  <a:noFill/>
+                </a:ln>
+                <a:solidFill>
+                  <a:srgbClr val="CC7832"/>
+                </a:solidFill>
+                <a:effectLst/>
+                <a:latin typeface="JetBrains Mono"/>
+              </a:rPr>
+              <a:t>        </a:t>
+            </a:r>
+            <a:r>
+              <a:rPr kumimoji="0" lang="en-US" altLang="en-US" sz="1800" b="0" i="0" u="none" strike="noStrike" cap="none" normalizeH="0" baseline="0" dirty="0" err="1">
+                <a:ln>
+                  <a:noFill/>
+                </a:ln>
+                <a:solidFill>
+                  <a:srgbClr val="A9B7C6"/>
+                </a:solidFill>
+                <a:effectLst/>
+                <a:latin typeface="JetBrains Mono"/>
+              </a:rPr>
+              <a:t>System.</a:t>
+            </a:r>
+            <a:r>
+              <a:rPr kumimoji="0" lang="en-US" altLang="en-US" sz="1800" b="0" i="1" u="none" strike="noStrike" cap="none" normalizeH="0" baseline="0" dirty="0" err="1">
+                <a:ln>
+                  <a:noFill/>
+                </a:ln>
+                <a:solidFill>
+                  <a:srgbClr val="9876AA"/>
+                </a:solidFill>
+                <a:effectLst/>
+                <a:latin typeface="JetBrains Mono"/>
+              </a:rPr>
+              <a:t>out</a:t>
+            </a:r>
+            <a:r>
+              <a:rPr kumimoji="0" lang="en-US" altLang="en-US" sz="1800" b="0" i="0" u="none" strike="noStrike" cap="none" normalizeH="0" baseline="0" dirty="0" err="1">
+                <a:ln>
+                  <a:noFill/>
+                </a:ln>
+                <a:solidFill>
+                  <a:srgbClr val="A9B7C6"/>
+                </a:solidFill>
+                <a:effectLst/>
+                <a:latin typeface="JetBrains Mono"/>
+              </a:rPr>
+              <a:t>.println</a:t>
+            </a:r>
+            <a:r>
+              <a:rPr kumimoji="0" lang="en-US" altLang="en-US" sz="1800" b="0" i="0" u="none" strike="noStrike" cap="none" normalizeH="0" baseline="0" dirty="0">
+                <a:ln>
+                  <a:noFill/>
+                </a:ln>
+                <a:solidFill>
+                  <a:srgbClr val="A9B7C6"/>
+                </a:solidFill>
+                <a:effectLst/>
+                <a:latin typeface="JetBrains Mono"/>
+              </a:rPr>
+              <a:t>(</a:t>
+            </a:r>
+            <a:r>
+              <a:rPr kumimoji="0" lang="en-US" altLang="en-US" sz="1800" b="0" i="0" u="none" strike="noStrike" cap="none" normalizeH="0" baseline="0" dirty="0" err="1">
+                <a:ln>
+                  <a:noFill/>
+                </a:ln>
+                <a:solidFill>
+                  <a:srgbClr val="A9B7C6"/>
+                </a:solidFill>
+                <a:effectLst/>
+                <a:latin typeface="JetBrains Mono"/>
+              </a:rPr>
+              <a:t>mapCountry</a:t>
+            </a:r>
+            <a:r>
+              <a:rPr kumimoji="0" lang="en-US" altLang="en-US" sz="1800" b="0" i="0" u="none" strike="noStrike" cap="none" normalizeH="0" baseline="0" dirty="0">
+                <a:ln>
+                  <a:noFill/>
+                </a:ln>
+                <a:solidFill>
+                  <a:srgbClr val="A9B7C6"/>
+                </a:solidFill>
+                <a:effectLst/>
+                <a:latin typeface="JetBrains Mono"/>
+              </a:rPr>
+              <a:t>)</a:t>
+            </a:r>
+            <a:r>
+              <a:rPr kumimoji="0" lang="en-US" altLang="en-US" sz="1800" b="0" i="0" u="none" strike="noStrike" cap="none" normalizeH="0" baseline="0" dirty="0">
+                <a:ln>
+                  <a:noFill/>
+                </a:ln>
+                <a:solidFill>
+                  <a:srgbClr val="CC7832"/>
+                </a:solidFill>
+                <a:effectLst/>
+                <a:latin typeface="JetBrains Mono"/>
+              </a:rPr>
+              <a:t>;</a:t>
+            </a:r>
+            <a:br>
+              <a:rPr kumimoji="0" lang="en-US" altLang="en-US" sz="1800" b="0" i="0" u="none" strike="noStrike" cap="none" normalizeH="0" baseline="0" dirty="0">
+                <a:ln>
+                  <a:noFill/>
+                </a:ln>
+                <a:solidFill>
+                  <a:srgbClr val="CC7832"/>
+                </a:solidFill>
+                <a:effectLst/>
+                <a:latin typeface="JetBrains Mono"/>
+              </a:rPr>
+            </a:br>
+            <a:r>
+              <a:rPr kumimoji="0" lang="en-US" altLang="en-US" sz="1800" b="0" i="0" u="none" strike="noStrike" cap="none" normalizeH="0" baseline="0" dirty="0">
+                <a:ln>
+                  <a:noFill/>
+                </a:ln>
+                <a:solidFill>
+                  <a:srgbClr val="CC7832"/>
+                </a:solidFill>
+                <a:effectLst/>
+                <a:latin typeface="JetBrains Mono"/>
+              </a:rPr>
+              <a:t>        </a:t>
+            </a:r>
+            <a:r>
+              <a:rPr kumimoji="0" lang="en-US" altLang="en-US" sz="1800" b="0" i="0" u="none" strike="noStrike" cap="none" normalizeH="0" baseline="0" dirty="0">
+                <a:ln>
+                  <a:noFill/>
+                </a:ln>
+                <a:solidFill>
+                  <a:srgbClr val="808080"/>
+                </a:solidFill>
+                <a:effectLst/>
+                <a:latin typeface="JetBrains Mono"/>
+              </a:rPr>
+              <a:t>//how to return a list of keys?</a:t>
+            </a:r>
+            <a:br>
+              <a:rPr kumimoji="0" lang="en-US" altLang="en-US" sz="1800" b="0" i="0" u="none" strike="noStrike" cap="none" normalizeH="0" baseline="0" dirty="0">
+                <a:ln>
+                  <a:noFill/>
+                </a:ln>
+                <a:solidFill>
+                  <a:srgbClr val="808080"/>
+                </a:solidFill>
+                <a:effectLst/>
+                <a:latin typeface="JetBrains Mono"/>
+              </a:rPr>
+            </a:br>
+            <a:r>
+              <a:rPr kumimoji="0" lang="en-US" altLang="en-US" sz="1800" b="0" i="0" u="none" strike="noStrike" cap="none" normalizeH="0" baseline="0" dirty="0">
+                <a:ln>
+                  <a:noFill/>
+                </a:ln>
+                <a:solidFill>
+                  <a:srgbClr val="808080"/>
+                </a:solidFill>
+                <a:effectLst/>
+                <a:latin typeface="JetBrains Mono"/>
+              </a:rPr>
+              <a:t>        </a:t>
+            </a:r>
+            <a:r>
+              <a:rPr kumimoji="0" lang="en-US" altLang="en-US" sz="1800" b="0" i="0" u="none" strike="noStrike" cap="none" normalizeH="0" baseline="0" dirty="0" err="1">
+                <a:ln>
+                  <a:noFill/>
+                </a:ln>
+                <a:solidFill>
+                  <a:srgbClr val="A9B7C6"/>
+                </a:solidFill>
+                <a:effectLst/>
+                <a:latin typeface="JetBrains Mono"/>
+              </a:rPr>
+              <a:t>System.</a:t>
+            </a:r>
+            <a:r>
+              <a:rPr kumimoji="0" lang="en-US" altLang="en-US" sz="1800" b="0" i="1" u="none" strike="noStrike" cap="none" normalizeH="0" baseline="0" dirty="0" err="1">
+                <a:ln>
+                  <a:noFill/>
+                </a:ln>
+                <a:solidFill>
+                  <a:srgbClr val="9876AA"/>
+                </a:solidFill>
+                <a:effectLst/>
+                <a:latin typeface="JetBrains Mono"/>
+              </a:rPr>
+              <a:t>out</a:t>
+            </a:r>
+            <a:r>
+              <a:rPr kumimoji="0" lang="en-US" altLang="en-US" sz="1800" b="0" i="0" u="none" strike="noStrike" cap="none" normalizeH="0" baseline="0" dirty="0" err="1">
+                <a:ln>
+                  <a:noFill/>
+                </a:ln>
+                <a:solidFill>
+                  <a:srgbClr val="A9B7C6"/>
+                </a:solidFill>
+                <a:effectLst/>
+                <a:latin typeface="JetBrains Mono"/>
+              </a:rPr>
+              <a:t>.println</a:t>
+            </a:r>
+            <a:r>
+              <a:rPr kumimoji="0" lang="en-US" altLang="en-US" sz="1800" b="0" i="0" u="none" strike="noStrike" cap="none" normalizeH="0" baseline="0" dirty="0">
+                <a:ln>
+                  <a:noFill/>
+                </a:ln>
+                <a:solidFill>
+                  <a:srgbClr val="A9B7C6"/>
+                </a:solidFill>
+                <a:effectLst/>
+                <a:latin typeface="JetBrains Mono"/>
+              </a:rPr>
+              <a:t>(keys)</a:t>
+            </a:r>
+            <a:r>
+              <a:rPr kumimoji="0" lang="en-US" altLang="en-US" sz="1800" b="0" i="0" u="none" strike="noStrike" cap="none" normalizeH="0" baseline="0" dirty="0">
+                <a:ln>
+                  <a:noFill/>
+                </a:ln>
+                <a:solidFill>
+                  <a:srgbClr val="CC7832"/>
+                </a:solidFill>
+                <a:effectLst/>
+                <a:latin typeface="JetBrains Mono"/>
+              </a:rPr>
+              <a:t>;</a:t>
+            </a:r>
+            <a:br>
+              <a:rPr kumimoji="0" lang="en-US" altLang="en-US" sz="1800" b="0" i="0" u="none" strike="noStrike" cap="none" normalizeH="0" baseline="0" dirty="0">
+                <a:ln>
+                  <a:noFill/>
+                </a:ln>
+                <a:solidFill>
+                  <a:srgbClr val="CC7832"/>
+                </a:solidFill>
+                <a:effectLst/>
+                <a:latin typeface="JetBrains Mono"/>
+              </a:rPr>
+            </a:br>
+            <a:r>
+              <a:rPr kumimoji="0" lang="en-US" altLang="en-US" sz="1800" b="0" i="0" u="none" strike="noStrike" cap="none" normalizeH="0" baseline="0" dirty="0">
+                <a:ln>
+                  <a:noFill/>
+                </a:ln>
+                <a:solidFill>
+                  <a:srgbClr val="CC7832"/>
+                </a:solidFill>
+                <a:effectLst/>
+                <a:latin typeface="JetBrains Mono"/>
+              </a:rPr>
+              <a:t>        </a:t>
+            </a:r>
+            <a:r>
+              <a:rPr kumimoji="0" lang="en-US" altLang="en-US" sz="1800" b="0" i="0" u="none" strike="noStrike" cap="none" normalizeH="0" baseline="0" dirty="0">
+                <a:ln>
+                  <a:noFill/>
+                </a:ln>
+                <a:solidFill>
+                  <a:srgbClr val="808080"/>
+                </a:solidFill>
+                <a:effectLst/>
+                <a:latin typeface="JetBrains Mono"/>
+              </a:rPr>
+              <a:t>//how to return a list of values?</a:t>
+            </a:r>
+            <a:br>
+              <a:rPr kumimoji="0" lang="en-US" altLang="en-US" sz="1800" b="0" i="0" u="none" strike="noStrike" cap="none" normalizeH="0" baseline="0" dirty="0">
+                <a:ln>
+                  <a:noFill/>
+                </a:ln>
+                <a:solidFill>
+                  <a:srgbClr val="808080"/>
+                </a:solidFill>
+                <a:effectLst/>
+                <a:latin typeface="JetBrains Mono"/>
+              </a:rPr>
+            </a:br>
+            <a:r>
+              <a:rPr kumimoji="0" lang="en-US" altLang="en-US" sz="1800" b="0" i="0" u="none" strike="noStrike" cap="none" normalizeH="0" baseline="0" dirty="0">
+                <a:ln>
+                  <a:noFill/>
+                </a:ln>
+                <a:solidFill>
+                  <a:srgbClr val="808080"/>
+                </a:solidFill>
+                <a:effectLst/>
+                <a:latin typeface="JetBrains Mono"/>
+              </a:rPr>
+              <a:t>        </a:t>
+            </a:r>
+            <a:r>
+              <a:rPr kumimoji="0" lang="en-US" altLang="en-US" sz="1800" b="0" i="0" u="none" strike="noStrike" cap="none" normalizeH="0" baseline="0" dirty="0" err="1">
+                <a:ln>
+                  <a:noFill/>
+                </a:ln>
+                <a:solidFill>
+                  <a:srgbClr val="A9B7C6"/>
+                </a:solidFill>
+                <a:effectLst/>
+                <a:latin typeface="JetBrains Mono"/>
+              </a:rPr>
+              <a:t>System.</a:t>
+            </a:r>
+            <a:r>
+              <a:rPr kumimoji="0" lang="en-US" altLang="en-US" sz="1800" b="0" i="1" u="none" strike="noStrike" cap="none" normalizeH="0" baseline="0" dirty="0" err="1">
+                <a:ln>
+                  <a:noFill/>
+                </a:ln>
+                <a:solidFill>
+                  <a:srgbClr val="9876AA"/>
+                </a:solidFill>
+                <a:effectLst/>
+                <a:latin typeface="JetBrains Mono"/>
+              </a:rPr>
+              <a:t>out</a:t>
+            </a:r>
+            <a:r>
+              <a:rPr kumimoji="0" lang="en-US" altLang="en-US" sz="1800" b="0" i="0" u="none" strike="noStrike" cap="none" normalizeH="0" baseline="0" dirty="0" err="1">
+                <a:ln>
+                  <a:noFill/>
+                </a:ln>
+                <a:solidFill>
+                  <a:srgbClr val="A9B7C6"/>
+                </a:solidFill>
+                <a:effectLst/>
+                <a:latin typeface="JetBrains Mono"/>
+              </a:rPr>
+              <a:t>.println</a:t>
+            </a:r>
+            <a:r>
+              <a:rPr kumimoji="0" lang="en-US" altLang="en-US" sz="1800" b="0" i="0" u="none" strike="noStrike" cap="none" normalizeH="0" baseline="0" dirty="0">
+                <a:ln>
+                  <a:noFill/>
+                </a:ln>
+                <a:solidFill>
+                  <a:srgbClr val="A9B7C6"/>
+                </a:solidFill>
+                <a:effectLst/>
+                <a:latin typeface="JetBrains Mono"/>
+              </a:rPr>
+              <a:t>(values)</a:t>
+            </a:r>
+            <a:r>
+              <a:rPr kumimoji="0" lang="en-US" altLang="en-US" sz="1800" b="0" i="0" u="none" strike="noStrike" cap="none" normalizeH="0" baseline="0" dirty="0">
+                <a:ln>
+                  <a:noFill/>
+                </a:ln>
+                <a:solidFill>
+                  <a:srgbClr val="CC7832"/>
+                </a:solidFill>
+                <a:effectLst/>
+                <a:latin typeface="JetBrains Mono"/>
+              </a:rPr>
+              <a:t>;</a:t>
+            </a:r>
+            <a:br>
+              <a:rPr kumimoji="0" lang="en-US" altLang="en-US" sz="1800" b="0" i="0" u="none" strike="noStrike" cap="none" normalizeH="0" baseline="0" dirty="0">
+                <a:ln>
+                  <a:noFill/>
+                </a:ln>
+                <a:solidFill>
+                  <a:srgbClr val="CC7832"/>
+                </a:solidFill>
+                <a:effectLst/>
+                <a:latin typeface="JetBrains Mono"/>
+              </a:rPr>
+            </a:br>
+            <a:r>
+              <a:rPr kumimoji="0" lang="en-US" altLang="en-US" sz="1800" b="0" i="0" u="none" strike="noStrike" cap="none" normalizeH="0" baseline="0" dirty="0">
+                <a:ln>
+                  <a:noFill/>
+                </a:ln>
+                <a:solidFill>
+                  <a:srgbClr val="CC7832"/>
+                </a:solidFill>
+                <a:effectLst/>
+                <a:latin typeface="JetBrains Mono"/>
+              </a:rPr>
+              <a:t>    </a:t>
+            </a:r>
+            <a:r>
+              <a:rPr kumimoji="0" lang="en-US" altLang="en-US" sz="1800" b="0" i="0" u="none" strike="noStrike" cap="none" normalizeH="0" baseline="0" dirty="0">
+                <a:ln>
+                  <a:noFill/>
+                </a:ln>
+                <a:solidFill>
+                  <a:srgbClr val="A9B7C6"/>
+                </a:solidFill>
+                <a:effectLst/>
+                <a:latin typeface="JetBrains Mono"/>
+              </a:rPr>
+              <a:t>}</a:t>
+            </a:r>
+            <a:br>
+              <a:rPr kumimoji="0" lang="en-US" altLang="en-US" sz="1800" b="0" i="0" u="none" strike="noStrike" cap="none" normalizeH="0" baseline="0" dirty="0">
+                <a:ln>
+                  <a:noFill/>
+                </a:ln>
+                <a:solidFill>
+                  <a:srgbClr val="A9B7C6"/>
+                </a:solidFill>
+                <a:effectLst/>
+                <a:latin typeface="JetBrains Mono"/>
+              </a:rPr>
+            </a:br>
+            <a:r>
+              <a:rPr kumimoji="0" lang="en-US" altLang="en-US" sz="1800" b="0" i="0" u="none" strike="noStrike" cap="none" normalizeH="0" baseline="0" dirty="0">
+                <a:ln>
+                  <a:noFill/>
+                </a:ln>
+                <a:solidFill>
+                  <a:srgbClr val="A9B7C6"/>
+                </a:solidFill>
+                <a:effectLst/>
+                <a:latin typeface="JetBrains Mono"/>
+              </a:rPr>
+              <a:t>}</a:t>
+            </a:r>
+            <a:br>
+              <a:rPr kumimoji="0" lang="en-US" altLang="en-US" sz="1800" b="0" i="0" u="none" strike="noStrike" cap="none" normalizeH="0" baseline="0" dirty="0">
+                <a:ln>
+                  <a:noFill/>
+                </a:ln>
+                <a:solidFill>
+                  <a:srgbClr val="A9B7C6"/>
+                </a:solidFill>
+                <a:effectLst/>
+                <a:latin typeface="JetBrains Mono"/>
+              </a:rPr>
+            </a:br>
+            <a:endParaRPr kumimoji="0" lang="en-US" altLang="en-US" sz="1800" b="0" i="0" u="none" strike="noStrike" cap="none" normalizeH="0" baseline="0" dirty="0">
+              <a:ln>
+                <a:noFill/>
+              </a:ln>
+              <a:solidFill>
+                <a:schemeClr val="tx1"/>
+              </a:solidFill>
+              <a:effectLst/>
+              <a:latin typeface="Arial" panose="020B0604020202020204" pitchFamily="34" charset="0"/>
+            </a:endParaRPr>
+          </a:p>
+        </p:txBody>
+      </p:sp>
     </p:spTree>
     <p:extLst>
       <p:ext uri="{BB962C8B-B14F-4D97-AF65-F5344CB8AC3E}">
-        <p14:creationId xmlns:p14="http://schemas.microsoft.com/office/powerpoint/2010/main" val="2131549678"/>
+        <p14:creationId xmlns:p14="http://schemas.microsoft.com/office/powerpoint/2010/main" val="3184630012"/>
+      </p:ext>
+    </p:extLst>
+  </p:cSld>
+  <p:clrMapOvr>
+    <a:masterClrMapping/>
+  </p:clrMapOvr>
+  <mc:AlternateContent xmlns:mc="http://schemas.openxmlformats.org/markup-compatibility/2006" xmlns:p14="http://schemas.microsoft.com/office/powerpoint/2010/main">
+    <mc:Choice Requires="p14">
+      <p:transition p14:dur="300">
+        <p:fade/>
+      </p:transition>
+    </mc:Choice>
+    <mc:Fallback xmlns="">
+      <p:transition>
+        <p:fade/>
+      </p:transition>
+    </mc:Fallback>
+  </mc:AlternateContent>
+</p:sld>
+</file>
+
+<file path=ppt/slides/slide9.xml><?xml version="1.0" encoding="utf-8"?>
+<p:sld xmlns:a="http://schemas.openxmlformats.org/drawingml/2006/main" xmlns:r="http://schemas.openxmlformats.org/officeDocument/2006/relationships" xmlns:p="http://schemas.openxmlformats.org/presentationml/2006/main">
+  <p:cSld>
+    <p:spTree>
+      <p:nvGrpSpPr>
+        <p:cNvPr id="1" name=""/>
+        <p:cNvGrpSpPr/>
+        <p:nvPr/>
+      </p:nvGrpSpPr>
+      <p:grpSpPr>
+        <a:xfrm>
+          <a:off x="0" y="0"/>
+          <a:ext cx="0" cy="0"/>
+          <a:chOff x="0" y="0"/>
+          <a:chExt cx="0" cy="0"/>
+        </a:xfrm>
+      </p:grpSpPr>
+      <p:sp>
+        <p:nvSpPr>
+          <p:cNvPr id="2" name="Title 1">
+            <a:extLst>
+              <a:ext uri="{FF2B5EF4-FFF2-40B4-BE49-F238E27FC236}">
+                <a16:creationId xmlns:a16="http://schemas.microsoft.com/office/drawing/2014/main" id="{F032DB5C-3924-B449-A254-956EE896D367}"/>
+              </a:ext>
+            </a:extLst>
+          </p:cNvPr>
+          <p:cNvSpPr>
+            <a:spLocks noGrp="1"/>
+          </p:cNvSpPr>
+          <p:nvPr>
+            <p:ph type="title"/>
+          </p:nvPr>
+        </p:nvSpPr>
+        <p:spPr/>
+        <p:txBody>
+          <a:bodyPr/>
+          <a:lstStyle/>
+          <a:p>
+            <a:r>
+              <a:rPr lang="en-US" dirty="0"/>
+              <a:t>Why does it matter?</a:t>
+            </a:r>
+          </a:p>
+        </p:txBody>
+      </p:sp>
+      <p:sp>
+        <p:nvSpPr>
+          <p:cNvPr id="3" name="Text Placeholder 2">
+            <a:extLst>
+              <a:ext uri="{FF2B5EF4-FFF2-40B4-BE49-F238E27FC236}">
+                <a16:creationId xmlns:a16="http://schemas.microsoft.com/office/drawing/2014/main" id="{6A21B95C-0522-3241-A8F1-0F91587DD94C}"/>
+              </a:ext>
+            </a:extLst>
+          </p:cNvPr>
+          <p:cNvSpPr>
+            <a:spLocks noGrp="1"/>
+          </p:cNvSpPr>
+          <p:nvPr>
+            <p:ph type="body" sz="quarter" idx="10"/>
+          </p:nvPr>
+        </p:nvSpPr>
+        <p:spPr>
+          <a:xfrm>
+            <a:off x="628075" y="1776683"/>
+            <a:ext cx="12561453" cy="4060855"/>
+          </a:xfrm>
+        </p:spPr>
+        <p:txBody>
+          <a:bodyPr/>
+          <a:lstStyle/>
+          <a:p>
+            <a:r>
+              <a:rPr lang="en-US" dirty="0"/>
+              <a:t>Different data structures</a:t>
+            </a:r>
+          </a:p>
+          <a:p>
+            <a:pPr lvl="1"/>
+            <a:r>
+              <a:rPr lang="en-US" dirty="0"/>
+              <a:t>affects speed, memory and storage</a:t>
+            </a:r>
+          </a:p>
+          <a:p>
+            <a:pPr lvl="1"/>
+            <a:r>
+              <a:rPr lang="en-US" dirty="0"/>
+              <a:t>important for all fields</a:t>
+            </a:r>
+          </a:p>
+          <a:p>
+            <a:pPr lvl="2"/>
+            <a:r>
+              <a:rPr lang="en-US" dirty="0"/>
+              <a:t>biology – large datasets</a:t>
+            </a:r>
+          </a:p>
+          <a:p>
+            <a:pPr lvl="2"/>
+            <a:r>
+              <a:rPr lang="en-US" dirty="0"/>
+              <a:t>graphics – speed is needed</a:t>
+            </a:r>
+          </a:p>
+          <a:p>
+            <a:pPr lvl="2"/>
+            <a:r>
+              <a:rPr lang="en-US" dirty="0"/>
+              <a:t>cybersecurity  - processing serialized information over networks</a:t>
+            </a:r>
+          </a:p>
+          <a:p>
+            <a:r>
+              <a:rPr lang="en-US" dirty="0"/>
+              <a:t>If you interview at Google, Amazon, </a:t>
+            </a:r>
+            <a:r>
+              <a:rPr lang="en-US" dirty="0" err="1"/>
+              <a:t>etc</a:t>
+            </a:r>
+            <a:endParaRPr lang="en-US" dirty="0"/>
+          </a:p>
+          <a:p>
+            <a:pPr lvl="1"/>
+            <a:r>
+              <a:rPr lang="en-US" dirty="0"/>
+              <a:t>they often give you a tech quiz</a:t>
+            </a:r>
+          </a:p>
+          <a:p>
+            <a:pPr lvl="1"/>
+            <a:r>
+              <a:rPr lang="en-US" dirty="0"/>
+              <a:t>Most of what is on that quiz – you learn in CS 165</a:t>
+            </a:r>
+          </a:p>
+          <a:p>
+            <a:r>
+              <a:rPr lang="en-US" dirty="0"/>
+              <a:t>Take CS 165, it provides major programming foundation!</a:t>
+            </a:r>
+          </a:p>
+        </p:txBody>
+      </p:sp>
+    </p:spTree>
+    <p:extLst>
+      <p:ext uri="{BB962C8B-B14F-4D97-AF65-F5344CB8AC3E}">
+        <p14:creationId xmlns:p14="http://schemas.microsoft.com/office/powerpoint/2010/main" val="170699439"/>
       </p:ext>
     </p:extLst>
   </p:cSld>

--- a/slides/On-Campus/14_03_Collections.pptx
+++ b/slides/On-Campus/14_03_Collections.pptx
@@ -8587,7 +8587,7 @@
                 <a:latin typeface="Consolas" panose="020B0609020204030204" pitchFamily="49" charset="0"/>
                 <a:cs typeface="Consolas" panose="020B0609020204030204" pitchFamily="49" charset="0"/>
               </a:rPr>
-              <a:t>LinkedList&lt;String&gt; list = </a:t>
+              <a:t>List&lt;String&gt; list = </a:t>
             </a:r>
             <a:r>
               <a:rPr lang="en-US" sz="1400" dirty="0">
@@ -8860,7 +8860,15 @@
           <a:p>
             <a:r>
               <a:rPr lang="en-US" dirty="0"/>
-              <a:t>LinkedList basic methods </a:t>
+              <a:t>Linked</a:t>
+            </a:r>
+            <a:r>
+              <a:rPr lang="en-US" b="1" dirty="0"/>
+              <a:t>List</a:t>
+            </a:r>
+            <a:r>
+              <a:rPr lang="en-US" dirty="0"/>
+              <a:t> basic methods </a:t>
             </a:r>
             <a:br>
               <a:rPr lang="en-US" dirty="0"/>
@@ -9252,17 +9260,26 @@
               </a:rPr>
             </a:br>
             <a:r>
-              <a:rPr kumimoji="0" lang="en-US" altLang="en-US" sz="1800" b="0" i="0" u="none" strike="noStrike" cap="none" normalizeH="0" baseline="0" dirty="0">
-                <a:ln>
-                  <a:noFill/>
-                </a:ln>
+              <a:rPr lang="en-US" altLang="en-US" sz="1800" dirty="0">
                 <a:solidFill>
                   <a:srgbClr val="A9B7C6"/>
                 </a:solidFill>
-                <a:effectLst/>
-                <a:latin typeface="JetBrains Mono"/>
-              </a:rPr>
-              <a:t>        LinkedList&lt;Integer&gt; list = </a:t>
+                <a:latin typeface="JetBrains Mono"/>
+              </a:rPr>
+              <a:t>        </a:t>
+            </a:r>
+            <a:r>
+              <a:rPr kumimoji="0" lang="en-US" altLang="en-US" sz="1800" b="0" i="0" u="none" strike="noStrike" cap="none" normalizeH="0" baseline="0" dirty="0">
+                <a:ln>
+                  <a:noFill/>
+                </a:ln>
+                <a:solidFill>
+                  <a:srgbClr val="A9B7C6"/>
+                </a:solidFill>
+                <a:effectLst/>
+                <a:latin typeface="JetBrains Mono"/>
+              </a:rPr>
+              <a:t>List&lt;Integer&gt; list = </a:t>
             </a:r>
             <a:r>
               <a:rPr kumimoji="0" lang="en-US" altLang="en-US" sz="1800" b="0" i="0" u="none" strike="noStrike" cap="none" normalizeH="0" baseline="0" dirty="0">

--- a/slides/On-Campus/14_03_Collections.pptx
+++ b/slides/On-Campus/14_03_Collections.pptx
@@ -8956,8 +8956,8 @@
         </p:nvSpPr>
         <p:spPr bwMode="auto">
           <a:xfrm>
-            <a:off x="8042707" y="377547"/>
-            <a:ext cx="5613991" cy="7017306"/>
+            <a:off x="8042707" y="239048"/>
+            <a:ext cx="5613991" cy="7294305"/>
           </a:xfrm>
           <a:prstGeom prst="rect">
             <a:avLst/>
@@ -9049,6 +9049,59 @@
                 </a:ln>
                 <a:solidFill>
                   <a:srgbClr val="CC7832"/>
+                </a:solidFill>
+                <a:effectLst/>
+                <a:latin typeface="JetBrains Mono"/>
+              </a:rPr>
+              <a:t>;</a:t>
+            </a:r>
+          </a:p>
+          <a:p>
+            <a:pPr marL="0" marR="0" lvl="0" indent="0" algn="l" defTabSz="914400" rtl="0" eaLnBrk="0" fontAlgn="base" latinLnBrk="0" hangingPunct="0">
+              <a:lnSpc>
+                <a:spcPct val="100000"/>
+              </a:lnSpc>
+              <a:spcBef>
+                <a:spcPct val="0"/>
+              </a:spcBef>
+              <a:spcAft>
+                <a:spcPct val="0"/>
+              </a:spcAft>
+              <a:buClrTx/>
+              <a:buSzTx/>
+              <a:buFontTx/>
+              <a:buNone/>
+              <a:tabLst/>
+            </a:pPr>
+            <a:r>
+              <a:rPr lang="en-US" altLang="en-US" sz="1800" dirty="0">
+                <a:solidFill>
+                  <a:srgbClr val="CC7832"/>
+                </a:solidFill>
+                <a:latin typeface="JetBrains Mono"/>
+              </a:rPr>
+              <a:t>Import </a:t>
+            </a:r>
+            <a:r>
+              <a:rPr kumimoji="0" lang="en-US" altLang="en-US" sz="1800" b="0" i="0" u="none" strike="noStrike" cap="none" normalizeH="0" baseline="0" dirty="0" err="1">
+                <a:ln>
+                  <a:noFill/>
+                </a:ln>
+                <a:solidFill>
+                  <a:srgbClr val="A9B7C6"/>
+                </a:solidFill>
+                <a:effectLst/>
+                <a:latin typeface="JetBrains Mono"/>
+              </a:rPr>
+              <a:t>java.util.List</a:t>
+            </a:r>
+            <a:r>
+              <a:rPr kumimoji="0" lang="en-US" altLang="en-US" sz="1800" b="0" i="0" u="none" strike="noStrike" cap="none" normalizeH="0" baseline="0">
+                <a:ln>
+                  <a:noFill/>
+                </a:ln>
+                <a:solidFill>
+                  <a:srgbClr val="A9B7C6"/>
                 </a:solidFill>
                 <a:effectLst/>
                 <a:latin typeface="JetBrains Mono"/>

--- a/slides/On-Campus/14_03_Collections.pptx
+++ b/slides/On-Campus/14_03_Collections.pptx
@@ -511,7 +511,7 @@
           <a:p>
             <a:fld id="{4D7E51A5-B478-1E40-8CBB-0DAA8831E99D}" type="datetimeFigureOut">
               <a:rPr lang="en-US" smtClean="0"/>
-              <a:t>12/2/2021</a:t>
+              <a:t>12/3/21</a:t>
             </a:fld>
             <a:endParaRPr lang="en-US"/>
           </a:p>
@@ -676,7 +676,7 @@
           <a:p>
             <a:fld id="{D0ED587F-861E-6740-9643-E3DDAE89B8D6}" type="datetimeFigureOut">
               <a:rPr lang="en-US" smtClean="0"/>
-              <a:t>12/2/2021</a:t>
+              <a:t>12/3/21</a:t>
             </a:fld>
             <a:endParaRPr lang="en-US"/>
           </a:p>
@@ -7822,7 +7822,7 @@
         </p:spPr>
         <p:txBody>
           <a:bodyPr>
-            <a:normAutofit/>
+            <a:normAutofit fontScale="92500" lnSpcReduction="20000"/>
           </a:bodyPr>
           <a:lstStyle/>
           <a:p>
@@ -7884,7 +7884,42 @@
             <a:pPr marL="230292" indent="0">
               <a:buNone/>
             </a:pPr>
-            <a:endParaRPr lang="en-US" dirty="0"/>
+            <a:r>
+              <a:rPr lang="en-US" b="1" dirty="0"/>
+              <a:t>FOR TODAY: Go the course website (</a:t>
+            </a:r>
+            <a:r>
+              <a:rPr lang="en-US" b="1" dirty="0">
+                <a:hlinkClick r:id="rId2"/>
+              </a:rPr>
+              <a:t>www.cs.colostate.edu/~cs163/</a:t>
+            </a:r>
+            <a:r>
+              <a:rPr lang="en-US" b="1" dirty="0"/>
+              <a:t>) -&gt; resources page, click on the ‘</a:t>
+            </a:r>
+            <a:r>
+              <a:rPr lang="en-US" b="1" dirty="0" err="1"/>
+              <a:t>github</a:t>
+            </a:r>
+            <a:r>
+              <a:rPr lang="en-US" b="1" dirty="0"/>
+              <a:t>’ link  middle of the page! </a:t>
+            </a:r>
+          </a:p>
+          <a:p>
+            <a:pPr marL="230292" indent="0">
+              <a:buNone/>
+            </a:pPr>
+            <a:r>
+              <a:rPr lang="en-US" b="1" dirty="0"/>
+              <a:t>	Will save </a:t>
+            </a:r>
+            <a:r>
+              <a:rPr lang="en-US" b="1"/>
+              <a:t>typing later</a:t>
+            </a:r>
+            <a:endParaRPr lang="en-US" b="1" dirty="0"/>
           </a:p>
         </p:txBody>
       </p:sp>

--- a/slides/On-Campus/14_03_Collections.pptx
+++ b/slides/On-Campus/14_03_Collections.pptx
@@ -2,25 +2,28 @@
 <file path=ppt/presentation.xml><?xml version="1.0" encoding="utf-8"?>
 <p:presentation xmlns:a="http://schemas.openxmlformats.org/drawingml/2006/main" xmlns:r="http://schemas.openxmlformats.org/officeDocument/2006/relationships" xmlns:p="http://schemas.openxmlformats.org/presentationml/2006/main" saveSubsetFonts="1" autoCompressPictures="0">
   <p:sldMasterIdLst>
-    <p:sldMasterId id="2147483648" r:id="rId1"/>
+    <p:sldMasterId id="2147483648" r:id="rId4"/>
   </p:sldMasterIdLst>
   <p:notesMasterIdLst>
-    <p:notesMasterId r:id="rId12"/>
+    <p:notesMasterId r:id="rId18"/>
   </p:notesMasterIdLst>
   <p:handoutMasterIdLst>
-    <p:handoutMasterId r:id="rId13"/>
+    <p:handoutMasterId r:id="rId19"/>
   </p:handoutMasterIdLst>
   <p:sldIdLst>
-    <p:sldId id="256" r:id="rId2"/>
-    <p:sldId id="271" r:id="rId3"/>
-    <p:sldId id="257" r:id="rId4"/>
-    <p:sldId id="258" r:id="rId5"/>
-    <p:sldId id="272" r:id="rId6"/>
-    <p:sldId id="273" r:id="rId7"/>
-    <p:sldId id="259" r:id="rId8"/>
-    <p:sldId id="274" r:id="rId9"/>
-    <p:sldId id="260" r:id="rId10"/>
-    <p:sldId id="261" r:id="rId11"/>
+    <p:sldId id="256" r:id="rId5"/>
+    <p:sldId id="271" r:id="rId6"/>
+    <p:sldId id="257" r:id="rId7"/>
+    <p:sldId id="258" r:id="rId8"/>
+    <p:sldId id="272" r:id="rId9"/>
+    <p:sldId id="273" r:id="rId10"/>
+    <p:sldId id="275" r:id="rId11"/>
+    <p:sldId id="259" r:id="rId12"/>
+    <p:sldId id="274" r:id="rId13"/>
+    <p:sldId id="260" r:id="rId14"/>
+    <p:sldId id="277" r:id="rId15"/>
+    <p:sldId id="276" r:id="rId16"/>
+    <p:sldId id="261" r:id="rId17"/>
   </p:sldIdLst>
   <p:sldSz cx="13817600" cy="7772400"/>
   <p:notesSz cx="6858000" cy="9144000"/>
@@ -144,20 +147,43 @@
 <file path=ppt/changesInfos/changesInfo1.xml><?xml version="1.0" encoding="utf-8"?>
 <pc:chgInfo xmlns:a="http://schemas.openxmlformats.org/drawingml/2006/main" xmlns:r="http://schemas.openxmlformats.org/officeDocument/2006/relationships" xmlns:ac="http://schemas.microsoft.com/office/drawing/2013/main/command" xmlns:pc="http://schemas.microsoft.com/office/powerpoint/2013/main/command">
   <pc:docChgLst>
-    <pc:chgData name="Marcia Moraes" userId="c9c67e8a-58e2-4733-9a1c-5d44fec4775b" providerId="ADAL" clId="{3BFC9BD3-F1DA-49B1-A2D4-FEE4EE629475}"/>
-    <pc:docChg chg="undo custSel addSld modSld">
-      <pc:chgData name="Marcia Moraes" userId="c9c67e8a-58e2-4733-9a1c-5d44fec4775b" providerId="ADAL" clId="{3BFC9BD3-F1DA-49B1-A2D4-FEE4EE629475}" dt="2021-12-02T18:40:24.576" v="378" actId="1076"/>
+    <pc:chgData name="Marcia Moraes" userId="c9c67e8a-58e2-4733-9a1c-5d44fec4775b" providerId="ADAL" clId="{53741CE1-D3A2-46FF-9696-CE781C34CE81}"/>
+    <pc:docChg chg="custSel addSld modSld">
+      <pc:chgData name="Marcia Moraes" userId="c9c67e8a-58e2-4733-9a1c-5d44fec4775b" providerId="ADAL" clId="{53741CE1-D3A2-46FF-9696-CE781C34CE81}" dt="2023-04-25T18:50:21.850" v="608" actId="20577"/>
       <pc:docMkLst>
         <pc:docMk/>
       </pc:docMkLst>
       <pc:sldChg chg="modSp">
-        <pc:chgData name="Marcia Moraes" userId="c9c67e8a-58e2-4733-9a1c-5d44fec4775b" providerId="ADAL" clId="{3BFC9BD3-F1DA-49B1-A2D4-FEE4EE629475}" dt="2021-12-02T18:13:42.178" v="358" actId="6549"/>
+        <pc:chgData name="Marcia Moraes" userId="c9c67e8a-58e2-4733-9a1c-5d44fec4775b" providerId="ADAL" clId="{53741CE1-D3A2-46FF-9696-CE781C34CE81}" dt="2023-04-25T18:49:28.674" v="606" actId="255"/>
+        <pc:sldMkLst>
+          <pc:docMk/>
+          <pc:sldMk cId="2438495609" sldId="257"/>
+        </pc:sldMkLst>
+        <pc:spChg chg="mod">
+          <ac:chgData name="Marcia Moraes" userId="c9c67e8a-58e2-4733-9a1c-5d44fec4775b" providerId="ADAL" clId="{53741CE1-D3A2-46FF-9696-CE781C34CE81}" dt="2023-04-25T17:58:17.246" v="209" actId="1076"/>
+          <ac:spMkLst>
+            <pc:docMk/>
+            <pc:sldMk cId="2438495609" sldId="257"/>
+            <ac:spMk id="4" creationId="{B9C5FB38-E323-7F47-A767-C6B35A1A3CDF}"/>
+          </ac:spMkLst>
+        </pc:spChg>
+        <pc:spChg chg="mod">
+          <ac:chgData name="Marcia Moraes" userId="c9c67e8a-58e2-4733-9a1c-5d44fec4775b" providerId="ADAL" clId="{53741CE1-D3A2-46FF-9696-CE781C34CE81}" dt="2023-04-25T18:49:28.674" v="606" actId="255"/>
+          <ac:spMkLst>
+            <pc:docMk/>
+            <pc:sldMk cId="2438495609" sldId="257"/>
+            <ac:spMk id="5" creationId="{9F424989-D30A-AD42-974B-17B84D9096C5}"/>
+          </ac:spMkLst>
+        </pc:spChg>
+      </pc:sldChg>
+      <pc:sldChg chg="modSp">
+        <pc:chgData name="Marcia Moraes" userId="c9c67e8a-58e2-4733-9a1c-5d44fec4775b" providerId="ADAL" clId="{53741CE1-D3A2-46FF-9696-CE781C34CE81}" dt="2023-04-25T17:59:10.669" v="216" actId="14100"/>
         <pc:sldMkLst>
           <pc:docMk/>
           <pc:sldMk cId="3799542744" sldId="258"/>
         </pc:sldMkLst>
         <pc:spChg chg="mod">
-          <ac:chgData name="Marcia Moraes" userId="c9c67e8a-58e2-4733-9a1c-5d44fec4775b" providerId="ADAL" clId="{3BFC9BD3-F1DA-49B1-A2D4-FEE4EE629475}" dt="2021-12-02T18:13:42.178" v="358" actId="6549"/>
+          <ac:chgData name="Marcia Moraes" userId="c9c67e8a-58e2-4733-9a1c-5d44fec4775b" providerId="ADAL" clId="{53741CE1-D3A2-46FF-9696-CE781C34CE81}" dt="2023-04-25T17:58:43.756" v="213" actId="1076"/>
           <ac:spMkLst>
             <pc:docMk/>
             <pc:sldMk cId="3799542744" sldId="258"/>
@@ -165,155 +191,194 @@
           </ac:spMkLst>
         </pc:spChg>
         <pc:spChg chg="mod">
-          <ac:chgData name="Marcia Moraes" userId="c9c67e8a-58e2-4733-9a1c-5d44fec4775b" providerId="ADAL" clId="{3BFC9BD3-F1DA-49B1-A2D4-FEE4EE629475}" dt="2021-12-02T16:58:26.051" v="80" actId="20577"/>
+          <ac:chgData name="Marcia Moraes" userId="c9c67e8a-58e2-4733-9a1c-5d44fec4775b" providerId="ADAL" clId="{53741CE1-D3A2-46FF-9696-CE781C34CE81}" dt="2023-04-25T17:58:46.609" v="214" actId="1076"/>
           <ac:spMkLst>
             <pc:docMk/>
             <pc:sldMk cId="3799542744" sldId="258"/>
-            <ac:spMk id="4" creationId="{D4FC46AB-C5DF-E843-9D4E-6A06AABD2C23}"/>
+            <ac:spMk id="3" creationId="{344E7C9A-020B-9C42-8FF3-6B525DEFA0BD}"/>
+          </ac:spMkLst>
+        </pc:spChg>
+        <pc:spChg chg="mod">
+          <ac:chgData name="Marcia Moraes" userId="c9c67e8a-58e2-4733-9a1c-5d44fec4775b" providerId="ADAL" clId="{53741CE1-D3A2-46FF-9696-CE781C34CE81}" dt="2023-04-25T17:59:10.669" v="216" actId="14100"/>
+          <ac:spMkLst>
+            <pc:docMk/>
+            <pc:sldMk cId="3799542744" sldId="258"/>
+            <ac:spMk id="8" creationId="{FEF2A65A-3F78-B04C-BE4E-D784A850CD4E}"/>
           </ac:spMkLst>
         </pc:spChg>
       </pc:sldChg>
-      <pc:sldChg chg="modSp">
-        <pc:chgData name="Marcia Moraes" userId="c9c67e8a-58e2-4733-9a1c-5d44fec4775b" providerId="ADAL" clId="{3BFC9BD3-F1DA-49B1-A2D4-FEE4EE629475}" dt="2021-12-02T17:27:08.242" v="105" actId="20577"/>
+      <pc:sldChg chg="addSp delSp modSp">
+        <pc:chgData name="Marcia Moraes" userId="c9c67e8a-58e2-4733-9a1c-5d44fec4775b" providerId="ADAL" clId="{53741CE1-D3A2-46FF-9696-CE781C34CE81}" dt="2023-04-25T18:30:45.805" v="371"/>
         <pc:sldMkLst>
           <pc:docMk/>
           <pc:sldMk cId="311983275" sldId="259"/>
         </pc:sldMkLst>
         <pc:spChg chg="mod">
-          <ac:chgData name="Marcia Moraes" userId="c9c67e8a-58e2-4733-9a1c-5d44fec4775b" providerId="ADAL" clId="{3BFC9BD3-F1DA-49B1-A2D4-FEE4EE629475}" dt="2021-12-02T17:27:08.242" v="105" actId="20577"/>
+          <ac:chgData name="Marcia Moraes" userId="c9c67e8a-58e2-4733-9a1c-5d44fec4775b" providerId="ADAL" clId="{53741CE1-D3A2-46FF-9696-CE781C34CE81}" dt="2023-04-25T18:29:48.870" v="313" actId="1076"/>
+          <ac:spMkLst>
+            <pc:docMk/>
+            <pc:sldMk cId="311983275" sldId="259"/>
+            <ac:spMk id="2" creationId="{88AE3598-7F95-7245-BF60-EA577FD87AA5}"/>
+          </ac:spMkLst>
+        </pc:spChg>
+        <pc:spChg chg="mod">
+          <ac:chgData name="Marcia Moraes" userId="c9c67e8a-58e2-4733-9a1c-5d44fec4775b" providerId="ADAL" clId="{53741CE1-D3A2-46FF-9696-CE781C34CE81}" dt="2023-04-25T18:30:39.948" v="369" actId="255"/>
           <ac:spMkLst>
             <pc:docMk/>
             <pc:sldMk cId="311983275" sldId="259"/>
             <ac:spMk id="3" creationId="{E224CD26-AE72-4442-A08A-920C27D956E2}"/>
           </ac:spMkLst>
         </pc:spChg>
+        <pc:spChg chg="mod">
+          <ac:chgData name="Marcia Moraes" userId="c9c67e8a-58e2-4733-9a1c-5d44fec4775b" providerId="ADAL" clId="{53741CE1-D3A2-46FF-9696-CE781C34CE81}" dt="2023-04-25T18:01:32.614" v="226" actId="14100"/>
+          <ac:spMkLst>
+            <pc:docMk/>
+            <pc:sldMk cId="311983275" sldId="259"/>
+            <ac:spMk id="5" creationId="{80FE7AD7-2774-B543-91B8-4B4FE1A61B91}"/>
+          </ac:spMkLst>
+        </pc:spChg>
+        <pc:spChg chg="add del mod">
+          <ac:chgData name="Marcia Moraes" userId="c9c67e8a-58e2-4733-9a1c-5d44fec4775b" providerId="ADAL" clId="{53741CE1-D3A2-46FF-9696-CE781C34CE81}" dt="2023-04-25T18:30:45.805" v="371"/>
+          <ac:spMkLst>
+            <pc:docMk/>
+            <pc:sldMk cId="311983275" sldId="259"/>
+            <ac:spMk id="6" creationId="{C4142801-E542-4D8F-8691-90FC909F917B}"/>
+          </ac:spMkLst>
+        </pc:spChg>
       </pc:sldChg>
-      <pc:sldChg chg="modSp add">
-        <pc:chgData name="Marcia Moraes" userId="c9c67e8a-58e2-4733-9a1c-5d44fec4775b" providerId="ADAL" clId="{3BFC9BD3-F1DA-49B1-A2D4-FEE4EE629475}" dt="2021-12-02T16:41:11.631" v="21" actId="6549"/>
+      <pc:sldChg chg="addSp delSp modSp">
+        <pc:chgData name="Marcia Moraes" userId="c9c67e8a-58e2-4733-9a1c-5d44fec4775b" providerId="ADAL" clId="{53741CE1-D3A2-46FF-9696-CE781C34CE81}" dt="2023-04-25T18:35:16.078" v="431" actId="14100"/>
+        <pc:sldMkLst>
+          <pc:docMk/>
+          <pc:sldMk cId="170699439" sldId="260"/>
+        </pc:sldMkLst>
+        <pc:spChg chg="mod">
+          <ac:chgData name="Marcia Moraes" userId="c9c67e8a-58e2-4733-9a1c-5d44fec4775b" providerId="ADAL" clId="{53741CE1-D3A2-46FF-9696-CE781C34CE81}" dt="2023-04-25T18:33:14.926" v="417" actId="20577"/>
+          <ac:spMkLst>
+            <pc:docMk/>
+            <pc:sldMk cId="170699439" sldId="260"/>
+            <ac:spMk id="2" creationId="{F032DB5C-3924-B449-A254-956EE896D367}"/>
+          </ac:spMkLst>
+        </pc:spChg>
+        <pc:spChg chg="del mod">
+          <ac:chgData name="Marcia Moraes" userId="c9c67e8a-58e2-4733-9a1c-5d44fec4775b" providerId="ADAL" clId="{53741CE1-D3A2-46FF-9696-CE781C34CE81}" dt="2023-04-25T18:31:44.610" v="373" actId="478"/>
+          <ac:spMkLst>
+            <pc:docMk/>
+            <pc:sldMk cId="170699439" sldId="260"/>
+            <ac:spMk id="3" creationId="{6A21B95C-0522-3241-A8F1-0F91587DD94C}"/>
+          </ac:spMkLst>
+        </pc:spChg>
+        <pc:spChg chg="add mod">
+          <ac:chgData name="Marcia Moraes" userId="c9c67e8a-58e2-4733-9a1c-5d44fec4775b" providerId="ADAL" clId="{53741CE1-D3A2-46FF-9696-CE781C34CE81}" dt="2023-04-25T18:31:44.610" v="373" actId="478"/>
+          <ac:spMkLst>
+            <pc:docMk/>
+            <pc:sldMk cId="170699439" sldId="260"/>
+            <ac:spMk id="5" creationId="{2535E79B-54EA-4EBD-A718-4C825B1A6CAB}"/>
+          </ac:spMkLst>
+        </pc:spChg>
+        <pc:spChg chg="add mod">
+          <ac:chgData name="Marcia Moraes" userId="c9c67e8a-58e2-4733-9a1c-5d44fec4775b" providerId="ADAL" clId="{53741CE1-D3A2-46FF-9696-CE781C34CE81}" dt="2023-04-25T18:35:16.078" v="431" actId="14100"/>
+          <ac:spMkLst>
+            <pc:docMk/>
+            <pc:sldMk cId="170699439" sldId="260"/>
+            <ac:spMk id="6" creationId="{B08C3848-700C-42B2-8065-7B748D9FBAAE}"/>
+          </ac:spMkLst>
+        </pc:spChg>
+        <pc:picChg chg="add del mod">
+          <ac:chgData name="Marcia Moraes" userId="c9c67e8a-58e2-4733-9a1c-5d44fec4775b" providerId="ADAL" clId="{53741CE1-D3A2-46FF-9696-CE781C34CE81}" dt="2023-04-25T18:33:03.879" v="378" actId="478"/>
+          <ac:picMkLst>
+            <pc:docMk/>
+            <pc:sldMk cId="170699439" sldId="260"/>
+            <ac:picMk id="1026" creationId="{273E1BB5-0EE3-4C1A-91A9-80DB601650FA}"/>
+          </ac:picMkLst>
+        </pc:picChg>
+        <pc:picChg chg="add mod">
+          <ac:chgData name="Marcia Moraes" userId="c9c67e8a-58e2-4733-9a1c-5d44fec4775b" providerId="ADAL" clId="{53741CE1-D3A2-46FF-9696-CE781C34CE81}" dt="2023-04-25T18:33:25.182" v="419" actId="1076"/>
+          <ac:picMkLst>
+            <pc:docMk/>
+            <pc:sldMk cId="170699439" sldId="260"/>
+            <ac:picMk id="1028" creationId="{5DF9709B-3EF1-45A7-AEAA-2D3E4A7CE6D4}"/>
+          </ac:picMkLst>
+        </pc:picChg>
+        <pc:picChg chg="add mod">
+          <ac:chgData name="Marcia Moraes" userId="c9c67e8a-58e2-4733-9a1c-5d44fec4775b" providerId="ADAL" clId="{53741CE1-D3A2-46FF-9696-CE781C34CE81}" dt="2023-04-25T18:34:43.560" v="423" actId="1076"/>
+          <ac:picMkLst>
+            <pc:docMk/>
+            <pc:sldMk cId="170699439" sldId="260"/>
+            <ac:picMk id="1030" creationId="{414F6D0E-381A-482C-9D21-E392DA1B24CA}"/>
+          </ac:picMkLst>
+        </pc:picChg>
+      </pc:sldChg>
+      <pc:sldChg chg="modSp">
+        <pc:chgData name="Marcia Moraes" userId="c9c67e8a-58e2-4733-9a1c-5d44fec4775b" providerId="ADAL" clId="{53741CE1-D3A2-46FF-9696-CE781C34CE81}" dt="2023-04-25T18:03:39.125" v="254" actId="20577"/>
+        <pc:sldMkLst>
+          <pc:docMk/>
+          <pc:sldMk cId="2131549678" sldId="261"/>
+        </pc:sldMkLst>
+        <pc:spChg chg="mod">
+          <ac:chgData name="Marcia Moraes" userId="c9c67e8a-58e2-4733-9a1c-5d44fec4775b" providerId="ADAL" clId="{53741CE1-D3A2-46FF-9696-CE781C34CE81}" dt="2023-04-25T18:03:39.125" v="254" actId="20577"/>
+          <ac:spMkLst>
+            <pc:docMk/>
+            <pc:sldMk cId="2131549678" sldId="261"/>
+            <ac:spMk id="3" creationId="{E37EEB9F-F492-BF44-96E6-342CAC543EE6}"/>
+          </ac:spMkLst>
+        </pc:spChg>
+        <pc:picChg chg="mod">
+          <ac:chgData name="Marcia Moraes" userId="c9c67e8a-58e2-4733-9a1c-5d44fec4775b" providerId="ADAL" clId="{53741CE1-D3A2-46FF-9696-CE781C34CE81}" dt="2023-04-25T18:03:21.207" v="230" actId="1076"/>
+          <ac:picMkLst>
+            <pc:docMk/>
+            <pc:sldMk cId="2131549678" sldId="261"/>
+            <ac:picMk id="4" creationId="{D77678DE-2B83-9F4D-A7A8-B9E77E1098FB}"/>
+          </ac:picMkLst>
+        </pc:picChg>
+      </pc:sldChg>
+      <pc:sldChg chg="addSp delSp modSp">
+        <pc:chgData name="Marcia Moraes" userId="c9c67e8a-58e2-4733-9a1c-5d44fec4775b" providerId="ADAL" clId="{53741CE1-D3A2-46FF-9696-CE781C34CE81}" dt="2023-04-25T17:57:48.561" v="206" actId="20577"/>
         <pc:sldMkLst>
           <pc:docMk/>
           <pc:sldMk cId="926474781" sldId="271"/>
         </pc:sldMkLst>
         <pc:spChg chg="mod">
-          <ac:chgData name="Marcia Moraes" userId="c9c67e8a-58e2-4733-9a1c-5d44fec4775b" providerId="ADAL" clId="{3BFC9BD3-F1DA-49B1-A2D4-FEE4EE629475}" dt="2021-12-02T16:40:46.106" v="2" actId="27636"/>
+          <ac:chgData name="Marcia Moraes" userId="c9c67e8a-58e2-4733-9a1c-5d44fec4775b" providerId="ADAL" clId="{53741CE1-D3A2-46FF-9696-CE781C34CE81}" dt="2023-04-25T17:57:06.176" v="163" actId="1076"/>
+          <ac:spMkLst>
+            <pc:docMk/>
+            <pc:sldMk cId="926474781" sldId="271"/>
+            <ac:spMk id="4" creationId="{119AD8F2-D5DB-A84B-A5B3-F7935E3E6D1D}"/>
+          </ac:spMkLst>
+        </pc:spChg>
+        <pc:spChg chg="mod">
+          <ac:chgData name="Marcia Moraes" userId="c9c67e8a-58e2-4733-9a1c-5d44fec4775b" providerId="ADAL" clId="{53741CE1-D3A2-46FF-9696-CE781C34CE81}" dt="2023-04-25T17:57:48.561" v="206" actId="20577"/>
           <ac:spMkLst>
             <pc:docMk/>
             <pc:sldMk cId="926474781" sldId="271"/>
             <ac:spMk id="5" creationId="{1BBD0DB5-379A-304F-9307-E7B1A89B08F7}"/>
           </ac:spMkLst>
         </pc:spChg>
-        <pc:spChg chg="mod">
-          <ac:chgData name="Marcia Moraes" userId="c9c67e8a-58e2-4733-9a1c-5d44fec4775b" providerId="ADAL" clId="{3BFC9BD3-F1DA-49B1-A2D4-FEE4EE629475}" dt="2021-12-02T16:41:11.631" v="21" actId="6549"/>
+        <pc:spChg chg="add mod">
+          <ac:chgData name="Marcia Moraes" userId="c9c67e8a-58e2-4733-9a1c-5d44fec4775b" providerId="ADAL" clId="{53741CE1-D3A2-46FF-9696-CE781C34CE81}" dt="2023-04-25T17:52:00.515" v="9" actId="1076"/>
           <ac:spMkLst>
             <pc:docMk/>
             <pc:sldMk cId="926474781" sldId="271"/>
-            <ac:spMk id="6" creationId="{32A3B87A-BBC0-704B-AC99-3984206450D5}"/>
+            <ac:spMk id="6" creationId="{772FBA25-57F9-41AD-8CF5-B6750F6B5056}"/>
+          </ac:spMkLst>
+        </pc:spChg>
+        <pc:spChg chg="del">
+          <ac:chgData name="Marcia Moraes" userId="c9c67e8a-58e2-4733-9a1c-5d44fec4775b" providerId="ADAL" clId="{53741CE1-D3A2-46FF-9696-CE781C34CE81}" dt="2023-04-25T17:51:05.629" v="2" actId="478"/>
+          <ac:spMkLst>
+            <pc:docMk/>
+            <pc:sldMk cId="926474781" sldId="271"/>
+            <ac:spMk id="8" creationId="{BAB4692C-71C9-4BC4-AAC6-FCD7E7C27E03}"/>
           </ac:spMkLst>
         </pc:spChg>
       </pc:sldChg>
-      <pc:sldChg chg="addSp delSp modSp add">
-        <pc:chgData name="Marcia Moraes" userId="c9c67e8a-58e2-4733-9a1c-5d44fec4775b" providerId="ADAL" clId="{3BFC9BD3-F1DA-49B1-A2D4-FEE4EE629475}" dt="2021-12-02T18:09:53.028" v="344" actId="1076"/>
-        <pc:sldMkLst>
-          <pc:docMk/>
-          <pc:sldMk cId="10387276" sldId="272"/>
-        </pc:sldMkLst>
-        <pc:spChg chg="mod">
-          <ac:chgData name="Marcia Moraes" userId="c9c67e8a-58e2-4733-9a1c-5d44fec4775b" providerId="ADAL" clId="{3BFC9BD3-F1DA-49B1-A2D4-FEE4EE629475}" dt="2021-12-02T18:09:34.733" v="339" actId="1076"/>
-          <ac:spMkLst>
-            <pc:docMk/>
-            <pc:sldMk cId="10387276" sldId="272"/>
-            <ac:spMk id="2" creationId="{C01320E0-2E7E-3541-9887-8500C2522FF6}"/>
-          </ac:spMkLst>
-        </pc:spChg>
-        <pc:spChg chg="del">
-          <ac:chgData name="Marcia Moraes" userId="c9c67e8a-58e2-4733-9a1c-5d44fec4775b" providerId="ADAL" clId="{3BFC9BD3-F1DA-49B1-A2D4-FEE4EE629475}" dt="2021-12-02T17:35:57.592" v="107" actId="478"/>
-          <ac:spMkLst>
-            <pc:docMk/>
-            <pc:sldMk cId="10387276" sldId="272"/>
-            <ac:spMk id="3" creationId="{344E7C9A-020B-9C42-8FF3-6B525DEFA0BD}"/>
-          </ac:spMkLst>
-        </pc:spChg>
-        <pc:spChg chg="del">
-          <ac:chgData name="Marcia Moraes" userId="c9c67e8a-58e2-4733-9a1c-5d44fec4775b" providerId="ADAL" clId="{3BFC9BD3-F1DA-49B1-A2D4-FEE4EE629475}" dt="2021-12-02T17:36:52.697" v="118" actId="478"/>
-          <ac:spMkLst>
-            <pc:docMk/>
-            <pc:sldMk cId="10387276" sldId="272"/>
-            <ac:spMk id="4" creationId="{D4FC46AB-C5DF-E843-9D4E-6A06AABD2C23}"/>
-          </ac:spMkLst>
-        </pc:spChg>
-        <pc:spChg chg="add del mod">
-          <ac:chgData name="Marcia Moraes" userId="c9c67e8a-58e2-4733-9a1c-5d44fec4775b" providerId="ADAL" clId="{3BFC9BD3-F1DA-49B1-A2D4-FEE4EE629475}" dt="2021-12-02T17:36:45.965" v="116" actId="478"/>
-          <ac:spMkLst>
-            <pc:docMk/>
-            <pc:sldMk cId="10387276" sldId="272"/>
-            <ac:spMk id="7" creationId="{F11F8996-7A64-42F5-8827-C06B900A03D3}"/>
-          </ac:spMkLst>
-        </pc:spChg>
-        <pc:spChg chg="del">
-          <ac:chgData name="Marcia Moraes" userId="c9c67e8a-58e2-4733-9a1c-5d44fec4775b" providerId="ADAL" clId="{3BFC9BD3-F1DA-49B1-A2D4-FEE4EE629475}" dt="2021-12-02T17:36:01.799" v="108" actId="478"/>
-          <ac:spMkLst>
-            <pc:docMk/>
-            <pc:sldMk cId="10387276" sldId="272"/>
-            <ac:spMk id="8" creationId="{FEF2A65A-3F78-B04C-BE4E-D784A850CD4E}"/>
-          </ac:spMkLst>
-        </pc:spChg>
-        <pc:spChg chg="add mod">
-          <ac:chgData name="Marcia Moraes" userId="c9c67e8a-58e2-4733-9a1c-5d44fec4775b" providerId="ADAL" clId="{3BFC9BD3-F1DA-49B1-A2D4-FEE4EE629475}" dt="2021-12-02T18:09:45.484" v="342" actId="1076"/>
-          <ac:spMkLst>
-            <pc:docMk/>
-            <pc:sldMk cId="10387276" sldId="272"/>
-            <ac:spMk id="12" creationId="{72EC0222-8481-4009-9B06-701273EDC984}"/>
-          </ac:spMkLst>
-        </pc:spChg>
-        <pc:spChg chg="add del">
-          <ac:chgData name="Marcia Moraes" userId="c9c67e8a-58e2-4733-9a1c-5d44fec4775b" providerId="ADAL" clId="{3BFC9BD3-F1DA-49B1-A2D4-FEE4EE629475}" dt="2021-12-02T17:54:54.151" v="152"/>
-          <ac:spMkLst>
-            <pc:docMk/>
-            <pc:sldMk cId="10387276" sldId="272"/>
-            <ac:spMk id="13" creationId="{F0A8C206-56FC-4F34-9482-4D1127A374E1}"/>
-          </ac:spMkLst>
-        </pc:spChg>
-        <pc:picChg chg="del">
-          <ac:chgData name="Marcia Moraes" userId="c9c67e8a-58e2-4733-9a1c-5d44fec4775b" providerId="ADAL" clId="{3BFC9BD3-F1DA-49B1-A2D4-FEE4EE629475}" dt="2021-12-02T17:36:48.231" v="117" actId="478"/>
-          <ac:picMkLst>
-            <pc:docMk/>
-            <pc:sldMk cId="10387276" sldId="272"/>
-            <ac:picMk id="6" creationId="{4EC44C51-197A-A540-B7E4-2056C11A78B0}"/>
-          </ac:picMkLst>
-        </pc:picChg>
-        <pc:picChg chg="add del mod">
-          <ac:chgData name="Marcia Moraes" userId="c9c67e8a-58e2-4733-9a1c-5d44fec4775b" providerId="ADAL" clId="{3BFC9BD3-F1DA-49B1-A2D4-FEE4EE629475}" dt="2021-12-02T17:36:18.569" v="112"/>
-          <ac:picMkLst>
-            <pc:docMk/>
-            <pc:sldMk cId="10387276" sldId="272"/>
-            <ac:picMk id="9" creationId="{4E2D8B57-5B9E-4395-8F97-116CDAFA0691}"/>
-          </ac:picMkLst>
-        </pc:picChg>
-        <pc:picChg chg="add mod">
-          <ac:chgData name="Marcia Moraes" userId="c9c67e8a-58e2-4733-9a1c-5d44fec4775b" providerId="ADAL" clId="{3BFC9BD3-F1DA-49B1-A2D4-FEE4EE629475}" dt="2021-12-02T18:09:53.028" v="344" actId="1076"/>
-          <ac:picMkLst>
-            <pc:docMk/>
-            <pc:sldMk cId="10387276" sldId="272"/>
-            <ac:picMk id="10" creationId="{DCC8E5DC-B666-4F1B-8AF1-D08F6E0FA192}"/>
-          </ac:picMkLst>
-        </pc:picChg>
-        <pc:picChg chg="add mod">
-          <ac:chgData name="Marcia Moraes" userId="c9c67e8a-58e2-4733-9a1c-5d44fec4775b" providerId="ADAL" clId="{3BFC9BD3-F1DA-49B1-A2D4-FEE4EE629475}" dt="2021-12-02T18:09:49.363" v="343" actId="1076"/>
-          <ac:picMkLst>
-            <pc:docMk/>
-            <pc:sldMk cId="10387276" sldId="272"/>
-            <ac:picMk id="11" creationId="{75817717-241B-4A30-8686-7091D3EC909F}"/>
-          </ac:picMkLst>
-        </pc:picChg>
-      </pc:sldChg>
-      <pc:sldChg chg="delSp modSp add">
-        <pc:chgData name="Marcia Moraes" userId="c9c67e8a-58e2-4733-9a1c-5d44fec4775b" providerId="ADAL" clId="{3BFC9BD3-F1DA-49B1-A2D4-FEE4EE629475}" dt="2021-12-02T18:07:47.413" v="327" actId="255"/>
+      <pc:sldChg chg="modSp">
+        <pc:chgData name="Marcia Moraes" userId="c9c67e8a-58e2-4733-9a1c-5d44fec4775b" providerId="ADAL" clId="{53741CE1-D3A2-46FF-9696-CE781C34CE81}" dt="2023-04-25T18:00:24.478" v="219" actId="1076"/>
         <pc:sldMkLst>
           <pc:docMk/>
           <pc:sldMk cId="1220976107" sldId="273"/>
         </pc:sldMkLst>
         <pc:spChg chg="mod">
-          <ac:chgData name="Marcia Moraes" userId="c9c67e8a-58e2-4733-9a1c-5d44fec4775b" providerId="ADAL" clId="{3BFC9BD3-F1DA-49B1-A2D4-FEE4EE629475}" dt="2021-12-02T17:58:31.050" v="233" actId="20577"/>
+          <ac:chgData name="Marcia Moraes" userId="c9c67e8a-58e2-4733-9a1c-5d44fec4775b" providerId="ADAL" clId="{53741CE1-D3A2-46FF-9696-CE781C34CE81}" dt="2023-04-25T18:00:24.478" v="219" actId="1076"/>
           <ac:spMkLst>
             <pc:docMk/>
             <pc:sldMk cId="1220976107" sldId="273"/>
@@ -321,106 +386,144 @@
           </ac:spMkLst>
         </pc:spChg>
         <pc:spChg chg="mod">
-          <ac:chgData name="Marcia Moraes" userId="c9c67e8a-58e2-4733-9a1c-5d44fec4775b" providerId="ADAL" clId="{3BFC9BD3-F1DA-49B1-A2D4-FEE4EE629475}" dt="2021-12-02T18:07:47.413" v="327" actId="255"/>
+          <ac:chgData name="Marcia Moraes" userId="c9c67e8a-58e2-4733-9a1c-5d44fec4775b" providerId="ADAL" clId="{53741CE1-D3A2-46FF-9696-CE781C34CE81}" dt="2023-04-25T18:00:20.717" v="218" actId="1076"/>
           <ac:spMkLst>
             <pc:docMk/>
             <pc:sldMk cId="1220976107" sldId="273"/>
             <ac:spMk id="3" creationId="{344E7C9A-020B-9C42-8FF3-6B525DEFA0BD}"/>
           </ac:spMkLst>
         </pc:spChg>
-        <pc:spChg chg="del">
-          <ac:chgData name="Marcia Moraes" userId="c9c67e8a-58e2-4733-9a1c-5d44fec4775b" providerId="ADAL" clId="{3BFC9BD3-F1DA-49B1-A2D4-FEE4EE629475}" dt="2021-12-02T17:58:15.887" v="211" actId="478"/>
+      </pc:sldChg>
+      <pc:sldChg chg="modSp add">
+        <pc:chgData name="Marcia Moraes" userId="c9c67e8a-58e2-4733-9a1c-5d44fec4775b" providerId="ADAL" clId="{53741CE1-D3A2-46FF-9696-CE781C34CE81}" dt="2023-04-25T18:15:50.378" v="310" actId="20577"/>
+        <pc:sldMkLst>
+          <pc:docMk/>
+          <pc:sldMk cId="3211101489" sldId="275"/>
+        </pc:sldMkLst>
+        <pc:spChg chg="mod">
+          <ac:chgData name="Marcia Moraes" userId="c9c67e8a-58e2-4733-9a1c-5d44fec4775b" providerId="ADAL" clId="{53741CE1-D3A2-46FF-9696-CE781C34CE81}" dt="2023-04-25T18:14:17.438" v="288" actId="20577"/>
           <ac:spMkLst>
             <pc:docMk/>
-            <pc:sldMk cId="1220976107" sldId="273"/>
-            <ac:spMk id="4" creationId="{D4FC46AB-C5DF-E843-9D4E-6A06AABD2C23}"/>
+            <pc:sldMk cId="3211101489" sldId="275"/>
+            <ac:spMk id="2" creationId="{57C1B4F6-FB64-4A07-8ABC-62DEDE52716B}"/>
+          </ac:spMkLst>
+        </pc:spChg>
+        <pc:spChg chg="mod">
+          <ac:chgData name="Marcia Moraes" userId="c9c67e8a-58e2-4733-9a1c-5d44fec4775b" providerId="ADAL" clId="{53741CE1-D3A2-46FF-9696-CE781C34CE81}" dt="2023-04-25T18:15:50.378" v="310" actId="20577"/>
+          <ac:spMkLst>
+            <pc:docMk/>
+            <pc:sldMk cId="3211101489" sldId="275"/>
+            <ac:spMk id="3" creationId="{BBEE7BAB-5975-471E-ACE7-DF64FE21B0BA}"/>
+          </ac:spMkLst>
+        </pc:spChg>
+      </pc:sldChg>
+      <pc:sldChg chg="add">
+        <pc:chgData name="Marcia Moraes" userId="c9c67e8a-58e2-4733-9a1c-5d44fec4775b" providerId="ADAL" clId="{53741CE1-D3A2-46FF-9696-CE781C34CE81}" dt="2023-04-25T18:31:40.832" v="372"/>
+        <pc:sldMkLst>
+          <pc:docMk/>
+          <pc:sldMk cId="698418822" sldId="276"/>
+        </pc:sldMkLst>
+      </pc:sldChg>
+      <pc:sldChg chg="addSp delSp modSp add">
+        <pc:chgData name="Marcia Moraes" userId="c9c67e8a-58e2-4733-9a1c-5d44fec4775b" providerId="ADAL" clId="{53741CE1-D3A2-46FF-9696-CE781C34CE81}" dt="2023-04-25T18:50:21.850" v="608" actId="20577"/>
+        <pc:sldMkLst>
+          <pc:docMk/>
+          <pc:sldMk cId="2035958454" sldId="277"/>
+        </pc:sldMkLst>
+        <pc:spChg chg="add mod">
+          <ac:chgData name="Marcia Moraes" userId="c9c67e8a-58e2-4733-9a1c-5d44fec4775b" providerId="ADAL" clId="{53741CE1-D3A2-46FF-9696-CE781C34CE81}" dt="2023-04-25T18:47:05.191" v="475" actId="255"/>
+          <ac:spMkLst>
+            <pc:docMk/>
+            <pc:sldMk cId="2035958454" sldId="277"/>
+            <ac:spMk id="3" creationId="{634F7DC6-DB8E-4FE4-80D5-A2C8FE8C71BE}"/>
           </ac:spMkLst>
         </pc:spChg>
         <pc:spChg chg="del">
-          <ac:chgData name="Marcia Moraes" userId="c9c67e8a-58e2-4733-9a1c-5d44fec4775b" providerId="ADAL" clId="{3BFC9BD3-F1DA-49B1-A2D4-FEE4EE629475}" dt="2021-12-02T17:58:35.969" v="235" actId="478"/>
+          <ac:chgData name="Marcia Moraes" userId="c9c67e8a-58e2-4733-9a1c-5d44fec4775b" providerId="ADAL" clId="{53741CE1-D3A2-46FF-9696-CE781C34CE81}" dt="2023-04-25T18:38:02.473" v="441" actId="478"/>
           <ac:spMkLst>
             <pc:docMk/>
-            <pc:sldMk cId="1220976107" sldId="273"/>
-            <ac:spMk id="8" creationId="{FEF2A65A-3F78-B04C-BE4E-D784A850CD4E}"/>
+            <pc:sldMk cId="2035958454" sldId="277"/>
+            <ac:spMk id="5" creationId="{2535E79B-54EA-4EBD-A718-4C825B1A6CAB}"/>
+          </ac:spMkLst>
+        </pc:spChg>
+        <pc:spChg chg="mod">
+          <ac:chgData name="Marcia Moraes" userId="c9c67e8a-58e2-4733-9a1c-5d44fec4775b" providerId="ADAL" clId="{53741CE1-D3A2-46FF-9696-CE781C34CE81}" dt="2023-04-25T18:46:54.083" v="474" actId="255"/>
+          <ac:spMkLst>
+            <pc:docMk/>
+            <pc:sldMk cId="2035958454" sldId="277"/>
+            <ac:spMk id="6" creationId="{B08C3848-700C-42B2-8065-7B748D9FBAAE}"/>
+          </ac:spMkLst>
+        </pc:spChg>
+        <pc:spChg chg="add del">
+          <ac:chgData name="Marcia Moraes" userId="c9c67e8a-58e2-4733-9a1c-5d44fec4775b" providerId="ADAL" clId="{53741CE1-D3A2-46FF-9696-CE781C34CE81}" dt="2023-04-25T18:46:37.580" v="466" actId="478"/>
+          <ac:spMkLst>
+            <pc:docMk/>
+            <pc:sldMk cId="2035958454" sldId="277"/>
+            <ac:spMk id="13" creationId="{6BD54D72-46A0-4A0E-8E26-A352D3568929}"/>
+          </ac:spMkLst>
+        </pc:spChg>
+        <pc:spChg chg="add mod">
+          <ac:chgData name="Marcia Moraes" userId="c9c67e8a-58e2-4733-9a1c-5d44fec4775b" providerId="ADAL" clId="{53741CE1-D3A2-46FF-9696-CE781C34CE81}" dt="2023-04-25T18:50:21.850" v="608" actId="20577"/>
+          <ac:spMkLst>
+            <pc:docMk/>
+            <pc:sldMk cId="2035958454" sldId="277"/>
+            <ac:spMk id="14" creationId="{78CD2659-0EAB-41DA-8D4E-B36180B9D407}"/>
           </ac:spMkLst>
         </pc:spChg>
         <pc:picChg chg="del">
-          <ac:chgData name="Marcia Moraes" userId="c9c67e8a-58e2-4733-9a1c-5d44fec4775b" providerId="ADAL" clId="{3BFC9BD3-F1DA-49B1-A2D4-FEE4EE629475}" dt="2021-12-02T17:58:33.679" v="234" actId="478"/>
+          <ac:chgData name="Marcia Moraes" userId="c9c67e8a-58e2-4733-9a1c-5d44fec4775b" providerId="ADAL" clId="{53741CE1-D3A2-46FF-9696-CE781C34CE81}" dt="2023-04-25T18:36:50.530" v="434" actId="478"/>
           <ac:picMkLst>
             <pc:docMk/>
-            <pc:sldMk cId="1220976107" sldId="273"/>
-            <ac:picMk id="6" creationId="{4EC44C51-197A-A540-B7E4-2056C11A78B0}"/>
+            <pc:sldMk cId="2035958454" sldId="277"/>
+            <ac:picMk id="1028" creationId="{5DF9709B-3EF1-45A7-AEAA-2D3E4A7CE6D4}"/>
           </ac:picMkLst>
         </pc:picChg>
-      </pc:sldChg>
-      <pc:sldChg chg="addSp delSp modSp add">
-        <pc:chgData name="Marcia Moraes" userId="c9c67e8a-58e2-4733-9a1c-5d44fec4775b" providerId="ADAL" clId="{3BFC9BD3-F1DA-49B1-A2D4-FEE4EE629475}" dt="2021-12-02T18:40:24.576" v="378" actId="1076"/>
-        <pc:sldMkLst>
-          <pc:docMk/>
-          <pc:sldMk cId="3184630012" sldId="274"/>
-        </pc:sldMkLst>
-        <pc:spChg chg="mod">
-          <ac:chgData name="Marcia Moraes" userId="c9c67e8a-58e2-4733-9a1c-5d44fec4775b" providerId="ADAL" clId="{3BFC9BD3-F1DA-49B1-A2D4-FEE4EE629475}" dt="2021-12-02T18:12:37.227" v="354" actId="20577"/>
-          <ac:spMkLst>
-            <pc:docMk/>
-            <pc:sldMk cId="3184630012" sldId="274"/>
-            <ac:spMk id="2" creationId="{C01320E0-2E7E-3541-9887-8500C2522FF6}"/>
-          </ac:spMkLst>
-        </pc:spChg>
-        <pc:spChg chg="add mod">
-          <ac:chgData name="Marcia Moraes" userId="c9c67e8a-58e2-4733-9a1c-5d44fec4775b" providerId="ADAL" clId="{3BFC9BD3-F1DA-49B1-A2D4-FEE4EE629475}" dt="2021-12-02T18:40:24.576" v="378" actId="1076"/>
-          <ac:spMkLst>
-            <pc:docMk/>
-            <pc:sldMk cId="3184630012" sldId="274"/>
-            <ac:spMk id="6" creationId="{8BDC4F6F-7A69-4AB7-9524-4D6EBF2F6457}"/>
-          </ac:spMkLst>
-        </pc:spChg>
-        <pc:spChg chg="del">
-          <ac:chgData name="Marcia Moraes" userId="c9c67e8a-58e2-4733-9a1c-5d44fec4775b" providerId="ADAL" clId="{3BFC9BD3-F1DA-49B1-A2D4-FEE4EE629475}" dt="2021-12-02T18:12:42.289" v="357" actId="478"/>
-          <ac:spMkLst>
-            <pc:docMk/>
-            <pc:sldMk cId="3184630012" sldId="274"/>
-            <ac:spMk id="12" creationId="{72EC0222-8481-4009-9B06-701273EDC984}"/>
-          </ac:spMkLst>
-        </pc:spChg>
-        <pc:picChg chg="add del mod">
-          <ac:chgData name="Marcia Moraes" userId="c9c67e8a-58e2-4733-9a1c-5d44fec4775b" providerId="ADAL" clId="{3BFC9BD3-F1DA-49B1-A2D4-FEE4EE629475}" dt="2021-12-02T18:15:14.646" v="362" actId="478"/>
+        <pc:picChg chg="del">
+          <ac:chgData name="Marcia Moraes" userId="c9c67e8a-58e2-4733-9a1c-5d44fec4775b" providerId="ADAL" clId="{53741CE1-D3A2-46FF-9696-CE781C34CE81}" dt="2023-04-25T18:36:49.335" v="433" actId="478"/>
           <ac:picMkLst>
             <pc:docMk/>
-            <pc:sldMk cId="3184630012" sldId="274"/>
-            <ac:picMk id="3" creationId="{FAD35E6E-882B-4CFF-95A5-D3A10A9F6383}"/>
+            <pc:sldMk cId="2035958454" sldId="277"/>
+            <ac:picMk id="1030" creationId="{414F6D0E-381A-482C-9D21-E392DA1B24CA}"/>
           </ac:picMkLst>
         </pc:picChg>
         <pc:picChg chg="add mod">
-          <ac:chgData name="Marcia Moraes" userId="c9c67e8a-58e2-4733-9a1c-5d44fec4775b" providerId="ADAL" clId="{3BFC9BD3-F1DA-49B1-A2D4-FEE4EE629475}" dt="2021-12-02T18:16:42.609" v="370" actId="14100"/>
+          <ac:chgData name="Marcia Moraes" userId="c9c67e8a-58e2-4733-9a1c-5d44fec4775b" providerId="ADAL" clId="{53741CE1-D3A2-46FF-9696-CE781C34CE81}" dt="2023-04-25T18:37:27.497" v="436" actId="1076"/>
           <ac:picMkLst>
             <pc:docMk/>
-            <pc:sldMk cId="3184630012" sldId="274"/>
-            <ac:picMk id="4" creationId="{B30E869A-2D70-4245-8CE7-F0C0DBC62E35}"/>
+            <pc:sldMk cId="2035958454" sldId="277"/>
+            <ac:picMk id="2050" creationId="{AE9F02A4-9EE4-49F3-B8B5-95FABC48CB0A}"/>
           </ac:picMkLst>
         </pc:picChg>
         <pc:picChg chg="add mod">
-          <ac:chgData name="Marcia Moraes" userId="c9c67e8a-58e2-4733-9a1c-5d44fec4775b" providerId="ADAL" clId="{3BFC9BD3-F1DA-49B1-A2D4-FEE4EE629475}" dt="2021-12-02T18:16:48.375" v="372" actId="1076"/>
+          <ac:chgData name="Marcia Moraes" userId="c9c67e8a-58e2-4733-9a1c-5d44fec4775b" providerId="ADAL" clId="{53741CE1-D3A2-46FF-9696-CE781C34CE81}" dt="2023-04-25T18:41:37.576" v="445" actId="1076"/>
           <ac:picMkLst>
             <pc:docMk/>
-            <pc:sldMk cId="3184630012" sldId="274"/>
-            <ac:picMk id="5" creationId="{4D0C3E70-2208-4F6F-8B29-4B831E0F00BA}"/>
+            <pc:sldMk cId="2035958454" sldId="277"/>
+            <ac:picMk id="2052" creationId="{195D0A64-DF3A-4053-84B1-F4A7324547BB}"/>
           </ac:picMkLst>
         </pc:picChg>
-        <pc:picChg chg="del">
-          <ac:chgData name="Marcia Moraes" userId="c9c67e8a-58e2-4733-9a1c-5d44fec4775b" providerId="ADAL" clId="{3BFC9BD3-F1DA-49B1-A2D4-FEE4EE629475}" dt="2021-12-02T18:12:39.850" v="355" actId="478"/>
+        <pc:picChg chg="add del mod">
+          <ac:chgData name="Marcia Moraes" userId="c9c67e8a-58e2-4733-9a1c-5d44fec4775b" providerId="ADAL" clId="{53741CE1-D3A2-46FF-9696-CE781C34CE81}" dt="2023-04-25T18:41:44.154" v="448" actId="478"/>
           <ac:picMkLst>
             <pc:docMk/>
-            <pc:sldMk cId="3184630012" sldId="274"/>
-            <ac:picMk id="10" creationId="{DCC8E5DC-B666-4F1B-8AF1-D08F6E0FA192}"/>
+            <pc:sldMk cId="2035958454" sldId="277"/>
+            <ac:picMk id="2054" creationId="{C3D22791-844E-40E0-845F-19A4AAB25DB8}"/>
           </ac:picMkLst>
         </pc:picChg>
-        <pc:picChg chg="del">
-          <ac:chgData name="Marcia Moraes" userId="c9c67e8a-58e2-4733-9a1c-5d44fec4775b" providerId="ADAL" clId="{3BFC9BD3-F1DA-49B1-A2D4-FEE4EE629475}" dt="2021-12-02T18:12:40.668" v="356" actId="478"/>
+        <pc:picChg chg="add del mod">
+          <ac:chgData name="Marcia Moraes" userId="c9c67e8a-58e2-4733-9a1c-5d44fec4775b" providerId="ADAL" clId="{53741CE1-D3A2-46FF-9696-CE781C34CE81}" dt="2023-04-25T18:42:13.673" v="451" actId="478"/>
           <ac:picMkLst>
             <pc:docMk/>
-            <pc:sldMk cId="3184630012" sldId="274"/>
-            <ac:picMk id="11" creationId="{75817717-241B-4A30-8686-7091D3EC909F}"/>
+            <pc:sldMk cId="2035958454" sldId="277"/>
+            <ac:picMk id="2056" creationId="{022BD90D-1351-4499-939E-1D8D2CED8403}"/>
+          </ac:picMkLst>
+        </pc:picChg>
+        <pc:picChg chg="add mod">
+          <ac:chgData name="Marcia Moraes" userId="c9c67e8a-58e2-4733-9a1c-5d44fec4775b" providerId="ADAL" clId="{53741CE1-D3A2-46FF-9696-CE781C34CE81}" dt="2023-04-25T18:42:44.735" v="454" actId="1076"/>
+          <ac:picMkLst>
+            <pc:docMk/>
+            <pc:sldMk cId="2035958454" sldId="277"/>
+            <ac:picMk id="2058" creationId="{9F5D5982-89D2-4D45-B9AC-AAE61A11A5C4}"/>
           </ac:picMkLst>
         </pc:picChg>
       </pc:sldChg>
@@ -511,7 +614,7 @@
           <a:p>
             <a:fld id="{4D7E51A5-B478-1E40-8CBB-0DAA8831E99D}" type="datetimeFigureOut">
               <a:rPr lang="en-US" smtClean="0"/>
-              <a:t>12/3/21</a:t>
+              <a:t>4/25/2023</a:t>
             </a:fld>
             <a:endParaRPr lang="en-US"/>
           </a:p>
@@ -676,7 +779,7 @@
           <a:p>
             <a:fld id="{D0ED587F-861E-6740-9643-E3DDAE89B8D6}" type="datetimeFigureOut">
               <a:rPr lang="en-US" smtClean="0"/>
-              <a:t>12/3/21</a:t>
+              <a:t>4/25/2023</a:t>
             </a:fld>
             <a:endParaRPr lang="en-US"/>
           </a:p>
@@ -7619,6 +7722,773 @@
           <p:cNvPr id="2" name="Title 1">
             <a:extLst>
               <a:ext uri="{FF2B5EF4-FFF2-40B4-BE49-F238E27FC236}">
+                <a16:creationId xmlns:a16="http://schemas.microsoft.com/office/drawing/2014/main" id="{F032DB5C-3924-B449-A254-956EE896D367}"/>
+              </a:ext>
+            </a:extLst>
+          </p:cNvPr>
+          <p:cNvSpPr>
+            <a:spLocks noGrp="1"/>
+          </p:cNvSpPr>
+          <p:nvPr>
+            <p:ph type="title"/>
+          </p:nvPr>
+        </p:nvSpPr>
+        <p:spPr/>
+        <p:txBody>
+          <a:bodyPr/>
+          <a:lstStyle/>
+          <a:p>
+            <a:r>
+              <a:rPr lang="en-US" dirty="0"/>
+              <a:t>Other Types of Data Structures</a:t>
+            </a:r>
+          </a:p>
+        </p:txBody>
+      </p:sp>
+      <p:sp>
+        <p:nvSpPr>
+          <p:cNvPr id="5" name="Text Placeholder 4">
+            <a:extLst>
+              <a:ext uri="{FF2B5EF4-FFF2-40B4-BE49-F238E27FC236}">
+                <a16:creationId xmlns:a16="http://schemas.microsoft.com/office/drawing/2014/main" id="{2535E79B-54EA-4EBD-A718-4C825B1A6CAB}"/>
+              </a:ext>
+            </a:extLst>
+          </p:cNvPr>
+          <p:cNvSpPr>
+            <a:spLocks noGrp="1"/>
+          </p:cNvSpPr>
+          <p:nvPr>
+            <p:ph type="body" sz="quarter" idx="10"/>
+          </p:nvPr>
+        </p:nvSpPr>
+        <p:spPr/>
+        <p:txBody>
+          <a:bodyPr/>
+          <a:lstStyle/>
+          <a:p>
+            <a:endParaRPr lang="en-US" dirty="0"/>
+          </a:p>
+        </p:txBody>
+      </p:sp>
+      <p:pic>
+        <p:nvPicPr>
+          <p:cNvPr id="1028" name="Picture 4" descr="Free vector hospital queue illustration">
+            <a:extLst>
+              <a:ext uri="{FF2B5EF4-FFF2-40B4-BE49-F238E27FC236}">
+                <a16:creationId xmlns:a16="http://schemas.microsoft.com/office/drawing/2014/main" id="{5DF9709B-3EF1-45A7-AEAA-2D3E4A7CE6D4}"/>
+              </a:ext>
+            </a:extLst>
+          </p:cNvPr>
+          <p:cNvPicPr>
+            <a:picLocks noChangeAspect="1" noChangeArrowheads="1"/>
+          </p:cNvPicPr>
+          <p:nvPr/>
+        </p:nvPicPr>
+        <p:blipFill>
+          <a:blip r:embed="rId2">
+            <a:extLst>
+              <a:ext uri="{28A0092B-C50C-407E-A947-70E740481C1C}">
+                <a14:useLocalDpi xmlns:a14="http://schemas.microsoft.com/office/drawing/2010/main" val="0"/>
+              </a:ext>
+            </a:extLst>
+          </a:blip>
+          <a:srcRect/>
+          <a:stretch>
+            <a:fillRect/>
+          </a:stretch>
+        </p:blipFill>
+        <p:spPr bwMode="auto">
+          <a:xfrm>
+            <a:off x="7508875" y="1672922"/>
+            <a:ext cx="5962650" cy="4238625"/>
+          </a:xfrm>
+          <a:prstGeom prst="rect">
+            <a:avLst/>
+          </a:prstGeom>
+          <a:noFill/>
+          <a:extLst>
+            <a:ext uri="{909E8E84-426E-40DD-AFC4-6F175D3DCCD1}">
+              <a14:hiddenFill xmlns:a14="http://schemas.microsoft.com/office/drawing/2010/main">
+                <a:solidFill>
+                  <a:srgbClr val="FFFFFF"/>
+                </a:solidFill>
+              </a14:hiddenFill>
+            </a:ext>
+          </a:extLst>
+        </p:spPr>
+      </p:pic>
+      <p:pic>
+        <p:nvPicPr>
+          <p:cNvPr id="1030" name="Picture 6" descr="Vector bank queue people standing in row to bank worker clients verifying payments vector cartoon characters waiting in line">
+            <a:extLst>
+              <a:ext uri="{FF2B5EF4-FFF2-40B4-BE49-F238E27FC236}">
+                <a16:creationId xmlns:a16="http://schemas.microsoft.com/office/drawing/2014/main" id="{414F6D0E-381A-482C-9D21-E392DA1B24CA}"/>
+              </a:ext>
+            </a:extLst>
+          </p:cNvPr>
+          <p:cNvPicPr>
+            <a:picLocks noChangeAspect="1" noChangeArrowheads="1"/>
+          </p:cNvPicPr>
+          <p:nvPr/>
+        </p:nvPicPr>
+        <p:blipFill>
+          <a:blip r:embed="rId3">
+            <a:extLst>
+              <a:ext uri="{28A0092B-C50C-407E-A947-70E740481C1C}">
+                <a14:useLocalDpi xmlns:a14="http://schemas.microsoft.com/office/drawing/2010/main" val="0"/>
+              </a:ext>
+            </a:extLst>
+          </a:blip>
+          <a:srcRect/>
+          <a:stretch>
+            <a:fillRect/>
+          </a:stretch>
+        </p:blipFill>
+        <p:spPr bwMode="auto">
+          <a:xfrm>
+            <a:off x="628075" y="1776683"/>
+            <a:ext cx="5962650" cy="2981325"/>
+          </a:xfrm>
+          <a:prstGeom prst="rect">
+            <a:avLst/>
+          </a:prstGeom>
+          <a:noFill/>
+          <a:extLst>
+            <a:ext uri="{909E8E84-426E-40DD-AFC4-6F175D3DCCD1}">
+              <a14:hiddenFill xmlns:a14="http://schemas.microsoft.com/office/drawing/2010/main">
+                <a:solidFill>
+                  <a:srgbClr val="FFFFFF"/>
+                </a:solidFill>
+              </a14:hiddenFill>
+            </a:ext>
+          </a:extLst>
+        </p:spPr>
+      </p:pic>
+      <p:sp>
+        <p:nvSpPr>
+          <p:cNvPr id="6" name="Rectangle 5">
+            <a:extLst>
+              <a:ext uri="{FF2B5EF4-FFF2-40B4-BE49-F238E27FC236}">
+                <a16:creationId xmlns:a16="http://schemas.microsoft.com/office/drawing/2014/main" id="{B08C3848-700C-42B2-8065-7B748D9FBAAE}"/>
+              </a:ext>
+            </a:extLst>
+          </p:cNvPr>
+          <p:cNvSpPr/>
+          <p:nvPr/>
+        </p:nvSpPr>
+        <p:spPr>
+          <a:xfrm>
+            <a:off x="471714" y="6229794"/>
+            <a:ext cx="8367486" cy="707886"/>
+          </a:xfrm>
+          <a:prstGeom prst="rect">
+            <a:avLst/>
+          </a:prstGeom>
+        </p:spPr>
+        <p:txBody>
+          <a:bodyPr wrap="square">
+            <a:spAutoFit/>
+          </a:bodyPr>
+          <a:lstStyle/>
+          <a:p>
+            <a:r>
+              <a:rPr lang="en-US" dirty="0">
+                <a:hlinkClick r:id="rId4"/>
+              </a:rPr>
+              <a:t>https://docs.oracle.com/javase/8/docs/api/java/util/Queue.html</a:t>
+            </a:r>
+            <a:r>
+              <a:rPr lang="en-US" dirty="0"/>
+              <a:t> </a:t>
+            </a:r>
+          </a:p>
+          <a:p>
+            <a:r>
+              <a:rPr lang="en-US" dirty="0">
+                <a:hlinkClick r:id="rId5"/>
+              </a:rPr>
+              <a:t>https://docs.oracle.com/javase/7/docs/api/java/util/PriorityQueue.html</a:t>
+            </a:r>
+            <a:r>
+              <a:rPr lang="en-US" dirty="0"/>
+              <a:t> </a:t>
+            </a:r>
+          </a:p>
+        </p:txBody>
+      </p:sp>
+    </p:spTree>
+    <p:extLst>
+      <p:ext uri="{BB962C8B-B14F-4D97-AF65-F5344CB8AC3E}">
+        <p14:creationId xmlns:p14="http://schemas.microsoft.com/office/powerpoint/2010/main" val="170699439"/>
+      </p:ext>
+    </p:extLst>
+  </p:cSld>
+  <p:clrMapOvr>
+    <a:masterClrMapping/>
+  </p:clrMapOvr>
+  <mc:AlternateContent xmlns:mc="http://schemas.openxmlformats.org/markup-compatibility/2006" xmlns:p14="http://schemas.microsoft.com/office/powerpoint/2010/main">
+    <mc:Choice Requires="p14">
+      <p:transition p14:dur="300">
+        <p:fade/>
+      </p:transition>
+    </mc:Choice>
+    <mc:Fallback xmlns="">
+      <p:transition>
+        <p:fade/>
+      </p:transition>
+    </mc:Fallback>
+  </mc:AlternateContent>
+</p:sld>
+</file>
+
+<file path=ppt/slides/slide11.xml><?xml version="1.0" encoding="utf-8"?>
+<p:sld xmlns:a="http://schemas.openxmlformats.org/drawingml/2006/main" xmlns:r="http://schemas.openxmlformats.org/officeDocument/2006/relationships" xmlns:p="http://schemas.openxmlformats.org/presentationml/2006/main">
+  <p:cSld>
+    <p:spTree>
+      <p:nvGrpSpPr>
+        <p:cNvPr id="1" name=""/>
+        <p:cNvGrpSpPr/>
+        <p:nvPr/>
+      </p:nvGrpSpPr>
+      <p:grpSpPr>
+        <a:xfrm>
+          <a:off x="0" y="0"/>
+          <a:ext cx="0" cy="0"/>
+          <a:chOff x="0" y="0"/>
+          <a:chExt cx="0" cy="0"/>
+        </a:xfrm>
+      </p:grpSpPr>
+      <p:sp>
+        <p:nvSpPr>
+          <p:cNvPr id="2" name="Title 1">
+            <a:extLst>
+              <a:ext uri="{FF2B5EF4-FFF2-40B4-BE49-F238E27FC236}">
+                <a16:creationId xmlns:a16="http://schemas.microsoft.com/office/drawing/2014/main" id="{F032DB5C-3924-B449-A254-956EE896D367}"/>
+              </a:ext>
+            </a:extLst>
+          </p:cNvPr>
+          <p:cNvSpPr>
+            <a:spLocks noGrp="1"/>
+          </p:cNvSpPr>
+          <p:nvPr>
+            <p:ph type="title"/>
+          </p:nvPr>
+        </p:nvSpPr>
+        <p:spPr/>
+        <p:txBody>
+          <a:bodyPr/>
+          <a:lstStyle/>
+          <a:p>
+            <a:r>
+              <a:rPr lang="en-US" dirty="0"/>
+              <a:t>Other Types of Data Structures</a:t>
+            </a:r>
+          </a:p>
+        </p:txBody>
+      </p:sp>
+      <p:sp>
+        <p:nvSpPr>
+          <p:cNvPr id="6" name="Rectangle 5">
+            <a:extLst>
+              <a:ext uri="{FF2B5EF4-FFF2-40B4-BE49-F238E27FC236}">
+                <a16:creationId xmlns:a16="http://schemas.microsoft.com/office/drawing/2014/main" id="{B08C3848-700C-42B2-8065-7B748D9FBAAE}"/>
+              </a:ext>
+            </a:extLst>
+          </p:cNvPr>
+          <p:cNvSpPr/>
+          <p:nvPr/>
+        </p:nvSpPr>
+        <p:spPr>
+          <a:xfrm>
+            <a:off x="275771" y="4180554"/>
+            <a:ext cx="3991429" cy="1077218"/>
+          </a:xfrm>
+          <a:prstGeom prst="rect">
+            <a:avLst/>
+          </a:prstGeom>
+        </p:spPr>
+        <p:txBody>
+          <a:bodyPr wrap="square">
+            <a:spAutoFit/>
+          </a:bodyPr>
+          <a:lstStyle/>
+          <a:p>
+            <a:r>
+              <a:rPr lang="en-US" sz="2400" dirty="0"/>
+              <a:t>Stack</a:t>
+            </a:r>
+            <a:endParaRPr lang="en-US" sz="2400" dirty="0">
+              <a:hlinkClick r:id="rId2"/>
+            </a:endParaRPr>
+          </a:p>
+          <a:p>
+            <a:r>
+              <a:rPr lang="en-US" dirty="0">
+                <a:hlinkClick r:id="rId2"/>
+              </a:rPr>
+              <a:t>https://docs.oracle.com/javase/7/docs/api/java/util/Stack.html</a:t>
+            </a:r>
+            <a:r>
+              <a:rPr lang="en-US" dirty="0"/>
+              <a:t> </a:t>
+            </a:r>
+          </a:p>
+        </p:txBody>
+      </p:sp>
+      <p:pic>
+        <p:nvPicPr>
+          <p:cNvPr id="2050" name="Picture 2" descr="Undo button - Free arrows icons">
+            <a:extLst>
+              <a:ext uri="{FF2B5EF4-FFF2-40B4-BE49-F238E27FC236}">
+                <a16:creationId xmlns:a16="http://schemas.microsoft.com/office/drawing/2014/main" id="{AE9F02A4-9EE4-49F3-B8B5-95FABC48CB0A}"/>
+              </a:ext>
+            </a:extLst>
+          </p:cNvPr>
+          <p:cNvPicPr>
+            <a:picLocks noChangeAspect="1" noChangeArrowheads="1"/>
+          </p:cNvPicPr>
+          <p:nvPr/>
+        </p:nvPicPr>
+        <p:blipFill>
+          <a:blip r:embed="rId3">
+            <a:extLst>
+              <a:ext uri="{28A0092B-C50C-407E-A947-70E740481C1C}">
+                <a14:useLocalDpi xmlns:a14="http://schemas.microsoft.com/office/drawing/2010/main" val="0"/>
+              </a:ext>
+            </a:extLst>
+          </a:blip>
+          <a:srcRect/>
+          <a:stretch>
+            <a:fillRect/>
+          </a:stretch>
+        </p:blipFill>
+        <p:spPr bwMode="auto">
+          <a:xfrm>
+            <a:off x="1025753" y="1743075"/>
+            <a:ext cx="2143125" cy="2143125"/>
+          </a:xfrm>
+          <a:prstGeom prst="rect">
+            <a:avLst/>
+          </a:prstGeom>
+          <a:noFill/>
+          <a:extLst>
+            <a:ext uri="{909E8E84-426E-40DD-AFC4-6F175D3DCCD1}">
+              <a14:hiddenFill xmlns:a14="http://schemas.microsoft.com/office/drawing/2010/main">
+                <a:solidFill>
+                  <a:srgbClr val="FFFFFF"/>
+                </a:solidFill>
+              </a14:hiddenFill>
+            </a:ext>
+          </a:extLst>
+        </p:spPr>
+      </p:pic>
+      <p:pic>
+        <p:nvPicPr>
+          <p:cNvPr id="2052" name="Picture 4" descr="Google Maps - Apps on Google Play">
+            <a:extLst>
+              <a:ext uri="{FF2B5EF4-FFF2-40B4-BE49-F238E27FC236}">
+                <a16:creationId xmlns:a16="http://schemas.microsoft.com/office/drawing/2014/main" id="{195D0A64-DF3A-4053-84B1-F4A7324547BB}"/>
+              </a:ext>
+            </a:extLst>
+          </p:cNvPr>
+          <p:cNvPicPr>
+            <a:picLocks noChangeAspect="1" noChangeArrowheads="1"/>
+          </p:cNvPicPr>
+          <p:nvPr/>
+        </p:nvPicPr>
+        <p:blipFill>
+          <a:blip r:embed="rId4">
+            <a:extLst>
+              <a:ext uri="{28A0092B-C50C-407E-A947-70E740481C1C}">
+                <a14:useLocalDpi xmlns:a14="http://schemas.microsoft.com/office/drawing/2010/main" val="0"/>
+              </a:ext>
+            </a:extLst>
+          </a:blip>
+          <a:srcRect/>
+          <a:stretch>
+            <a:fillRect/>
+          </a:stretch>
+        </p:blipFill>
+        <p:spPr bwMode="auto">
+          <a:xfrm>
+            <a:off x="10235066" y="1890712"/>
+            <a:ext cx="2143125" cy="2143125"/>
+          </a:xfrm>
+          <a:prstGeom prst="rect">
+            <a:avLst/>
+          </a:prstGeom>
+          <a:noFill/>
+          <a:extLst>
+            <a:ext uri="{909E8E84-426E-40DD-AFC4-6F175D3DCCD1}">
+              <a14:hiddenFill xmlns:a14="http://schemas.microsoft.com/office/drawing/2010/main">
+                <a:solidFill>
+                  <a:srgbClr val="FFFFFF"/>
+                </a:solidFill>
+              </a14:hiddenFill>
+            </a:ext>
+          </a:extLst>
+        </p:spPr>
+      </p:pic>
+      <p:pic>
+        <p:nvPicPr>
+          <p:cNvPr id="2058" name="Picture 10" descr="The directory tree that we are going to visualize with our tool, as... |  Download Scientific Diagram">
+            <a:extLst>
+              <a:ext uri="{FF2B5EF4-FFF2-40B4-BE49-F238E27FC236}">
+                <a16:creationId xmlns:a16="http://schemas.microsoft.com/office/drawing/2014/main" id="{9F5D5982-89D2-4D45-B9AC-AAE61A11A5C4}"/>
+              </a:ext>
+            </a:extLst>
+          </p:cNvPr>
+          <p:cNvPicPr>
+            <a:picLocks noChangeAspect="1" noChangeArrowheads="1"/>
+          </p:cNvPicPr>
+          <p:nvPr/>
+        </p:nvPicPr>
+        <p:blipFill>
+          <a:blip r:embed="rId5">
+            <a:extLst>
+              <a:ext uri="{28A0092B-C50C-407E-A947-70E740481C1C}">
+                <a14:useLocalDpi xmlns:a14="http://schemas.microsoft.com/office/drawing/2010/main" val="0"/>
+              </a:ext>
+            </a:extLst>
+          </a:blip>
+          <a:srcRect/>
+          <a:stretch>
+            <a:fillRect/>
+          </a:stretch>
+        </p:blipFill>
+        <p:spPr bwMode="auto">
+          <a:xfrm>
+            <a:off x="5359598" y="1890712"/>
+            <a:ext cx="3098404" cy="3235098"/>
+          </a:xfrm>
+          <a:prstGeom prst="rect">
+            <a:avLst/>
+          </a:prstGeom>
+          <a:noFill/>
+          <a:extLst>
+            <a:ext uri="{909E8E84-426E-40DD-AFC4-6F175D3DCCD1}">
+              <a14:hiddenFill xmlns:a14="http://schemas.microsoft.com/office/drawing/2010/main">
+                <a:solidFill>
+                  <a:srgbClr val="FFFFFF"/>
+                </a:solidFill>
+              </a14:hiddenFill>
+            </a:ext>
+          </a:extLst>
+        </p:spPr>
+      </p:pic>
+      <p:sp>
+        <p:nvSpPr>
+          <p:cNvPr id="3" name="Rectangle 2">
+            <a:extLst>
+              <a:ext uri="{FF2B5EF4-FFF2-40B4-BE49-F238E27FC236}">
+                <a16:creationId xmlns:a16="http://schemas.microsoft.com/office/drawing/2014/main" id="{634F7DC6-DB8E-4FE4-80D5-A2C8FE8C71BE}"/>
+              </a:ext>
+            </a:extLst>
+          </p:cNvPr>
+          <p:cNvSpPr/>
+          <p:nvPr/>
+        </p:nvSpPr>
+        <p:spPr>
+          <a:xfrm>
+            <a:off x="2960914" y="5552800"/>
+            <a:ext cx="7274152" cy="769441"/>
+          </a:xfrm>
+          <a:prstGeom prst="rect">
+            <a:avLst/>
+          </a:prstGeom>
+        </p:spPr>
+        <p:txBody>
+          <a:bodyPr wrap="square">
+            <a:spAutoFit/>
+          </a:bodyPr>
+          <a:lstStyle/>
+          <a:p>
+            <a:r>
+              <a:rPr lang="en-US" sz="2400" dirty="0"/>
+              <a:t>Tree</a:t>
+            </a:r>
+            <a:endParaRPr lang="en-US" sz="2400" dirty="0">
+              <a:hlinkClick r:id="rId6"/>
+            </a:endParaRPr>
+          </a:p>
+          <a:p>
+            <a:r>
+              <a:rPr lang="en-US" dirty="0">
+                <a:hlinkClick r:id="rId6"/>
+              </a:rPr>
+              <a:t>https://docs.oracle.com/javase/7/docs/api/java/util/TreeSet.html</a:t>
+            </a:r>
+            <a:r>
+              <a:rPr lang="en-US" dirty="0"/>
+              <a:t> </a:t>
+            </a:r>
+          </a:p>
+        </p:txBody>
+      </p:sp>
+      <p:sp>
+        <p:nvSpPr>
+          <p:cNvPr id="14" name="Rectangle 13">
+            <a:extLst>
+              <a:ext uri="{FF2B5EF4-FFF2-40B4-BE49-F238E27FC236}">
+                <a16:creationId xmlns:a16="http://schemas.microsoft.com/office/drawing/2014/main" id="{78CD2659-0EAB-41DA-8D4E-B36180B9D407}"/>
+              </a:ext>
+            </a:extLst>
+          </p:cNvPr>
+          <p:cNvSpPr/>
+          <p:nvPr/>
+        </p:nvSpPr>
+        <p:spPr>
+          <a:xfrm>
+            <a:off x="9699171" y="4076106"/>
+            <a:ext cx="3973286" cy="1200329"/>
+          </a:xfrm>
+          <a:prstGeom prst="rect">
+            <a:avLst/>
+          </a:prstGeom>
+        </p:spPr>
+        <p:txBody>
+          <a:bodyPr wrap="square">
+            <a:spAutoFit/>
+          </a:bodyPr>
+          <a:lstStyle/>
+          <a:p>
+            <a:r>
+              <a:rPr lang="en-US" sz="2400" dirty="0"/>
+              <a:t>Graph – can be implemented </a:t>
+            </a:r>
+          </a:p>
+          <a:p>
+            <a:r>
+              <a:rPr lang="en-US" sz="2400" dirty="0"/>
+              <a:t>i</a:t>
+            </a:r>
+            <a:r>
+              <a:rPr lang="en-US" sz="2400"/>
+              <a:t>n </a:t>
+            </a:r>
+            <a:r>
+              <a:rPr lang="en-US" sz="2400" dirty="0"/>
+              <a:t>Java using a HashMap</a:t>
+            </a:r>
+          </a:p>
+        </p:txBody>
+      </p:sp>
+    </p:spTree>
+    <p:extLst>
+      <p:ext uri="{BB962C8B-B14F-4D97-AF65-F5344CB8AC3E}">
+        <p14:creationId xmlns:p14="http://schemas.microsoft.com/office/powerpoint/2010/main" val="2035958454"/>
+      </p:ext>
+    </p:extLst>
+  </p:cSld>
+  <p:clrMapOvr>
+    <a:masterClrMapping/>
+  </p:clrMapOvr>
+  <mc:AlternateContent xmlns:mc="http://schemas.openxmlformats.org/markup-compatibility/2006" xmlns:p14="http://schemas.microsoft.com/office/powerpoint/2010/main">
+    <mc:Choice Requires="p14">
+      <p:transition p14:dur="300">
+        <p:fade/>
+      </p:transition>
+    </mc:Choice>
+    <mc:Fallback xmlns="">
+      <p:transition>
+        <p:fade/>
+      </p:transition>
+    </mc:Fallback>
+  </mc:AlternateContent>
+</p:sld>
+</file>
+
+<file path=ppt/slides/slide12.xml><?xml version="1.0" encoding="utf-8"?>
+<p:sld xmlns:a="http://schemas.openxmlformats.org/drawingml/2006/main" xmlns:r="http://schemas.openxmlformats.org/officeDocument/2006/relationships" xmlns:p="http://schemas.openxmlformats.org/presentationml/2006/main">
+  <p:cSld>
+    <p:spTree>
+      <p:nvGrpSpPr>
+        <p:cNvPr id="1" name=""/>
+        <p:cNvGrpSpPr/>
+        <p:nvPr/>
+      </p:nvGrpSpPr>
+      <p:grpSpPr>
+        <a:xfrm>
+          <a:off x="0" y="0"/>
+          <a:ext cx="0" cy="0"/>
+          <a:chOff x="0" y="0"/>
+          <a:chExt cx="0" cy="0"/>
+        </a:xfrm>
+      </p:grpSpPr>
+      <p:sp>
+        <p:nvSpPr>
+          <p:cNvPr id="2" name="Title 1">
+            <a:extLst>
+              <a:ext uri="{FF2B5EF4-FFF2-40B4-BE49-F238E27FC236}">
+                <a16:creationId xmlns:a16="http://schemas.microsoft.com/office/drawing/2014/main" id="{F032DB5C-3924-B449-A254-956EE896D367}"/>
+              </a:ext>
+            </a:extLst>
+          </p:cNvPr>
+          <p:cNvSpPr>
+            <a:spLocks noGrp="1"/>
+          </p:cNvSpPr>
+          <p:nvPr>
+            <p:ph type="title"/>
+          </p:nvPr>
+        </p:nvSpPr>
+        <p:spPr/>
+        <p:txBody>
+          <a:bodyPr/>
+          <a:lstStyle/>
+          <a:p>
+            <a:r>
+              <a:rPr lang="en-US" dirty="0"/>
+              <a:t>Why does it matter?</a:t>
+            </a:r>
+          </a:p>
+        </p:txBody>
+      </p:sp>
+      <p:sp>
+        <p:nvSpPr>
+          <p:cNvPr id="3" name="Text Placeholder 2">
+            <a:extLst>
+              <a:ext uri="{FF2B5EF4-FFF2-40B4-BE49-F238E27FC236}">
+                <a16:creationId xmlns:a16="http://schemas.microsoft.com/office/drawing/2014/main" id="{6A21B95C-0522-3241-A8F1-0F91587DD94C}"/>
+              </a:ext>
+            </a:extLst>
+          </p:cNvPr>
+          <p:cNvSpPr>
+            <a:spLocks noGrp="1"/>
+          </p:cNvSpPr>
+          <p:nvPr>
+            <p:ph type="body" sz="quarter" idx="10"/>
+          </p:nvPr>
+        </p:nvSpPr>
+        <p:spPr>
+          <a:xfrm>
+            <a:off x="628073" y="1520462"/>
+            <a:ext cx="12561453" cy="5415393"/>
+          </a:xfrm>
+        </p:spPr>
+        <p:txBody>
+          <a:bodyPr/>
+          <a:lstStyle/>
+          <a:p>
+            <a:r>
+              <a:rPr lang="en-US" sz="2400" dirty="0"/>
+              <a:t>Different data structures</a:t>
+            </a:r>
+          </a:p>
+          <a:p>
+            <a:pPr lvl="1"/>
+            <a:r>
+              <a:rPr lang="en-US" sz="2400" dirty="0"/>
+              <a:t>affects speed, memory and storage</a:t>
+            </a:r>
+          </a:p>
+          <a:p>
+            <a:pPr lvl="1"/>
+            <a:r>
+              <a:rPr lang="en-US" sz="2400" dirty="0"/>
+              <a:t>important for all fields</a:t>
+            </a:r>
+          </a:p>
+          <a:p>
+            <a:pPr lvl="2"/>
+            <a:r>
+              <a:rPr lang="en-US" sz="2400" dirty="0"/>
+              <a:t>biology – large datasets</a:t>
+            </a:r>
+          </a:p>
+          <a:p>
+            <a:pPr lvl="2"/>
+            <a:r>
+              <a:rPr lang="en-US" sz="2400" dirty="0"/>
+              <a:t>graphics – speed is needed</a:t>
+            </a:r>
+          </a:p>
+          <a:p>
+            <a:pPr lvl="2"/>
+            <a:r>
+              <a:rPr lang="en-US" sz="2400" dirty="0"/>
+              <a:t>cybersecurity  - processing serialized information over networks</a:t>
+            </a:r>
+          </a:p>
+          <a:p>
+            <a:r>
+              <a:rPr lang="en-US" sz="2400" dirty="0"/>
+              <a:t>If you interview at Google, Amazon, </a:t>
+            </a:r>
+            <a:r>
+              <a:rPr lang="en-US" sz="2400" dirty="0" err="1"/>
+              <a:t>etc</a:t>
+            </a:r>
+            <a:endParaRPr lang="en-US" sz="2400" dirty="0"/>
+          </a:p>
+          <a:p>
+            <a:pPr lvl="1"/>
+            <a:r>
+              <a:rPr lang="en-US" sz="2400" dirty="0"/>
+              <a:t>they often give you a tech quiz</a:t>
+            </a:r>
+          </a:p>
+          <a:p>
+            <a:pPr lvl="1"/>
+            <a:r>
+              <a:rPr lang="en-US" sz="2400" dirty="0"/>
+              <a:t>Most of what is on that quiz – you learn in CS 165</a:t>
+            </a:r>
+          </a:p>
+          <a:p>
+            <a:r>
+              <a:rPr lang="en-US" sz="2400" dirty="0"/>
+              <a:t>Take CS 165, it provides major programming foundation!</a:t>
+            </a:r>
+          </a:p>
+        </p:txBody>
+      </p:sp>
+    </p:spTree>
+    <p:extLst>
+      <p:ext uri="{BB962C8B-B14F-4D97-AF65-F5344CB8AC3E}">
+        <p14:creationId xmlns:p14="http://schemas.microsoft.com/office/powerpoint/2010/main" val="698418822"/>
+      </p:ext>
+    </p:extLst>
+  </p:cSld>
+  <p:clrMapOvr>
+    <a:masterClrMapping/>
+  </p:clrMapOvr>
+  <mc:AlternateContent xmlns:mc="http://schemas.openxmlformats.org/markup-compatibility/2006" xmlns:p14="http://schemas.microsoft.com/office/powerpoint/2010/main">
+    <mc:Choice Requires="p14">
+      <p:transition p14:dur="300">
+        <p:fade/>
+      </p:transition>
+    </mc:Choice>
+    <mc:Fallback xmlns="">
+      <p:transition>
+        <p:fade/>
+      </p:transition>
+    </mc:Fallback>
+  </mc:AlternateContent>
+</p:sld>
+</file>
+
+<file path=ppt/slides/slide13.xml><?xml version="1.0" encoding="utf-8"?>
+<p:sld xmlns:a="http://schemas.openxmlformats.org/drawingml/2006/main" xmlns:r="http://schemas.openxmlformats.org/officeDocument/2006/relationships" xmlns:p="http://schemas.openxmlformats.org/presentationml/2006/main">
+  <p:cSld>
+    <p:spTree>
+      <p:nvGrpSpPr>
+        <p:cNvPr id="1" name=""/>
+        <p:cNvGrpSpPr/>
+        <p:nvPr/>
+      </p:nvGrpSpPr>
+      <p:grpSpPr>
+        <a:xfrm>
+          <a:off x="0" y="0"/>
+          <a:ext cx="0" cy="0"/>
+          <a:chOff x="0" y="0"/>
+          <a:chExt cx="0" cy="0"/>
+        </a:xfrm>
+      </p:grpSpPr>
+      <p:sp>
+        <p:nvSpPr>
+          <p:cNvPr id="2" name="Title 1">
+            <a:extLst>
+              <a:ext uri="{FF2B5EF4-FFF2-40B4-BE49-F238E27FC236}">
                 <a16:creationId xmlns:a16="http://schemas.microsoft.com/office/drawing/2014/main" id="{ECF0639A-2606-1D4E-BA53-6D607171AEAF}"/>
               </a:ext>
             </a:extLst>
@@ -7661,7 +8531,7 @@
         <p:spPr>
           <a:xfrm>
             <a:off x="628075" y="1776683"/>
-            <a:ext cx="12561453" cy="2426562"/>
+            <a:ext cx="12561453" cy="2968570"/>
           </a:xfrm>
         </p:spPr>
         <p:txBody>
@@ -7669,26 +8539,26 @@
           <a:lstStyle/>
           <a:p>
             <a:r>
-              <a:rPr lang="en-US" dirty="0"/>
+              <a:rPr lang="en-US" sz="2400" dirty="0"/>
               <a:t>Thank you!!!</a:t>
             </a:r>
           </a:p>
           <a:p>
-            <a:endParaRPr lang="en-US" dirty="0"/>
-          </a:p>
-          <a:p>
-            <a:r>
-              <a:rPr lang="en-US" dirty="0"/>
+            <a:endParaRPr lang="en-US" sz="2400" dirty="0"/>
+          </a:p>
+          <a:p>
+            <a:r>
+              <a:rPr lang="en-US" sz="2400" dirty="0"/>
               <a:t>Please fill out course survey</a:t>
             </a:r>
           </a:p>
           <a:p>
-            <a:endParaRPr lang="en-US" dirty="0"/>
-          </a:p>
-          <a:p>
-            <a:r>
-              <a:rPr lang="en-US" dirty="0"/>
-              <a:t>Keep coding, keep learning, and we hope to see you in CS 165</a:t>
+            <a:endParaRPr lang="en-US" sz="2400" dirty="0"/>
+          </a:p>
+          <a:p>
+            <a:r>
+              <a:rPr lang="en-US" sz="2400" dirty="0"/>
+              <a:t>Keep coding, keep learning, and have a great time at CS 165!</a:t>
             </a:r>
           </a:p>
         </p:txBody>
@@ -7715,7 +8585,7 @@
         </p:blipFill>
         <p:spPr>
           <a:xfrm>
-            <a:off x="4581172" y="2499783"/>
+            <a:off x="5822950" y="2761040"/>
             <a:ext cx="2171700" cy="1282700"/>
           </a:xfrm>
           <a:prstGeom prst="rect">
@@ -7783,7 +8653,7 @@
         </p:nvSpPr>
         <p:spPr>
           <a:xfrm>
-            <a:off x="628076" y="607804"/>
+            <a:off x="648200" y="164380"/>
             <a:ext cx="5642096" cy="916848"/>
           </a:xfrm>
         </p:spPr>
@@ -7816,110 +8686,76 @@
         </p:nvSpPr>
         <p:spPr>
           <a:xfrm>
-            <a:off x="628076" y="1826093"/>
-            <a:ext cx="8704610" cy="3311805"/>
+            <a:off x="628076" y="1081228"/>
+            <a:ext cx="8704610" cy="5338503"/>
           </a:xfrm>
         </p:spPr>
         <p:txBody>
           <a:bodyPr>
-            <a:normAutofit fontScale="92500" lnSpcReduction="20000"/>
+            <a:noAutofit/>
           </a:bodyPr>
           <a:lstStyle/>
           <a:p>
             <a:r>
-              <a:rPr lang="en-US" dirty="0"/>
+              <a:rPr lang="en-US" sz="2400" dirty="0"/>
               <a:t>NEXT Week (week before finals)</a:t>
             </a:r>
           </a:p>
           <a:p>
             <a:pPr lvl="1"/>
             <a:r>
-              <a:rPr lang="en-US" dirty="0"/>
-              <a:t>Monday, Wednesday – Review Lectures</a:t>
+              <a:rPr lang="en-US" sz="2400" dirty="0"/>
+              <a:t>Monday – Review</a:t>
             </a:r>
           </a:p>
           <a:p>
             <a:pPr lvl="1"/>
             <a:r>
-              <a:rPr lang="en-US" dirty="0"/>
+              <a:rPr lang="en-US" sz="2400" dirty="0"/>
+              <a:t>Wednesday – No Lecture, use time to catch up and work on finalizing your projects</a:t>
+            </a:r>
+          </a:p>
+          <a:p>
+            <a:pPr lvl="1"/>
+            <a:r>
+              <a:rPr lang="en-US" sz="2400" dirty="0"/>
+              <a:t>Thursday – Early Take Option, Final Exam</a:t>
+            </a:r>
+          </a:p>
+          <a:p>
+            <a:pPr lvl="1"/>
+            <a:r>
+              <a:rPr lang="en-US" sz="2400" dirty="0"/>
               <a:t>Friday – Early Take Option, Final Exam</a:t>
             </a:r>
           </a:p>
           <a:p>
             <a:pPr lvl="1"/>
             <a:r>
-              <a:rPr lang="en-US" dirty="0"/>
-              <a:t>Help Desk Closes on the *due date* of the last assignment (not late window)</a:t>
-            </a:r>
-          </a:p>
-          <a:p>
-            <a:pPr lvl="2"/>
-            <a:r>
-              <a:rPr lang="en-US" dirty="0"/>
-              <a:t>HELP DESK CLOSES - December 9</a:t>
-            </a:r>
-            <a:r>
-              <a:rPr lang="en-US" baseline="30000" dirty="0"/>
+              <a:rPr lang="en-US" sz="2400" dirty="0"/>
+              <a:t>HELP DESK CLOSES - Friday May 5</a:t>
+            </a:r>
+            <a:r>
+              <a:rPr lang="en-US" sz="2400" baseline="30000" dirty="0"/>
               <a:t>th</a:t>
             </a:r>
             <a:r>
-              <a:rPr lang="en-US" dirty="0"/>
-              <a:t>! </a:t>
-            </a:r>
-          </a:p>
-          <a:p>
-            <a:r>
-              <a:rPr lang="en-US" dirty="0"/>
+              <a:rPr lang="en-US" sz="2400" dirty="0"/>
+              <a:t>, plan accordantly! </a:t>
+            </a:r>
+          </a:p>
+          <a:p>
+            <a:r>
+              <a:rPr lang="en-US" sz="2400" dirty="0"/>
               <a:t>Finals Week</a:t>
             </a:r>
           </a:p>
           <a:p>
             <a:pPr lvl="1"/>
             <a:r>
-              <a:rPr lang="en-US" dirty="0"/>
-              <a:t>Monday – early take option, and then scheduled exam time</a:t>
-            </a:r>
-          </a:p>
-          <a:p>
-            <a:pPr marL="230292" indent="0">
-              <a:buNone/>
-            </a:pPr>
-            <a:r>
-              <a:rPr lang="en-US" b="1" dirty="0"/>
-              <a:t>FOR TODAY: Go the course website (</a:t>
-            </a:r>
-            <a:r>
-              <a:rPr lang="en-US" b="1" dirty="0">
-                <a:hlinkClick r:id="rId2"/>
-              </a:rPr>
-              <a:t>www.cs.colostate.edu/~cs163/</a:t>
-            </a:r>
-            <a:r>
-              <a:rPr lang="en-US" b="1" dirty="0"/>
-              <a:t>) -&gt; resources page, click on the ‘</a:t>
-            </a:r>
-            <a:r>
-              <a:rPr lang="en-US" b="1" dirty="0" err="1"/>
-              <a:t>github</a:t>
-            </a:r>
-            <a:r>
-              <a:rPr lang="en-US" b="1" dirty="0"/>
-              <a:t>’ link  middle of the page! </a:t>
-            </a:r>
-          </a:p>
-          <a:p>
-            <a:pPr marL="230292" indent="0">
-              <a:buNone/>
-            </a:pPr>
-            <a:r>
-              <a:rPr lang="en-US" b="1" dirty="0"/>
-              <a:t>	Will save </a:t>
-            </a:r>
-            <a:r>
-              <a:rPr lang="en-US" b="1"/>
-              <a:t>typing later</a:t>
-            </a:r>
-            <a:endParaRPr lang="en-US" b="1" dirty="0"/>
+              <a:rPr lang="en-US" sz="2400" dirty="0"/>
+              <a:t>Thursday May 11 11:50-1:50 at CS110</a:t>
+            </a:r>
           </a:p>
         </p:txBody>
       </p:sp>
@@ -7928,7 +8764,7 @@
           <p:cNvPr id="6" name="TextBox 5">
             <a:extLst>
               <a:ext uri="{FF2B5EF4-FFF2-40B4-BE49-F238E27FC236}">
-                <a16:creationId xmlns:a16="http://schemas.microsoft.com/office/drawing/2014/main" id="{32A3B87A-BBC0-704B-AC99-3984206450D5}"/>
+                <a16:creationId xmlns:a16="http://schemas.microsoft.com/office/drawing/2014/main" id="{772FBA25-57F9-41AD-8CF5-B6750F6B5056}"/>
               </a:ext>
             </a:extLst>
           </p:cNvPr>
@@ -7937,62 +8773,17 @@
         </p:nvSpPr>
         <p:spPr>
           <a:xfrm>
-            <a:off x="9634356" y="1660010"/>
-            <a:ext cx="3892958" cy="1487523"/>
-          </a:xfrm>
-          <a:prstGeom prst="rect">
-            <a:avLst/>
-          </a:prstGeom>
-          <a:noFill/>
-        </p:spPr>
-        <p:txBody>
-          <a:bodyPr wrap="square" rtlCol="0">
-            <a:spAutoFit/>
-          </a:bodyPr>
-          <a:lstStyle/>
-          <a:p>
-            <a:r>
-              <a:rPr lang="en-US" sz="3022" dirty="0" err="1"/>
-              <a:t>Todo</a:t>
-            </a:r>
-            <a:r>
-              <a:rPr lang="en-US" sz="3022" dirty="0"/>
-              <a:t>:</a:t>
-            </a:r>
-          </a:p>
-          <a:p>
-            <a:r>
-              <a:rPr lang="en-US" sz="3022" dirty="0"/>
-              <a:t>Finish Practical 5 </a:t>
-            </a:r>
-          </a:p>
-          <a:p>
-            <a:endParaRPr lang="en-US" sz="3022" dirty="0"/>
-          </a:p>
-        </p:txBody>
-      </p:sp>
-      <p:sp>
-        <p:nvSpPr>
-          <p:cNvPr id="7" name="TextBox 6">
-            <a:extLst>
-              <a:ext uri="{FF2B5EF4-FFF2-40B4-BE49-F238E27FC236}">
-                <a16:creationId xmlns:a16="http://schemas.microsoft.com/office/drawing/2014/main" id="{BF16D510-BC74-4FA5-AFD2-193B039115A5}"/>
-              </a:ext>
-            </a:extLst>
-          </p:cNvPr>
-          <p:cNvSpPr txBox="1"/>
-          <p:nvPr/>
-        </p:nvSpPr>
-        <p:spPr>
-          <a:xfrm>
-            <a:off x="7228114" y="362857"/>
-            <a:ext cx="6125029" cy="707886"/>
+            <a:off x="10348353" y="122633"/>
+            <a:ext cx="3352800" cy="7171194"/>
           </a:xfrm>
           <a:prstGeom prst="rect">
             <a:avLst/>
           </a:prstGeom>
           <a:solidFill>
-            <a:schemeClr val="accent2"/>
+            <a:schemeClr val="bg2">
+              <a:lumMod val="40000"/>
+              <a:lumOff val="60000"/>
+            </a:schemeClr>
           </a:solidFill>
         </p:spPr>
         <p:txBody>
@@ -8001,105 +8792,480 @@
           </a:bodyPr>
           <a:lstStyle/>
           <a:p>
-            <a:r>
-              <a:rPr lang="en-US" b="1" dirty="0"/>
-              <a:t>Opening Question: </a:t>
-            </a:r>
+            <a:pPr marL="0" marR="0" lvl="0" indent="0" algn="l" defTabSz="509292" rtl="0" eaLnBrk="1" fontAlgn="auto" latinLnBrk="0" hangingPunct="1">
+              <a:lnSpc>
+                <a:spcPct val="100000"/>
+              </a:lnSpc>
+              <a:spcBef>
+                <a:spcPts val="0"/>
+              </a:spcBef>
+              <a:spcAft>
+                <a:spcPts val="0"/>
+              </a:spcAft>
+              <a:buClrTx/>
+              <a:buSzTx/>
+              <a:buFontTx/>
+              <a:buNone/>
+              <a:tabLst/>
+              <a:defRPr/>
+            </a:pPr>
+            <a:r>
+              <a:rPr kumimoji="0" lang="en-US" sz="2000" b="0" i="0" u="none" strike="noStrike" kern="1200" cap="none" spc="0" normalizeH="0" baseline="0" noProof="0" dirty="0">
+                <a:ln>
+                  <a:noFill/>
+                </a:ln>
+                <a:solidFill>
+                  <a:srgbClr val="000000"/>
+                </a:solidFill>
+                <a:effectLst/>
+                <a:uLnTx/>
+                <a:uFillTx/>
+                <a:latin typeface="Arial" panose="020B0604020202020204"/>
+                <a:ea typeface="+mn-ea"/>
+                <a:cs typeface="+mn-cs"/>
+              </a:rPr>
+              <a:t>Wednesday Help Desk – </a:t>
+            </a:r>
+          </a:p>
+          <a:p>
+            <a:pPr marL="0" marR="0" lvl="0" indent="0" algn="l" defTabSz="509292" rtl="0" eaLnBrk="1" fontAlgn="auto" latinLnBrk="0" hangingPunct="1">
+              <a:lnSpc>
+                <a:spcPct val="100000"/>
+              </a:lnSpc>
+              <a:spcBef>
+                <a:spcPts val="0"/>
+              </a:spcBef>
+              <a:spcAft>
+                <a:spcPts val="0"/>
+              </a:spcAft>
+              <a:buClrTx/>
+              <a:buSzTx/>
+              <a:buFontTx/>
+              <a:buNone/>
+              <a:tabLst/>
+              <a:defRPr/>
+            </a:pPr>
+            <a:r>
+              <a:rPr kumimoji="0" lang="en-US" sz="2000" b="0" i="0" u="none" strike="noStrike" kern="1200" cap="none" spc="0" normalizeH="0" baseline="0" noProof="0" dirty="0">
+                <a:ln>
+                  <a:noFill/>
+                </a:ln>
+                <a:solidFill>
+                  <a:srgbClr val="000000"/>
+                </a:solidFill>
+                <a:effectLst/>
+                <a:uLnTx/>
+                <a:uFillTx/>
+                <a:latin typeface="Arial" panose="020B0604020202020204"/>
+                <a:ea typeface="+mn-ea"/>
+                <a:cs typeface="+mn-cs"/>
+              </a:rPr>
+              <a:t>3-4pm CSB120</a:t>
+            </a:r>
+          </a:p>
+          <a:p>
+            <a:pPr marL="0" marR="0" lvl="0" indent="0" algn="l" defTabSz="509292" rtl="0" eaLnBrk="1" fontAlgn="auto" latinLnBrk="0" hangingPunct="1">
+              <a:lnSpc>
+                <a:spcPct val="100000"/>
+              </a:lnSpc>
+              <a:spcBef>
+                <a:spcPts val="0"/>
+              </a:spcBef>
+              <a:spcAft>
+                <a:spcPts val="0"/>
+              </a:spcAft>
+              <a:buClrTx/>
+              <a:buSzTx/>
+              <a:buFontTx/>
+              <a:buNone/>
+              <a:tabLst/>
+              <a:defRPr/>
+            </a:pPr>
+            <a:endParaRPr kumimoji="0" lang="en-US" sz="2000" b="0" i="0" u="none" strike="noStrike" kern="1200" cap="none" spc="0" normalizeH="0" baseline="0" noProof="0" dirty="0">
+              <a:ln>
+                <a:noFill/>
+              </a:ln>
+              <a:solidFill>
+                <a:srgbClr val="000000"/>
+              </a:solidFill>
+              <a:effectLst/>
+              <a:uLnTx/>
+              <a:uFillTx/>
+              <a:latin typeface="Arial" panose="020B0604020202020204"/>
+              <a:ea typeface="+mn-ea"/>
+              <a:cs typeface="+mn-cs"/>
+            </a:endParaRPr>
+          </a:p>
+          <a:p>
+            <a:pPr marL="0" marR="0" lvl="0" indent="0" algn="l" defTabSz="509292" rtl="0" eaLnBrk="1" fontAlgn="auto" latinLnBrk="0" hangingPunct="1">
+              <a:lnSpc>
+                <a:spcPct val="100000"/>
+              </a:lnSpc>
+              <a:spcBef>
+                <a:spcPts val="0"/>
+              </a:spcBef>
+              <a:spcAft>
+                <a:spcPts val="0"/>
+              </a:spcAft>
+              <a:buClrTx/>
+              <a:buSzTx/>
+              <a:buFontTx/>
+              <a:buNone/>
+              <a:tabLst/>
+              <a:defRPr/>
+            </a:pPr>
+            <a:r>
+              <a:rPr kumimoji="0" lang="en-US" sz="2000" b="0" i="0" u="none" strike="noStrike" kern="1200" cap="none" spc="0" normalizeH="0" baseline="0" noProof="0" dirty="0">
+                <a:ln>
+                  <a:noFill/>
+                </a:ln>
+                <a:solidFill>
+                  <a:srgbClr val="000000"/>
+                </a:solidFill>
+                <a:effectLst/>
+                <a:uLnTx/>
+                <a:uFillTx/>
+                <a:latin typeface="Arial" panose="020B0604020202020204"/>
+                <a:ea typeface="+mn-ea"/>
+                <a:cs typeface="+mn-cs"/>
+              </a:rPr>
+              <a:t>Wednesday Help Session – </a:t>
+            </a:r>
+          </a:p>
+          <a:p>
+            <a:pPr marL="0" marR="0" lvl="0" indent="0" algn="l" defTabSz="509292" rtl="0" eaLnBrk="1" fontAlgn="auto" latinLnBrk="0" hangingPunct="1">
+              <a:lnSpc>
+                <a:spcPct val="100000"/>
+              </a:lnSpc>
+              <a:spcBef>
+                <a:spcPts val="0"/>
+              </a:spcBef>
+              <a:spcAft>
+                <a:spcPts val="0"/>
+              </a:spcAft>
+              <a:buClrTx/>
+              <a:buSzTx/>
+              <a:buFontTx/>
+              <a:buNone/>
+              <a:tabLst/>
+              <a:defRPr/>
+            </a:pPr>
+            <a:r>
+              <a:rPr kumimoji="0" lang="en-US" sz="2000" b="0" i="0" u="none" strike="noStrike" kern="1200" cap="none" spc="0" normalizeH="0" baseline="0" noProof="0" dirty="0">
+                <a:ln>
+                  <a:noFill/>
+                </a:ln>
+                <a:solidFill>
+                  <a:srgbClr val="000000"/>
+                </a:solidFill>
+                <a:effectLst/>
+                <a:uLnTx/>
+                <a:uFillTx/>
+                <a:latin typeface="Arial" panose="020B0604020202020204"/>
+                <a:ea typeface="+mn-ea"/>
+                <a:cs typeface="+mn-cs"/>
+              </a:rPr>
+              <a:t>3-4pm CSB305</a:t>
+            </a:r>
+          </a:p>
+          <a:p>
+            <a:pPr marL="0" marR="0" lvl="0" indent="0" algn="l" defTabSz="509292" rtl="0" eaLnBrk="1" fontAlgn="auto" latinLnBrk="0" hangingPunct="1">
+              <a:lnSpc>
+                <a:spcPct val="100000"/>
+              </a:lnSpc>
+              <a:spcBef>
+                <a:spcPts val="0"/>
+              </a:spcBef>
+              <a:spcAft>
+                <a:spcPts val="0"/>
+              </a:spcAft>
+              <a:buClrTx/>
+              <a:buSzTx/>
+              <a:buFontTx/>
+              <a:buNone/>
+              <a:tabLst/>
+              <a:defRPr/>
+            </a:pPr>
+            <a:endParaRPr kumimoji="0" lang="en-US" sz="2000" b="0" i="0" u="none" strike="noStrike" kern="1200" cap="none" spc="0" normalizeH="0" baseline="0" noProof="0" dirty="0">
+              <a:ln>
+                <a:noFill/>
+              </a:ln>
+              <a:solidFill>
+                <a:srgbClr val="000000"/>
+              </a:solidFill>
+              <a:effectLst/>
+              <a:uLnTx/>
+              <a:uFillTx/>
+              <a:latin typeface="Arial" panose="020B0604020202020204"/>
+              <a:ea typeface="+mn-ea"/>
+              <a:cs typeface="+mn-cs"/>
+            </a:endParaRPr>
+          </a:p>
+          <a:p>
+            <a:pPr marL="0" marR="0" lvl="0" indent="0" algn="l" defTabSz="509292" rtl="0" eaLnBrk="1" fontAlgn="auto" latinLnBrk="0" hangingPunct="1">
+              <a:lnSpc>
+                <a:spcPct val="100000"/>
+              </a:lnSpc>
+              <a:spcBef>
+                <a:spcPts val="0"/>
+              </a:spcBef>
+              <a:spcAft>
+                <a:spcPts val="0"/>
+              </a:spcAft>
+              <a:buClrTx/>
+              <a:buSzTx/>
+              <a:buFontTx/>
+              <a:buNone/>
+              <a:tabLst/>
+              <a:defRPr/>
+            </a:pPr>
+            <a:r>
+              <a:rPr kumimoji="0" lang="en-US" sz="2000" b="0" i="0" u="none" strike="noStrike" kern="1200" cap="none" spc="0" normalizeH="0" baseline="0" noProof="0" dirty="0">
+                <a:ln>
+                  <a:noFill/>
+                </a:ln>
+                <a:solidFill>
+                  <a:srgbClr val="000000"/>
+                </a:solidFill>
+                <a:effectLst/>
+                <a:uLnTx/>
+                <a:uFillTx/>
+                <a:latin typeface="Arial" panose="020B0604020202020204"/>
+                <a:ea typeface="+mn-ea"/>
+                <a:cs typeface="+mn-cs"/>
+              </a:rPr>
+              <a:t>Thursday Help Desk – </a:t>
+            </a:r>
+          </a:p>
+          <a:p>
+            <a:pPr marL="0" marR="0" lvl="0" indent="0" algn="l" defTabSz="509292" rtl="0" eaLnBrk="1" fontAlgn="auto" latinLnBrk="0" hangingPunct="1">
+              <a:lnSpc>
+                <a:spcPct val="100000"/>
+              </a:lnSpc>
+              <a:spcBef>
+                <a:spcPts val="0"/>
+              </a:spcBef>
+              <a:spcAft>
+                <a:spcPts val="0"/>
+              </a:spcAft>
+              <a:buClrTx/>
+              <a:buSzTx/>
+              <a:buFontTx/>
+              <a:buNone/>
+              <a:tabLst/>
+              <a:defRPr/>
+            </a:pPr>
+            <a:r>
+              <a:rPr kumimoji="0" lang="en-US" sz="2000" b="0" i="0" u="none" strike="noStrike" kern="1200" cap="none" spc="0" normalizeH="0" baseline="0" noProof="0" dirty="0">
+                <a:ln>
+                  <a:noFill/>
+                </a:ln>
+                <a:solidFill>
+                  <a:srgbClr val="000000"/>
+                </a:solidFill>
+                <a:effectLst/>
+                <a:uLnTx/>
+                <a:uFillTx/>
+                <a:latin typeface="Arial" panose="020B0604020202020204"/>
+                <a:ea typeface="+mn-ea"/>
+                <a:cs typeface="+mn-cs"/>
+              </a:rPr>
+              <a:t>6-8pm Teams</a:t>
+            </a:r>
+          </a:p>
+          <a:p>
+            <a:pPr marL="0" marR="0" lvl="0" indent="0" algn="l" defTabSz="509292" rtl="0" eaLnBrk="1" fontAlgn="auto" latinLnBrk="0" hangingPunct="1">
+              <a:lnSpc>
+                <a:spcPct val="100000"/>
+              </a:lnSpc>
+              <a:spcBef>
+                <a:spcPts val="0"/>
+              </a:spcBef>
+              <a:spcAft>
+                <a:spcPts val="0"/>
+              </a:spcAft>
+              <a:buClrTx/>
+              <a:buSzTx/>
+              <a:buFontTx/>
+              <a:buNone/>
+              <a:tabLst/>
+              <a:defRPr/>
+            </a:pPr>
+            <a:endParaRPr kumimoji="0" lang="en-US" sz="2000" b="0" i="0" u="none" strike="noStrike" kern="1200" cap="none" spc="0" normalizeH="0" baseline="0" noProof="0" dirty="0">
+              <a:ln>
+                <a:noFill/>
+              </a:ln>
+              <a:solidFill>
+                <a:srgbClr val="000000"/>
+              </a:solidFill>
+              <a:effectLst/>
+              <a:uLnTx/>
+              <a:uFillTx/>
+              <a:latin typeface="Arial" panose="020B0604020202020204"/>
+              <a:ea typeface="+mn-ea"/>
+              <a:cs typeface="+mn-cs"/>
+            </a:endParaRPr>
+          </a:p>
+          <a:p>
+            <a:pPr marL="0" marR="0" lvl="0" indent="0" algn="l" defTabSz="509292" rtl="0" eaLnBrk="1" fontAlgn="auto" latinLnBrk="0" hangingPunct="1">
+              <a:lnSpc>
+                <a:spcPct val="100000"/>
+              </a:lnSpc>
+              <a:spcBef>
+                <a:spcPts val="0"/>
+              </a:spcBef>
+              <a:spcAft>
+                <a:spcPts val="0"/>
+              </a:spcAft>
+              <a:buClrTx/>
+              <a:buSzTx/>
+              <a:buFontTx/>
+              <a:buNone/>
+              <a:tabLst/>
+              <a:defRPr/>
+            </a:pPr>
+            <a:r>
+              <a:rPr kumimoji="0" lang="en-US" sz="2000" b="0" i="0" u="none" strike="noStrike" kern="1200" cap="none" spc="0" normalizeH="0" baseline="0" noProof="0" dirty="0">
+                <a:ln>
+                  <a:noFill/>
+                </a:ln>
+                <a:solidFill>
+                  <a:srgbClr val="000000"/>
+                </a:solidFill>
+                <a:effectLst/>
+                <a:uLnTx/>
+                <a:uFillTx/>
+                <a:latin typeface="Arial" panose="020B0604020202020204"/>
+                <a:ea typeface="+mn-ea"/>
+                <a:cs typeface="+mn-cs"/>
+              </a:rPr>
+              <a:t>Thursday Help Session –</a:t>
+            </a:r>
+          </a:p>
+          <a:p>
+            <a:pPr marL="0" marR="0" lvl="0" indent="0" algn="l" defTabSz="509292" rtl="0" eaLnBrk="1" fontAlgn="auto" latinLnBrk="0" hangingPunct="1">
+              <a:lnSpc>
+                <a:spcPct val="100000"/>
+              </a:lnSpc>
+              <a:spcBef>
+                <a:spcPts val="0"/>
+              </a:spcBef>
+              <a:spcAft>
+                <a:spcPts val="0"/>
+              </a:spcAft>
+              <a:buClrTx/>
+              <a:buSzTx/>
+              <a:buFontTx/>
+              <a:buNone/>
+              <a:tabLst/>
+              <a:defRPr/>
+            </a:pPr>
+            <a:r>
+              <a:rPr kumimoji="0" lang="en-US" sz="2000" b="0" i="0" u="none" strike="noStrike" kern="1200" cap="none" spc="0" normalizeH="0" baseline="0" noProof="0" dirty="0">
+                <a:ln>
+                  <a:noFill/>
+                </a:ln>
+                <a:solidFill>
+                  <a:srgbClr val="000000"/>
+                </a:solidFill>
+                <a:effectLst/>
+                <a:uLnTx/>
+                <a:uFillTx/>
+                <a:latin typeface="Arial" panose="020B0604020202020204"/>
+                <a:ea typeface="+mn-ea"/>
+                <a:cs typeface="+mn-cs"/>
+              </a:rPr>
+              <a:t>3:30-4:30pm Teams </a:t>
+            </a:r>
+          </a:p>
+          <a:p>
+            <a:pPr marL="0" marR="0" lvl="0" indent="0" algn="l" defTabSz="509292" rtl="0" eaLnBrk="1" fontAlgn="auto" latinLnBrk="0" hangingPunct="1">
+              <a:lnSpc>
+                <a:spcPct val="100000"/>
+              </a:lnSpc>
+              <a:spcBef>
+                <a:spcPts val="0"/>
+              </a:spcBef>
+              <a:spcAft>
+                <a:spcPts val="0"/>
+              </a:spcAft>
+              <a:buClrTx/>
+              <a:buSzTx/>
+              <a:buFontTx/>
+              <a:buNone/>
+              <a:tabLst/>
+              <a:defRPr/>
+            </a:pPr>
+            <a:endParaRPr kumimoji="0" lang="en-US" sz="2000" b="0" i="0" u="none" strike="noStrike" kern="1200" cap="none" spc="0" normalizeH="0" baseline="0" noProof="0" dirty="0">
+              <a:ln>
+                <a:noFill/>
+              </a:ln>
+              <a:solidFill>
+                <a:srgbClr val="000000"/>
+              </a:solidFill>
+              <a:effectLst/>
+              <a:uLnTx/>
+              <a:uFillTx/>
+              <a:latin typeface="Arial" panose="020B0604020202020204"/>
+              <a:ea typeface="+mn-ea"/>
+              <a:cs typeface="+mn-cs"/>
+            </a:endParaRPr>
           </a:p>
           <a:p>
             <a:r>
               <a:rPr lang="en-US" dirty="0"/>
-              <a:t>How is your Practical 5?</a:t>
-            </a:r>
-          </a:p>
-        </p:txBody>
-      </p:sp>
-      <p:sp>
-        <p:nvSpPr>
-          <p:cNvPr id="8" name="TextBox 7">
-            <a:extLst>
-              <a:ext uri="{FF2B5EF4-FFF2-40B4-BE49-F238E27FC236}">
-                <a16:creationId xmlns:a16="http://schemas.microsoft.com/office/drawing/2014/main" id="{BAB4692C-71C9-4BC4-AAC6-FCD7E7C27E03}"/>
-              </a:ext>
-            </a:extLst>
-          </p:cNvPr>
-          <p:cNvSpPr txBox="1"/>
-          <p:nvPr/>
-        </p:nvSpPr>
-        <p:spPr>
-          <a:xfrm>
-            <a:off x="1469903" y="5591807"/>
-            <a:ext cx="12057411" cy="1754326"/>
-          </a:xfrm>
-          <a:prstGeom prst="rect">
-            <a:avLst/>
-          </a:prstGeom>
-          <a:noFill/>
-          <a:ln>
-            <a:solidFill>
-              <a:schemeClr val="accent5"/>
-            </a:solidFill>
-          </a:ln>
-        </p:spPr>
-        <p:txBody>
-          <a:bodyPr wrap="square">
-            <a:spAutoFit/>
-          </a:bodyPr>
-          <a:lstStyle/>
-          <a:p>
-            <a:r>
-              <a:rPr lang="en-US" sz="1800" dirty="0"/>
-              <a:t>CS 165 – Next Course In Sequence (also 201 is popular with 165)</a:t>
-            </a:r>
-          </a:p>
-          <a:p>
-            <a:pPr marL="342900" indent="-342900">
-              <a:buFont typeface="Arial" panose="020B0604020202020204" pitchFamily="34" charset="0"/>
-              <a:buChar char="•"/>
-            </a:pPr>
-            <a:r>
-              <a:rPr lang="en-US" sz="1800" dirty="0"/>
-              <a:t>CO Jobs Report 2021 – 77% of *all* new jobs in Colorado require programming</a:t>
-            </a:r>
-          </a:p>
-          <a:p>
-            <a:pPr marL="342900" indent="-342900">
-              <a:buFont typeface="Arial" panose="020B0604020202020204" pitchFamily="34" charset="0"/>
-              <a:buChar char="•"/>
-            </a:pPr>
-            <a:r>
-              <a:rPr lang="en-US" sz="1800" dirty="0"/>
-              <a:t>60% of all STEM jobs requires *advanced* (200-300 level) </a:t>
-            </a:r>
-          </a:p>
-          <a:p>
-            <a:pPr marL="342900" indent="-342900">
-              <a:buFont typeface="Arial" panose="020B0604020202020204" pitchFamily="34" charset="0"/>
-              <a:buChar char="•"/>
-            </a:pPr>
-            <a:r>
-              <a:rPr lang="en-US" sz="1800" dirty="0"/>
-              <a:t>31% of all Bachelor of Arts degree titled jobs also required coding skills </a:t>
-            </a:r>
-          </a:p>
-          <a:p>
-            <a:pPr marL="342900" indent="-342900">
-              <a:buFont typeface="Arial" panose="020B0604020202020204" pitchFamily="34" charset="0"/>
-              <a:buChar char="•"/>
-            </a:pPr>
-            <a:r>
-              <a:rPr lang="en-US" sz="1800" dirty="0"/>
-              <a:t>2016 Report found on average jobs that require coding skills paid $22,000 more</a:t>
-            </a:r>
-          </a:p>
-          <a:p>
-            <a:pPr marL="342900" indent="-342900">
-              <a:buFont typeface="Arial" panose="020B0604020202020204" pitchFamily="34" charset="0"/>
-              <a:buChar char="•"/>
-            </a:pPr>
-            <a:r>
-              <a:rPr lang="en-US" sz="1800" dirty="0"/>
-              <a:t>Math and Stats majors, at least consider CS 220 (Discrete Structures) – substitutes in your program requirements</a:t>
+              <a:t>Friday Help Desk – </a:t>
+            </a:r>
+          </a:p>
+          <a:p>
+            <a:r>
+              <a:rPr lang="en-US" dirty="0"/>
+              <a:t>12-4pm CSB120</a:t>
+            </a:r>
+          </a:p>
+          <a:p>
+            <a:endParaRPr lang="en-US" dirty="0"/>
+          </a:p>
+          <a:p>
+            <a:r>
+              <a:rPr lang="en-US" dirty="0"/>
+              <a:t>Friday Help Session – </a:t>
+            </a:r>
+          </a:p>
+          <a:p>
+            <a:r>
+              <a:rPr lang="en-US" dirty="0"/>
+              <a:t>1-2pm Teams</a:t>
+            </a:r>
+          </a:p>
+          <a:p>
+            <a:endParaRPr lang="en-US" dirty="0"/>
+          </a:p>
+          <a:p>
+            <a:r>
+              <a:rPr lang="en-US" dirty="0"/>
+              <a:t>Saturday Help Desk – </a:t>
+            </a:r>
+          </a:p>
+          <a:p>
+            <a:r>
+              <a:rPr lang="en-US" dirty="0"/>
+              <a:t>12-4pm Teams</a:t>
+            </a:r>
+          </a:p>
+          <a:p>
+            <a:endParaRPr lang="en-US" dirty="0"/>
+          </a:p>
+          <a:p>
+            <a:r>
+              <a:rPr lang="en-US" dirty="0"/>
+              <a:t>Sunday Help Desk –</a:t>
+            </a:r>
+          </a:p>
+          <a:p>
+            <a:r>
+              <a:rPr lang="en-US" dirty="0"/>
+              <a:t>3-7pm Teams </a:t>
             </a:r>
           </a:p>
         </p:txBody>
@@ -8153,7 +9319,12 @@
             <p:ph type="title"/>
           </p:nvPr>
         </p:nvSpPr>
-        <p:spPr/>
+        <p:spPr>
+          <a:xfrm>
+            <a:off x="540990" y="0"/>
+            <a:ext cx="12561453" cy="1015663"/>
+          </a:xfrm>
+        </p:spPr>
         <p:txBody>
           <a:bodyPr/>
           <a:lstStyle/>
@@ -8184,8 +9355,8 @@
         </p:nvSpPr>
         <p:spPr>
           <a:xfrm>
-            <a:off x="628075" y="1776683"/>
-            <a:ext cx="11710681" cy="5291962"/>
+            <a:off x="540990" y="864299"/>
+            <a:ext cx="11710681" cy="6510757"/>
           </a:xfrm>
         </p:spPr>
         <p:txBody>
@@ -8193,94 +9364,94 @@
           <a:lstStyle/>
           <a:p>
             <a:r>
-              <a:rPr lang="en-US" dirty="0" err="1"/>
+              <a:rPr lang="en-US" sz="2400" dirty="0" err="1"/>
               <a:t>ArrayLists</a:t>
             </a:r>
             <a:r>
-              <a:rPr lang="en-US" dirty="0"/>
+              <a:rPr lang="en-US" sz="2400" dirty="0"/>
               <a:t> </a:t>
             </a:r>
           </a:p>
           <a:p>
             <a:pPr lvl="1"/>
             <a:r>
-              <a:rPr lang="en-US" dirty="0"/>
+              <a:rPr lang="en-US" sz="2000" dirty="0"/>
               <a:t>Part of Java Collections Library</a:t>
             </a:r>
           </a:p>
           <a:p>
             <a:pPr lvl="1"/>
             <a:r>
-              <a:rPr lang="en-US" dirty="0"/>
+              <a:rPr lang="en-US" sz="2000" dirty="0"/>
               <a:t>Assumes default naming conventions</a:t>
             </a:r>
           </a:p>
           <a:p>
             <a:pPr lvl="2"/>
             <a:r>
-              <a:rPr lang="en-US" dirty="0"/>
+              <a:rPr lang="en-US" sz="2000" dirty="0"/>
               <a:t>done through interfaces and abstract classes!</a:t>
             </a:r>
           </a:p>
           <a:p>
             <a:pPr lvl="1"/>
             <a:r>
-              <a:rPr lang="en-US" dirty="0"/>
+              <a:rPr lang="en-US" sz="2000" dirty="0"/>
               <a:t>.add(Type)</a:t>
             </a:r>
           </a:p>
           <a:p>
             <a:pPr lvl="1"/>
             <a:r>
-              <a:rPr lang="en-US" dirty="0"/>
+              <a:rPr lang="en-US" sz="2000" dirty="0"/>
               <a:t>.remove(location)</a:t>
             </a:r>
           </a:p>
           <a:p>
             <a:pPr lvl="1"/>
             <a:r>
-              <a:rPr lang="en-US" dirty="0"/>
+              <a:rPr lang="en-US" sz="2000" dirty="0"/>
               <a:t>.size()</a:t>
             </a:r>
           </a:p>
           <a:p>
             <a:r>
-              <a:rPr lang="en-US" dirty="0"/>
+              <a:rPr lang="en-US" sz="2400" dirty="0"/>
               <a:t>Is </a:t>
             </a:r>
             <a:r>
-              <a:rPr lang="en-US" dirty="0" err="1"/>
+              <a:rPr lang="en-US" sz="2400" dirty="0" err="1"/>
               <a:t>ArrayList</a:t>
             </a:r>
             <a:r>
-              <a:rPr lang="en-US" dirty="0"/>
+              <a:rPr lang="en-US" sz="2400" dirty="0"/>
               <a:t> always best to use?</a:t>
             </a:r>
           </a:p>
           <a:p>
             <a:pPr lvl="1"/>
             <a:r>
-              <a:rPr lang="en-US" dirty="0"/>
+              <a:rPr lang="en-US" sz="2000" dirty="0"/>
               <a:t>What happens if it is *very* large?</a:t>
             </a:r>
           </a:p>
           <a:p>
             <a:pPr lvl="1"/>
             <a:r>
-              <a:rPr lang="en-US" dirty="0"/>
+              <a:rPr lang="en-US" sz="2000" dirty="0"/>
               <a:t>Hard to find continuous memory in order!</a:t>
             </a:r>
           </a:p>
           <a:p>
             <a:pPr lvl="1"/>
             <a:r>
-              <a:rPr lang="en-US" dirty="0"/>
+              <a:rPr lang="en-US" sz="2000" dirty="0"/>
               <a:t>Causes actions to slow down</a:t>
             </a:r>
           </a:p>
           <a:p>
             <a:r>
-              <a:rPr lang="en-US" dirty="0"/>
+              <a:rPr lang="en-US" sz="2400" dirty="0"/>
               <a:t>Introducing Data Structures (CS 165)</a:t>
             </a:r>
           </a:p>
@@ -8350,7 +9521,12 @@
             <p:ph type="title"/>
           </p:nvPr>
         </p:nvSpPr>
-        <p:spPr/>
+        <p:spPr>
+          <a:xfrm>
+            <a:off x="526470" y="71465"/>
+            <a:ext cx="12561453" cy="1015663"/>
+          </a:xfrm>
+        </p:spPr>
         <p:txBody>
           <a:bodyPr/>
           <a:lstStyle/>
@@ -8380,8 +9556,8 @@
         </p:nvSpPr>
         <p:spPr>
           <a:xfrm>
-            <a:off x="628075" y="1776683"/>
-            <a:ext cx="6179125" cy="5261184"/>
+            <a:off x="526470" y="1063612"/>
+            <a:ext cx="6179125" cy="6254341"/>
           </a:xfrm>
         </p:spPr>
         <p:txBody>
@@ -8389,82 +9565,82 @@
           <a:lstStyle/>
           <a:p>
             <a:r>
-              <a:rPr lang="en-US" dirty="0"/>
+              <a:rPr lang="en-US" sz="2000" dirty="0"/>
               <a:t>Think about a chain</a:t>
             </a:r>
           </a:p>
           <a:p>
             <a:r>
-              <a:rPr lang="en-US" dirty="0"/>
+              <a:rPr lang="en-US" sz="2000" dirty="0"/>
               <a:t>Each link connects to the </a:t>
             </a:r>
             <a:r>
-              <a:rPr lang="en-US" b="1" dirty="0"/>
+              <a:rPr lang="en-US" sz="2000" b="1" dirty="0"/>
               <a:t>next</a:t>
             </a:r>
           </a:p>
           <a:p>
             <a:r>
-              <a:rPr lang="en-US" dirty="0"/>
+              <a:rPr lang="en-US" sz="2000" dirty="0"/>
               <a:t>Linked Lists</a:t>
             </a:r>
           </a:p>
           <a:p>
             <a:pPr lvl="1"/>
             <a:r>
-              <a:rPr lang="en-US" dirty="0"/>
+              <a:rPr lang="en-US" sz="2000" dirty="0"/>
               <a:t>Connect objects to the next</a:t>
             </a:r>
           </a:p>
           <a:p>
             <a:pPr lvl="1"/>
             <a:r>
-              <a:rPr lang="en-US" dirty="0"/>
+              <a:rPr lang="en-US" sz="2000" dirty="0"/>
               <a:t>But don’t worry about it all being order in memory</a:t>
             </a:r>
           </a:p>
           <a:p>
             <a:r>
-              <a:rPr lang="en-US" dirty="0"/>
+              <a:rPr lang="en-US" sz="2000" dirty="0"/>
               <a:t>If you know the next, they can be anywhere</a:t>
             </a:r>
           </a:p>
           <a:p>
             <a:r>
-              <a:rPr lang="en-US" dirty="0"/>
+              <a:rPr lang="en-US" sz="2000" dirty="0"/>
               <a:t>pros </a:t>
             </a:r>
           </a:p>
           <a:p>
             <a:pPr lvl="1"/>
             <a:r>
-              <a:rPr lang="en-US" dirty="0"/>
+              <a:rPr lang="en-US" sz="2000" dirty="0"/>
               <a:t>memory efficient </a:t>
             </a:r>
           </a:p>
           <a:p>
             <a:r>
-              <a:rPr lang="en-US" dirty="0"/>
+              <a:rPr lang="en-US" sz="2000" dirty="0"/>
               <a:t>cons</a:t>
             </a:r>
           </a:p>
           <a:p>
             <a:pPr lvl="1"/>
             <a:r>
-              <a:rPr lang="en-US" dirty="0"/>
+              <a:rPr lang="en-US" sz="2000" dirty="0"/>
               <a:t>what if a link is broken?</a:t>
             </a:r>
           </a:p>
           <a:p>
             <a:pPr lvl="1"/>
             <a:r>
-              <a:rPr lang="en-US" dirty="0"/>
+              <a:rPr lang="en-US" sz="2000" dirty="0"/>
               <a:t>Can you easily jump to the middle? – no!</a:t>
             </a:r>
           </a:p>
           <a:p>
             <a:r>
-              <a:rPr lang="en-US" dirty="0"/>
+              <a:rPr lang="en-US" sz="2000" dirty="0"/>
               <a:t>Also a foundation of blockchain! </a:t>
             </a:r>
           </a:p>
@@ -8600,7 +9776,7 @@
         <p:spPr>
           <a:xfrm>
             <a:off x="7703125" y="3070592"/>
-            <a:ext cx="5486400" cy="954107"/>
+            <a:ext cx="5914904" cy="1631216"/>
           </a:xfrm>
           <a:prstGeom prst="rect">
             <a:avLst/>
@@ -8618,14 +9794,14 @@
           <a:lstStyle/>
           <a:p>
             <a:r>
-              <a:rPr lang="en-US" sz="1400" dirty="0">
+              <a:rPr lang="en-US" dirty="0">
                 <a:latin typeface="Consolas" panose="020B0609020204030204" pitchFamily="49" charset="0"/>
                 <a:cs typeface="Consolas" panose="020B0609020204030204" pitchFamily="49" charset="0"/>
               </a:rPr>
               <a:t>List&lt;String&gt; list = </a:t>
             </a:r>
             <a:r>
-              <a:rPr lang="en-US" sz="1400" dirty="0">
+              <a:rPr lang="en-US" dirty="0">
                 <a:solidFill>
                   <a:srgbClr val="CC7832"/>
                 </a:solidFill>
@@ -8635,14 +9811,14 @@
               <a:t>new </a:t>
             </a:r>
             <a:r>
-              <a:rPr lang="en-US" sz="1400" dirty="0">
+              <a:rPr lang="en-US" dirty="0">
                 <a:latin typeface="Consolas" panose="020B0609020204030204" pitchFamily="49" charset="0"/>
                 <a:cs typeface="Consolas" panose="020B0609020204030204" pitchFamily="49" charset="0"/>
               </a:rPr>
               <a:t>LinkedList&lt;&gt;()</a:t>
             </a:r>
             <a:r>
-              <a:rPr lang="en-US" sz="1400" dirty="0">
+              <a:rPr lang="en-US" dirty="0">
                 <a:solidFill>
                   <a:srgbClr val="CC7832"/>
                 </a:solidFill>
@@ -8652,7 +9828,7 @@
               <a:t>;</a:t>
             </a:r>
             <a:br>
-              <a:rPr lang="en-US" sz="1400" dirty="0">
+              <a:rPr lang="en-US" dirty="0">
                 <a:solidFill>
                   <a:srgbClr val="CC7832"/>
                 </a:solidFill>
@@ -8661,21 +9837,21 @@
               </a:rPr>
             </a:br>
             <a:r>
-              <a:rPr lang="en-US" sz="1400" dirty="0" err="1">
+              <a:rPr lang="en-US" dirty="0" err="1">
                 <a:latin typeface="Consolas" panose="020B0609020204030204" pitchFamily="49" charset="0"/>
                 <a:cs typeface="Consolas" panose="020B0609020204030204" pitchFamily="49" charset="0"/>
               </a:rPr>
               <a:t>list.add</a:t>
             </a:r>
             <a:r>
-              <a:rPr lang="en-US" sz="1400" dirty="0">
+              <a:rPr lang="en-US" dirty="0">
                 <a:latin typeface="Consolas" panose="020B0609020204030204" pitchFamily="49" charset="0"/>
                 <a:cs typeface="Consolas" panose="020B0609020204030204" pitchFamily="49" charset="0"/>
               </a:rPr>
               <a:t>(</a:t>
             </a:r>
             <a:r>
-              <a:rPr lang="en-US" sz="1400" dirty="0">
+              <a:rPr lang="en-US" dirty="0">
                 <a:solidFill>
                   <a:srgbClr val="6A8759"/>
                 </a:solidFill>
@@ -8685,14 +9861,14 @@
               <a:t>"A"</a:t>
             </a:r>
             <a:r>
-              <a:rPr lang="en-US" sz="1400" dirty="0">
+              <a:rPr lang="en-US" dirty="0">
                 <a:latin typeface="Consolas" panose="020B0609020204030204" pitchFamily="49" charset="0"/>
                 <a:cs typeface="Consolas" panose="020B0609020204030204" pitchFamily="49" charset="0"/>
               </a:rPr>
               <a:t>)</a:t>
             </a:r>
             <a:r>
-              <a:rPr lang="en-US" sz="1400" dirty="0">
+              <a:rPr lang="en-US" dirty="0">
                 <a:solidFill>
                   <a:srgbClr val="CC7832"/>
                 </a:solidFill>
@@ -8702,7 +9878,7 @@
               <a:t>;</a:t>
             </a:r>
             <a:br>
-              <a:rPr lang="en-US" sz="1400" dirty="0">
+              <a:rPr lang="en-US" dirty="0">
                 <a:solidFill>
                   <a:srgbClr val="CC7832"/>
                 </a:solidFill>
@@ -8711,21 +9887,21 @@
               </a:rPr>
             </a:br>
             <a:r>
-              <a:rPr lang="en-US" sz="1400" dirty="0" err="1">
+              <a:rPr lang="en-US" dirty="0" err="1">
                 <a:latin typeface="Consolas" panose="020B0609020204030204" pitchFamily="49" charset="0"/>
                 <a:cs typeface="Consolas" panose="020B0609020204030204" pitchFamily="49" charset="0"/>
               </a:rPr>
               <a:t>list.add</a:t>
             </a:r>
             <a:r>
-              <a:rPr lang="en-US" sz="1400" dirty="0">
+              <a:rPr lang="en-US" dirty="0">
                 <a:latin typeface="Consolas" panose="020B0609020204030204" pitchFamily="49" charset="0"/>
                 <a:cs typeface="Consolas" panose="020B0609020204030204" pitchFamily="49" charset="0"/>
               </a:rPr>
               <a:t>(</a:t>
             </a:r>
             <a:r>
-              <a:rPr lang="en-US" sz="1400" dirty="0">
+              <a:rPr lang="en-US" dirty="0">
                 <a:solidFill>
                   <a:srgbClr val="6A8759"/>
                 </a:solidFill>
@@ -8735,14 +9911,14 @@
               <a:t>"B"</a:t>
             </a:r>
             <a:r>
-              <a:rPr lang="en-US" sz="1400" dirty="0">
+              <a:rPr lang="en-US" dirty="0">
                 <a:latin typeface="Consolas" panose="020B0609020204030204" pitchFamily="49" charset="0"/>
                 <a:cs typeface="Consolas" panose="020B0609020204030204" pitchFamily="49" charset="0"/>
               </a:rPr>
               <a:t>)</a:t>
             </a:r>
             <a:r>
-              <a:rPr lang="en-US" sz="1400" dirty="0">
+              <a:rPr lang="en-US" dirty="0">
                 <a:solidFill>
                   <a:srgbClr val="CC7832"/>
                 </a:solidFill>
@@ -8752,7 +9928,7 @@
               <a:t>;</a:t>
             </a:r>
             <a:br>
-              <a:rPr lang="en-US" sz="1400" dirty="0">
+              <a:rPr lang="en-US" dirty="0">
                 <a:solidFill>
                   <a:srgbClr val="CC7832"/>
                 </a:solidFill>
@@ -8761,7 +9937,7 @@
               </a:rPr>
             </a:br>
             <a:r>
-              <a:rPr lang="en-US" sz="1400" dirty="0">
+              <a:rPr lang="en-US" dirty="0">
                 <a:solidFill>
                   <a:srgbClr val="CC7832"/>
                 </a:solidFill>
@@ -8771,21 +9947,21 @@
               <a:t>for</a:t>
             </a:r>
             <a:r>
-              <a:rPr lang="en-US" sz="1400" dirty="0">
+              <a:rPr lang="en-US" dirty="0">
                 <a:latin typeface="Consolas" panose="020B0609020204030204" pitchFamily="49" charset="0"/>
                 <a:cs typeface="Consolas" panose="020B0609020204030204" pitchFamily="49" charset="0"/>
               </a:rPr>
               <a:t>(String str : list) </a:t>
             </a:r>
             <a:r>
-              <a:rPr lang="en-US" sz="1400" dirty="0" err="1">
+              <a:rPr lang="en-US" dirty="0" err="1">
                 <a:latin typeface="Consolas" panose="020B0609020204030204" pitchFamily="49" charset="0"/>
                 <a:cs typeface="Consolas" panose="020B0609020204030204" pitchFamily="49" charset="0"/>
               </a:rPr>
               <a:t>System.</a:t>
             </a:r>
             <a:r>
-              <a:rPr lang="en-US" sz="1400" i="1" dirty="0" err="1">
+              <a:rPr lang="en-US" i="1" dirty="0" err="1">
                 <a:solidFill>
                   <a:srgbClr val="9876AA"/>
                 </a:solidFill>
@@ -8795,21 +9971,21 @@
               <a:t>out</a:t>
             </a:r>
             <a:r>
-              <a:rPr lang="en-US" sz="1400" dirty="0" err="1">
+              <a:rPr lang="en-US" dirty="0" err="1">
                 <a:latin typeface="Consolas" panose="020B0609020204030204" pitchFamily="49" charset="0"/>
                 <a:cs typeface="Consolas" panose="020B0609020204030204" pitchFamily="49" charset="0"/>
               </a:rPr>
               <a:t>.println</a:t>
             </a:r>
             <a:r>
-              <a:rPr lang="en-US" sz="1400" dirty="0">
+              <a:rPr lang="en-US" dirty="0">
                 <a:latin typeface="Consolas" panose="020B0609020204030204" pitchFamily="49" charset="0"/>
                 <a:cs typeface="Consolas" panose="020B0609020204030204" pitchFamily="49" charset="0"/>
               </a:rPr>
               <a:t>(str)</a:t>
             </a:r>
             <a:r>
-              <a:rPr lang="en-US" sz="1400" dirty="0">
+              <a:rPr lang="en-US" dirty="0">
                 <a:solidFill>
                   <a:srgbClr val="CC7832"/>
                 </a:solidFill>
@@ -8818,7 +9994,7 @@
               </a:rPr>
               <a:t>;</a:t>
             </a:r>
-            <a:endParaRPr lang="en-US" sz="1400" dirty="0">
+            <a:endParaRPr lang="en-US" dirty="0">
               <a:latin typeface="Consolas" panose="020B0609020204030204" pitchFamily="49" charset="0"/>
               <a:cs typeface="Consolas" panose="020B0609020204030204" pitchFamily="49" charset="0"/>
             </a:endParaRPr>
@@ -10737,7 +11913,12 @@
             <p:ph type="title"/>
           </p:nvPr>
         </p:nvSpPr>
-        <p:spPr/>
+        <p:spPr>
+          <a:xfrm>
+            <a:off x="628075" y="72303"/>
+            <a:ext cx="12561453" cy="1015663"/>
+          </a:xfrm>
+        </p:spPr>
         <p:txBody>
           <a:bodyPr/>
           <a:lstStyle/>
@@ -10772,8 +11953,8 @@
         </p:nvSpPr>
         <p:spPr>
           <a:xfrm>
-            <a:off x="628075" y="1776683"/>
-            <a:ext cx="10663702" cy="4149149"/>
+            <a:off x="628072" y="1352140"/>
+            <a:ext cx="10663702" cy="5840125"/>
           </a:xfrm>
         </p:spPr>
         <p:txBody>
@@ -10781,51 +11962,51 @@
           <a:lstStyle/>
           <a:p>
             <a:r>
-              <a:rPr lang="en-US" sz="2200" dirty="0"/>
+              <a:rPr lang="en-US" sz="2400" dirty="0"/>
               <a:t>A LinkedList typically provides faster element insertion and removal at the list's ends (and middle if using </a:t>
             </a:r>
             <a:r>
-              <a:rPr lang="en-US" sz="2200" dirty="0" err="1"/>
+              <a:rPr lang="en-US" sz="2400" dirty="0" err="1"/>
               <a:t>ListIterator</a:t>
             </a:r>
             <a:r>
-              <a:rPr lang="en-US" sz="2200" dirty="0"/>
+              <a:rPr lang="en-US" sz="2400" dirty="0"/>
               <a:t>)</a:t>
             </a:r>
           </a:p>
           <a:p>
             <a:pPr lvl="1"/>
             <a:r>
-              <a:rPr lang="en-US" sz="1800" dirty="0"/>
+              <a:rPr lang="en-US" sz="2400" dirty="0"/>
               <a:t>LinkedList methods with index parameters, such as get() or set(), cause the list to be traversed from the first element to the specified element each time the method is called. Thus, using the </a:t>
             </a:r>
             <a:r>
-              <a:rPr lang="en-US" sz="1800" dirty="0" err="1"/>
+              <a:rPr lang="en-US" sz="2400" dirty="0" err="1"/>
               <a:t>LinkedLists</a:t>
             </a:r>
             <a:r>
-              <a:rPr lang="en-US" sz="1800" dirty="0"/>
+              <a:rPr lang="en-US" sz="2400" dirty="0"/>
               <a:t>' get() or set() methods within a loop that iterates through all list elements is inefficient.</a:t>
             </a:r>
           </a:p>
           <a:p>
             <a:pPr lvl="1"/>
-            <a:endParaRPr lang="en-US" sz="1800" dirty="0"/>
-          </a:p>
-          <a:p>
-            <a:r>
-              <a:rPr lang="en-US" sz="2200" dirty="0" err="1"/>
+            <a:endParaRPr lang="en-US" sz="2400" dirty="0"/>
+          </a:p>
+          <a:p>
+            <a:r>
+              <a:rPr lang="en-US" sz="2400" dirty="0" err="1"/>
               <a:t>ArrayList</a:t>
             </a:r>
             <a:r>
-              <a:rPr lang="en-US" sz="2200" dirty="0"/>
+              <a:rPr lang="en-US" sz="2400" dirty="0"/>
               <a:t> offers faster positional access with indices</a:t>
             </a:r>
           </a:p>
           <a:p>
             <a:pPr lvl="1"/>
             <a:r>
-              <a:rPr lang="en-US" sz="2000" dirty="0"/>
+              <a:rPr lang="en-US" sz="2400" dirty="0"/>
               <a:t>it maintains index based system for its elements as it uses array data structure implicitly which makes it faster for searching an element in the list.</a:t>
             </a:r>
           </a:p>
@@ -10878,6 +12059,140 @@
           <p:cNvPr id="2" name="Title 1">
             <a:extLst>
               <a:ext uri="{FF2B5EF4-FFF2-40B4-BE49-F238E27FC236}">
+                <a16:creationId xmlns:a16="http://schemas.microsoft.com/office/drawing/2014/main" id="{57C1B4F6-FB64-4A07-8ABC-62DEDE52716B}"/>
+              </a:ext>
+            </a:extLst>
+          </p:cNvPr>
+          <p:cNvSpPr>
+            <a:spLocks noGrp="1"/>
+          </p:cNvSpPr>
+          <p:nvPr>
+            <p:ph type="title"/>
+          </p:nvPr>
+        </p:nvSpPr>
+        <p:spPr/>
+        <p:txBody>
+          <a:bodyPr/>
+          <a:lstStyle/>
+          <a:p>
+            <a:r>
+              <a:rPr lang="en-US" dirty="0"/>
+              <a:t>Linked List – Practical Examples</a:t>
+            </a:r>
+          </a:p>
+        </p:txBody>
+      </p:sp>
+      <p:sp>
+        <p:nvSpPr>
+          <p:cNvPr id="3" name="Text Placeholder 2">
+            <a:extLst>
+              <a:ext uri="{FF2B5EF4-FFF2-40B4-BE49-F238E27FC236}">
+                <a16:creationId xmlns:a16="http://schemas.microsoft.com/office/drawing/2014/main" id="{BBEE7BAB-5975-471E-ACE7-DF64FE21B0BA}"/>
+              </a:ext>
+            </a:extLst>
+          </p:cNvPr>
+          <p:cNvSpPr>
+            <a:spLocks noGrp="1"/>
+          </p:cNvSpPr>
+          <p:nvPr>
+            <p:ph type="body" sz="quarter" idx="10"/>
+          </p:nvPr>
+        </p:nvSpPr>
+        <p:spPr>
+          <a:xfrm>
+            <a:off x="628075" y="1776683"/>
+            <a:ext cx="12561453" cy="4741363"/>
+          </a:xfrm>
+        </p:spPr>
+        <p:txBody>
+          <a:bodyPr/>
+          <a:lstStyle/>
+          <a:p>
+            <a:pPr fontAlgn="base"/>
+            <a:r>
+              <a:rPr lang="en-US" sz="2400" dirty="0"/>
+              <a:t>Image viewer – Previous and next images are linked and can be accessed by the next and previous buttons.</a:t>
+            </a:r>
+          </a:p>
+          <a:p>
+            <a:pPr fontAlgn="base"/>
+            <a:r>
+              <a:rPr lang="en-US" sz="2400" dirty="0"/>
+              <a:t>Previous and next page in a web browser – We can access the previous and next URL searched in a web browser by pressing the back and next buttons since they are linked as a linked list.</a:t>
+            </a:r>
+          </a:p>
+          <a:p>
+            <a:pPr fontAlgn="base"/>
+            <a:r>
+              <a:rPr lang="en-US" sz="2400" dirty="0"/>
+              <a:t>Music Player – Songs in the music player are linked to the previous and next songs. So you can play songs either from starting or ending of the list.</a:t>
+            </a:r>
+          </a:p>
+          <a:p>
+            <a:pPr lvl="1" fontAlgn="base"/>
+            <a:r>
+              <a:rPr lang="en-US" sz="2200" dirty="0">
+                <a:hlinkClick r:id="rId2"/>
+              </a:rPr>
+              <a:t>https://coderspacket.com/to-create-a-simple-song-playlist-using-linked-list-in-java</a:t>
+            </a:r>
+            <a:r>
+              <a:rPr lang="en-US" sz="2200" dirty="0"/>
+              <a:t> </a:t>
+            </a:r>
+          </a:p>
+          <a:p>
+            <a:endParaRPr lang="en-US" sz="2400" dirty="0"/>
+          </a:p>
+        </p:txBody>
+      </p:sp>
+    </p:spTree>
+    <p:extLst>
+      <p:ext uri="{BB962C8B-B14F-4D97-AF65-F5344CB8AC3E}">
+        <p14:creationId xmlns:p14="http://schemas.microsoft.com/office/powerpoint/2010/main" val="3211101489"/>
+      </p:ext>
+    </p:extLst>
+  </p:cSld>
+  <p:clrMapOvr>
+    <a:masterClrMapping/>
+  </p:clrMapOvr>
+  <mc:AlternateContent xmlns:mc="http://schemas.openxmlformats.org/markup-compatibility/2006" xmlns:p14="http://schemas.microsoft.com/office/powerpoint/2010/main">
+    <mc:Choice Requires="p14">
+      <p:transition p14:dur="300">
+        <p:fade/>
+      </p:transition>
+    </mc:Choice>
+    <mc:Fallback xmlns="">
+      <p:transition>
+        <p:fade/>
+      </p:transition>
+    </mc:Fallback>
+  </mc:AlternateContent>
+</p:sld>
+</file>
+
+<file path=ppt/slides/slide8.xml><?xml version="1.0" encoding="utf-8"?>
+<p:sld xmlns:a="http://schemas.openxmlformats.org/drawingml/2006/main" xmlns:r="http://schemas.openxmlformats.org/officeDocument/2006/relationships" xmlns:p="http://schemas.openxmlformats.org/presentationml/2006/main">
+  <p:cSld>
+    <p:spTree>
+      <p:nvGrpSpPr>
+        <p:cNvPr id="1" name=""/>
+        <p:cNvGrpSpPr/>
+        <p:nvPr/>
+      </p:nvGrpSpPr>
+      <p:grpSpPr>
+        <a:xfrm>
+          <a:off x="0" y="0"/>
+          <a:ext cx="0" cy="0"/>
+          <a:chOff x="0" y="0"/>
+          <a:chExt cx="0" cy="0"/>
+        </a:xfrm>
+      </p:grpSpPr>
+      <p:sp>
+        <p:nvSpPr>
+          <p:cNvPr id="2" name="Title 1">
+            <a:extLst>
+              <a:ext uri="{FF2B5EF4-FFF2-40B4-BE49-F238E27FC236}">
                 <a16:creationId xmlns:a16="http://schemas.microsoft.com/office/drawing/2014/main" id="{88AE3598-7F95-7245-BF60-EA577FD87AA5}"/>
               </a:ext>
             </a:extLst>
@@ -10889,7 +12204,12 @@
             <p:ph type="title"/>
           </p:nvPr>
         </p:nvSpPr>
-        <p:spPr/>
+        <p:spPr>
+          <a:xfrm>
+            <a:off x="519217" y="-21672"/>
+            <a:ext cx="12561453" cy="1015663"/>
+          </a:xfrm>
+        </p:spPr>
         <p:txBody>
           <a:bodyPr/>
           <a:lstStyle/>
@@ -10919,8 +12239,8 @@
         </p:nvSpPr>
         <p:spPr>
           <a:xfrm>
-            <a:off x="628075" y="1776683"/>
-            <a:ext cx="12561453" cy="2947538"/>
+            <a:off x="519216" y="1046785"/>
+            <a:ext cx="12561453" cy="3869072"/>
           </a:xfrm>
         </p:spPr>
         <p:txBody>
@@ -10928,52 +12248,58 @@
           <a:lstStyle/>
           <a:p>
             <a:r>
-              <a:rPr lang="en-US" dirty="0"/>
+              <a:rPr lang="en-US" sz="2000" dirty="0"/>
               <a:t>What if you had key value pairs?</a:t>
             </a:r>
           </a:p>
           <a:p>
             <a:r>
-              <a:rPr lang="en-US" dirty="0"/>
+              <a:rPr lang="en-US" sz="2000" dirty="0"/>
               <a:t>Example: Your address points to your house</a:t>
             </a:r>
           </a:p>
           <a:p>
             <a:pPr lvl="1"/>
             <a:r>
-              <a:rPr lang="en-US" dirty="0"/>
+              <a:rPr lang="en-US" sz="2000" dirty="0"/>
               <a:t>Does a book of addresses, store all the information about your house?</a:t>
             </a:r>
           </a:p>
           <a:p>
             <a:pPr lvl="1"/>
             <a:r>
-              <a:rPr lang="en-US" dirty="0"/>
+              <a:rPr lang="en-US" sz="2000" dirty="0"/>
               <a:t>Or simply the address, that can get the info?</a:t>
             </a:r>
           </a:p>
           <a:p>
             <a:r>
-              <a:rPr lang="en-US" dirty="0"/>
+              <a:rPr lang="en-US" sz="2000" dirty="0"/>
               <a:t>Introducing </a:t>
             </a:r>
             <a:r>
-              <a:rPr lang="en-US" b="1" dirty="0"/>
+              <a:rPr lang="en-US" sz="2000" b="1" dirty="0"/>
               <a:t>Maps</a:t>
             </a:r>
           </a:p>
           <a:p>
             <a:pPr lvl="1"/>
             <a:r>
-              <a:rPr lang="en-US" dirty="0"/>
+              <a:rPr lang="en-US" sz="2000" dirty="0"/>
               <a:t>Pairs keys to values</a:t>
             </a:r>
           </a:p>
           <a:p>
             <a:pPr lvl="1"/>
             <a:r>
-              <a:rPr lang="en-US" dirty="0"/>
+              <a:rPr lang="en-US" sz="2000" dirty="0"/>
               <a:t>Keys needs to be unique</a:t>
+            </a:r>
+          </a:p>
+          <a:p>
+            <a:r>
+              <a:rPr lang="en-US" sz="2000" dirty="0"/>
+              <a:t>Some uses: database indexing, network routing</a:t>
             </a:r>
           </a:p>
         </p:txBody>
@@ -11034,8 +12360,8 @@
         </p:nvSpPr>
         <p:spPr>
           <a:xfrm>
-            <a:off x="628075" y="4694046"/>
-            <a:ext cx="9791700" cy="1569660"/>
+            <a:off x="628074" y="5118588"/>
+            <a:ext cx="12946412" cy="1938992"/>
           </a:xfrm>
           <a:prstGeom prst="rect">
             <a:avLst/>
@@ -11053,14 +12379,14 @@
           <a:lstStyle/>
           <a:p>
             <a:r>
-              <a:rPr lang="en-US" sz="1600" dirty="0">
+              <a:rPr lang="en-US" dirty="0">
                 <a:latin typeface="Consolas" panose="020B0609020204030204" pitchFamily="49" charset="0"/>
                 <a:cs typeface="Consolas" panose="020B0609020204030204" pitchFamily="49" charset="0"/>
               </a:rPr>
               <a:t>HashMap&lt;String</a:t>
             </a:r>
             <a:r>
-              <a:rPr lang="en-US" sz="1600" dirty="0">
+              <a:rPr lang="en-US" dirty="0">
                 <a:solidFill>
                   <a:srgbClr val="CC7832"/>
                 </a:solidFill>
@@ -11070,14 +12396,14 @@
               <a:t>, </a:t>
             </a:r>
             <a:r>
-              <a:rPr lang="en-US" sz="1600" dirty="0">
+              <a:rPr lang="en-US" dirty="0">
                 <a:latin typeface="Consolas" panose="020B0609020204030204" pitchFamily="49" charset="0"/>
                 <a:cs typeface="Consolas" panose="020B0609020204030204" pitchFamily="49" charset="0"/>
               </a:rPr>
               <a:t>String&gt; contacts = </a:t>
             </a:r>
             <a:r>
-              <a:rPr lang="en-US" sz="1600" dirty="0">
+              <a:rPr lang="en-US" dirty="0">
                 <a:solidFill>
                   <a:srgbClr val="CC7832"/>
                 </a:solidFill>
@@ -11087,14 +12413,14 @@
               <a:t>new </a:t>
             </a:r>
             <a:r>
-              <a:rPr lang="en-US" sz="1600" dirty="0">
+              <a:rPr lang="en-US" dirty="0">
                 <a:latin typeface="Consolas" panose="020B0609020204030204" pitchFamily="49" charset="0"/>
                 <a:cs typeface="Consolas" panose="020B0609020204030204" pitchFamily="49" charset="0"/>
               </a:rPr>
               <a:t>HashMap&lt;&gt;()</a:t>
             </a:r>
             <a:r>
-              <a:rPr lang="en-US" sz="1600" dirty="0">
+              <a:rPr lang="en-US" dirty="0">
                 <a:solidFill>
                   <a:srgbClr val="CC7832"/>
                 </a:solidFill>
@@ -11104,7 +12430,7 @@
               <a:t>;</a:t>
             </a:r>
             <a:br>
-              <a:rPr lang="en-US" sz="1600" dirty="0">
+              <a:rPr lang="en-US" dirty="0">
                 <a:solidFill>
                   <a:srgbClr val="CC7832"/>
                 </a:solidFill>
@@ -11113,21 +12439,21 @@
               </a:rPr>
             </a:br>
             <a:r>
-              <a:rPr lang="en-US" sz="1600" dirty="0" err="1">
+              <a:rPr lang="en-US" dirty="0" err="1">
                 <a:latin typeface="Consolas" panose="020B0609020204030204" pitchFamily="49" charset="0"/>
                 <a:cs typeface="Consolas" panose="020B0609020204030204" pitchFamily="49" charset="0"/>
               </a:rPr>
               <a:t>contacts.put</a:t>
             </a:r>
             <a:r>
-              <a:rPr lang="en-US" sz="1600" dirty="0">
+              <a:rPr lang="en-US" dirty="0">
                 <a:latin typeface="Consolas" panose="020B0609020204030204" pitchFamily="49" charset="0"/>
                 <a:cs typeface="Consolas" panose="020B0609020204030204" pitchFamily="49" charset="0"/>
               </a:rPr>
               <a:t>(</a:t>
             </a:r>
             <a:r>
-              <a:rPr lang="en-US" sz="1600" dirty="0">
+              <a:rPr lang="en-US" dirty="0">
                 <a:solidFill>
                   <a:srgbClr val="6A8759"/>
                 </a:solidFill>
@@ -11137,7 +12463,7 @@
               <a:t>"</a:t>
             </a:r>
             <a:r>
-              <a:rPr lang="en-US" sz="1600" dirty="0" err="1">
+              <a:rPr lang="en-US" dirty="0" err="1">
                 <a:solidFill>
                   <a:srgbClr val="6A8759"/>
                 </a:solidFill>
@@ -11147,7 +12473,7 @@
               <a:t>awonder</a:t>
             </a:r>
             <a:r>
-              <a:rPr lang="en-US" sz="1600" dirty="0">
+              <a:rPr lang="en-US" dirty="0">
                 <a:solidFill>
                   <a:srgbClr val="6A8759"/>
                 </a:solidFill>
@@ -11157,7 +12483,7 @@
               <a:t>"</a:t>
             </a:r>
             <a:r>
-              <a:rPr lang="en-US" sz="1600" dirty="0">
+              <a:rPr lang="en-US" dirty="0">
                 <a:solidFill>
                   <a:srgbClr val="CC7832"/>
                 </a:solidFill>
@@ -11167,7 +12493,7 @@
               <a:t>, </a:t>
             </a:r>
             <a:r>
-              <a:rPr lang="en-US" sz="1600" dirty="0">
+              <a:rPr lang="en-US" dirty="0">
                 <a:solidFill>
                   <a:srgbClr val="6A8759"/>
                 </a:solidFill>
@@ -11177,7 +12503,7 @@
               <a:t>"</a:t>
             </a:r>
             <a:r>
-              <a:rPr lang="en-US" sz="1600" dirty="0" err="1">
+              <a:rPr lang="en-US" dirty="0" err="1">
                 <a:solidFill>
                   <a:srgbClr val="6A8759"/>
                 </a:solidFill>
@@ -11187,7 +12513,7 @@
               <a:t>awonder@wonderland.colostate.edu</a:t>
             </a:r>
             <a:r>
-              <a:rPr lang="en-US" sz="1600" dirty="0">
+              <a:rPr lang="en-US" dirty="0">
                 <a:solidFill>
                   <a:srgbClr val="6A8759"/>
                 </a:solidFill>
@@ -11197,14 +12523,14 @@
               <a:t>"</a:t>
             </a:r>
             <a:r>
-              <a:rPr lang="en-US" sz="1600" dirty="0">
+              <a:rPr lang="en-US" dirty="0">
                 <a:latin typeface="Consolas" panose="020B0609020204030204" pitchFamily="49" charset="0"/>
                 <a:cs typeface="Consolas" panose="020B0609020204030204" pitchFamily="49" charset="0"/>
               </a:rPr>
               <a:t>)</a:t>
             </a:r>
             <a:r>
-              <a:rPr lang="en-US" sz="1600" dirty="0">
+              <a:rPr lang="en-US" dirty="0">
                 <a:solidFill>
                   <a:srgbClr val="CC7832"/>
                 </a:solidFill>
@@ -11214,7 +12540,7 @@
               <a:t>;</a:t>
             </a:r>
             <a:br>
-              <a:rPr lang="en-US" sz="1600" dirty="0">
+              <a:rPr lang="en-US" dirty="0">
                 <a:solidFill>
                   <a:srgbClr val="CC7832"/>
                 </a:solidFill>
@@ -11223,21 +12549,21 @@
               </a:rPr>
             </a:br>
             <a:r>
-              <a:rPr lang="en-US" sz="1600" dirty="0" err="1">
+              <a:rPr lang="en-US" dirty="0" err="1">
                 <a:latin typeface="Consolas" panose="020B0609020204030204" pitchFamily="49" charset="0"/>
                 <a:cs typeface="Consolas" panose="020B0609020204030204" pitchFamily="49" charset="0"/>
               </a:rPr>
               <a:t>contacts.put</a:t>
             </a:r>
             <a:r>
-              <a:rPr lang="en-US" sz="1600" dirty="0">
+              <a:rPr lang="en-US" dirty="0">
                 <a:latin typeface="Consolas" panose="020B0609020204030204" pitchFamily="49" charset="0"/>
                 <a:cs typeface="Consolas" panose="020B0609020204030204" pitchFamily="49" charset="0"/>
               </a:rPr>
               <a:t>(</a:t>
             </a:r>
             <a:r>
-              <a:rPr lang="en-US" sz="1600" dirty="0">
+              <a:rPr lang="en-US" dirty="0">
                 <a:solidFill>
                   <a:srgbClr val="6A8759"/>
                 </a:solidFill>
@@ -11247,7 +12573,7 @@
               <a:t>"queen"</a:t>
             </a:r>
             <a:r>
-              <a:rPr lang="en-US" sz="1600" dirty="0">
+              <a:rPr lang="en-US" dirty="0">
                 <a:solidFill>
                   <a:srgbClr val="CC7832"/>
                 </a:solidFill>
@@ -11257,7 +12583,7 @@
               <a:t>, </a:t>
             </a:r>
             <a:r>
-              <a:rPr lang="en-US" sz="1600" dirty="0">
+              <a:rPr lang="en-US" dirty="0">
                 <a:solidFill>
                   <a:srgbClr val="6A8759"/>
                 </a:solidFill>
@@ -11267,7 +12593,7 @@
               <a:t>"</a:t>
             </a:r>
             <a:r>
-              <a:rPr lang="en-US" sz="1600" dirty="0" err="1">
+              <a:rPr lang="en-US" dirty="0" err="1">
                 <a:solidFill>
                   <a:srgbClr val="6A8759"/>
                 </a:solidFill>
@@ -11277,7 +12603,7 @@
               <a:t>redqueen@wonderland.colostate.edu</a:t>
             </a:r>
             <a:r>
-              <a:rPr lang="en-US" sz="1600" dirty="0">
+              <a:rPr lang="en-US" dirty="0">
                 <a:solidFill>
                   <a:srgbClr val="6A8759"/>
                 </a:solidFill>
@@ -11287,14 +12613,14 @@
               <a:t>"</a:t>
             </a:r>
             <a:r>
-              <a:rPr lang="en-US" sz="1600" dirty="0">
+              <a:rPr lang="en-US" dirty="0">
                 <a:latin typeface="Consolas" panose="020B0609020204030204" pitchFamily="49" charset="0"/>
                 <a:cs typeface="Consolas" panose="020B0609020204030204" pitchFamily="49" charset="0"/>
               </a:rPr>
               <a:t>)</a:t>
             </a:r>
             <a:r>
-              <a:rPr lang="en-US" sz="1600" dirty="0">
+              <a:rPr lang="en-US" dirty="0">
                 <a:solidFill>
                   <a:srgbClr val="CC7832"/>
                 </a:solidFill>
@@ -11304,7 +12630,7 @@
               <a:t>;</a:t>
             </a:r>
             <a:br>
-              <a:rPr lang="en-US" sz="1600" dirty="0">
+              <a:rPr lang="en-US" dirty="0">
                 <a:solidFill>
                   <a:srgbClr val="CC7832"/>
                 </a:solidFill>
@@ -11313,21 +12639,21 @@
               </a:rPr>
             </a:br>
             <a:r>
-              <a:rPr lang="en-US" sz="1600" dirty="0" err="1">
+              <a:rPr lang="en-US" dirty="0" err="1">
                 <a:latin typeface="Consolas" panose="020B0609020204030204" pitchFamily="49" charset="0"/>
                 <a:cs typeface="Consolas" panose="020B0609020204030204" pitchFamily="49" charset="0"/>
               </a:rPr>
               <a:t>contacts.put</a:t>
             </a:r>
             <a:r>
-              <a:rPr lang="en-US" sz="1600" dirty="0">
+              <a:rPr lang="en-US" dirty="0">
                 <a:latin typeface="Consolas" panose="020B0609020204030204" pitchFamily="49" charset="0"/>
                 <a:cs typeface="Consolas" panose="020B0609020204030204" pitchFamily="49" charset="0"/>
               </a:rPr>
               <a:t>(</a:t>
             </a:r>
             <a:r>
-              <a:rPr lang="en-US" sz="1600" dirty="0">
+              <a:rPr lang="en-US" dirty="0">
                 <a:solidFill>
                   <a:srgbClr val="6A8759"/>
                 </a:solidFill>
@@ -11337,7 +12663,7 @@
               <a:t>"hatter"</a:t>
             </a:r>
             <a:r>
-              <a:rPr lang="en-US" sz="1600" dirty="0">
+              <a:rPr lang="en-US" dirty="0">
                 <a:solidFill>
                   <a:srgbClr val="CC7832"/>
                 </a:solidFill>
@@ -11347,7 +12673,7 @@
               <a:t>, </a:t>
             </a:r>
             <a:r>
-              <a:rPr lang="en-US" sz="1600" dirty="0">
+              <a:rPr lang="en-US" dirty="0">
                 <a:solidFill>
                   <a:srgbClr val="6A8759"/>
                 </a:solidFill>
@@ -11357,7 +12683,7 @@
               <a:t>"</a:t>
             </a:r>
             <a:r>
-              <a:rPr lang="en-US" sz="1600" dirty="0" err="1">
+              <a:rPr lang="en-US" dirty="0" err="1">
                 <a:solidFill>
                   <a:srgbClr val="6A8759"/>
                 </a:solidFill>
@@ -11367,7 +12693,7 @@
               <a:t>madhatter@wonderland.colostate.edu</a:t>
             </a:r>
             <a:r>
-              <a:rPr lang="en-US" sz="1600" dirty="0">
+              <a:rPr lang="en-US" dirty="0">
                 <a:solidFill>
                   <a:srgbClr val="6A8759"/>
                 </a:solidFill>
@@ -11377,14 +12703,14 @@
               <a:t>"</a:t>
             </a:r>
             <a:r>
-              <a:rPr lang="en-US" sz="1600" dirty="0">
+              <a:rPr lang="en-US" dirty="0">
                 <a:latin typeface="Consolas" panose="020B0609020204030204" pitchFamily="49" charset="0"/>
                 <a:cs typeface="Consolas" panose="020B0609020204030204" pitchFamily="49" charset="0"/>
               </a:rPr>
               <a:t>)</a:t>
             </a:r>
             <a:r>
-              <a:rPr lang="en-US" sz="1600" dirty="0">
+              <a:rPr lang="en-US" dirty="0">
                 <a:solidFill>
                   <a:srgbClr val="CC7832"/>
                 </a:solidFill>
@@ -11394,7 +12720,7 @@
               <a:t>;</a:t>
             </a:r>
             <a:br>
-              <a:rPr lang="en-US" sz="1600" dirty="0">
+              <a:rPr lang="en-US" dirty="0">
                 <a:solidFill>
                   <a:srgbClr val="CC7832"/>
                 </a:solidFill>
@@ -11403,14 +12729,14 @@
               </a:rPr>
             </a:br>
             <a:r>
-              <a:rPr lang="en-US" sz="1600" dirty="0" err="1">
+              <a:rPr lang="en-US" dirty="0" err="1">
                 <a:latin typeface="Consolas" panose="020B0609020204030204" pitchFamily="49" charset="0"/>
                 <a:cs typeface="Consolas" panose="020B0609020204030204" pitchFamily="49" charset="0"/>
               </a:rPr>
               <a:t>System.</a:t>
             </a:r>
             <a:r>
-              <a:rPr lang="en-US" sz="1600" i="1" dirty="0" err="1">
+              <a:rPr lang="en-US" i="1" dirty="0" err="1">
                 <a:solidFill>
                   <a:srgbClr val="9876AA"/>
                 </a:solidFill>
@@ -11420,35 +12746,35 @@
               <a:t>out</a:t>
             </a:r>
             <a:r>
-              <a:rPr lang="en-US" sz="1600" dirty="0" err="1">
+              <a:rPr lang="en-US" dirty="0" err="1">
                 <a:latin typeface="Consolas" panose="020B0609020204030204" pitchFamily="49" charset="0"/>
                 <a:cs typeface="Consolas" panose="020B0609020204030204" pitchFamily="49" charset="0"/>
               </a:rPr>
               <a:t>.println</a:t>
             </a:r>
             <a:r>
-              <a:rPr lang="en-US" sz="1600" dirty="0">
+              <a:rPr lang="en-US" dirty="0">
                 <a:latin typeface="Consolas" panose="020B0609020204030204" pitchFamily="49" charset="0"/>
                 <a:cs typeface="Consolas" panose="020B0609020204030204" pitchFamily="49" charset="0"/>
               </a:rPr>
               <a:t>(</a:t>
             </a:r>
             <a:r>
-              <a:rPr lang="en-US" sz="1600" dirty="0" err="1">
+              <a:rPr lang="en-US" dirty="0" err="1">
                 <a:latin typeface="Consolas" panose="020B0609020204030204" pitchFamily="49" charset="0"/>
                 <a:cs typeface="Consolas" panose="020B0609020204030204" pitchFamily="49" charset="0"/>
               </a:rPr>
               <a:t>contacts.get</a:t>
             </a:r>
             <a:r>
-              <a:rPr lang="en-US" sz="1600" dirty="0">
+              <a:rPr lang="en-US" dirty="0">
                 <a:latin typeface="Consolas" panose="020B0609020204030204" pitchFamily="49" charset="0"/>
                 <a:cs typeface="Consolas" panose="020B0609020204030204" pitchFamily="49" charset="0"/>
               </a:rPr>
               <a:t>(</a:t>
             </a:r>
             <a:r>
-              <a:rPr lang="en-US" sz="1600" dirty="0">
+              <a:rPr lang="en-US" dirty="0">
                 <a:solidFill>
                   <a:srgbClr val="6A8759"/>
                 </a:solidFill>
@@ -11458,14 +12784,14 @@
               <a:t>"queen"</a:t>
             </a:r>
             <a:r>
-              <a:rPr lang="en-US" sz="1600" dirty="0">
+              <a:rPr lang="en-US" dirty="0">
                 <a:latin typeface="Consolas" panose="020B0609020204030204" pitchFamily="49" charset="0"/>
                 <a:cs typeface="Consolas" panose="020B0609020204030204" pitchFamily="49" charset="0"/>
               </a:rPr>
               <a:t>))</a:t>
             </a:r>
             <a:r>
-              <a:rPr lang="en-US" sz="1600" dirty="0">
+              <a:rPr lang="en-US" dirty="0">
                 <a:solidFill>
                   <a:srgbClr val="CC7832"/>
                 </a:solidFill>
@@ -11475,7 +12801,7 @@
               <a:t>; </a:t>
             </a:r>
             <a:r>
-              <a:rPr lang="en-US" sz="1600" dirty="0">
+              <a:rPr lang="en-US" dirty="0">
                 <a:solidFill>
                   <a:srgbClr val="808080"/>
                 </a:solidFill>
@@ -11485,7 +12811,7 @@
               <a:t>// prints </a:t>
             </a:r>
             <a:r>
-              <a:rPr lang="en-US" sz="1600" dirty="0" err="1">
+              <a:rPr lang="en-US" dirty="0" err="1">
                 <a:solidFill>
                   <a:srgbClr val="808080"/>
                 </a:solidFill>
@@ -11495,7 +12821,7 @@
               <a:t>redqueen@wonderland.colostate.edu</a:t>
             </a:r>
             <a:br>
-              <a:rPr lang="en-US" sz="1600" dirty="0">
+              <a:rPr lang="en-US" dirty="0">
                 <a:solidFill>
                   <a:srgbClr val="808080"/>
                 </a:solidFill>
@@ -11503,7 +12829,7 @@
                 <a:cs typeface="Consolas" panose="020B0609020204030204" pitchFamily="49" charset="0"/>
               </a:rPr>
             </a:br>
-            <a:endParaRPr lang="en-US" sz="1600" dirty="0">
+            <a:endParaRPr lang="en-US" dirty="0">
               <a:latin typeface="Consolas" panose="020B0609020204030204" pitchFamily="49" charset="0"/>
               <a:cs typeface="Consolas" panose="020B0609020204030204" pitchFamily="49" charset="0"/>
             </a:endParaRPr>
@@ -11535,7 +12861,7 @@
 </p:sld>
 </file>
 
-<file path=ppt/slides/slide8.xml><?xml version="1.0" encoding="utf-8"?>
+<file path=ppt/slides/slide9.xml><?xml version="1.0" encoding="utf-8"?>
 <p:sld xmlns:a="http://schemas.openxmlformats.org/drawingml/2006/main" xmlns:r="http://schemas.openxmlformats.org/officeDocument/2006/relationships" xmlns:p="http://schemas.openxmlformats.org/presentationml/2006/main">
   <p:cSld>
     <p:spTree>
@@ -13080,175 +14406,6 @@
     <p:extLst>
       <p:ext uri="{BB962C8B-B14F-4D97-AF65-F5344CB8AC3E}">
         <p14:creationId xmlns:p14="http://schemas.microsoft.com/office/powerpoint/2010/main" val="3184630012"/>
-      </p:ext>
-    </p:extLst>
-  </p:cSld>
-  <p:clrMapOvr>
-    <a:masterClrMapping/>
-  </p:clrMapOvr>
-  <mc:AlternateContent xmlns:mc="http://schemas.openxmlformats.org/markup-compatibility/2006" xmlns:p14="http://schemas.microsoft.com/office/powerpoint/2010/main">
-    <mc:Choice Requires="p14">
-      <p:transition p14:dur="300">
-        <p:fade/>
-      </p:transition>
-    </mc:Choice>
-    <mc:Fallback xmlns="">
-      <p:transition>
-        <p:fade/>
-      </p:transition>
-    </mc:Fallback>
-  </mc:AlternateContent>
-</p:sld>
-</file>
-
-<file path=ppt/slides/slide9.xml><?xml version="1.0" encoding="utf-8"?>
-<p:sld xmlns:a="http://schemas.openxmlformats.org/drawingml/2006/main" xmlns:r="http://schemas.openxmlformats.org/officeDocument/2006/relationships" xmlns:p="http://schemas.openxmlformats.org/presentationml/2006/main">
-  <p:cSld>
-    <p:spTree>
-      <p:nvGrpSpPr>
-        <p:cNvPr id="1" name=""/>
-        <p:cNvGrpSpPr/>
-        <p:nvPr/>
-      </p:nvGrpSpPr>
-      <p:grpSpPr>
-        <a:xfrm>
-          <a:off x="0" y="0"/>
-          <a:ext cx="0" cy="0"/>
-          <a:chOff x="0" y="0"/>
-          <a:chExt cx="0" cy="0"/>
-        </a:xfrm>
-      </p:grpSpPr>
-      <p:sp>
-        <p:nvSpPr>
-          <p:cNvPr id="2" name="Title 1">
-            <a:extLst>
-              <a:ext uri="{FF2B5EF4-FFF2-40B4-BE49-F238E27FC236}">
-                <a16:creationId xmlns:a16="http://schemas.microsoft.com/office/drawing/2014/main" id="{F032DB5C-3924-B449-A254-956EE896D367}"/>
-              </a:ext>
-            </a:extLst>
-          </p:cNvPr>
-          <p:cNvSpPr>
-            <a:spLocks noGrp="1"/>
-          </p:cNvSpPr>
-          <p:nvPr>
-            <p:ph type="title"/>
-          </p:nvPr>
-        </p:nvSpPr>
-        <p:spPr/>
-        <p:txBody>
-          <a:bodyPr/>
-          <a:lstStyle/>
-          <a:p>
-            <a:r>
-              <a:rPr lang="en-US" dirty="0"/>
-              <a:t>Why does it matter?</a:t>
-            </a:r>
-          </a:p>
-        </p:txBody>
-      </p:sp>
-      <p:sp>
-        <p:nvSpPr>
-          <p:cNvPr id="3" name="Text Placeholder 2">
-            <a:extLst>
-              <a:ext uri="{FF2B5EF4-FFF2-40B4-BE49-F238E27FC236}">
-                <a16:creationId xmlns:a16="http://schemas.microsoft.com/office/drawing/2014/main" id="{6A21B95C-0522-3241-A8F1-0F91587DD94C}"/>
-              </a:ext>
-            </a:extLst>
-          </p:cNvPr>
-          <p:cNvSpPr>
-            <a:spLocks noGrp="1"/>
-          </p:cNvSpPr>
-          <p:nvPr>
-            <p:ph type="body" sz="quarter" idx="10"/>
-          </p:nvPr>
-        </p:nvSpPr>
-        <p:spPr>
-          <a:xfrm>
-            <a:off x="628075" y="1776683"/>
-            <a:ext cx="12561453" cy="4060855"/>
-          </a:xfrm>
-        </p:spPr>
-        <p:txBody>
-          <a:bodyPr/>
-          <a:lstStyle/>
-          <a:p>
-            <a:r>
-              <a:rPr lang="en-US" dirty="0"/>
-              <a:t>Different data structures</a:t>
-            </a:r>
-          </a:p>
-          <a:p>
-            <a:pPr lvl="1"/>
-            <a:r>
-              <a:rPr lang="en-US" dirty="0"/>
-              <a:t>affects speed, memory and storage</a:t>
-            </a:r>
-          </a:p>
-          <a:p>
-            <a:pPr lvl="1"/>
-            <a:r>
-              <a:rPr lang="en-US" dirty="0"/>
-              <a:t>important for all fields</a:t>
-            </a:r>
-          </a:p>
-          <a:p>
-            <a:pPr lvl="2"/>
-            <a:r>
-              <a:rPr lang="en-US" dirty="0"/>
-              <a:t>biology – large datasets</a:t>
-            </a:r>
-          </a:p>
-          <a:p>
-            <a:pPr lvl="2"/>
-            <a:r>
-              <a:rPr lang="en-US" dirty="0"/>
-              <a:t>graphics – speed is needed</a:t>
-            </a:r>
-          </a:p>
-          <a:p>
-            <a:pPr lvl="2"/>
-            <a:r>
-              <a:rPr lang="en-US" dirty="0"/>
-              <a:t>cybersecurity  - processing serialized information over networks</a:t>
-            </a:r>
-          </a:p>
-          <a:p>
-            <a:r>
-              <a:rPr lang="en-US" dirty="0"/>
-              <a:t>If you interview at Google, Amazon, </a:t>
-            </a:r>
-            <a:r>
-              <a:rPr lang="en-US" dirty="0" err="1"/>
-              <a:t>etc</a:t>
-            </a:r>
-            <a:endParaRPr lang="en-US" dirty="0"/>
-          </a:p>
-          <a:p>
-            <a:pPr lvl="1"/>
-            <a:r>
-              <a:rPr lang="en-US" dirty="0"/>
-              <a:t>they often give you a tech quiz</a:t>
-            </a:r>
-          </a:p>
-          <a:p>
-            <a:pPr lvl="1"/>
-            <a:r>
-              <a:rPr lang="en-US" dirty="0"/>
-              <a:t>Most of what is on that quiz – you learn in CS 165</a:t>
-            </a:r>
-          </a:p>
-          <a:p>
-            <a:r>
-              <a:rPr lang="en-US" dirty="0"/>
-              <a:t>Take CS 165, it provides major programming foundation!</a:t>
-            </a:r>
-          </a:p>
-        </p:txBody>
-      </p:sp>
-    </p:spTree>
-    <p:extLst>
-      <p:ext uri="{BB962C8B-B14F-4D97-AF65-F5344CB8AC3E}">
-        <p14:creationId xmlns:p14="http://schemas.microsoft.com/office/powerpoint/2010/main" val="170699439"/>
       </p:ext>
     </p:extLst>
   </p:cSld>
@@ -14190,4 +15347,300 @@
   </a:objectDefaults>
   <a:extraClrSchemeLst/>
 </a:theme>
+</file>
+
+<file path=customXml/item1.xml><?xml version="1.0" encoding="utf-8"?>
+<p:properties xmlns:p="http://schemas.microsoft.com/office/2006/metadata/properties" xmlns:xsi="http://www.w3.org/2001/XMLSchema-instance" xmlns:pc="http://schemas.microsoft.com/office/infopath/2007/PartnerControls">
+  <documentManagement>
+    <_activity xmlns="92c41bee-f0ee-4aa6-9399-a35fbb883510" xsi:nil="true"/>
+  </documentManagement>
+</p:properties>
+</file>
+
+<file path=customXml/item2.xml><?xml version="1.0" encoding="utf-8"?>
+<?mso-contentType ?>
+<FormTemplates xmlns="http://schemas.microsoft.com/sharepoint/v3/contenttype/forms">
+  <Display>DocumentLibraryForm</Display>
+  <Edit>DocumentLibraryForm</Edit>
+  <New>DocumentLibraryForm</New>
+</FormTemplates>
+</file>
+
+<file path=customXml/item3.xml><?xml version="1.0" encoding="utf-8"?>
+<ct:contentTypeSchema xmlns:ct="http://schemas.microsoft.com/office/2006/metadata/contentType" xmlns:ma="http://schemas.microsoft.com/office/2006/metadata/properties/metaAttributes" ct:_="" ma:_="" ma:contentTypeName="Document" ma:contentTypeID="0x010100074387D78AC76C4289401EF66FB51FCC" ma:contentTypeVersion="15" ma:contentTypeDescription="Create a new document." ma:contentTypeScope="" ma:versionID="d3659bec8b8330148a03d82a9d99f412">
+  <xsd:schema xmlns:xsd="http://www.w3.org/2001/XMLSchema" xmlns:xs="http://www.w3.org/2001/XMLSchema" xmlns:p="http://schemas.microsoft.com/office/2006/metadata/properties" xmlns:ns3="92c41bee-f0ee-4aa6-9399-a35fbb883510" xmlns:ns4="e06ed288-fd75-4b50-bbed-f5a5df88c31c" targetNamespace="http://schemas.microsoft.com/office/2006/metadata/properties" ma:root="true" ma:fieldsID="1a21d371127b63848c9a2290f5945250" ns3:_="" ns4:_="">
+    <xsd:import namespace="92c41bee-f0ee-4aa6-9399-a35fbb883510"/>
+    <xsd:import namespace="e06ed288-fd75-4b50-bbed-f5a5df88c31c"/>
+    <xsd:element name="properties">
+      <xsd:complexType>
+        <xsd:sequence>
+          <xsd:element name="documentManagement">
+            <xsd:complexType>
+              <xsd:all>
+                <xsd:element ref="ns3:MediaServiceMetadata" minOccurs="0"/>
+                <xsd:element ref="ns3:MediaServiceFastMetadata" minOccurs="0"/>
+                <xsd:element ref="ns4:SharedWithUsers" minOccurs="0"/>
+                <xsd:element ref="ns4:SharedWithDetails" minOccurs="0"/>
+                <xsd:element ref="ns4:SharingHintHash" minOccurs="0"/>
+                <xsd:element ref="ns3:MediaServiceAutoKeyPoints" minOccurs="0"/>
+                <xsd:element ref="ns3:MediaServiceKeyPoints" minOccurs="0"/>
+                <xsd:element ref="ns3:MediaServiceAutoTags" minOccurs="0"/>
+                <xsd:element ref="ns3:MediaServiceOCR" minOccurs="0"/>
+                <xsd:element ref="ns3:MediaServiceGenerationTime" minOccurs="0"/>
+                <xsd:element ref="ns3:MediaServiceEventHashCode" minOccurs="0"/>
+                <xsd:element ref="ns3:MediaServiceDateTaken" minOccurs="0"/>
+                <xsd:element ref="ns3:MediaLengthInSeconds" minOccurs="0"/>
+                <xsd:element ref="ns3:MediaServiceLocation" minOccurs="0"/>
+                <xsd:element ref="ns3:_activity" minOccurs="0"/>
+              </xsd:all>
+            </xsd:complexType>
+          </xsd:element>
+        </xsd:sequence>
+      </xsd:complexType>
+    </xsd:element>
+  </xsd:schema>
+  <xsd:schema xmlns:xsd="http://www.w3.org/2001/XMLSchema" xmlns:xs="http://www.w3.org/2001/XMLSchema" xmlns:dms="http://schemas.microsoft.com/office/2006/documentManagement/types" xmlns:pc="http://schemas.microsoft.com/office/infopath/2007/PartnerControls" targetNamespace="92c41bee-f0ee-4aa6-9399-a35fbb883510" elementFormDefault="qualified">
+    <xsd:import namespace="http://schemas.microsoft.com/office/2006/documentManagement/types"/>
+    <xsd:import namespace="http://schemas.microsoft.com/office/infopath/2007/PartnerControls"/>
+    <xsd:element name="MediaServiceMetadata" ma:index="8" nillable="true" ma:displayName="MediaServiceMetadata" ma:hidden="true" ma:internalName="MediaServiceMetadata" ma:readOnly="true">
+      <xsd:simpleType>
+        <xsd:restriction base="dms:Note"/>
+      </xsd:simpleType>
+    </xsd:element>
+    <xsd:element name="MediaServiceFastMetadata" ma:index="9" nillable="true" ma:displayName="MediaServiceFastMetadata" ma:hidden="true" ma:internalName="MediaServiceFastMetadata" ma:readOnly="true">
+      <xsd:simpleType>
+        <xsd:restriction base="dms:Note"/>
+      </xsd:simpleType>
+    </xsd:element>
+    <xsd:element name="MediaServiceAutoKeyPoints" ma:index="13" nillable="true" ma:displayName="MediaServiceAutoKeyPoints" ma:hidden="true" ma:internalName="MediaServiceAutoKeyPoints" ma:readOnly="true">
+      <xsd:simpleType>
+        <xsd:restriction base="dms:Note"/>
+      </xsd:simpleType>
+    </xsd:element>
+    <xsd:element name="MediaServiceKeyPoints" ma:index="14" nillable="true" ma:displayName="KeyPoints" ma:internalName="MediaServiceKeyPoints" ma:readOnly="true">
+      <xsd:simpleType>
+        <xsd:restriction base="dms:Note">
+          <xsd:maxLength value="255"/>
+        </xsd:restriction>
+      </xsd:simpleType>
+    </xsd:element>
+    <xsd:element name="MediaServiceAutoTags" ma:index="15" nillable="true" ma:displayName="Tags" ma:internalName="MediaServiceAutoTags" ma:readOnly="true">
+      <xsd:simpleType>
+        <xsd:restriction base="dms:Text"/>
+      </xsd:simpleType>
+    </xsd:element>
+    <xsd:element name="MediaServiceOCR" ma:index="16" nillable="true" ma:displayName="Extracted Text" ma:internalName="MediaServiceOCR" ma:readOnly="true">
+      <xsd:simpleType>
+        <xsd:restriction base="dms:Note">
+          <xsd:maxLength value="255"/>
+        </xsd:restriction>
+      </xsd:simpleType>
+    </xsd:element>
+    <xsd:element name="MediaServiceGenerationTime" ma:index="17" nillable="true" ma:displayName="MediaServiceGenerationTime" ma:hidden="true" ma:internalName="MediaServiceGenerationTime" ma:readOnly="true">
+      <xsd:simpleType>
+        <xsd:restriction base="dms:Text"/>
+      </xsd:simpleType>
+    </xsd:element>
+    <xsd:element name="MediaServiceEventHashCode" ma:index="18" nillable="true" ma:displayName="MediaServiceEventHashCode" ma:hidden="true" ma:internalName="MediaServiceEventHashCode" ma:readOnly="true">
+      <xsd:simpleType>
+        <xsd:restriction base="dms:Text"/>
+      </xsd:simpleType>
+    </xsd:element>
+    <xsd:element name="MediaServiceDateTaken" ma:index="19" nillable="true" ma:displayName="MediaServiceDateTaken" ma:hidden="true" ma:internalName="MediaServiceDateTaken" ma:readOnly="true">
+      <xsd:simpleType>
+        <xsd:restriction base="dms:Text"/>
+      </xsd:simpleType>
+    </xsd:element>
+    <xsd:element name="MediaLengthInSeconds" ma:index="20" nillable="true" ma:displayName="Length (seconds)" ma:internalName="MediaLengthInSeconds" ma:readOnly="true">
+      <xsd:simpleType>
+        <xsd:restriction base="dms:Unknown"/>
+      </xsd:simpleType>
+    </xsd:element>
+    <xsd:element name="MediaServiceLocation" ma:index="21" nillable="true" ma:displayName="Location" ma:internalName="MediaServiceLocation" ma:readOnly="true">
+      <xsd:simpleType>
+        <xsd:restriction base="dms:Text"/>
+      </xsd:simpleType>
+    </xsd:element>
+    <xsd:element name="_activity" ma:index="22" nillable="true" ma:displayName="_activity" ma:hidden="true" ma:internalName="_activity">
+      <xsd:simpleType>
+        <xsd:restriction base="dms:Note"/>
+      </xsd:simpleType>
+    </xsd:element>
+  </xsd:schema>
+  <xsd:schema xmlns:xsd="http://www.w3.org/2001/XMLSchema" xmlns:xs="http://www.w3.org/2001/XMLSchema" xmlns:dms="http://schemas.microsoft.com/office/2006/documentManagement/types" xmlns:pc="http://schemas.microsoft.com/office/infopath/2007/PartnerControls" targetNamespace="e06ed288-fd75-4b50-bbed-f5a5df88c31c" elementFormDefault="qualified">
+    <xsd:import namespace="http://schemas.microsoft.com/office/2006/documentManagement/types"/>
+    <xsd:import namespace="http://schemas.microsoft.com/office/infopath/2007/PartnerControls"/>
+    <xsd:element name="SharedWithUsers" ma:index="10" nillable="true" ma:displayName="Shared With" ma:internalName="SharedWithUsers" ma:readOnly="true">
+      <xsd:complexType>
+        <xsd:complexContent>
+          <xsd:extension base="dms:UserMulti">
+            <xsd:sequence>
+              <xsd:element name="UserInfo" minOccurs="0" maxOccurs="unbounded">
+                <xsd:complexType>
+                  <xsd:sequence>
+                    <xsd:element name="DisplayName" type="xsd:string" minOccurs="0"/>
+                    <xsd:element name="AccountId" type="dms:UserId" minOccurs="0" nillable="true"/>
+                    <xsd:element name="AccountType" type="xsd:string" minOccurs="0"/>
+                  </xsd:sequence>
+                </xsd:complexType>
+              </xsd:element>
+            </xsd:sequence>
+          </xsd:extension>
+        </xsd:complexContent>
+      </xsd:complexType>
+    </xsd:element>
+    <xsd:element name="SharedWithDetails" ma:index="11" nillable="true" ma:displayName="Shared With Details" ma:internalName="SharedWithDetails" ma:readOnly="true">
+      <xsd:simpleType>
+        <xsd:restriction base="dms:Note">
+          <xsd:maxLength value="255"/>
+        </xsd:restriction>
+      </xsd:simpleType>
+    </xsd:element>
+    <xsd:element name="SharingHintHash" ma:index="12" nillable="true" ma:displayName="Sharing Hint Hash" ma:hidden="true" ma:internalName="SharingHintHash" ma:readOnly="true">
+      <xsd:simpleType>
+        <xsd:restriction base="dms:Text"/>
+      </xsd:simpleType>
+    </xsd:element>
+  </xsd:schema>
+  <xsd:schema xmlns="http://schemas.openxmlformats.org/package/2006/metadata/core-properties" xmlns:xsd="http://www.w3.org/2001/XMLSchema" xmlns:xsi="http://www.w3.org/2001/XMLSchema-instance" xmlns:dc="http://purl.org/dc/elements/1.1/" xmlns:dcterms="http://purl.org/dc/terms/" xmlns:odoc="http://schemas.microsoft.com/internal/obd" targetNamespace="http://schemas.openxmlformats.org/package/2006/metadata/core-properties" elementFormDefault="qualified" attributeFormDefault="unqualified" blockDefault="#all">
+    <xsd:import namespace="http://purl.org/dc/elements/1.1/" schemaLocation="http://dublincore.org/schemas/xmls/qdc/2003/04/02/dc.xsd"/>
+    <xsd:import namespace="http://purl.org/dc/terms/" schemaLocation="http://dublincore.org/schemas/xmls/qdc/2003/04/02/dcterms.xsd"/>
+    <xsd:element name="coreProperties" type="CT_coreProperties"/>
+    <xsd:complexType name="CT_coreProperties">
+      <xsd:all>
+        <xsd:element ref="dc:creator" minOccurs="0" maxOccurs="1"/>
+        <xsd:element ref="dcterms:created" minOccurs="0" maxOccurs="1"/>
+        <xsd:element ref="dc:identifier" minOccurs="0" maxOccurs="1"/>
+        <xsd:element name="contentType" minOccurs="0" maxOccurs="1" type="xsd:string" ma:index="0" ma:displayName="Content Type"/>
+        <xsd:element ref="dc:title" minOccurs="0" maxOccurs="1" ma:index="4" ma:displayName="Title"/>
+        <xsd:element ref="dc:subject" minOccurs="0" maxOccurs="1"/>
+        <xsd:element ref="dc:description" minOccurs="0" maxOccurs="1"/>
+        <xsd:element name="keywords" minOccurs="0" maxOccurs="1" type="xsd:string"/>
+        <xsd:element ref="dc:language" minOccurs="0" maxOccurs="1"/>
+        <xsd:element name="category" minOccurs="0" maxOccurs="1" type="xsd:string"/>
+        <xsd:element name="version" minOccurs="0" maxOccurs="1" type="xsd:string"/>
+        <xsd:element name="revision" minOccurs="0" maxOccurs="1" type="xsd:string">
+          <xsd:annotation>
+            <xsd:documentation>
+                        This value indicates the number of saves or revisions. The application is responsible for updating this value after each revision.
+                    </xsd:documentation>
+          </xsd:annotation>
+        </xsd:element>
+        <xsd:element name="lastModifiedBy" minOccurs="0" maxOccurs="1" type="xsd:string"/>
+        <xsd:element ref="dcterms:modified" minOccurs="0" maxOccurs="1"/>
+        <xsd:element name="contentStatus" minOccurs="0" maxOccurs="1" type="xsd:string"/>
+      </xsd:all>
+    </xsd:complexType>
+  </xsd:schema>
+  <xs:schema xmlns:pc="http://schemas.microsoft.com/office/infopath/2007/PartnerControls" xmlns:xs="http://www.w3.org/2001/XMLSchema" targetNamespace="http://schemas.microsoft.com/office/infopath/2007/PartnerControls" elementFormDefault="qualified" attributeFormDefault="unqualified">
+    <xs:element name="Person">
+      <xs:complexType>
+        <xs:sequence>
+          <xs:element ref="pc:DisplayName" minOccurs="0"/>
+          <xs:element ref="pc:AccountId" minOccurs="0"/>
+          <xs:element ref="pc:AccountType" minOccurs="0"/>
+        </xs:sequence>
+      </xs:complexType>
+    </xs:element>
+    <xs:element name="DisplayName" type="xs:string"/>
+    <xs:element name="AccountId" type="xs:string"/>
+    <xs:element name="AccountType" type="xs:string"/>
+    <xs:element name="BDCAssociatedEntity">
+      <xs:complexType>
+        <xs:sequence>
+          <xs:element ref="pc:BDCEntity" minOccurs="0" maxOccurs="unbounded"/>
+        </xs:sequence>
+        <xs:attribute ref="pc:EntityNamespace"/>
+        <xs:attribute ref="pc:EntityName"/>
+        <xs:attribute ref="pc:SystemInstanceName"/>
+        <xs:attribute ref="pc:AssociationName"/>
+      </xs:complexType>
+    </xs:element>
+    <xs:attribute name="EntityNamespace" type="xs:string"/>
+    <xs:attribute name="EntityName" type="xs:string"/>
+    <xs:attribute name="SystemInstanceName" type="xs:string"/>
+    <xs:attribute name="AssociationName" type="xs:string"/>
+    <xs:element name="BDCEntity">
+      <xs:complexType>
+        <xs:sequence>
+          <xs:element ref="pc:EntityDisplayName" minOccurs="0"/>
+          <xs:element ref="pc:EntityInstanceReference" minOccurs="0"/>
+          <xs:element ref="pc:EntityId1" minOccurs="0"/>
+          <xs:element ref="pc:EntityId2" minOccurs="0"/>
+          <xs:element ref="pc:EntityId3" minOccurs="0"/>
+          <xs:element ref="pc:EntityId4" minOccurs="0"/>
+          <xs:element ref="pc:EntityId5" minOccurs="0"/>
+        </xs:sequence>
+      </xs:complexType>
+    </xs:element>
+    <xs:element name="EntityDisplayName" type="xs:string"/>
+    <xs:element name="EntityInstanceReference" type="xs:string"/>
+    <xs:element name="EntityId1" type="xs:string"/>
+    <xs:element name="EntityId2" type="xs:string"/>
+    <xs:element name="EntityId3" type="xs:string"/>
+    <xs:element name="EntityId4" type="xs:string"/>
+    <xs:element name="EntityId5" type="xs:string"/>
+    <xs:element name="Terms">
+      <xs:complexType>
+        <xs:sequence>
+          <xs:element ref="pc:TermInfo" minOccurs="0" maxOccurs="unbounded"/>
+        </xs:sequence>
+      </xs:complexType>
+    </xs:element>
+    <xs:element name="TermInfo">
+      <xs:complexType>
+        <xs:sequence>
+          <xs:element ref="pc:TermName" minOccurs="0"/>
+          <xs:element ref="pc:TermId" minOccurs="0"/>
+        </xs:sequence>
+      </xs:complexType>
+    </xs:element>
+    <xs:element name="TermName" type="xs:string"/>
+    <xs:element name="TermId" type="xs:string"/>
+  </xs:schema>
+</ct:contentTypeSchema>
+</file>
+
+<file path=customXml/itemProps1.xml><?xml version="1.0" encoding="utf-8"?>
+<ds:datastoreItem xmlns:ds="http://schemas.openxmlformats.org/officeDocument/2006/customXml" ds:itemID="{2466944C-8618-4D97-837E-62F35504EB04}">
+  <ds:schemaRefs>
+    <ds:schemaRef ds:uri="http://www.w3.org/XML/1998/namespace"/>
+    <ds:schemaRef ds:uri="http://purl.org/dc/dcmitype/"/>
+    <ds:schemaRef ds:uri="http://purl.org/dc/terms/"/>
+    <ds:schemaRef ds:uri="http://purl.org/dc/elements/1.1/"/>
+    <ds:schemaRef ds:uri="http://schemas.microsoft.com/office/2006/documentManagement/types"/>
+    <ds:schemaRef ds:uri="http://schemas.microsoft.com/office/infopath/2007/PartnerControls"/>
+    <ds:schemaRef ds:uri="http://schemas.openxmlformats.org/package/2006/metadata/core-properties"/>
+    <ds:schemaRef ds:uri="e06ed288-fd75-4b50-bbed-f5a5df88c31c"/>
+    <ds:schemaRef ds:uri="92c41bee-f0ee-4aa6-9399-a35fbb883510"/>
+    <ds:schemaRef ds:uri="http://schemas.microsoft.com/office/2006/metadata/properties"/>
+  </ds:schemaRefs>
+</ds:datastoreItem>
+</file>
+
+<file path=customXml/itemProps2.xml><?xml version="1.0" encoding="utf-8"?>
+<ds:datastoreItem xmlns:ds="http://schemas.openxmlformats.org/officeDocument/2006/customXml" ds:itemID="{0BFEF18A-DF64-4AA8-8E88-1ECB35B2728C}">
+  <ds:schemaRefs>
+    <ds:schemaRef ds:uri="http://schemas.microsoft.com/sharepoint/v3/contenttype/forms"/>
+  </ds:schemaRefs>
+</ds:datastoreItem>
+</file>
+
+<file path=customXml/itemProps3.xml><?xml version="1.0" encoding="utf-8"?>
+<ds:datastoreItem xmlns:ds="http://schemas.openxmlformats.org/officeDocument/2006/customXml" ds:itemID="{32DB71B9-C985-44BD-B96C-1C8CF0BDC283}">
+  <ds:schemaRefs>
+    <ds:schemaRef ds:uri="http://schemas.microsoft.com/office/2006/metadata/contentType"/>
+    <ds:schemaRef ds:uri="http://schemas.microsoft.com/office/2006/metadata/properties/metaAttributes"/>
+    <ds:schemaRef ds:uri="http://www.w3.org/2001/XMLSchema"/>
+    <ds:schemaRef ds:uri="http://schemas.microsoft.com/office/2006/metadata/properties"/>
+    <ds:schemaRef ds:uri="92c41bee-f0ee-4aa6-9399-a35fbb883510"/>
+    <ds:schemaRef ds:uri="e06ed288-fd75-4b50-bbed-f5a5df88c31c"/>
+    <ds:schemaRef ds:uri="http://schemas.microsoft.com/office/2006/documentManagement/types"/>
+    <ds:schemaRef ds:uri="http://schemas.microsoft.com/office/infopath/2007/PartnerControls"/>
+    <ds:schemaRef ds:uri="http://schemas.openxmlformats.org/package/2006/metadata/core-properties"/>
+    <ds:schemaRef ds:uri="http://purl.org/dc/elements/1.1/"/>
+    <ds:schemaRef ds:uri="http://purl.org/dc/terms/"/>
+    <ds:schemaRef ds:uri="http://schemas.microsoft.com/internal/obd"/>
+  </ds:schemaRefs>
+</ds:datastoreItem>
 </file>
--- a/slides/On-Campus/14_03_Collections.pptx
+++ b/slides/On-Campus/14_03_Collections.pptx
@@ -148,382 +148,66 @@
 <pc:chgInfo xmlns:a="http://schemas.openxmlformats.org/drawingml/2006/main" xmlns:r="http://schemas.openxmlformats.org/officeDocument/2006/relationships" xmlns:ac="http://schemas.microsoft.com/office/drawing/2013/main/command" xmlns:pc="http://schemas.microsoft.com/office/powerpoint/2013/main/command">
   <pc:docChgLst>
     <pc:chgData name="Marcia Moraes" userId="c9c67e8a-58e2-4733-9a1c-5d44fec4775b" providerId="ADAL" clId="{53741CE1-D3A2-46FF-9696-CE781C34CE81}"/>
-    <pc:docChg chg="custSel addSld modSld">
-      <pc:chgData name="Marcia Moraes" userId="c9c67e8a-58e2-4733-9a1c-5d44fec4775b" providerId="ADAL" clId="{53741CE1-D3A2-46FF-9696-CE781C34CE81}" dt="2023-04-25T18:50:21.850" v="608" actId="20577"/>
+  </pc:docChgLst>
+  <pc:docChgLst>
+    <pc:chgData name="Marcia Moraes" userId="c9c67e8a-58e2-4733-9a1c-5d44fec4775b" providerId="ADAL" clId="{E40059A0-084C-4499-B9E0-8AE3D5F0EBF2}"/>
+    <pc:docChg chg="custSel modSld">
+      <pc:chgData name="Marcia Moraes" userId="c9c67e8a-58e2-4733-9a1c-5d44fec4775b" providerId="ADAL" clId="{E40059A0-084C-4499-B9E0-8AE3D5F0EBF2}" dt="2023-11-28T17:56:24.341" v="84" actId="1076"/>
       <pc:docMkLst>
         <pc:docMk/>
       </pc:docMkLst>
-      <pc:sldChg chg="modSp">
-        <pc:chgData name="Marcia Moraes" userId="c9c67e8a-58e2-4733-9a1c-5d44fec4775b" providerId="ADAL" clId="{53741CE1-D3A2-46FF-9696-CE781C34CE81}" dt="2023-04-25T18:49:28.674" v="606" actId="255"/>
-        <pc:sldMkLst>
-          <pc:docMk/>
-          <pc:sldMk cId="2438495609" sldId="257"/>
-        </pc:sldMkLst>
-        <pc:spChg chg="mod">
-          <ac:chgData name="Marcia Moraes" userId="c9c67e8a-58e2-4733-9a1c-5d44fec4775b" providerId="ADAL" clId="{53741CE1-D3A2-46FF-9696-CE781C34CE81}" dt="2023-04-25T17:58:17.246" v="209" actId="1076"/>
-          <ac:spMkLst>
-            <pc:docMk/>
-            <pc:sldMk cId="2438495609" sldId="257"/>
-            <ac:spMk id="4" creationId="{B9C5FB38-E323-7F47-A767-C6B35A1A3CDF}"/>
-          </ac:spMkLst>
-        </pc:spChg>
-        <pc:spChg chg="mod">
-          <ac:chgData name="Marcia Moraes" userId="c9c67e8a-58e2-4733-9a1c-5d44fec4775b" providerId="ADAL" clId="{53741CE1-D3A2-46FF-9696-CE781C34CE81}" dt="2023-04-25T18:49:28.674" v="606" actId="255"/>
-          <ac:spMkLst>
-            <pc:docMk/>
-            <pc:sldMk cId="2438495609" sldId="257"/>
-            <ac:spMk id="5" creationId="{9F424989-D30A-AD42-974B-17B84D9096C5}"/>
-          </ac:spMkLst>
-        </pc:spChg>
-      </pc:sldChg>
-      <pc:sldChg chg="modSp">
-        <pc:chgData name="Marcia Moraes" userId="c9c67e8a-58e2-4733-9a1c-5d44fec4775b" providerId="ADAL" clId="{53741CE1-D3A2-46FF-9696-CE781C34CE81}" dt="2023-04-25T17:59:10.669" v="216" actId="14100"/>
-        <pc:sldMkLst>
-          <pc:docMk/>
-          <pc:sldMk cId="3799542744" sldId="258"/>
-        </pc:sldMkLst>
-        <pc:spChg chg="mod">
-          <ac:chgData name="Marcia Moraes" userId="c9c67e8a-58e2-4733-9a1c-5d44fec4775b" providerId="ADAL" clId="{53741CE1-D3A2-46FF-9696-CE781C34CE81}" dt="2023-04-25T17:58:43.756" v="213" actId="1076"/>
-          <ac:spMkLst>
-            <pc:docMk/>
-            <pc:sldMk cId="3799542744" sldId="258"/>
-            <ac:spMk id="2" creationId="{C01320E0-2E7E-3541-9887-8500C2522FF6}"/>
-          </ac:spMkLst>
-        </pc:spChg>
-        <pc:spChg chg="mod">
-          <ac:chgData name="Marcia Moraes" userId="c9c67e8a-58e2-4733-9a1c-5d44fec4775b" providerId="ADAL" clId="{53741CE1-D3A2-46FF-9696-CE781C34CE81}" dt="2023-04-25T17:58:46.609" v="214" actId="1076"/>
-          <ac:spMkLst>
-            <pc:docMk/>
-            <pc:sldMk cId="3799542744" sldId="258"/>
-            <ac:spMk id="3" creationId="{344E7C9A-020B-9C42-8FF3-6B525DEFA0BD}"/>
-          </ac:spMkLst>
-        </pc:spChg>
-        <pc:spChg chg="mod">
-          <ac:chgData name="Marcia Moraes" userId="c9c67e8a-58e2-4733-9a1c-5d44fec4775b" providerId="ADAL" clId="{53741CE1-D3A2-46FF-9696-CE781C34CE81}" dt="2023-04-25T17:59:10.669" v="216" actId="14100"/>
-          <ac:spMkLst>
-            <pc:docMk/>
-            <pc:sldMk cId="3799542744" sldId="258"/>
-            <ac:spMk id="8" creationId="{FEF2A65A-3F78-B04C-BE4E-D784A850CD4E}"/>
-          </ac:spMkLst>
-        </pc:spChg>
-      </pc:sldChg>
       <pc:sldChg chg="addSp delSp modSp">
-        <pc:chgData name="Marcia Moraes" userId="c9c67e8a-58e2-4733-9a1c-5d44fec4775b" providerId="ADAL" clId="{53741CE1-D3A2-46FF-9696-CE781C34CE81}" dt="2023-04-25T18:30:45.805" v="371"/>
-        <pc:sldMkLst>
-          <pc:docMk/>
-          <pc:sldMk cId="311983275" sldId="259"/>
-        </pc:sldMkLst>
-        <pc:spChg chg="mod">
-          <ac:chgData name="Marcia Moraes" userId="c9c67e8a-58e2-4733-9a1c-5d44fec4775b" providerId="ADAL" clId="{53741CE1-D3A2-46FF-9696-CE781C34CE81}" dt="2023-04-25T18:29:48.870" v="313" actId="1076"/>
-          <ac:spMkLst>
-            <pc:docMk/>
-            <pc:sldMk cId="311983275" sldId="259"/>
-            <ac:spMk id="2" creationId="{88AE3598-7F95-7245-BF60-EA577FD87AA5}"/>
-          </ac:spMkLst>
-        </pc:spChg>
-        <pc:spChg chg="mod">
-          <ac:chgData name="Marcia Moraes" userId="c9c67e8a-58e2-4733-9a1c-5d44fec4775b" providerId="ADAL" clId="{53741CE1-D3A2-46FF-9696-CE781C34CE81}" dt="2023-04-25T18:30:39.948" v="369" actId="255"/>
-          <ac:spMkLst>
-            <pc:docMk/>
-            <pc:sldMk cId="311983275" sldId="259"/>
-            <ac:spMk id="3" creationId="{E224CD26-AE72-4442-A08A-920C27D956E2}"/>
-          </ac:spMkLst>
-        </pc:spChg>
-        <pc:spChg chg="mod">
-          <ac:chgData name="Marcia Moraes" userId="c9c67e8a-58e2-4733-9a1c-5d44fec4775b" providerId="ADAL" clId="{53741CE1-D3A2-46FF-9696-CE781C34CE81}" dt="2023-04-25T18:01:32.614" v="226" actId="14100"/>
-          <ac:spMkLst>
-            <pc:docMk/>
-            <pc:sldMk cId="311983275" sldId="259"/>
-            <ac:spMk id="5" creationId="{80FE7AD7-2774-B543-91B8-4B4FE1A61B91}"/>
-          </ac:spMkLst>
-        </pc:spChg>
-        <pc:spChg chg="add del mod">
-          <ac:chgData name="Marcia Moraes" userId="c9c67e8a-58e2-4733-9a1c-5d44fec4775b" providerId="ADAL" clId="{53741CE1-D3A2-46FF-9696-CE781C34CE81}" dt="2023-04-25T18:30:45.805" v="371"/>
-          <ac:spMkLst>
-            <pc:docMk/>
-            <pc:sldMk cId="311983275" sldId="259"/>
-            <ac:spMk id="6" creationId="{C4142801-E542-4D8F-8691-90FC909F917B}"/>
-          </ac:spMkLst>
-        </pc:spChg>
-      </pc:sldChg>
-      <pc:sldChg chg="addSp delSp modSp">
-        <pc:chgData name="Marcia Moraes" userId="c9c67e8a-58e2-4733-9a1c-5d44fec4775b" providerId="ADAL" clId="{53741CE1-D3A2-46FF-9696-CE781C34CE81}" dt="2023-04-25T18:35:16.078" v="431" actId="14100"/>
-        <pc:sldMkLst>
-          <pc:docMk/>
-          <pc:sldMk cId="170699439" sldId="260"/>
-        </pc:sldMkLst>
-        <pc:spChg chg="mod">
-          <ac:chgData name="Marcia Moraes" userId="c9c67e8a-58e2-4733-9a1c-5d44fec4775b" providerId="ADAL" clId="{53741CE1-D3A2-46FF-9696-CE781C34CE81}" dt="2023-04-25T18:33:14.926" v="417" actId="20577"/>
-          <ac:spMkLst>
-            <pc:docMk/>
-            <pc:sldMk cId="170699439" sldId="260"/>
-            <ac:spMk id="2" creationId="{F032DB5C-3924-B449-A254-956EE896D367}"/>
-          </ac:spMkLst>
-        </pc:spChg>
-        <pc:spChg chg="del mod">
-          <ac:chgData name="Marcia Moraes" userId="c9c67e8a-58e2-4733-9a1c-5d44fec4775b" providerId="ADAL" clId="{53741CE1-D3A2-46FF-9696-CE781C34CE81}" dt="2023-04-25T18:31:44.610" v="373" actId="478"/>
-          <ac:spMkLst>
-            <pc:docMk/>
-            <pc:sldMk cId="170699439" sldId="260"/>
-            <ac:spMk id="3" creationId="{6A21B95C-0522-3241-A8F1-0F91587DD94C}"/>
-          </ac:spMkLst>
-        </pc:spChg>
-        <pc:spChg chg="add mod">
-          <ac:chgData name="Marcia Moraes" userId="c9c67e8a-58e2-4733-9a1c-5d44fec4775b" providerId="ADAL" clId="{53741CE1-D3A2-46FF-9696-CE781C34CE81}" dt="2023-04-25T18:31:44.610" v="373" actId="478"/>
-          <ac:spMkLst>
-            <pc:docMk/>
-            <pc:sldMk cId="170699439" sldId="260"/>
-            <ac:spMk id="5" creationId="{2535E79B-54EA-4EBD-A718-4C825B1A6CAB}"/>
-          </ac:spMkLst>
-        </pc:spChg>
-        <pc:spChg chg="add mod">
-          <ac:chgData name="Marcia Moraes" userId="c9c67e8a-58e2-4733-9a1c-5d44fec4775b" providerId="ADAL" clId="{53741CE1-D3A2-46FF-9696-CE781C34CE81}" dt="2023-04-25T18:35:16.078" v="431" actId="14100"/>
-          <ac:spMkLst>
-            <pc:docMk/>
-            <pc:sldMk cId="170699439" sldId="260"/>
-            <ac:spMk id="6" creationId="{B08C3848-700C-42B2-8065-7B748D9FBAAE}"/>
-          </ac:spMkLst>
-        </pc:spChg>
-        <pc:picChg chg="add del mod">
-          <ac:chgData name="Marcia Moraes" userId="c9c67e8a-58e2-4733-9a1c-5d44fec4775b" providerId="ADAL" clId="{53741CE1-D3A2-46FF-9696-CE781C34CE81}" dt="2023-04-25T18:33:03.879" v="378" actId="478"/>
-          <ac:picMkLst>
-            <pc:docMk/>
-            <pc:sldMk cId="170699439" sldId="260"/>
-            <ac:picMk id="1026" creationId="{273E1BB5-0EE3-4C1A-91A9-80DB601650FA}"/>
-          </ac:picMkLst>
-        </pc:picChg>
-        <pc:picChg chg="add mod">
-          <ac:chgData name="Marcia Moraes" userId="c9c67e8a-58e2-4733-9a1c-5d44fec4775b" providerId="ADAL" clId="{53741CE1-D3A2-46FF-9696-CE781C34CE81}" dt="2023-04-25T18:33:25.182" v="419" actId="1076"/>
-          <ac:picMkLst>
-            <pc:docMk/>
-            <pc:sldMk cId="170699439" sldId="260"/>
-            <ac:picMk id="1028" creationId="{5DF9709B-3EF1-45A7-AEAA-2D3E4A7CE6D4}"/>
-          </ac:picMkLst>
-        </pc:picChg>
-        <pc:picChg chg="add mod">
-          <ac:chgData name="Marcia Moraes" userId="c9c67e8a-58e2-4733-9a1c-5d44fec4775b" providerId="ADAL" clId="{53741CE1-D3A2-46FF-9696-CE781C34CE81}" dt="2023-04-25T18:34:43.560" v="423" actId="1076"/>
-          <ac:picMkLst>
-            <pc:docMk/>
-            <pc:sldMk cId="170699439" sldId="260"/>
-            <ac:picMk id="1030" creationId="{414F6D0E-381A-482C-9D21-E392DA1B24CA}"/>
-          </ac:picMkLst>
-        </pc:picChg>
-      </pc:sldChg>
-      <pc:sldChg chg="modSp">
-        <pc:chgData name="Marcia Moraes" userId="c9c67e8a-58e2-4733-9a1c-5d44fec4775b" providerId="ADAL" clId="{53741CE1-D3A2-46FF-9696-CE781C34CE81}" dt="2023-04-25T18:03:39.125" v="254" actId="20577"/>
-        <pc:sldMkLst>
-          <pc:docMk/>
-          <pc:sldMk cId="2131549678" sldId="261"/>
-        </pc:sldMkLst>
-        <pc:spChg chg="mod">
-          <ac:chgData name="Marcia Moraes" userId="c9c67e8a-58e2-4733-9a1c-5d44fec4775b" providerId="ADAL" clId="{53741CE1-D3A2-46FF-9696-CE781C34CE81}" dt="2023-04-25T18:03:39.125" v="254" actId="20577"/>
-          <ac:spMkLst>
-            <pc:docMk/>
-            <pc:sldMk cId="2131549678" sldId="261"/>
-            <ac:spMk id="3" creationId="{E37EEB9F-F492-BF44-96E6-342CAC543EE6}"/>
-          </ac:spMkLst>
-        </pc:spChg>
-        <pc:picChg chg="mod">
-          <ac:chgData name="Marcia Moraes" userId="c9c67e8a-58e2-4733-9a1c-5d44fec4775b" providerId="ADAL" clId="{53741CE1-D3A2-46FF-9696-CE781C34CE81}" dt="2023-04-25T18:03:21.207" v="230" actId="1076"/>
-          <ac:picMkLst>
-            <pc:docMk/>
-            <pc:sldMk cId="2131549678" sldId="261"/>
-            <ac:picMk id="4" creationId="{D77678DE-2B83-9F4D-A7A8-B9E77E1098FB}"/>
-          </ac:picMkLst>
-        </pc:picChg>
-      </pc:sldChg>
-      <pc:sldChg chg="addSp delSp modSp">
-        <pc:chgData name="Marcia Moraes" userId="c9c67e8a-58e2-4733-9a1c-5d44fec4775b" providerId="ADAL" clId="{53741CE1-D3A2-46FF-9696-CE781C34CE81}" dt="2023-04-25T17:57:48.561" v="206" actId="20577"/>
+        <pc:chgData name="Marcia Moraes" userId="c9c67e8a-58e2-4733-9a1c-5d44fec4775b" providerId="ADAL" clId="{E40059A0-084C-4499-B9E0-8AE3D5F0EBF2}" dt="2023-11-28T17:56:24.341" v="84" actId="1076"/>
         <pc:sldMkLst>
           <pc:docMk/>
           <pc:sldMk cId="926474781" sldId="271"/>
         </pc:sldMkLst>
         <pc:spChg chg="mod">
-          <ac:chgData name="Marcia Moraes" userId="c9c67e8a-58e2-4733-9a1c-5d44fec4775b" providerId="ADAL" clId="{53741CE1-D3A2-46FF-9696-CE781C34CE81}" dt="2023-04-25T17:57:06.176" v="163" actId="1076"/>
-          <ac:spMkLst>
-            <pc:docMk/>
-            <pc:sldMk cId="926474781" sldId="271"/>
-            <ac:spMk id="4" creationId="{119AD8F2-D5DB-A84B-A5B3-F7935E3E6D1D}"/>
-          </ac:spMkLst>
-        </pc:spChg>
-        <pc:spChg chg="mod">
-          <ac:chgData name="Marcia Moraes" userId="c9c67e8a-58e2-4733-9a1c-5d44fec4775b" providerId="ADAL" clId="{53741CE1-D3A2-46FF-9696-CE781C34CE81}" dt="2023-04-25T17:57:48.561" v="206" actId="20577"/>
+          <ac:chgData name="Marcia Moraes" userId="c9c67e8a-58e2-4733-9a1c-5d44fec4775b" providerId="ADAL" clId="{E40059A0-084C-4499-B9E0-8AE3D5F0EBF2}" dt="2023-11-28T17:46:57.210" v="74" actId="20577"/>
           <ac:spMkLst>
             <pc:docMk/>
             <pc:sldMk cId="926474781" sldId="271"/>
             <ac:spMk id="5" creationId="{1BBD0DB5-379A-304F-9307-E7B1A89B08F7}"/>
           </ac:spMkLst>
         </pc:spChg>
-        <pc:spChg chg="add mod">
-          <ac:chgData name="Marcia Moraes" userId="c9c67e8a-58e2-4733-9a1c-5d44fec4775b" providerId="ADAL" clId="{53741CE1-D3A2-46FF-9696-CE781C34CE81}" dt="2023-04-25T17:52:00.515" v="9" actId="1076"/>
+        <pc:spChg chg="del mod">
+          <ac:chgData name="Marcia Moraes" userId="c9c67e8a-58e2-4733-9a1c-5d44fec4775b" providerId="ADAL" clId="{E40059A0-084C-4499-B9E0-8AE3D5F0EBF2}" dt="2023-11-28T17:47:02.538" v="76" actId="478"/>
           <ac:spMkLst>
             <pc:docMk/>
             <pc:sldMk cId="926474781" sldId="271"/>
             <ac:spMk id="6" creationId="{772FBA25-57F9-41AD-8CF5-B6750F6B5056}"/>
           </ac:spMkLst>
         </pc:spChg>
-        <pc:spChg chg="del">
-          <ac:chgData name="Marcia Moraes" userId="c9c67e8a-58e2-4733-9a1c-5d44fec4775b" providerId="ADAL" clId="{53741CE1-D3A2-46FF-9696-CE781C34CE81}" dt="2023-04-25T17:51:05.629" v="2" actId="478"/>
+        <pc:spChg chg="add">
+          <ac:chgData name="Marcia Moraes" userId="c9c67e8a-58e2-4733-9a1c-5d44fec4775b" providerId="ADAL" clId="{E40059A0-084C-4499-B9E0-8AE3D5F0EBF2}" dt="2023-11-28T17:47:21.953" v="77"/>
           <ac:spMkLst>
             <pc:docMk/>
             <pc:sldMk cId="926474781" sldId="271"/>
-            <ac:spMk id="8" creationId="{BAB4692C-71C9-4BC4-AAC6-FCD7E7C27E03}"/>
+            <ac:spMk id="7" creationId="{65898405-BB68-4104-886B-F7BD66E624B1}"/>
           </ac:spMkLst>
         </pc:spChg>
-      </pc:sldChg>
-      <pc:sldChg chg="modSp">
-        <pc:chgData name="Marcia Moraes" userId="c9c67e8a-58e2-4733-9a1c-5d44fec4775b" providerId="ADAL" clId="{53741CE1-D3A2-46FF-9696-CE781C34CE81}" dt="2023-04-25T18:00:24.478" v="219" actId="1076"/>
-        <pc:sldMkLst>
-          <pc:docMk/>
-          <pc:sldMk cId="1220976107" sldId="273"/>
-        </pc:sldMkLst>
-        <pc:spChg chg="mod">
-          <ac:chgData name="Marcia Moraes" userId="c9c67e8a-58e2-4733-9a1c-5d44fec4775b" providerId="ADAL" clId="{53741CE1-D3A2-46FF-9696-CE781C34CE81}" dt="2023-04-25T18:00:24.478" v="219" actId="1076"/>
-          <ac:spMkLst>
+        <pc:graphicFrameChg chg="add">
+          <ac:chgData name="Marcia Moraes" userId="c9c67e8a-58e2-4733-9a1c-5d44fec4775b" providerId="ADAL" clId="{E40059A0-084C-4499-B9E0-8AE3D5F0EBF2}" dt="2023-11-28T17:47:21.953" v="77"/>
+          <ac:graphicFrameMkLst>
             <pc:docMk/>
-            <pc:sldMk cId="1220976107" sldId="273"/>
-            <ac:spMk id="2" creationId="{C01320E0-2E7E-3541-9887-8500C2522FF6}"/>
-          </ac:spMkLst>
-        </pc:spChg>
-        <pc:spChg chg="mod">
-          <ac:chgData name="Marcia Moraes" userId="c9c67e8a-58e2-4733-9a1c-5d44fec4775b" providerId="ADAL" clId="{53741CE1-D3A2-46FF-9696-CE781C34CE81}" dt="2023-04-25T18:00:20.717" v="218" actId="1076"/>
-          <ac:spMkLst>
-            <pc:docMk/>
-            <pc:sldMk cId="1220976107" sldId="273"/>
-            <ac:spMk id="3" creationId="{344E7C9A-020B-9C42-8FF3-6B525DEFA0BD}"/>
-          </ac:spMkLst>
-        </pc:spChg>
-      </pc:sldChg>
-      <pc:sldChg chg="modSp add">
-        <pc:chgData name="Marcia Moraes" userId="c9c67e8a-58e2-4733-9a1c-5d44fec4775b" providerId="ADAL" clId="{53741CE1-D3A2-46FF-9696-CE781C34CE81}" dt="2023-04-25T18:15:50.378" v="310" actId="20577"/>
-        <pc:sldMkLst>
-          <pc:docMk/>
-          <pc:sldMk cId="3211101489" sldId="275"/>
-        </pc:sldMkLst>
-        <pc:spChg chg="mod">
-          <ac:chgData name="Marcia Moraes" userId="c9c67e8a-58e2-4733-9a1c-5d44fec4775b" providerId="ADAL" clId="{53741CE1-D3A2-46FF-9696-CE781C34CE81}" dt="2023-04-25T18:14:17.438" v="288" actId="20577"/>
-          <ac:spMkLst>
-            <pc:docMk/>
-            <pc:sldMk cId="3211101489" sldId="275"/>
-            <ac:spMk id="2" creationId="{57C1B4F6-FB64-4A07-8ABC-62DEDE52716B}"/>
-          </ac:spMkLst>
-        </pc:spChg>
-        <pc:spChg chg="mod">
-          <ac:chgData name="Marcia Moraes" userId="c9c67e8a-58e2-4733-9a1c-5d44fec4775b" providerId="ADAL" clId="{53741CE1-D3A2-46FF-9696-CE781C34CE81}" dt="2023-04-25T18:15:50.378" v="310" actId="20577"/>
-          <ac:spMkLst>
-            <pc:docMk/>
-            <pc:sldMk cId="3211101489" sldId="275"/>
-            <ac:spMk id="3" creationId="{BBEE7BAB-5975-471E-ACE7-DF64FE21B0BA}"/>
-          </ac:spMkLst>
-        </pc:spChg>
-      </pc:sldChg>
-      <pc:sldChg chg="add">
-        <pc:chgData name="Marcia Moraes" userId="c9c67e8a-58e2-4733-9a1c-5d44fec4775b" providerId="ADAL" clId="{53741CE1-D3A2-46FF-9696-CE781C34CE81}" dt="2023-04-25T18:31:40.832" v="372"/>
-        <pc:sldMkLst>
-          <pc:docMk/>
-          <pc:sldMk cId="698418822" sldId="276"/>
-        </pc:sldMkLst>
-      </pc:sldChg>
-      <pc:sldChg chg="addSp delSp modSp add">
-        <pc:chgData name="Marcia Moraes" userId="c9c67e8a-58e2-4733-9a1c-5d44fec4775b" providerId="ADAL" clId="{53741CE1-D3A2-46FF-9696-CE781C34CE81}" dt="2023-04-25T18:50:21.850" v="608" actId="20577"/>
-        <pc:sldMkLst>
-          <pc:docMk/>
-          <pc:sldMk cId="2035958454" sldId="277"/>
-        </pc:sldMkLst>
-        <pc:spChg chg="add mod">
-          <ac:chgData name="Marcia Moraes" userId="c9c67e8a-58e2-4733-9a1c-5d44fec4775b" providerId="ADAL" clId="{53741CE1-D3A2-46FF-9696-CE781C34CE81}" dt="2023-04-25T18:47:05.191" v="475" actId="255"/>
-          <ac:spMkLst>
-            <pc:docMk/>
-            <pc:sldMk cId="2035958454" sldId="277"/>
-            <ac:spMk id="3" creationId="{634F7DC6-DB8E-4FE4-80D5-A2C8FE8C71BE}"/>
-          </ac:spMkLst>
-        </pc:spChg>
-        <pc:spChg chg="del">
-          <ac:chgData name="Marcia Moraes" userId="c9c67e8a-58e2-4733-9a1c-5d44fec4775b" providerId="ADAL" clId="{53741CE1-D3A2-46FF-9696-CE781C34CE81}" dt="2023-04-25T18:38:02.473" v="441" actId="478"/>
-          <ac:spMkLst>
-            <pc:docMk/>
-            <pc:sldMk cId="2035958454" sldId="277"/>
-            <ac:spMk id="5" creationId="{2535E79B-54EA-4EBD-A718-4C825B1A6CAB}"/>
-          </ac:spMkLst>
-        </pc:spChg>
-        <pc:spChg chg="mod">
-          <ac:chgData name="Marcia Moraes" userId="c9c67e8a-58e2-4733-9a1c-5d44fec4775b" providerId="ADAL" clId="{53741CE1-D3A2-46FF-9696-CE781C34CE81}" dt="2023-04-25T18:46:54.083" v="474" actId="255"/>
-          <ac:spMkLst>
-            <pc:docMk/>
-            <pc:sldMk cId="2035958454" sldId="277"/>
-            <ac:spMk id="6" creationId="{B08C3848-700C-42B2-8065-7B748D9FBAAE}"/>
-          </ac:spMkLst>
-        </pc:spChg>
-        <pc:spChg chg="add del">
-          <ac:chgData name="Marcia Moraes" userId="c9c67e8a-58e2-4733-9a1c-5d44fec4775b" providerId="ADAL" clId="{53741CE1-D3A2-46FF-9696-CE781C34CE81}" dt="2023-04-25T18:46:37.580" v="466" actId="478"/>
-          <ac:spMkLst>
-            <pc:docMk/>
-            <pc:sldMk cId="2035958454" sldId="277"/>
-            <ac:spMk id="13" creationId="{6BD54D72-46A0-4A0E-8E26-A352D3568929}"/>
-          </ac:spMkLst>
-        </pc:spChg>
-        <pc:spChg chg="add mod">
-          <ac:chgData name="Marcia Moraes" userId="c9c67e8a-58e2-4733-9a1c-5d44fec4775b" providerId="ADAL" clId="{53741CE1-D3A2-46FF-9696-CE781C34CE81}" dt="2023-04-25T18:50:21.850" v="608" actId="20577"/>
-          <ac:spMkLst>
-            <pc:docMk/>
-            <pc:sldMk cId="2035958454" sldId="277"/>
-            <ac:spMk id="14" creationId="{78CD2659-0EAB-41DA-8D4E-B36180B9D407}"/>
-          </ac:spMkLst>
-        </pc:spChg>
-        <pc:picChg chg="del">
-          <ac:chgData name="Marcia Moraes" userId="c9c67e8a-58e2-4733-9a1c-5d44fec4775b" providerId="ADAL" clId="{53741CE1-D3A2-46FF-9696-CE781C34CE81}" dt="2023-04-25T18:36:50.530" v="434" actId="478"/>
+            <pc:sldMk cId="926474781" sldId="271"/>
+            <ac:graphicFrameMk id="8" creationId="{37651A57-AD1D-4E2B-9103-36EE55FC293C}"/>
+          </ac:graphicFrameMkLst>
+        </pc:graphicFrameChg>
+        <pc:picChg chg="add del mod">
+          <ac:chgData name="Marcia Moraes" userId="c9c67e8a-58e2-4733-9a1c-5d44fec4775b" providerId="ADAL" clId="{E40059A0-084C-4499-B9E0-8AE3D5F0EBF2}" dt="2023-11-28T17:54:29.261" v="80" actId="478"/>
           <ac:picMkLst>
             <pc:docMk/>
-            <pc:sldMk cId="2035958454" sldId="277"/>
-            <ac:picMk id="1028" creationId="{5DF9709B-3EF1-45A7-AEAA-2D3E4A7CE6D4}"/>
-          </ac:picMkLst>
-        </pc:picChg>
-        <pc:picChg chg="del">
-          <ac:chgData name="Marcia Moraes" userId="c9c67e8a-58e2-4733-9a1c-5d44fec4775b" providerId="ADAL" clId="{53741CE1-D3A2-46FF-9696-CE781C34CE81}" dt="2023-04-25T18:36:49.335" v="433" actId="478"/>
-          <ac:picMkLst>
-            <pc:docMk/>
-            <pc:sldMk cId="2035958454" sldId="277"/>
-            <ac:picMk id="1030" creationId="{414F6D0E-381A-482C-9D21-E392DA1B24CA}"/>
+            <pc:sldMk cId="926474781" sldId="271"/>
+            <ac:picMk id="1026" creationId="{E6466E6C-563D-4D5A-8A0D-B2B0CB5D87B1}"/>
           </ac:picMkLst>
         </pc:picChg>
         <pc:picChg chg="add mod">
-          <ac:chgData name="Marcia Moraes" userId="c9c67e8a-58e2-4733-9a1c-5d44fec4775b" providerId="ADAL" clId="{53741CE1-D3A2-46FF-9696-CE781C34CE81}" dt="2023-04-25T18:37:27.497" v="436" actId="1076"/>
+          <ac:chgData name="Marcia Moraes" userId="c9c67e8a-58e2-4733-9a1c-5d44fec4775b" providerId="ADAL" clId="{E40059A0-084C-4499-B9E0-8AE3D5F0EBF2}" dt="2023-11-28T17:56:24.341" v="84" actId="1076"/>
           <ac:picMkLst>
             <pc:docMk/>
-            <pc:sldMk cId="2035958454" sldId="277"/>
-            <ac:picMk id="2050" creationId="{AE9F02A4-9EE4-49F3-B8B5-95FABC48CB0A}"/>
-          </ac:picMkLst>
-        </pc:picChg>
-        <pc:picChg chg="add mod">
-          <ac:chgData name="Marcia Moraes" userId="c9c67e8a-58e2-4733-9a1c-5d44fec4775b" providerId="ADAL" clId="{53741CE1-D3A2-46FF-9696-CE781C34CE81}" dt="2023-04-25T18:41:37.576" v="445" actId="1076"/>
-          <ac:picMkLst>
-            <pc:docMk/>
-            <pc:sldMk cId="2035958454" sldId="277"/>
-            <ac:picMk id="2052" creationId="{195D0A64-DF3A-4053-84B1-F4A7324547BB}"/>
-          </ac:picMkLst>
-        </pc:picChg>
-        <pc:picChg chg="add del mod">
-          <ac:chgData name="Marcia Moraes" userId="c9c67e8a-58e2-4733-9a1c-5d44fec4775b" providerId="ADAL" clId="{53741CE1-D3A2-46FF-9696-CE781C34CE81}" dt="2023-04-25T18:41:44.154" v="448" actId="478"/>
-          <ac:picMkLst>
-            <pc:docMk/>
-            <pc:sldMk cId="2035958454" sldId="277"/>
-            <ac:picMk id="2054" creationId="{C3D22791-844E-40E0-845F-19A4AAB25DB8}"/>
-          </ac:picMkLst>
-        </pc:picChg>
-        <pc:picChg chg="add del mod">
-          <ac:chgData name="Marcia Moraes" userId="c9c67e8a-58e2-4733-9a1c-5d44fec4775b" providerId="ADAL" clId="{53741CE1-D3A2-46FF-9696-CE781C34CE81}" dt="2023-04-25T18:42:13.673" v="451" actId="478"/>
-          <ac:picMkLst>
-            <pc:docMk/>
-            <pc:sldMk cId="2035958454" sldId="277"/>
-            <ac:picMk id="2056" creationId="{022BD90D-1351-4499-939E-1D8D2CED8403}"/>
-          </ac:picMkLst>
-        </pc:picChg>
-        <pc:picChg chg="add mod">
-          <ac:chgData name="Marcia Moraes" userId="c9c67e8a-58e2-4733-9a1c-5d44fec4775b" providerId="ADAL" clId="{53741CE1-D3A2-46FF-9696-CE781C34CE81}" dt="2023-04-25T18:42:44.735" v="454" actId="1076"/>
-          <ac:picMkLst>
-            <pc:docMk/>
-            <pc:sldMk cId="2035958454" sldId="277"/>
-            <ac:picMk id="2058" creationId="{9F5D5982-89D2-4D45-B9AC-AAE61A11A5C4}"/>
+            <pc:sldMk cId="926474781" sldId="271"/>
+            <ac:picMk id="1028" creationId="{141F3B47-67D3-4C2A-9617-CD06F5C43C1F}"/>
           </ac:picMkLst>
         </pc:picChg>
       </pc:sldChg>
@@ -614,7 +298,7 @@
           <a:p>
             <a:fld id="{4D7E51A5-B478-1E40-8CBB-0DAA8831E99D}" type="datetimeFigureOut">
               <a:rPr lang="en-US" smtClean="0"/>
-              <a:t>4/25/2023</a:t>
+              <a:t>11/28/2023</a:t>
             </a:fld>
             <a:endParaRPr lang="en-US"/>
           </a:p>
@@ -779,7 +463,7 @@
           <a:p>
             <a:fld id="{D0ED587F-861E-6740-9643-E3DDAE89B8D6}" type="datetimeFigureOut">
               <a:rPr lang="en-US" smtClean="0"/>
-              <a:t>4/25/2023</a:t>
+              <a:t>11/28/2023</a:t>
             </a:fld>
             <a:endParaRPr lang="en-US"/>
           </a:p>
@@ -8687,7 +8371,7 @@
         <p:spPr>
           <a:xfrm>
             <a:off x="628076" y="1081228"/>
-            <a:ext cx="8704610" cy="5338503"/>
+            <a:ext cx="8704610" cy="5776772"/>
           </a:xfrm>
         </p:spPr>
         <p:txBody>
@@ -8719,7 +8403,7 @@
             <a:pPr lvl="1"/>
             <a:r>
               <a:rPr lang="en-US" sz="2400" dirty="0"/>
-              <a:t>Thursday – Early Take Option, Final Exam</a:t>
+              <a:t>Thursday – Time to work finish your labs and practical project work</a:t>
             </a:r>
           </a:p>
           <a:p>
@@ -8733,7 +8417,7 @@
             <a:pPr lvl="1"/>
             <a:r>
               <a:rPr lang="en-US" sz="2400" dirty="0"/>
-              <a:t>HELP DESK CLOSES - Friday May 5</a:t>
+              <a:t>HELP DESK CLOSES - Friday Dec 8</a:t>
             </a:r>
             <a:r>
               <a:rPr lang="en-US" sz="2400" baseline="30000" dirty="0"/>
@@ -8754,17 +8438,17 @@
             <a:pPr lvl="1"/>
             <a:r>
               <a:rPr lang="en-US" sz="2400" dirty="0"/>
-              <a:t>Thursday May 11 11:50-1:50 at CS110</a:t>
+              <a:t>Thursday Dec 14 11:50am-1:50pm at CS110</a:t>
             </a:r>
           </a:p>
         </p:txBody>
       </p:sp>
       <p:sp>
         <p:nvSpPr>
-          <p:cNvPr id="6" name="TextBox 5">
+          <p:cNvPr id="7" name="TextBox 6">
             <a:extLst>
               <a:ext uri="{FF2B5EF4-FFF2-40B4-BE49-F238E27FC236}">
-                <a16:creationId xmlns:a16="http://schemas.microsoft.com/office/drawing/2014/main" id="{772FBA25-57F9-41AD-8CF5-B6750F6B5056}"/>
+                <a16:creationId xmlns:a16="http://schemas.microsoft.com/office/drawing/2014/main" id="{65898405-BB68-4104-886B-F7BD66E624B1}"/>
               </a:ext>
             </a:extLst>
           </p:cNvPr>
@@ -8772,19 +8456,14 @@
           <p:nvPr/>
         </p:nvSpPr>
         <p:spPr>
-          <a:xfrm>
-            <a:off x="10348353" y="122633"/>
-            <a:ext cx="3352800" cy="7171194"/>
+          <a:xfrm flipH="1">
+            <a:off x="9942181" y="3648975"/>
+            <a:ext cx="2444933" cy="400110"/>
           </a:xfrm>
           <a:prstGeom prst="rect">
             <a:avLst/>
           </a:prstGeom>
-          <a:solidFill>
-            <a:schemeClr val="bg2">
-              <a:lumMod val="40000"/>
-              <a:lumOff val="60000"/>
-            </a:schemeClr>
-          </a:solidFill>
+          <a:noFill/>
         </p:spPr>
         <p:txBody>
           <a:bodyPr wrap="square" rtlCol="0">
@@ -8792,484 +8471,1454 @@
           </a:bodyPr>
           <a:lstStyle/>
           <a:p>
-            <a:pPr marL="0" marR="0" lvl="0" indent="0" algn="l" defTabSz="509292" rtl="0" eaLnBrk="1" fontAlgn="auto" latinLnBrk="0" hangingPunct="1">
-              <a:lnSpc>
-                <a:spcPct val="100000"/>
-              </a:lnSpc>
-              <a:spcBef>
-                <a:spcPts val="0"/>
-              </a:spcBef>
-              <a:spcAft>
-                <a:spcPts val="0"/>
-              </a:spcAft>
-              <a:buClrTx/>
-              <a:buSzTx/>
-              <a:buFontTx/>
-              <a:buNone/>
-              <a:tabLst/>
-              <a:defRPr/>
-            </a:pPr>
-            <a:r>
-              <a:rPr kumimoji="0" lang="en-US" sz="2000" b="0" i="0" u="none" strike="noStrike" kern="1200" cap="none" spc="0" normalizeH="0" baseline="0" noProof="0" dirty="0">
-                <a:ln>
-                  <a:noFill/>
-                </a:ln>
-                <a:solidFill>
-                  <a:srgbClr val="000000"/>
-                </a:solidFill>
-                <a:effectLst/>
-                <a:uLnTx/>
-                <a:uFillTx/>
-                <a:latin typeface="Arial" panose="020B0604020202020204"/>
-                <a:ea typeface="+mn-ea"/>
-                <a:cs typeface="+mn-cs"/>
-              </a:rPr>
-              <a:t>Wednesday Help Desk – </a:t>
-            </a:r>
-          </a:p>
-          <a:p>
-            <a:pPr marL="0" marR="0" lvl="0" indent="0" algn="l" defTabSz="509292" rtl="0" eaLnBrk="1" fontAlgn="auto" latinLnBrk="0" hangingPunct="1">
-              <a:lnSpc>
-                <a:spcPct val="100000"/>
-              </a:lnSpc>
-              <a:spcBef>
-                <a:spcPts val="0"/>
-              </a:spcBef>
-              <a:spcAft>
-                <a:spcPts val="0"/>
-              </a:spcAft>
-              <a:buClrTx/>
-              <a:buSzTx/>
-              <a:buFontTx/>
-              <a:buNone/>
-              <a:tabLst/>
-              <a:defRPr/>
-            </a:pPr>
-            <a:r>
-              <a:rPr kumimoji="0" lang="en-US" sz="2000" b="0" i="0" u="none" strike="noStrike" kern="1200" cap="none" spc="0" normalizeH="0" baseline="0" noProof="0" dirty="0">
-                <a:ln>
-                  <a:noFill/>
-                </a:ln>
-                <a:solidFill>
-                  <a:srgbClr val="000000"/>
-                </a:solidFill>
-                <a:effectLst/>
-                <a:uLnTx/>
-                <a:uFillTx/>
-                <a:latin typeface="Arial" panose="020B0604020202020204"/>
-                <a:ea typeface="+mn-ea"/>
-                <a:cs typeface="+mn-cs"/>
-              </a:rPr>
-              <a:t>3-4pm CSB120</a:t>
-            </a:r>
-          </a:p>
-          <a:p>
-            <a:pPr marL="0" marR="0" lvl="0" indent="0" algn="l" defTabSz="509292" rtl="0" eaLnBrk="1" fontAlgn="auto" latinLnBrk="0" hangingPunct="1">
-              <a:lnSpc>
-                <a:spcPct val="100000"/>
-              </a:lnSpc>
-              <a:spcBef>
-                <a:spcPts val="0"/>
-              </a:spcBef>
-              <a:spcAft>
-                <a:spcPts val="0"/>
-              </a:spcAft>
-              <a:buClrTx/>
-              <a:buSzTx/>
-              <a:buFontTx/>
-              <a:buNone/>
-              <a:tabLst/>
-              <a:defRPr/>
-            </a:pPr>
-            <a:endParaRPr kumimoji="0" lang="en-US" sz="2000" b="0" i="0" u="none" strike="noStrike" kern="1200" cap="none" spc="0" normalizeH="0" baseline="0" noProof="0" dirty="0">
-              <a:ln>
-                <a:noFill/>
-              </a:ln>
-              <a:solidFill>
-                <a:srgbClr val="000000"/>
-              </a:solidFill>
-              <a:effectLst/>
-              <a:uLnTx/>
-              <a:uFillTx/>
-              <a:latin typeface="Arial" panose="020B0604020202020204"/>
-              <a:ea typeface="+mn-ea"/>
-              <a:cs typeface="+mn-cs"/>
-            </a:endParaRPr>
-          </a:p>
-          <a:p>
-            <a:pPr marL="0" marR="0" lvl="0" indent="0" algn="l" defTabSz="509292" rtl="0" eaLnBrk="1" fontAlgn="auto" latinLnBrk="0" hangingPunct="1">
-              <a:lnSpc>
-                <a:spcPct val="100000"/>
-              </a:lnSpc>
-              <a:spcBef>
-                <a:spcPts val="0"/>
-              </a:spcBef>
-              <a:spcAft>
-                <a:spcPts val="0"/>
-              </a:spcAft>
-              <a:buClrTx/>
-              <a:buSzTx/>
-              <a:buFontTx/>
-              <a:buNone/>
-              <a:tabLst/>
-              <a:defRPr/>
-            </a:pPr>
-            <a:r>
-              <a:rPr kumimoji="0" lang="en-US" sz="2000" b="0" i="0" u="none" strike="noStrike" kern="1200" cap="none" spc="0" normalizeH="0" baseline="0" noProof="0" dirty="0">
-                <a:ln>
-                  <a:noFill/>
-                </a:ln>
-                <a:solidFill>
-                  <a:srgbClr val="000000"/>
-                </a:solidFill>
-                <a:effectLst/>
-                <a:uLnTx/>
-                <a:uFillTx/>
-                <a:latin typeface="Arial" panose="020B0604020202020204"/>
-                <a:ea typeface="+mn-ea"/>
-                <a:cs typeface="+mn-cs"/>
-              </a:rPr>
-              <a:t>Wednesday Help Session – </a:t>
-            </a:r>
-          </a:p>
-          <a:p>
-            <a:pPr marL="0" marR="0" lvl="0" indent="0" algn="l" defTabSz="509292" rtl="0" eaLnBrk="1" fontAlgn="auto" latinLnBrk="0" hangingPunct="1">
-              <a:lnSpc>
-                <a:spcPct val="100000"/>
-              </a:lnSpc>
-              <a:spcBef>
-                <a:spcPts val="0"/>
-              </a:spcBef>
-              <a:spcAft>
-                <a:spcPts val="0"/>
-              </a:spcAft>
-              <a:buClrTx/>
-              <a:buSzTx/>
-              <a:buFontTx/>
-              <a:buNone/>
-              <a:tabLst/>
-              <a:defRPr/>
-            </a:pPr>
-            <a:r>
-              <a:rPr kumimoji="0" lang="en-US" sz="2000" b="0" i="0" u="none" strike="noStrike" kern="1200" cap="none" spc="0" normalizeH="0" baseline="0" noProof="0" dirty="0">
-                <a:ln>
-                  <a:noFill/>
-                </a:ln>
-                <a:solidFill>
-                  <a:srgbClr val="000000"/>
-                </a:solidFill>
-                <a:effectLst/>
-                <a:uLnTx/>
-                <a:uFillTx/>
-                <a:latin typeface="Arial" panose="020B0604020202020204"/>
-                <a:ea typeface="+mn-ea"/>
-                <a:cs typeface="+mn-cs"/>
-              </a:rPr>
-              <a:t>3-4pm CSB305</a:t>
-            </a:r>
-          </a:p>
-          <a:p>
-            <a:pPr marL="0" marR="0" lvl="0" indent="0" algn="l" defTabSz="509292" rtl="0" eaLnBrk="1" fontAlgn="auto" latinLnBrk="0" hangingPunct="1">
-              <a:lnSpc>
-                <a:spcPct val="100000"/>
-              </a:lnSpc>
-              <a:spcBef>
-                <a:spcPts val="0"/>
-              </a:spcBef>
-              <a:spcAft>
-                <a:spcPts val="0"/>
-              </a:spcAft>
-              <a:buClrTx/>
-              <a:buSzTx/>
-              <a:buFontTx/>
-              <a:buNone/>
-              <a:tabLst/>
-              <a:defRPr/>
-            </a:pPr>
-            <a:endParaRPr kumimoji="0" lang="en-US" sz="2000" b="0" i="0" u="none" strike="noStrike" kern="1200" cap="none" spc="0" normalizeH="0" baseline="0" noProof="0" dirty="0">
-              <a:ln>
-                <a:noFill/>
-              </a:ln>
-              <a:solidFill>
-                <a:srgbClr val="000000"/>
-              </a:solidFill>
-              <a:effectLst/>
-              <a:uLnTx/>
-              <a:uFillTx/>
-              <a:latin typeface="Arial" panose="020B0604020202020204"/>
-              <a:ea typeface="+mn-ea"/>
-              <a:cs typeface="+mn-cs"/>
-            </a:endParaRPr>
-          </a:p>
-          <a:p>
-            <a:pPr marL="0" marR="0" lvl="0" indent="0" algn="l" defTabSz="509292" rtl="0" eaLnBrk="1" fontAlgn="auto" latinLnBrk="0" hangingPunct="1">
-              <a:lnSpc>
-                <a:spcPct val="100000"/>
-              </a:lnSpc>
-              <a:spcBef>
-                <a:spcPts val="0"/>
-              </a:spcBef>
-              <a:spcAft>
-                <a:spcPts val="0"/>
-              </a:spcAft>
-              <a:buClrTx/>
-              <a:buSzTx/>
-              <a:buFontTx/>
-              <a:buNone/>
-              <a:tabLst/>
-              <a:defRPr/>
-            </a:pPr>
-            <a:r>
-              <a:rPr kumimoji="0" lang="en-US" sz="2000" b="0" i="0" u="none" strike="noStrike" kern="1200" cap="none" spc="0" normalizeH="0" baseline="0" noProof="0" dirty="0">
-                <a:ln>
-                  <a:noFill/>
-                </a:ln>
-                <a:solidFill>
-                  <a:srgbClr val="000000"/>
-                </a:solidFill>
-                <a:effectLst/>
-                <a:uLnTx/>
-                <a:uFillTx/>
-                <a:latin typeface="Arial" panose="020B0604020202020204"/>
-                <a:ea typeface="+mn-ea"/>
-                <a:cs typeface="+mn-cs"/>
-              </a:rPr>
-              <a:t>Thursday Help Desk – </a:t>
-            </a:r>
-          </a:p>
-          <a:p>
-            <a:pPr marL="0" marR="0" lvl="0" indent="0" algn="l" defTabSz="509292" rtl="0" eaLnBrk="1" fontAlgn="auto" latinLnBrk="0" hangingPunct="1">
-              <a:lnSpc>
-                <a:spcPct val="100000"/>
-              </a:lnSpc>
-              <a:spcBef>
-                <a:spcPts val="0"/>
-              </a:spcBef>
-              <a:spcAft>
-                <a:spcPts val="0"/>
-              </a:spcAft>
-              <a:buClrTx/>
-              <a:buSzTx/>
-              <a:buFontTx/>
-              <a:buNone/>
-              <a:tabLst/>
-              <a:defRPr/>
-            </a:pPr>
-            <a:r>
-              <a:rPr kumimoji="0" lang="en-US" sz="2000" b="0" i="0" u="none" strike="noStrike" kern="1200" cap="none" spc="0" normalizeH="0" baseline="0" noProof="0" dirty="0">
-                <a:ln>
-                  <a:noFill/>
-                </a:ln>
-                <a:solidFill>
-                  <a:srgbClr val="000000"/>
-                </a:solidFill>
-                <a:effectLst/>
-                <a:uLnTx/>
-                <a:uFillTx/>
-                <a:latin typeface="Arial" panose="020B0604020202020204"/>
-                <a:ea typeface="+mn-ea"/>
-                <a:cs typeface="+mn-cs"/>
-              </a:rPr>
-              <a:t>6-8pm Teams</a:t>
-            </a:r>
-          </a:p>
-          <a:p>
-            <a:pPr marL="0" marR="0" lvl="0" indent="0" algn="l" defTabSz="509292" rtl="0" eaLnBrk="1" fontAlgn="auto" latinLnBrk="0" hangingPunct="1">
-              <a:lnSpc>
-                <a:spcPct val="100000"/>
-              </a:lnSpc>
-              <a:spcBef>
-                <a:spcPts val="0"/>
-              </a:spcBef>
-              <a:spcAft>
-                <a:spcPts val="0"/>
-              </a:spcAft>
-              <a:buClrTx/>
-              <a:buSzTx/>
-              <a:buFontTx/>
-              <a:buNone/>
-              <a:tabLst/>
-              <a:defRPr/>
-            </a:pPr>
-            <a:endParaRPr kumimoji="0" lang="en-US" sz="2000" b="0" i="0" u="none" strike="noStrike" kern="1200" cap="none" spc="0" normalizeH="0" baseline="0" noProof="0" dirty="0">
-              <a:ln>
-                <a:noFill/>
-              </a:ln>
-              <a:solidFill>
-                <a:srgbClr val="000000"/>
-              </a:solidFill>
-              <a:effectLst/>
-              <a:uLnTx/>
-              <a:uFillTx/>
-              <a:latin typeface="Arial" panose="020B0604020202020204"/>
-              <a:ea typeface="+mn-ea"/>
-              <a:cs typeface="+mn-cs"/>
-            </a:endParaRPr>
-          </a:p>
-          <a:p>
-            <a:pPr marL="0" marR="0" lvl="0" indent="0" algn="l" defTabSz="509292" rtl="0" eaLnBrk="1" fontAlgn="auto" latinLnBrk="0" hangingPunct="1">
-              <a:lnSpc>
-                <a:spcPct val="100000"/>
-              </a:lnSpc>
-              <a:spcBef>
-                <a:spcPts val="0"/>
-              </a:spcBef>
-              <a:spcAft>
-                <a:spcPts val="0"/>
-              </a:spcAft>
-              <a:buClrTx/>
-              <a:buSzTx/>
-              <a:buFontTx/>
-              <a:buNone/>
-              <a:tabLst/>
-              <a:defRPr/>
-            </a:pPr>
-            <a:r>
-              <a:rPr kumimoji="0" lang="en-US" sz="2000" b="0" i="0" u="none" strike="noStrike" kern="1200" cap="none" spc="0" normalizeH="0" baseline="0" noProof="0" dirty="0">
-                <a:ln>
-                  <a:noFill/>
-                </a:ln>
-                <a:solidFill>
-                  <a:srgbClr val="000000"/>
-                </a:solidFill>
-                <a:effectLst/>
-                <a:uLnTx/>
-                <a:uFillTx/>
-                <a:latin typeface="Arial" panose="020B0604020202020204"/>
-                <a:ea typeface="+mn-ea"/>
-                <a:cs typeface="+mn-cs"/>
-              </a:rPr>
-              <a:t>Thursday Help Session –</a:t>
-            </a:r>
-          </a:p>
-          <a:p>
-            <a:pPr marL="0" marR="0" lvl="0" indent="0" algn="l" defTabSz="509292" rtl="0" eaLnBrk="1" fontAlgn="auto" latinLnBrk="0" hangingPunct="1">
-              <a:lnSpc>
-                <a:spcPct val="100000"/>
-              </a:lnSpc>
-              <a:spcBef>
-                <a:spcPts val="0"/>
-              </a:spcBef>
-              <a:spcAft>
-                <a:spcPts val="0"/>
-              </a:spcAft>
-              <a:buClrTx/>
-              <a:buSzTx/>
-              <a:buFontTx/>
-              <a:buNone/>
-              <a:tabLst/>
-              <a:defRPr/>
-            </a:pPr>
-            <a:r>
-              <a:rPr kumimoji="0" lang="en-US" sz="2000" b="0" i="0" u="none" strike="noStrike" kern="1200" cap="none" spc="0" normalizeH="0" baseline="0" noProof="0" dirty="0">
-                <a:ln>
-                  <a:noFill/>
-                </a:ln>
-                <a:solidFill>
-                  <a:srgbClr val="000000"/>
-                </a:solidFill>
-                <a:effectLst/>
-                <a:uLnTx/>
-                <a:uFillTx/>
-                <a:latin typeface="Arial" panose="020B0604020202020204"/>
-                <a:ea typeface="+mn-ea"/>
-                <a:cs typeface="+mn-cs"/>
-              </a:rPr>
-              <a:t>3:30-4:30pm Teams </a:t>
-            </a:r>
-          </a:p>
-          <a:p>
-            <a:pPr marL="0" marR="0" lvl="0" indent="0" algn="l" defTabSz="509292" rtl="0" eaLnBrk="1" fontAlgn="auto" latinLnBrk="0" hangingPunct="1">
-              <a:lnSpc>
-                <a:spcPct val="100000"/>
-              </a:lnSpc>
-              <a:spcBef>
-                <a:spcPts val="0"/>
-              </a:spcBef>
-              <a:spcAft>
-                <a:spcPts val="0"/>
-              </a:spcAft>
-              <a:buClrTx/>
-              <a:buSzTx/>
-              <a:buFontTx/>
-              <a:buNone/>
-              <a:tabLst/>
-              <a:defRPr/>
-            </a:pPr>
-            <a:endParaRPr kumimoji="0" lang="en-US" sz="2000" b="0" i="0" u="none" strike="noStrike" kern="1200" cap="none" spc="0" normalizeH="0" baseline="0" noProof="0" dirty="0">
-              <a:ln>
-                <a:noFill/>
-              </a:ln>
-              <a:solidFill>
-                <a:srgbClr val="000000"/>
-              </a:solidFill>
-              <a:effectLst/>
-              <a:uLnTx/>
-              <a:uFillTx/>
-              <a:latin typeface="Arial" panose="020B0604020202020204"/>
-              <a:ea typeface="+mn-ea"/>
-              <a:cs typeface="+mn-cs"/>
-            </a:endParaRPr>
-          </a:p>
-          <a:p>
             <a:r>
               <a:rPr lang="en-US" dirty="0"/>
-              <a:t>Friday Help Desk – </a:t>
-            </a:r>
-          </a:p>
-          <a:p>
-            <a:r>
-              <a:rPr lang="en-US" dirty="0"/>
-              <a:t>12-4pm CSB120</a:t>
-            </a:r>
-          </a:p>
-          <a:p>
-            <a:endParaRPr lang="en-US" dirty="0"/>
-          </a:p>
-          <a:p>
-            <a:r>
-              <a:rPr lang="en-US" dirty="0"/>
-              <a:t>Friday Help Session – </a:t>
-            </a:r>
-          </a:p>
-          <a:p>
-            <a:r>
-              <a:rPr lang="en-US" dirty="0"/>
-              <a:t>1-2pm Teams</a:t>
-            </a:r>
-          </a:p>
-          <a:p>
-            <a:endParaRPr lang="en-US" dirty="0"/>
-          </a:p>
-          <a:p>
-            <a:r>
-              <a:rPr lang="en-US" dirty="0"/>
-              <a:t>Saturday Help Desk – </a:t>
-            </a:r>
-          </a:p>
-          <a:p>
-            <a:r>
-              <a:rPr lang="en-US" dirty="0"/>
-              <a:t>12-4pm Teams</a:t>
-            </a:r>
-          </a:p>
-          <a:p>
-            <a:endParaRPr lang="en-US" dirty="0"/>
-          </a:p>
-          <a:p>
-            <a:r>
-              <a:rPr lang="en-US" dirty="0"/>
-              <a:t>Sunday Help Desk –</a:t>
-            </a:r>
-          </a:p>
-          <a:p>
-            <a:r>
-              <a:rPr lang="en-US" dirty="0"/>
-              <a:t>3-7pm Teams </a:t>
+              <a:t>Help Desk</a:t>
             </a:r>
           </a:p>
         </p:txBody>
       </p:sp>
+      <p:graphicFrame>
+        <p:nvGraphicFramePr>
+          <p:cNvPr id="8" name="Table 7">
+            <a:extLst>
+              <a:ext uri="{FF2B5EF4-FFF2-40B4-BE49-F238E27FC236}">
+                <a16:creationId xmlns:a16="http://schemas.microsoft.com/office/drawing/2014/main" id="{37651A57-AD1D-4E2B-9103-36EE55FC293C}"/>
+              </a:ext>
+            </a:extLst>
+          </p:cNvPr>
+          <p:cNvGraphicFramePr>
+            <a:graphicFrameLocks noGrp="1"/>
+          </p:cNvGraphicFramePr>
+          <p:nvPr>
+            <p:extLst/>
+          </p:nvPr>
+        </p:nvGraphicFramePr>
+        <p:xfrm>
+          <a:off x="9987253" y="4063757"/>
+          <a:ext cx="3572199" cy="3253859"/>
+        </p:xfrm>
+        <a:graphic>
+          <a:graphicData uri="http://schemas.openxmlformats.org/drawingml/2006/table">
+            <a:tbl>
+              <a:tblPr firstRow="1">
+                <a:tableStyleId>{5C22544A-7EE6-4342-B048-85BDC9FD1C3A}</a:tableStyleId>
+              </a:tblPr>
+              <a:tblGrid>
+                <a:gridCol w="1105468">
+                  <a:extLst>
+                    <a:ext uri="{9D8B030D-6E8A-4147-A177-3AD203B41FA5}">
+                      <a16:colId xmlns:a16="http://schemas.microsoft.com/office/drawing/2014/main" val="1333462331"/>
+                    </a:ext>
+                  </a:extLst>
+                </a:gridCol>
+                <a:gridCol w="2466731">
+                  <a:extLst>
+                    <a:ext uri="{9D8B030D-6E8A-4147-A177-3AD203B41FA5}">
+                      <a16:colId xmlns:a16="http://schemas.microsoft.com/office/drawing/2014/main" val="668155110"/>
+                    </a:ext>
+                  </a:extLst>
+                </a:gridCol>
+              </a:tblGrid>
+              <a:tr h="165373">
+                <a:tc>
+                  <a:txBody>
+                    <a:bodyPr/>
+                    <a:lstStyle/>
+                    <a:p>
+                      <a:pPr marL="0" marR="0">
+                        <a:lnSpc>
+                          <a:spcPct val="107000"/>
+                        </a:lnSpc>
+                        <a:spcBef>
+                          <a:spcPts val="0"/>
+                        </a:spcBef>
+                        <a:spcAft>
+                          <a:spcPts val="800"/>
+                        </a:spcAft>
+                      </a:pPr>
+                      <a:r>
+                        <a:rPr lang="en-US" sz="1600" dirty="0">
+                          <a:solidFill>
+                            <a:schemeClr val="tx1"/>
+                          </a:solidFill>
+                          <a:effectLst/>
+                        </a:rPr>
+                        <a:t>Day</a:t>
+                      </a:r>
+                      <a:endParaRPr lang="en-US" sz="1600" dirty="0">
+                        <a:solidFill>
+                          <a:schemeClr val="tx1"/>
+                        </a:solidFill>
+                        <a:effectLst/>
+                        <a:latin typeface="Calibri" panose="020F0502020204030204" pitchFamily="34" charset="0"/>
+                        <a:ea typeface="Calibri" panose="020F0502020204030204" pitchFamily="34" charset="0"/>
+                        <a:cs typeface="Times New Roman" panose="02020603050405020304" pitchFamily="18" charset="0"/>
+                      </a:endParaRPr>
+                    </a:p>
+                  </a:txBody>
+                  <a:tcPr marL="15875" marR="15875" marT="15875" marB="15875" anchor="ctr">
+                    <a:lnL w="12700" cap="flat" cmpd="sng" algn="ctr">
+                      <a:solidFill>
+                        <a:schemeClr val="tx1"/>
+                      </a:solidFill>
+                      <a:prstDash val="solid"/>
+                      <a:round/>
+                      <a:headEnd type="none" w="med" len="med"/>
+                      <a:tailEnd type="none" w="med" len="med"/>
+                    </a:lnL>
+                    <a:lnR w="12700" cap="flat" cmpd="sng" algn="ctr">
+                      <a:solidFill>
+                        <a:schemeClr val="tx1"/>
+                      </a:solidFill>
+                      <a:prstDash val="solid"/>
+                      <a:round/>
+                      <a:headEnd type="none" w="med" len="med"/>
+                      <a:tailEnd type="none" w="med" len="med"/>
+                    </a:lnR>
+                    <a:lnT w="12700" cap="flat" cmpd="sng" algn="ctr">
+                      <a:solidFill>
+                        <a:schemeClr val="tx1"/>
+                      </a:solidFill>
+                      <a:prstDash val="solid"/>
+                      <a:round/>
+                      <a:headEnd type="none" w="med" len="med"/>
+                      <a:tailEnd type="none" w="med" len="med"/>
+                    </a:lnT>
+                    <a:lnB w="12700" cap="flat" cmpd="sng" algn="ctr">
+                      <a:solidFill>
+                        <a:schemeClr val="tx1"/>
+                      </a:solidFill>
+                      <a:prstDash val="solid"/>
+                      <a:round/>
+                      <a:headEnd type="none" w="med" len="med"/>
+                      <a:tailEnd type="none" w="med" len="med"/>
+                    </a:lnB>
+                    <a:lnTlToBr w="12700" cmpd="sng">
+                      <a:noFill/>
+                      <a:prstDash val="solid"/>
+                    </a:lnTlToBr>
+                    <a:lnBlToTr w="12700" cmpd="sng">
+                      <a:noFill/>
+                      <a:prstDash val="solid"/>
+                    </a:lnBlToTr>
+                    <a:solidFill>
+                      <a:schemeClr val="bg1"/>
+                    </a:solidFill>
+                  </a:tcPr>
+                </a:tc>
+                <a:tc>
+                  <a:txBody>
+                    <a:bodyPr/>
+                    <a:lstStyle/>
+                    <a:p>
+                      <a:pPr marL="0" marR="0">
+                        <a:lnSpc>
+                          <a:spcPct val="107000"/>
+                        </a:lnSpc>
+                        <a:spcBef>
+                          <a:spcPts val="0"/>
+                        </a:spcBef>
+                        <a:spcAft>
+                          <a:spcPts val="800"/>
+                        </a:spcAft>
+                      </a:pPr>
+                      <a:r>
+                        <a:rPr lang="en-US" sz="1600" dirty="0">
+                          <a:solidFill>
+                            <a:schemeClr val="tx1"/>
+                          </a:solidFill>
+                          <a:effectLst/>
+                        </a:rPr>
+                        <a:t>Time : Room</a:t>
+                      </a:r>
+                      <a:endParaRPr lang="en-US" sz="1600" dirty="0">
+                        <a:solidFill>
+                          <a:schemeClr val="tx1"/>
+                        </a:solidFill>
+                        <a:effectLst/>
+                        <a:latin typeface="Calibri" panose="020F0502020204030204" pitchFamily="34" charset="0"/>
+                        <a:ea typeface="Calibri" panose="020F0502020204030204" pitchFamily="34" charset="0"/>
+                        <a:cs typeface="Times New Roman" panose="02020603050405020304" pitchFamily="18" charset="0"/>
+                      </a:endParaRPr>
+                    </a:p>
+                  </a:txBody>
+                  <a:tcPr marL="15875" marR="15875" marT="15875" marB="15875" anchor="ctr">
+                    <a:lnL w="12700" cap="flat" cmpd="sng" algn="ctr">
+                      <a:solidFill>
+                        <a:schemeClr val="tx1"/>
+                      </a:solidFill>
+                      <a:prstDash val="solid"/>
+                      <a:round/>
+                      <a:headEnd type="none" w="med" len="med"/>
+                      <a:tailEnd type="none" w="med" len="med"/>
+                    </a:lnL>
+                    <a:lnR w="12700" cap="flat" cmpd="sng" algn="ctr">
+                      <a:solidFill>
+                        <a:schemeClr val="tx1"/>
+                      </a:solidFill>
+                      <a:prstDash val="solid"/>
+                      <a:round/>
+                      <a:headEnd type="none" w="med" len="med"/>
+                      <a:tailEnd type="none" w="med" len="med"/>
+                    </a:lnR>
+                    <a:lnT w="12700" cap="flat" cmpd="sng" algn="ctr">
+                      <a:solidFill>
+                        <a:schemeClr val="tx1"/>
+                      </a:solidFill>
+                      <a:prstDash val="solid"/>
+                      <a:round/>
+                      <a:headEnd type="none" w="med" len="med"/>
+                      <a:tailEnd type="none" w="med" len="med"/>
+                    </a:lnT>
+                    <a:lnB w="12700" cap="flat" cmpd="sng" algn="ctr">
+                      <a:solidFill>
+                        <a:schemeClr val="tx1"/>
+                      </a:solidFill>
+                      <a:prstDash val="solid"/>
+                      <a:round/>
+                      <a:headEnd type="none" w="med" len="med"/>
+                      <a:tailEnd type="none" w="med" len="med"/>
+                    </a:lnB>
+                    <a:lnTlToBr w="12700" cmpd="sng">
+                      <a:noFill/>
+                      <a:prstDash val="solid"/>
+                    </a:lnTlToBr>
+                    <a:lnBlToTr w="12700" cmpd="sng">
+                      <a:noFill/>
+                      <a:prstDash val="solid"/>
+                    </a:lnBlToTr>
+                    <a:solidFill>
+                      <a:schemeClr val="bg1"/>
+                    </a:solidFill>
+                  </a:tcPr>
+                </a:tc>
+                <a:extLst>
+                  <a:ext uri="{0D108BD9-81ED-4DB2-BD59-A6C34878D82A}">
+                    <a16:rowId xmlns:a16="http://schemas.microsoft.com/office/drawing/2014/main" val="3093163206"/>
+                  </a:ext>
+                </a:extLst>
+              </a:tr>
+              <a:tr h="581669">
+                <a:tc>
+                  <a:txBody>
+                    <a:bodyPr/>
+                    <a:lstStyle/>
+                    <a:p>
+                      <a:pPr marL="0" marR="0">
+                        <a:lnSpc>
+                          <a:spcPct val="107000"/>
+                        </a:lnSpc>
+                        <a:spcBef>
+                          <a:spcPts val="0"/>
+                        </a:spcBef>
+                        <a:spcAft>
+                          <a:spcPts val="800"/>
+                        </a:spcAft>
+                      </a:pPr>
+                      <a:r>
+                        <a:rPr lang="en-US" sz="1600" dirty="0">
+                          <a:effectLst/>
+                        </a:rPr>
+                        <a:t>Monday</a:t>
+                      </a:r>
+                      <a:endParaRPr lang="en-US" sz="1600" dirty="0">
+                        <a:effectLst/>
+                        <a:latin typeface="Calibri" panose="020F0502020204030204" pitchFamily="34" charset="0"/>
+                        <a:ea typeface="Calibri" panose="020F0502020204030204" pitchFamily="34" charset="0"/>
+                        <a:cs typeface="Times New Roman" panose="02020603050405020304" pitchFamily="18" charset="0"/>
+                      </a:endParaRPr>
+                    </a:p>
+                  </a:txBody>
+                  <a:tcPr marL="15875" marR="15875" marT="15875" marB="15875" anchor="ctr">
+                    <a:lnL w="12700" cap="flat" cmpd="sng" algn="ctr">
+                      <a:solidFill>
+                        <a:schemeClr val="tx1"/>
+                      </a:solidFill>
+                      <a:prstDash val="solid"/>
+                      <a:round/>
+                      <a:headEnd type="none" w="med" len="med"/>
+                      <a:tailEnd type="none" w="med" len="med"/>
+                    </a:lnL>
+                    <a:lnR w="12700" cap="flat" cmpd="sng" algn="ctr">
+                      <a:solidFill>
+                        <a:schemeClr val="tx1"/>
+                      </a:solidFill>
+                      <a:prstDash val="solid"/>
+                      <a:round/>
+                      <a:headEnd type="none" w="med" len="med"/>
+                      <a:tailEnd type="none" w="med" len="med"/>
+                    </a:lnR>
+                    <a:lnT w="12700" cap="flat" cmpd="sng" algn="ctr">
+                      <a:solidFill>
+                        <a:schemeClr val="tx1"/>
+                      </a:solidFill>
+                      <a:prstDash val="solid"/>
+                      <a:round/>
+                      <a:headEnd type="none" w="med" len="med"/>
+                      <a:tailEnd type="none" w="med" len="med"/>
+                    </a:lnT>
+                    <a:lnB w="12700" cap="flat" cmpd="sng" algn="ctr">
+                      <a:solidFill>
+                        <a:schemeClr val="tx1"/>
+                      </a:solidFill>
+                      <a:prstDash val="solid"/>
+                      <a:round/>
+                      <a:headEnd type="none" w="med" len="med"/>
+                      <a:tailEnd type="none" w="med" len="med"/>
+                    </a:lnB>
+                    <a:lnTlToBr w="12700" cmpd="sng">
+                      <a:noFill/>
+                      <a:prstDash val="solid"/>
+                    </a:lnTlToBr>
+                    <a:lnBlToTr w="12700" cmpd="sng">
+                      <a:noFill/>
+                      <a:prstDash val="solid"/>
+                    </a:lnBlToTr>
+                    <a:solidFill>
+                      <a:schemeClr val="bg1"/>
+                    </a:solidFill>
+                  </a:tcPr>
+                </a:tc>
+                <a:tc>
+                  <a:txBody>
+                    <a:bodyPr/>
+                    <a:lstStyle/>
+                    <a:p>
+                      <a:pPr marL="0" marR="0">
+                        <a:lnSpc>
+                          <a:spcPct val="107000"/>
+                        </a:lnSpc>
+                        <a:spcBef>
+                          <a:spcPts val="0"/>
+                        </a:spcBef>
+                        <a:spcAft>
+                          <a:spcPts val="800"/>
+                        </a:spcAft>
+                      </a:pPr>
+                      <a:r>
+                        <a:rPr lang="en-US" sz="1600" dirty="0">
+                          <a:effectLst/>
+                        </a:rPr>
+                        <a:t>12 PM - 2 PM : CSB 120</a:t>
+                      </a:r>
+                      <a:endParaRPr lang="en-US" sz="1600" dirty="0">
+                        <a:effectLst/>
+                        <a:latin typeface="Calibri" panose="020F0502020204030204" pitchFamily="34" charset="0"/>
+                        <a:ea typeface="Calibri" panose="020F0502020204030204" pitchFamily="34" charset="0"/>
+                        <a:cs typeface="Times New Roman" panose="02020603050405020304" pitchFamily="18" charset="0"/>
+                      </a:endParaRPr>
+                    </a:p>
+                  </a:txBody>
+                  <a:tcPr marL="15875" marR="15875" marT="15875" marB="15875" anchor="ctr">
+                    <a:lnL w="12700" cap="flat" cmpd="sng" algn="ctr">
+                      <a:solidFill>
+                        <a:schemeClr val="tx1"/>
+                      </a:solidFill>
+                      <a:prstDash val="solid"/>
+                      <a:round/>
+                      <a:headEnd type="none" w="med" len="med"/>
+                      <a:tailEnd type="none" w="med" len="med"/>
+                    </a:lnL>
+                    <a:lnR w="12700" cap="flat" cmpd="sng" algn="ctr">
+                      <a:solidFill>
+                        <a:schemeClr val="tx1"/>
+                      </a:solidFill>
+                      <a:prstDash val="solid"/>
+                      <a:round/>
+                      <a:headEnd type="none" w="med" len="med"/>
+                      <a:tailEnd type="none" w="med" len="med"/>
+                    </a:lnR>
+                    <a:lnT w="12700" cap="flat" cmpd="sng" algn="ctr">
+                      <a:solidFill>
+                        <a:schemeClr val="tx1"/>
+                      </a:solidFill>
+                      <a:prstDash val="solid"/>
+                      <a:round/>
+                      <a:headEnd type="none" w="med" len="med"/>
+                      <a:tailEnd type="none" w="med" len="med"/>
+                    </a:lnT>
+                    <a:lnB w="12700" cap="flat" cmpd="sng" algn="ctr">
+                      <a:solidFill>
+                        <a:schemeClr val="tx1"/>
+                      </a:solidFill>
+                      <a:prstDash val="solid"/>
+                      <a:round/>
+                      <a:headEnd type="none" w="med" len="med"/>
+                      <a:tailEnd type="none" w="med" len="med"/>
+                    </a:lnB>
+                    <a:lnTlToBr w="12700" cmpd="sng">
+                      <a:noFill/>
+                      <a:prstDash val="solid"/>
+                    </a:lnTlToBr>
+                    <a:lnBlToTr w="12700" cmpd="sng">
+                      <a:noFill/>
+                      <a:prstDash val="solid"/>
+                    </a:lnBlToTr>
+                    <a:solidFill>
+                      <a:schemeClr val="bg1"/>
+                    </a:solidFill>
+                  </a:tcPr>
+                </a:tc>
+                <a:extLst>
+                  <a:ext uri="{0D108BD9-81ED-4DB2-BD59-A6C34878D82A}">
+                    <a16:rowId xmlns:a16="http://schemas.microsoft.com/office/drawing/2014/main" val="1139786997"/>
+                  </a:ext>
+                </a:extLst>
+              </a:tr>
+              <a:tr h="307347">
+                <a:tc>
+                  <a:txBody>
+                    <a:bodyPr/>
+                    <a:lstStyle/>
+                    <a:p>
+                      <a:pPr marL="0" marR="0">
+                        <a:lnSpc>
+                          <a:spcPct val="107000"/>
+                        </a:lnSpc>
+                        <a:spcBef>
+                          <a:spcPts val="0"/>
+                        </a:spcBef>
+                        <a:spcAft>
+                          <a:spcPts val="800"/>
+                        </a:spcAft>
+                      </a:pPr>
+                      <a:r>
+                        <a:rPr lang="en-US" sz="1600">
+                          <a:effectLst/>
+                        </a:rPr>
+                        <a:t>Tuesday</a:t>
+                      </a:r>
+                      <a:endParaRPr lang="en-US" sz="1600">
+                        <a:effectLst/>
+                        <a:latin typeface="Calibri" panose="020F0502020204030204" pitchFamily="34" charset="0"/>
+                        <a:ea typeface="Calibri" panose="020F0502020204030204" pitchFamily="34" charset="0"/>
+                        <a:cs typeface="Times New Roman" panose="02020603050405020304" pitchFamily="18" charset="0"/>
+                      </a:endParaRPr>
+                    </a:p>
+                  </a:txBody>
+                  <a:tcPr marL="15875" marR="15875" marT="15875" marB="15875" anchor="ctr">
+                    <a:lnL w="12700" cap="flat" cmpd="sng" algn="ctr">
+                      <a:solidFill>
+                        <a:schemeClr val="tx1"/>
+                      </a:solidFill>
+                      <a:prstDash val="solid"/>
+                      <a:round/>
+                      <a:headEnd type="none" w="med" len="med"/>
+                      <a:tailEnd type="none" w="med" len="med"/>
+                    </a:lnL>
+                    <a:lnR w="12700" cap="flat" cmpd="sng" algn="ctr">
+                      <a:solidFill>
+                        <a:schemeClr val="tx1"/>
+                      </a:solidFill>
+                      <a:prstDash val="solid"/>
+                      <a:round/>
+                      <a:headEnd type="none" w="med" len="med"/>
+                      <a:tailEnd type="none" w="med" len="med"/>
+                    </a:lnR>
+                    <a:lnT w="12700" cap="flat" cmpd="sng" algn="ctr">
+                      <a:solidFill>
+                        <a:schemeClr val="tx1"/>
+                      </a:solidFill>
+                      <a:prstDash val="solid"/>
+                      <a:round/>
+                      <a:headEnd type="none" w="med" len="med"/>
+                      <a:tailEnd type="none" w="med" len="med"/>
+                    </a:lnT>
+                    <a:lnB w="12700" cap="flat" cmpd="sng" algn="ctr">
+                      <a:solidFill>
+                        <a:schemeClr val="tx1"/>
+                      </a:solidFill>
+                      <a:prstDash val="solid"/>
+                      <a:round/>
+                      <a:headEnd type="none" w="med" len="med"/>
+                      <a:tailEnd type="none" w="med" len="med"/>
+                    </a:lnB>
+                    <a:lnTlToBr w="12700" cmpd="sng">
+                      <a:noFill/>
+                      <a:prstDash val="solid"/>
+                    </a:lnTlToBr>
+                    <a:lnBlToTr w="12700" cmpd="sng">
+                      <a:noFill/>
+                      <a:prstDash val="solid"/>
+                    </a:lnBlToTr>
+                    <a:solidFill>
+                      <a:schemeClr val="bg1"/>
+                    </a:solidFill>
+                  </a:tcPr>
+                </a:tc>
+                <a:tc>
+                  <a:txBody>
+                    <a:bodyPr/>
+                    <a:lstStyle/>
+                    <a:p>
+                      <a:pPr marL="0" marR="0">
+                        <a:lnSpc>
+                          <a:spcPct val="107000"/>
+                        </a:lnSpc>
+                        <a:spcBef>
+                          <a:spcPts val="0"/>
+                        </a:spcBef>
+                        <a:spcAft>
+                          <a:spcPts val="800"/>
+                        </a:spcAft>
+                      </a:pPr>
+                      <a:r>
+                        <a:rPr lang="en-US" sz="1600">
+                          <a:effectLst/>
+                        </a:rPr>
+                        <a:t>6 PM - 8 PM : Teams</a:t>
+                      </a:r>
+                      <a:endParaRPr lang="en-US" sz="1600">
+                        <a:effectLst/>
+                        <a:latin typeface="Calibri" panose="020F0502020204030204" pitchFamily="34" charset="0"/>
+                        <a:ea typeface="Calibri" panose="020F0502020204030204" pitchFamily="34" charset="0"/>
+                        <a:cs typeface="Times New Roman" panose="02020603050405020304" pitchFamily="18" charset="0"/>
+                      </a:endParaRPr>
+                    </a:p>
+                  </a:txBody>
+                  <a:tcPr marL="15875" marR="15875" marT="15875" marB="15875" anchor="ctr">
+                    <a:lnL w="12700" cap="flat" cmpd="sng" algn="ctr">
+                      <a:solidFill>
+                        <a:schemeClr val="tx1"/>
+                      </a:solidFill>
+                      <a:prstDash val="solid"/>
+                      <a:round/>
+                      <a:headEnd type="none" w="med" len="med"/>
+                      <a:tailEnd type="none" w="med" len="med"/>
+                    </a:lnL>
+                    <a:lnR w="12700" cap="flat" cmpd="sng" algn="ctr">
+                      <a:solidFill>
+                        <a:schemeClr val="tx1"/>
+                      </a:solidFill>
+                      <a:prstDash val="solid"/>
+                      <a:round/>
+                      <a:headEnd type="none" w="med" len="med"/>
+                      <a:tailEnd type="none" w="med" len="med"/>
+                    </a:lnR>
+                    <a:lnT w="12700" cap="flat" cmpd="sng" algn="ctr">
+                      <a:solidFill>
+                        <a:schemeClr val="tx1"/>
+                      </a:solidFill>
+                      <a:prstDash val="solid"/>
+                      <a:round/>
+                      <a:headEnd type="none" w="med" len="med"/>
+                      <a:tailEnd type="none" w="med" len="med"/>
+                    </a:lnT>
+                    <a:lnB w="12700" cap="flat" cmpd="sng" algn="ctr">
+                      <a:solidFill>
+                        <a:schemeClr val="tx1"/>
+                      </a:solidFill>
+                      <a:prstDash val="solid"/>
+                      <a:round/>
+                      <a:headEnd type="none" w="med" len="med"/>
+                      <a:tailEnd type="none" w="med" len="med"/>
+                    </a:lnB>
+                    <a:lnTlToBr w="12700" cmpd="sng">
+                      <a:noFill/>
+                      <a:prstDash val="solid"/>
+                    </a:lnTlToBr>
+                    <a:lnBlToTr w="12700" cmpd="sng">
+                      <a:noFill/>
+                      <a:prstDash val="solid"/>
+                    </a:lnBlToTr>
+                    <a:solidFill>
+                      <a:schemeClr val="bg1"/>
+                    </a:solidFill>
+                  </a:tcPr>
+                </a:tc>
+                <a:extLst>
+                  <a:ext uri="{0D108BD9-81ED-4DB2-BD59-A6C34878D82A}">
+                    <a16:rowId xmlns:a16="http://schemas.microsoft.com/office/drawing/2014/main" val="1164388044"/>
+                  </a:ext>
+                </a:extLst>
+              </a:tr>
+              <a:tr h="581669">
+                <a:tc>
+                  <a:txBody>
+                    <a:bodyPr/>
+                    <a:lstStyle/>
+                    <a:p>
+                      <a:pPr marL="0" marR="0">
+                        <a:lnSpc>
+                          <a:spcPct val="107000"/>
+                        </a:lnSpc>
+                        <a:spcBef>
+                          <a:spcPts val="0"/>
+                        </a:spcBef>
+                        <a:spcAft>
+                          <a:spcPts val="800"/>
+                        </a:spcAft>
+                      </a:pPr>
+                      <a:r>
+                        <a:rPr lang="en-US" sz="1600">
+                          <a:effectLst/>
+                        </a:rPr>
+                        <a:t>Wednesday</a:t>
+                      </a:r>
+                      <a:endParaRPr lang="en-US" sz="1600">
+                        <a:effectLst/>
+                        <a:latin typeface="Calibri" panose="020F0502020204030204" pitchFamily="34" charset="0"/>
+                        <a:ea typeface="Calibri" panose="020F0502020204030204" pitchFamily="34" charset="0"/>
+                        <a:cs typeface="Times New Roman" panose="02020603050405020304" pitchFamily="18" charset="0"/>
+                      </a:endParaRPr>
+                    </a:p>
+                  </a:txBody>
+                  <a:tcPr marL="15875" marR="15875" marT="15875" marB="15875" anchor="ctr">
+                    <a:lnL w="12700" cap="flat" cmpd="sng" algn="ctr">
+                      <a:solidFill>
+                        <a:schemeClr val="tx1"/>
+                      </a:solidFill>
+                      <a:prstDash val="solid"/>
+                      <a:round/>
+                      <a:headEnd type="none" w="med" len="med"/>
+                      <a:tailEnd type="none" w="med" len="med"/>
+                    </a:lnL>
+                    <a:lnR w="12700" cap="flat" cmpd="sng" algn="ctr">
+                      <a:solidFill>
+                        <a:schemeClr val="tx1"/>
+                      </a:solidFill>
+                      <a:prstDash val="solid"/>
+                      <a:round/>
+                      <a:headEnd type="none" w="med" len="med"/>
+                      <a:tailEnd type="none" w="med" len="med"/>
+                    </a:lnR>
+                    <a:lnT w="12700" cap="flat" cmpd="sng" algn="ctr">
+                      <a:solidFill>
+                        <a:schemeClr val="tx1"/>
+                      </a:solidFill>
+                      <a:prstDash val="solid"/>
+                      <a:round/>
+                      <a:headEnd type="none" w="med" len="med"/>
+                      <a:tailEnd type="none" w="med" len="med"/>
+                    </a:lnT>
+                    <a:lnB w="12700" cap="flat" cmpd="sng" algn="ctr">
+                      <a:solidFill>
+                        <a:schemeClr val="tx1"/>
+                      </a:solidFill>
+                      <a:prstDash val="solid"/>
+                      <a:round/>
+                      <a:headEnd type="none" w="med" len="med"/>
+                      <a:tailEnd type="none" w="med" len="med"/>
+                    </a:lnB>
+                    <a:lnTlToBr w="12700" cmpd="sng">
+                      <a:noFill/>
+                      <a:prstDash val="solid"/>
+                    </a:lnTlToBr>
+                    <a:lnBlToTr w="12700" cmpd="sng">
+                      <a:noFill/>
+                      <a:prstDash val="solid"/>
+                    </a:lnBlToTr>
+                    <a:solidFill>
+                      <a:schemeClr val="bg1"/>
+                    </a:solidFill>
+                  </a:tcPr>
+                </a:tc>
+                <a:tc>
+                  <a:txBody>
+                    <a:bodyPr/>
+                    <a:lstStyle/>
+                    <a:p>
+                      <a:pPr marL="0" marR="0">
+                        <a:lnSpc>
+                          <a:spcPct val="107000"/>
+                        </a:lnSpc>
+                        <a:spcBef>
+                          <a:spcPts val="0"/>
+                        </a:spcBef>
+                        <a:spcAft>
+                          <a:spcPts val="800"/>
+                        </a:spcAft>
+                      </a:pPr>
+                      <a:r>
+                        <a:rPr lang="en-US" sz="1600">
+                          <a:effectLst/>
+                        </a:rPr>
+                        <a:t>3 PM - 5 PM : CSB 120</a:t>
+                      </a:r>
+                      <a:endParaRPr lang="en-US" sz="1600">
+                        <a:effectLst/>
+                        <a:latin typeface="Calibri" panose="020F0502020204030204" pitchFamily="34" charset="0"/>
+                        <a:ea typeface="Calibri" panose="020F0502020204030204" pitchFamily="34" charset="0"/>
+                        <a:cs typeface="Times New Roman" panose="02020603050405020304" pitchFamily="18" charset="0"/>
+                      </a:endParaRPr>
+                    </a:p>
+                  </a:txBody>
+                  <a:tcPr marL="15875" marR="15875" marT="15875" marB="15875" anchor="ctr">
+                    <a:lnL w="12700" cap="flat" cmpd="sng" algn="ctr">
+                      <a:solidFill>
+                        <a:schemeClr val="tx1"/>
+                      </a:solidFill>
+                      <a:prstDash val="solid"/>
+                      <a:round/>
+                      <a:headEnd type="none" w="med" len="med"/>
+                      <a:tailEnd type="none" w="med" len="med"/>
+                    </a:lnL>
+                    <a:lnR w="12700" cap="flat" cmpd="sng" algn="ctr">
+                      <a:solidFill>
+                        <a:schemeClr val="tx1"/>
+                      </a:solidFill>
+                      <a:prstDash val="solid"/>
+                      <a:round/>
+                      <a:headEnd type="none" w="med" len="med"/>
+                      <a:tailEnd type="none" w="med" len="med"/>
+                    </a:lnR>
+                    <a:lnT w="12700" cap="flat" cmpd="sng" algn="ctr">
+                      <a:solidFill>
+                        <a:schemeClr val="tx1"/>
+                      </a:solidFill>
+                      <a:prstDash val="solid"/>
+                      <a:round/>
+                      <a:headEnd type="none" w="med" len="med"/>
+                      <a:tailEnd type="none" w="med" len="med"/>
+                    </a:lnT>
+                    <a:lnB w="12700" cap="flat" cmpd="sng" algn="ctr">
+                      <a:solidFill>
+                        <a:schemeClr val="tx1"/>
+                      </a:solidFill>
+                      <a:prstDash val="solid"/>
+                      <a:round/>
+                      <a:headEnd type="none" w="med" len="med"/>
+                      <a:tailEnd type="none" w="med" len="med"/>
+                    </a:lnB>
+                    <a:lnTlToBr w="12700" cmpd="sng">
+                      <a:noFill/>
+                      <a:prstDash val="solid"/>
+                    </a:lnTlToBr>
+                    <a:lnBlToTr w="12700" cmpd="sng">
+                      <a:noFill/>
+                      <a:prstDash val="solid"/>
+                    </a:lnBlToTr>
+                    <a:solidFill>
+                      <a:schemeClr val="bg1"/>
+                    </a:solidFill>
+                  </a:tcPr>
+                </a:tc>
+                <a:extLst>
+                  <a:ext uri="{0D108BD9-81ED-4DB2-BD59-A6C34878D82A}">
+                    <a16:rowId xmlns:a16="http://schemas.microsoft.com/office/drawing/2014/main" val="1097778555"/>
+                  </a:ext>
+                </a:extLst>
+              </a:tr>
+              <a:tr h="307347">
+                <a:tc>
+                  <a:txBody>
+                    <a:bodyPr/>
+                    <a:lstStyle/>
+                    <a:p>
+                      <a:pPr marL="0" marR="0">
+                        <a:lnSpc>
+                          <a:spcPct val="107000"/>
+                        </a:lnSpc>
+                        <a:spcBef>
+                          <a:spcPts val="0"/>
+                        </a:spcBef>
+                        <a:spcAft>
+                          <a:spcPts val="800"/>
+                        </a:spcAft>
+                      </a:pPr>
+                      <a:r>
+                        <a:rPr lang="en-US" sz="1600">
+                          <a:effectLst/>
+                        </a:rPr>
+                        <a:t>Thursday</a:t>
+                      </a:r>
+                      <a:endParaRPr lang="en-US" sz="1600">
+                        <a:effectLst/>
+                        <a:latin typeface="Calibri" panose="020F0502020204030204" pitchFamily="34" charset="0"/>
+                        <a:ea typeface="Calibri" panose="020F0502020204030204" pitchFamily="34" charset="0"/>
+                        <a:cs typeface="Times New Roman" panose="02020603050405020304" pitchFamily="18" charset="0"/>
+                      </a:endParaRPr>
+                    </a:p>
+                  </a:txBody>
+                  <a:tcPr marL="15875" marR="15875" marT="15875" marB="15875" anchor="ctr">
+                    <a:lnL w="12700" cap="flat" cmpd="sng" algn="ctr">
+                      <a:solidFill>
+                        <a:schemeClr val="tx1"/>
+                      </a:solidFill>
+                      <a:prstDash val="solid"/>
+                      <a:round/>
+                      <a:headEnd type="none" w="med" len="med"/>
+                      <a:tailEnd type="none" w="med" len="med"/>
+                    </a:lnL>
+                    <a:lnR w="12700" cap="flat" cmpd="sng" algn="ctr">
+                      <a:solidFill>
+                        <a:schemeClr val="tx1"/>
+                      </a:solidFill>
+                      <a:prstDash val="solid"/>
+                      <a:round/>
+                      <a:headEnd type="none" w="med" len="med"/>
+                      <a:tailEnd type="none" w="med" len="med"/>
+                    </a:lnR>
+                    <a:lnT w="12700" cap="flat" cmpd="sng" algn="ctr">
+                      <a:solidFill>
+                        <a:schemeClr val="tx1"/>
+                      </a:solidFill>
+                      <a:prstDash val="solid"/>
+                      <a:round/>
+                      <a:headEnd type="none" w="med" len="med"/>
+                      <a:tailEnd type="none" w="med" len="med"/>
+                    </a:lnT>
+                    <a:lnB w="12700" cap="flat" cmpd="sng" algn="ctr">
+                      <a:solidFill>
+                        <a:schemeClr val="tx1"/>
+                      </a:solidFill>
+                      <a:prstDash val="solid"/>
+                      <a:round/>
+                      <a:headEnd type="none" w="med" len="med"/>
+                      <a:tailEnd type="none" w="med" len="med"/>
+                    </a:lnB>
+                    <a:lnTlToBr w="12700" cmpd="sng">
+                      <a:noFill/>
+                      <a:prstDash val="solid"/>
+                    </a:lnTlToBr>
+                    <a:lnBlToTr w="12700" cmpd="sng">
+                      <a:noFill/>
+                      <a:prstDash val="solid"/>
+                    </a:lnBlToTr>
+                    <a:solidFill>
+                      <a:schemeClr val="bg1"/>
+                    </a:solidFill>
+                  </a:tcPr>
+                </a:tc>
+                <a:tc>
+                  <a:txBody>
+                    <a:bodyPr/>
+                    <a:lstStyle/>
+                    <a:p>
+                      <a:pPr marL="0" marR="0">
+                        <a:lnSpc>
+                          <a:spcPct val="107000"/>
+                        </a:lnSpc>
+                        <a:spcBef>
+                          <a:spcPts val="0"/>
+                        </a:spcBef>
+                        <a:spcAft>
+                          <a:spcPts val="800"/>
+                        </a:spcAft>
+                      </a:pPr>
+                      <a:r>
+                        <a:rPr lang="en-US" sz="1600">
+                          <a:effectLst/>
+                        </a:rPr>
+                        <a:t>6 PM - 8 PM : Teams</a:t>
+                      </a:r>
+                      <a:endParaRPr lang="en-US" sz="1600">
+                        <a:effectLst/>
+                        <a:latin typeface="Calibri" panose="020F0502020204030204" pitchFamily="34" charset="0"/>
+                        <a:ea typeface="Calibri" panose="020F0502020204030204" pitchFamily="34" charset="0"/>
+                        <a:cs typeface="Times New Roman" panose="02020603050405020304" pitchFamily="18" charset="0"/>
+                      </a:endParaRPr>
+                    </a:p>
+                  </a:txBody>
+                  <a:tcPr marL="15875" marR="15875" marT="15875" marB="15875" anchor="ctr">
+                    <a:lnL w="12700" cap="flat" cmpd="sng" algn="ctr">
+                      <a:solidFill>
+                        <a:schemeClr val="tx1"/>
+                      </a:solidFill>
+                      <a:prstDash val="solid"/>
+                      <a:round/>
+                      <a:headEnd type="none" w="med" len="med"/>
+                      <a:tailEnd type="none" w="med" len="med"/>
+                    </a:lnL>
+                    <a:lnR w="12700" cap="flat" cmpd="sng" algn="ctr">
+                      <a:solidFill>
+                        <a:schemeClr val="tx1"/>
+                      </a:solidFill>
+                      <a:prstDash val="solid"/>
+                      <a:round/>
+                      <a:headEnd type="none" w="med" len="med"/>
+                      <a:tailEnd type="none" w="med" len="med"/>
+                    </a:lnR>
+                    <a:lnT w="12700" cap="flat" cmpd="sng" algn="ctr">
+                      <a:solidFill>
+                        <a:schemeClr val="tx1"/>
+                      </a:solidFill>
+                      <a:prstDash val="solid"/>
+                      <a:round/>
+                      <a:headEnd type="none" w="med" len="med"/>
+                      <a:tailEnd type="none" w="med" len="med"/>
+                    </a:lnT>
+                    <a:lnB w="12700" cap="flat" cmpd="sng" algn="ctr">
+                      <a:solidFill>
+                        <a:schemeClr val="tx1"/>
+                      </a:solidFill>
+                      <a:prstDash val="solid"/>
+                      <a:round/>
+                      <a:headEnd type="none" w="med" len="med"/>
+                      <a:tailEnd type="none" w="med" len="med"/>
+                    </a:lnB>
+                    <a:lnTlToBr w="12700" cmpd="sng">
+                      <a:noFill/>
+                      <a:prstDash val="solid"/>
+                    </a:lnTlToBr>
+                    <a:lnBlToTr w="12700" cmpd="sng">
+                      <a:noFill/>
+                      <a:prstDash val="solid"/>
+                    </a:lnBlToTr>
+                    <a:solidFill>
+                      <a:schemeClr val="bg1"/>
+                    </a:solidFill>
+                  </a:tcPr>
+                </a:tc>
+                <a:extLst>
+                  <a:ext uri="{0D108BD9-81ED-4DB2-BD59-A6C34878D82A}">
+                    <a16:rowId xmlns:a16="http://schemas.microsoft.com/office/drawing/2014/main" val="1747960062"/>
+                  </a:ext>
+                </a:extLst>
+              </a:tr>
+              <a:tr h="581669">
+                <a:tc>
+                  <a:txBody>
+                    <a:bodyPr/>
+                    <a:lstStyle/>
+                    <a:p>
+                      <a:pPr marL="0" marR="0">
+                        <a:lnSpc>
+                          <a:spcPct val="107000"/>
+                        </a:lnSpc>
+                        <a:spcBef>
+                          <a:spcPts val="0"/>
+                        </a:spcBef>
+                        <a:spcAft>
+                          <a:spcPts val="800"/>
+                        </a:spcAft>
+                      </a:pPr>
+                      <a:r>
+                        <a:rPr lang="en-US" sz="1600">
+                          <a:effectLst/>
+                        </a:rPr>
+                        <a:t>Friday</a:t>
+                      </a:r>
+                      <a:endParaRPr lang="en-US" sz="1600">
+                        <a:effectLst/>
+                        <a:latin typeface="Calibri" panose="020F0502020204030204" pitchFamily="34" charset="0"/>
+                        <a:ea typeface="Calibri" panose="020F0502020204030204" pitchFamily="34" charset="0"/>
+                        <a:cs typeface="Times New Roman" panose="02020603050405020304" pitchFamily="18" charset="0"/>
+                      </a:endParaRPr>
+                    </a:p>
+                  </a:txBody>
+                  <a:tcPr marL="15875" marR="15875" marT="15875" marB="15875" anchor="ctr">
+                    <a:lnL w="12700" cap="flat" cmpd="sng" algn="ctr">
+                      <a:solidFill>
+                        <a:schemeClr val="tx1"/>
+                      </a:solidFill>
+                      <a:prstDash val="solid"/>
+                      <a:round/>
+                      <a:headEnd type="none" w="med" len="med"/>
+                      <a:tailEnd type="none" w="med" len="med"/>
+                    </a:lnL>
+                    <a:lnR w="12700" cap="flat" cmpd="sng" algn="ctr">
+                      <a:solidFill>
+                        <a:schemeClr val="tx1"/>
+                      </a:solidFill>
+                      <a:prstDash val="solid"/>
+                      <a:round/>
+                      <a:headEnd type="none" w="med" len="med"/>
+                      <a:tailEnd type="none" w="med" len="med"/>
+                    </a:lnR>
+                    <a:lnT w="12700" cap="flat" cmpd="sng" algn="ctr">
+                      <a:solidFill>
+                        <a:schemeClr val="tx1"/>
+                      </a:solidFill>
+                      <a:prstDash val="solid"/>
+                      <a:round/>
+                      <a:headEnd type="none" w="med" len="med"/>
+                      <a:tailEnd type="none" w="med" len="med"/>
+                    </a:lnT>
+                    <a:lnB w="12700" cap="flat" cmpd="sng" algn="ctr">
+                      <a:solidFill>
+                        <a:schemeClr val="tx1"/>
+                      </a:solidFill>
+                      <a:prstDash val="solid"/>
+                      <a:round/>
+                      <a:headEnd type="none" w="med" len="med"/>
+                      <a:tailEnd type="none" w="med" len="med"/>
+                    </a:lnB>
+                    <a:lnTlToBr w="12700" cmpd="sng">
+                      <a:noFill/>
+                      <a:prstDash val="solid"/>
+                    </a:lnTlToBr>
+                    <a:lnBlToTr w="12700" cmpd="sng">
+                      <a:noFill/>
+                      <a:prstDash val="solid"/>
+                    </a:lnBlToTr>
+                    <a:solidFill>
+                      <a:schemeClr val="bg1"/>
+                    </a:solidFill>
+                  </a:tcPr>
+                </a:tc>
+                <a:tc>
+                  <a:txBody>
+                    <a:bodyPr/>
+                    <a:lstStyle/>
+                    <a:p>
+                      <a:pPr marL="0" marR="0">
+                        <a:lnSpc>
+                          <a:spcPct val="107000"/>
+                        </a:lnSpc>
+                        <a:spcBef>
+                          <a:spcPts val="0"/>
+                        </a:spcBef>
+                        <a:spcAft>
+                          <a:spcPts val="800"/>
+                        </a:spcAft>
+                      </a:pPr>
+                      <a:r>
+                        <a:rPr lang="en-US" sz="1600">
+                          <a:effectLst/>
+                        </a:rPr>
+                        <a:t>3 PM - 5 PM : CSB 120</a:t>
+                      </a:r>
+                      <a:endParaRPr lang="en-US" sz="1600">
+                        <a:effectLst/>
+                        <a:latin typeface="Calibri" panose="020F0502020204030204" pitchFamily="34" charset="0"/>
+                        <a:ea typeface="Calibri" panose="020F0502020204030204" pitchFamily="34" charset="0"/>
+                        <a:cs typeface="Times New Roman" panose="02020603050405020304" pitchFamily="18" charset="0"/>
+                      </a:endParaRPr>
+                    </a:p>
+                  </a:txBody>
+                  <a:tcPr marL="15875" marR="15875" marT="15875" marB="15875" anchor="ctr">
+                    <a:lnL w="12700" cap="flat" cmpd="sng" algn="ctr">
+                      <a:solidFill>
+                        <a:schemeClr val="tx1"/>
+                      </a:solidFill>
+                      <a:prstDash val="solid"/>
+                      <a:round/>
+                      <a:headEnd type="none" w="med" len="med"/>
+                      <a:tailEnd type="none" w="med" len="med"/>
+                    </a:lnL>
+                    <a:lnR w="12700" cap="flat" cmpd="sng" algn="ctr">
+                      <a:solidFill>
+                        <a:schemeClr val="tx1"/>
+                      </a:solidFill>
+                      <a:prstDash val="solid"/>
+                      <a:round/>
+                      <a:headEnd type="none" w="med" len="med"/>
+                      <a:tailEnd type="none" w="med" len="med"/>
+                    </a:lnR>
+                    <a:lnT w="12700" cap="flat" cmpd="sng" algn="ctr">
+                      <a:solidFill>
+                        <a:schemeClr val="tx1"/>
+                      </a:solidFill>
+                      <a:prstDash val="solid"/>
+                      <a:round/>
+                      <a:headEnd type="none" w="med" len="med"/>
+                      <a:tailEnd type="none" w="med" len="med"/>
+                    </a:lnT>
+                    <a:lnB w="12700" cap="flat" cmpd="sng" algn="ctr">
+                      <a:solidFill>
+                        <a:schemeClr val="tx1"/>
+                      </a:solidFill>
+                      <a:prstDash val="solid"/>
+                      <a:round/>
+                      <a:headEnd type="none" w="med" len="med"/>
+                      <a:tailEnd type="none" w="med" len="med"/>
+                    </a:lnB>
+                    <a:lnTlToBr w="12700" cmpd="sng">
+                      <a:noFill/>
+                      <a:prstDash val="solid"/>
+                    </a:lnTlToBr>
+                    <a:lnBlToTr w="12700" cmpd="sng">
+                      <a:noFill/>
+                      <a:prstDash val="solid"/>
+                    </a:lnBlToTr>
+                    <a:solidFill>
+                      <a:schemeClr val="bg1"/>
+                    </a:solidFill>
+                  </a:tcPr>
+                </a:tc>
+                <a:extLst>
+                  <a:ext uri="{0D108BD9-81ED-4DB2-BD59-A6C34878D82A}">
+                    <a16:rowId xmlns:a16="http://schemas.microsoft.com/office/drawing/2014/main" val="1553865624"/>
+                  </a:ext>
+                </a:extLst>
+              </a:tr>
+              <a:tr h="307347">
+                <a:tc>
+                  <a:txBody>
+                    <a:bodyPr/>
+                    <a:lstStyle/>
+                    <a:p>
+                      <a:pPr marL="0" marR="0">
+                        <a:lnSpc>
+                          <a:spcPct val="107000"/>
+                        </a:lnSpc>
+                        <a:spcBef>
+                          <a:spcPts val="0"/>
+                        </a:spcBef>
+                        <a:spcAft>
+                          <a:spcPts val="800"/>
+                        </a:spcAft>
+                      </a:pPr>
+                      <a:r>
+                        <a:rPr lang="en-US" sz="1600">
+                          <a:effectLst/>
+                        </a:rPr>
+                        <a:t>Saturday</a:t>
+                      </a:r>
+                      <a:endParaRPr lang="en-US" sz="1600">
+                        <a:effectLst/>
+                        <a:latin typeface="Calibri" panose="020F0502020204030204" pitchFamily="34" charset="0"/>
+                        <a:ea typeface="Calibri" panose="020F0502020204030204" pitchFamily="34" charset="0"/>
+                        <a:cs typeface="Times New Roman" panose="02020603050405020304" pitchFamily="18" charset="0"/>
+                      </a:endParaRPr>
+                    </a:p>
+                  </a:txBody>
+                  <a:tcPr marL="15875" marR="15875" marT="15875" marB="15875" anchor="ctr">
+                    <a:lnL w="12700" cap="flat" cmpd="sng" algn="ctr">
+                      <a:solidFill>
+                        <a:schemeClr val="tx1"/>
+                      </a:solidFill>
+                      <a:prstDash val="solid"/>
+                      <a:round/>
+                      <a:headEnd type="none" w="med" len="med"/>
+                      <a:tailEnd type="none" w="med" len="med"/>
+                    </a:lnL>
+                    <a:lnR w="12700" cap="flat" cmpd="sng" algn="ctr">
+                      <a:solidFill>
+                        <a:schemeClr val="tx1"/>
+                      </a:solidFill>
+                      <a:prstDash val="solid"/>
+                      <a:round/>
+                      <a:headEnd type="none" w="med" len="med"/>
+                      <a:tailEnd type="none" w="med" len="med"/>
+                    </a:lnR>
+                    <a:lnT w="12700" cap="flat" cmpd="sng" algn="ctr">
+                      <a:solidFill>
+                        <a:schemeClr val="tx1"/>
+                      </a:solidFill>
+                      <a:prstDash val="solid"/>
+                      <a:round/>
+                      <a:headEnd type="none" w="med" len="med"/>
+                      <a:tailEnd type="none" w="med" len="med"/>
+                    </a:lnT>
+                    <a:lnB w="12700" cap="flat" cmpd="sng" algn="ctr">
+                      <a:solidFill>
+                        <a:schemeClr val="tx1"/>
+                      </a:solidFill>
+                      <a:prstDash val="solid"/>
+                      <a:round/>
+                      <a:headEnd type="none" w="med" len="med"/>
+                      <a:tailEnd type="none" w="med" len="med"/>
+                    </a:lnB>
+                    <a:lnTlToBr w="12700" cmpd="sng">
+                      <a:noFill/>
+                      <a:prstDash val="solid"/>
+                    </a:lnTlToBr>
+                    <a:lnBlToTr w="12700" cmpd="sng">
+                      <a:noFill/>
+                      <a:prstDash val="solid"/>
+                    </a:lnBlToTr>
+                    <a:solidFill>
+                      <a:schemeClr val="bg1"/>
+                    </a:solidFill>
+                  </a:tcPr>
+                </a:tc>
+                <a:tc>
+                  <a:txBody>
+                    <a:bodyPr/>
+                    <a:lstStyle/>
+                    <a:p>
+                      <a:pPr marL="0" marR="0">
+                        <a:lnSpc>
+                          <a:spcPct val="107000"/>
+                        </a:lnSpc>
+                        <a:spcBef>
+                          <a:spcPts val="0"/>
+                        </a:spcBef>
+                        <a:spcAft>
+                          <a:spcPts val="800"/>
+                        </a:spcAft>
+                      </a:pPr>
+                      <a:r>
+                        <a:rPr lang="en-US" sz="1600" dirty="0">
+                          <a:effectLst/>
+                        </a:rPr>
+                        <a:t>12 PM - 4 PM : Teams</a:t>
+                      </a:r>
+                      <a:endParaRPr lang="en-US" sz="1600" dirty="0">
+                        <a:effectLst/>
+                        <a:latin typeface="Calibri" panose="020F0502020204030204" pitchFamily="34" charset="0"/>
+                        <a:ea typeface="Calibri" panose="020F0502020204030204" pitchFamily="34" charset="0"/>
+                        <a:cs typeface="Times New Roman" panose="02020603050405020304" pitchFamily="18" charset="0"/>
+                      </a:endParaRPr>
+                    </a:p>
+                  </a:txBody>
+                  <a:tcPr marL="15875" marR="15875" marT="15875" marB="15875" anchor="ctr">
+                    <a:lnL w="12700" cap="flat" cmpd="sng" algn="ctr">
+                      <a:solidFill>
+                        <a:schemeClr val="tx1"/>
+                      </a:solidFill>
+                      <a:prstDash val="solid"/>
+                      <a:round/>
+                      <a:headEnd type="none" w="med" len="med"/>
+                      <a:tailEnd type="none" w="med" len="med"/>
+                    </a:lnL>
+                    <a:lnR w="12700" cap="flat" cmpd="sng" algn="ctr">
+                      <a:solidFill>
+                        <a:schemeClr val="tx1"/>
+                      </a:solidFill>
+                      <a:prstDash val="solid"/>
+                      <a:round/>
+                      <a:headEnd type="none" w="med" len="med"/>
+                      <a:tailEnd type="none" w="med" len="med"/>
+                    </a:lnR>
+                    <a:lnT w="12700" cap="flat" cmpd="sng" algn="ctr">
+                      <a:solidFill>
+                        <a:schemeClr val="tx1"/>
+                      </a:solidFill>
+                      <a:prstDash val="solid"/>
+                      <a:round/>
+                      <a:headEnd type="none" w="med" len="med"/>
+                      <a:tailEnd type="none" w="med" len="med"/>
+                    </a:lnT>
+                    <a:lnB w="12700" cap="flat" cmpd="sng" algn="ctr">
+                      <a:solidFill>
+                        <a:schemeClr val="tx1"/>
+                      </a:solidFill>
+                      <a:prstDash val="solid"/>
+                      <a:round/>
+                      <a:headEnd type="none" w="med" len="med"/>
+                      <a:tailEnd type="none" w="med" len="med"/>
+                    </a:lnB>
+                    <a:lnTlToBr w="12700" cmpd="sng">
+                      <a:noFill/>
+                      <a:prstDash val="solid"/>
+                    </a:lnTlToBr>
+                    <a:lnBlToTr w="12700" cmpd="sng">
+                      <a:noFill/>
+                      <a:prstDash val="solid"/>
+                    </a:lnBlToTr>
+                    <a:solidFill>
+                      <a:schemeClr val="bg1"/>
+                    </a:solidFill>
+                  </a:tcPr>
+                </a:tc>
+                <a:extLst>
+                  <a:ext uri="{0D108BD9-81ED-4DB2-BD59-A6C34878D82A}">
+                    <a16:rowId xmlns:a16="http://schemas.microsoft.com/office/drawing/2014/main" val="3921746368"/>
+                  </a:ext>
+                </a:extLst>
+              </a:tr>
+              <a:tr h="307347">
+                <a:tc>
+                  <a:txBody>
+                    <a:bodyPr/>
+                    <a:lstStyle/>
+                    <a:p>
+                      <a:pPr marL="0" marR="0">
+                        <a:lnSpc>
+                          <a:spcPct val="107000"/>
+                        </a:lnSpc>
+                        <a:spcBef>
+                          <a:spcPts val="0"/>
+                        </a:spcBef>
+                        <a:spcAft>
+                          <a:spcPts val="800"/>
+                        </a:spcAft>
+                      </a:pPr>
+                      <a:r>
+                        <a:rPr lang="en-US" sz="1600">
+                          <a:effectLst/>
+                        </a:rPr>
+                        <a:t>Sunday</a:t>
+                      </a:r>
+                      <a:endParaRPr lang="en-US" sz="1600">
+                        <a:effectLst/>
+                        <a:latin typeface="Calibri" panose="020F0502020204030204" pitchFamily="34" charset="0"/>
+                        <a:ea typeface="Calibri" panose="020F0502020204030204" pitchFamily="34" charset="0"/>
+                        <a:cs typeface="Times New Roman" panose="02020603050405020304" pitchFamily="18" charset="0"/>
+                      </a:endParaRPr>
+                    </a:p>
+                  </a:txBody>
+                  <a:tcPr marL="15875" marR="15875" marT="15875" marB="15875" anchor="ctr">
+                    <a:lnL w="12700" cap="flat" cmpd="sng" algn="ctr">
+                      <a:solidFill>
+                        <a:schemeClr val="tx1"/>
+                      </a:solidFill>
+                      <a:prstDash val="solid"/>
+                      <a:round/>
+                      <a:headEnd type="none" w="med" len="med"/>
+                      <a:tailEnd type="none" w="med" len="med"/>
+                    </a:lnL>
+                    <a:lnR w="12700" cap="flat" cmpd="sng" algn="ctr">
+                      <a:solidFill>
+                        <a:schemeClr val="tx1"/>
+                      </a:solidFill>
+                      <a:prstDash val="solid"/>
+                      <a:round/>
+                      <a:headEnd type="none" w="med" len="med"/>
+                      <a:tailEnd type="none" w="med" len="med"/>
+                    </a:lnR>
+                    <a:lnT w="12700" cap="flat" cmpd="sng" algn="ctr">
+                      <a:solidFill>
+                        <a:schemeClr val="tx1"/>
+                      </a:solidFill>
+                      <a:prstDash val="solid"/>
+                      <a:round/>
+                      <a:headEnd type="none" w="med" len="med"/>
+                      <a:tailEnd type="none" w="med" len="med"/>
+                    </a:lnT>
+                    <a:lnB w="12700" cap="flat" cmpd="sng" algn="ctr">
+                      <a:solidFill>
+                        <a:schemeClr val="tx1"/>
+                      </a:solidFill>
+                      <a:prstDash val="solid"/>
+                      <a:round/>
+                      <a:headEnd type="none" w="med" len="med"/>
+                      <a:tailEnd type="none" w="med" len="med"/>
+                    </a:lnB>
+                    <a:lnTlToBr w="12700" cmpd="sng">
+                      <a:noFill/>
+                      <a:prstDash val="solid"/>
+                    </a:lnTlToBr>
+                    <a:lnBlToTr w="12700" cmpd="sng">
+                      <a:noFill/>
+                      <a:prstDash val="solid"/>
+                    </a:lnBlToTr>
+                    <a:solidFill>
+                      <a:schemeClr val="bg1"/>
+                    </a:solidFill>
+                  </a:tcPr>
+                </a:tc>
+                <a:tc>
+                  <a:txBody>
+                    <a:bodyPr/>
+                    <a:lstStyle/>
+                    <a:p>
+                      <a:pPr marL="0" marR="0">
+                        <a:lnSpc>
+                          <a:spcPct val="107000"/>
+                        </a:lnSpc>
+                        <a:spcBef>
+                          <a:spcPts val="0"/>
+                        </a:spcBef>
+                        <a:spcAft>
+                          <a:spcPts val="800"/>
+                        </a:spcAft>
+                      </a:pPr>
+                      <a:r>
+                        <a:rPr lang="en-US" sz="1600" dirty="0">
+                          <a:effectLst/>
+                        </a:rPr>
+                        <a:t>12 PM - 4 PM : Teams</a:t>
+                      </a:r>
+                      <a:endParaRPr lang="en-US" sz="1600" dirty="0">
+                        <a:effectLst/>
+                        <a:latin typeface="Calibri" panose="020F0502020204030204" pitchFamily="34" charset="0"/>
+                        <a:ea typeface="Calibri" panose="020F0502020204030204" pitchFamily="34" charset="0"/>
+                        <a:cs typeface="Times New Roman" panose="02020603050405020304" pitchFamily="18" charset="0"/>
+                      </a:endParaRPr>
+                    </a:p>
+                  </a:txBody>
+                  <a:tcPr marL="15875" marR="15875" marT="15875" marB="15875" anchor="ctr">
+                    <a:lnL w="12700" cap="flat" cmpd="sng" algn="ctr">
+                      <a:solidFill>
+                        <a:schemeClr val="tx1"/>
+                      </a:solidFill>
+                      <a:prstDash val="solid"/>
+                      <a:round/>
+                      <a:headEnd type="none" w="med" len="med"/>
+                      <a:tailEnd type="none" w="med" len="med"/>
+                    </a:lnL>
+                    <a:lnR w="12700" cap="flat" cmpd="sng" algn="ctr">
+                      <a:solidFill>
+                        <a:schemeClr val="tx1"/>
+                      </a:solidFill>
+                      <a:prstDash val="solid"/>
+                      <a:round/>
+                      <a:headEnd type="none" w="med" len="med"/>
+                      <a:tailEnd type="none" w="med" len="med"/>
+                    </a:lnR>
+                    <a:lnT w="12700" cap="flat" cmpd="sng" algn="ctr">
+                      <a:solidFill>
+                        <a:schemeClr val="tx1"/>
+                      </a:solidFill>
+                      <a:prstDash val="solid"/>
+                      <a:round/>
+                      <a:headEnd type="none" w="med" len="med"/>
+                      <a:tailEnd type="none" w="med" len="med"/>
+                    </a:lnT>
+                    <a:lnB w="12700" cap="flat" cmpd="sng" algn="ctr">
+                      <a:solidFill>
+                        <a:schemeClr val="tx1"/>
+                      </a:solidFill>
+                      <a:prstDash val="solid"/>
+                      <a:round/>
+                      <a:headEnd type="none" w="med" len="med"/>
+                      <a:tailEnd type="none" w="med" len="med"/>
+                    </a:lnB>
+                    <a:lnTlToBr w="12700" cmpd="sng">
+                      <a:noFill/>
+                      <a:prstDash val="solid"/>
+                    </a:lnTlToBr>
+                    <a:lnBlToTr w="12700" cmpd="sng">
+                      <a:noFill/>
+                      <a:prstDash val="solid"/>
+                    </a:lnBlToTr>
+                    <a:solidFill>
+                      <a:schemeClr val="bg1"/>
+                    </a:solidFill>
+                  </a:tcPr>
+                </a:tc>
+                <a:extLst>
+                  <a:ext uri="{0D108BD9-81ED-4DB2-BD59-A6C34878D82A}">
+                    <a16:rowId xmlns:a16="http://schemas.microsoft.com/office/drawing/2014/main" val="1928039740"/>
+                  </a:ext>
+                </a:extLst>
+              </a:tr>
+            </a:tbl>
+          </a:graphicData>
+        </a:graphic>
+      </p:graphicFrame>
+      <p:pic>
+        <p:nvPicPr>
+          <p:cNvPr id="1028" name="Picture 4" descr="Almost There! - NoVaUMC.org">
+            <a:extLst>
+              <a:ext uri="{FF2B5EF4-FFF2-40B4-BE49-F238E27FC236}">
+                <a16:creationId xmlns:a16="http://schemas.microsoft.com/office/drawing/2014/main" id="{141F3B47-67D3-4C2A-9617-CD06F5C43C1F}"/>
+              </a:ext>
+            </a:extLst>
+          </p:cNvPr>
+          <p:cNvPicPr>
+            <a:picLocks noChangeAspect="1" noChangeArrowheads="1"/>
+          </p:cNvPicPr>
+          <p:nvPr/>
+        </p:nvPicPr>
+        <p:blipFill>
+          <a:blip r:embed="rId2">
+            <a:extLst>
+              <a:ext uri="{28A0092B-C50C-407E-A947-70E740481C1C}">
+                <a14:useLocalDpi xmlns:a14="http://schemas.microsoft.com/office/drawing/2010/main" val="0"/>
+              </a:ext>
+            </a:extLst>
+          </a:blip>
+          <a:srcRect/>
+          <a:stretch>
+            <a:fillRect/>
+          </a:stretch>
+        </p:blipFill>
+        <p:spPr bwMode="auto">
+          <a:xfrm>
+            <a:off x="11465678" y="0"/>
+            <a:ext cx="2304417" cy="2304417"/>
+          </a:xfrm>
+          <a:prstGeom prst="rect">
+            <a:avLst/>
+          </a:prstGeom>
+          <a:noFill/>
+          <a:extLst>
+            <a:ext uri="{909E8E84-426E-40DD-AFC4-6F175D3DCCD1}">
+              <a14:hiddenFill xmlns:a14="http://schemas.microsoft.com/office/drawing/2010/main">
+                <a:solidFill>
+                  <a:srgbClr val="FFFFFF"/>
+                </a:solidFill>
+              </a14:hiddenFill>
+            </a:ext>
+          </a:extLst>
+        </p:spPr>
+      </p:pic>
     </p:spTree>
     <p:extLst>
       <p:ext uri="{BB962C8B-B14F-4D97-AF65-F5344CB8AC3E}">
@@ -15358,15 +16007,6 @@
 </file>
 
 <file path=customXml/item2.xml><?xml version="1.0" encoding="utf-8"?>
-<?mso-contentType ?>
-<FormTemplates xmlns="http://schemas.microsoft.com/sharepoint/v3/contenttype/forms">
-  <Display>DocumentLibraryForm</Display>
-  <Edit>DocumentLibraryForm</Edit>
-  <New>DocumentLibraryForm</New>
-</FormTemplates>
-</file>
-
-<file path=customXml/item3.xml><?xml version="1.0" encoding="utf-8"?>
 <ct:contentTypeSchema xmlns:ct="http://schemas.microsoft.com/office/2006/metadata/contentType" xmlns:ma="http://schemas.microsoft.com/office/2006/metadata/properties/metaAttributes" ct:_="" ma:_="" ma:contentTypeName="Document" ma:contentTypeID="0x010100074387D78AC76C4289401EF66FB51FCC" ma:contentTypeVersion="15" ma:contentTypeDescription="Create a new document." ma:contentTypeScope="" ma:versionID="d3659bec8b8330148a03d82a9d99f412">
   <xsd:schema xmlns:xsd="http://www.w3.org/2001/XMLSchema" xmlns:xs="http://www.w3.org/2001/XMLSchema" xmlns:p="http://schemas.microsoft.com/office/2006/metadata/properties" xmlns:ns3="92c41bee-f0ee-4aa6-9399-a35fbb883510" xmlns:ns4="e06ed288-fd75-4b50-bbed-f5a5df88c31c" targetNamespace="http://schemas.microsoft.com/office/2006/metadata/properties" ma:root="true" ma:fieldsID="1a21d371127b63848c9a2290f5945250" ns3:_="" ns4:_="">
     <xsd:import namespace="92c41bee-f0ee-4aa6-9399-a35fbb883510"/>
@@ -15601,32 +16241,33 @@
 </ct:contentTypeSchema>
 </file>
 
+<file path=customXml/item3.xml><?xml version="1.0" encoding="utf-8"?>
+<?mso-contentType ?>
+<FormTemplates xmlns="http://schemas.microsoft.com/sharepoint/v3/contenttype/forms">
+  <Display>DocumentLibraryForm</Display>
+  <Edit>DocumentLibraryForm</Edit>
+  <New>DocumentLibraryForm</New>
+</FormTemplates>
+</file>
+
 <file path=customXml/itemProps1.xml><?xml version="1.0" encoding="utf-8"?>
 <ds:datastoreItem xmlns:ds="http://schemas.openxmlformats.org/officeDocument/2006/customXml" ds:itemID="{2466944C-8618-4D97-837E-62F35504EB04}">
   <ds:schemaRefs>
+    <ds:schemaRef ds:uri="http://schemas.microsoft.com/office/2006/documentManagement/types"/>
+    <ds:schemaRef ds:uri="http://schemas.microsoft.com/office/2006/metadata/properties"/>
     <ds:schemaRef ds:uri="http://www.w3.org/XML/1998/namespace"/>
-    <ds:schemaRef ds:uri="http://purl.org/dc/dcmitype/"/>
+    <ds:schemaRef ds:uri="e06ed288-fd75-4b50-bbed-f5a5df88c31c"/>
+    <ds:schemaRef ds:uri="http://purl.org/dc/elements/1.1/"/>
     <ds:schemaRef ds:uri="http://purl.org/dc/terms/"/>
-    <ds:schemaRef ds:uri="http://purl.org/dc/elements/1.1/"/>
-    <ds:schemaRef ds:uri="http://schemas.microsoft.com/office/2006/documentManagement/types"/>
     <ds:schemaRef ds:uri="http://schemas.microsoft.com/office/infopath/2007/PartnerControls"/>
     <ds:schemaRef ds:uri="http://schemas.openxmlformats.org/package/2006/metadata/core-properties"/>
-    <ds:schemaRef ds:uri="e06ed288-fd75-4b50-bbed-f5a5df88c31c"/>
     <ds:schemaRef ds:uri="92c41bee-f0ee-4aa6-9399-a35fbb883510"/>
-    <ds:schemaRef ds:uri="http://schemas.microsoft.com/office/2006/metadata/properties"/>
+    <ds:schemaRef ds:uri="http://purl.org/dc/dcmitype/"/>
   </ds:schemaRefs>
 </ds:datastoreItem>
 </file>
 
 <file path=customXml/itemProps2.xml><?xml version="1.0" encoding="utf-8"?>
-<ds:datastoreItem xmlns:ds="http://schemas.openxmlformats.org/officeDocument/2006/customXml" ds:itemID="{0BFEF18A-DF64-4AA8-8E88-1ECB35B2728C}">
-  <ds:schemaRefs>
-    <ds:schemaRef ds:uri="http://schemas.microsoft.com/sharepoint/v3/contenttype/forms"/>
-  </ds:schemaRefs>
-</ds:datastoreItem>
-</file>
-
-<file path=customXml/itemProps3.xml><?xml version="1.0" encoding="utf-8"?>
 <ds:datastoreItem xmlns:ds="http://schemas.openxmlformats.org/officeDocument/2006/customXml" ds:itemID="{32DB71B9-C985-44BD-B96C-1C8CF0BDC283}">
   <ds:schemaRefs>
     <ds:schemaRef ds:uri="http://schemas.microsoft.com/office/2006/metadata/contentType"/>
@@ -15643,4 +16284,12 @@
     <ds:schemaRef ds:uri="http://schemas.microsoft.com/internal/obd"/>
   </ds:schemaRefs>
 </ds:datastoreItem>
+</file>
+
+<file path=customXml/itemProps3.xml><?xml version="1.0" encoding="utf-8"?>
+<ds:datastoreItem xmlns:ds="http://schemas.openxmlformats.org/officeDocument/2006/customXml" ds:itemID="{0BFEF18A-DF64-4AA8-8E88-1ECB35B2728C}">
+  <ds:schemaRefs>
+    <ds:schemaRef ds:uri="http://schemas.microsoft.com/sharepoint/v3/contenttype/forms"/>
+  </ds:schemaRefs>
+</ds:datastoreItem>
 </file>
--- a/slides/On-Campus/14_03_Collections.pptx
+++ b/slides/On-Campus/14_03_Collections.pptx
@@ -147,71 +147,42 @@
 <file path=ppt/changesInfos/changesInfo1.xml><?xml version="1.0" encoding="utf-8"?>
 <pc:chgInfo xmlns:a="http://schemas.openxmlformats.org/drawingml/2006/main" xmlns:r="http://schemas.openxmlformats.org/officeDocument/2006/relationships" xmlns:ac="http://schemas.microsoft.com/office/drawing/2013/main/command" xmlns:pc="http://schemas.microsoft.com/office/powerpoint/2013/main/command">
   <pc:docChgLst>
-    <pc:chgData name="Marcia Moraes" userId="c9c67e8a-58e2-4733-9a1c-5d44fec4775b" providerId="ADAL" clId="{53741CE1-D3A2-46FF-9696-CE781C34CE81}"/>
-  </pc:docChgLst>
-  <pc:docChgLst>
-    <pc:chgData name="Marcia Moraes" userId="c9c67e8a-58e2-4733-9a1c-5d44fec4775b" providerId="ADAL" clId="{E40059A0-084C-4499-B9E0-8AE3D5F0EBF2}"/>
+    <pc:chgData name="Marcia Moraes" userId="c9c67e8a-58e2-4733-9a1c-5d44fec4775b" providerId="ADAL" clId="{918ACE75-BF75-45B7-AA2E-0C470B9EC7DD}"/>
     <pc:docChg chg="custSel modSld">
-      <pc:chgData name="Marcia Moraes" userId="c9c67e8a-58e2-4733-9a1c-5d44fec4775b" providerId="ADAL" clId="{E40059A0-084C-4499-B9E0-8AE3D5F0EBF2}" dt="2023-11-28T17:56:24.341" v="84" actId="1076"/>
+      <pc:chgData name="Marcia Moraes" userId="c9c67e8a-58e2-4733-9a1c-5d44fec4775b" providerId="ADAL" clId="{918ACE75-BF75-45B7-AA2E-0C470B9EC7DD}" dt="2024-03-07T20:28:01.177" v="60" actId="6549"/>
       <pc:docMkLst>
         <pc:docMk/>
       </pc:docMkLst>
-      <pc:sldChg chg="addSp delSp modSp">
-        <pc:chgData name="Marcia Moraes" userId="c9c67e8a-58e2-4733-9a1c-5d44fec4775b" providerId="ADAL" clId="{E40059A0-084C-4499-B9E0-8AE3D5F0EBF2}" dt="2023-11-28T17:56:24.341" v="84" actId="1076"/>
+      <pc:sldChg chg="modSp">
+        <pc:chgData name="Marcia Moraes" userId="c9c67e8a-58e2-4733-9a1c-5d44fec4775b" providerId="ADAL" clId="{918ACE75-BF75-45B7-AA2E-0C470B9EC7DD}" dt="2024-03-07T20:28:01.177" v="60" actId="6549"/>
         <pc:sldMkLst>
           <pc:docMk/>
           <pc:sldMk cId="926474781" sldId="271"/>
         </pc:sldMkLst>
         <pc:spChg chg="mod">
-          <ac:chgData name="Marcia Moraes" userId="c9c67e8a-58e2-4733-9a1c-5d44fec4775b" providerId="ADAL" clId="{E40059A0-084C-4499-B9E0-8AE3D5F0EBF2}" dt="2023-11-28T17:46:57.210" v="74" actId="20577"/>
+          <ac:chgData name="Marcia Moraes" userId="c9c67e8a-58e2-4733-9a1c-5d44fec4775b" providerId="ADAL" clId="{918ACE75-BF75-45B7-AA2E-0C470B9EC7DD}" dt="2024-03-07T20:28:01.177" v="60" actId="6549"/>
           <ac:spMkLst>
             <pc:docMk/>
             <pc:sldMk cId="926474781" sldId="271"/>
             <ac:spMk id="5" creationId="{1BBD0DB5-379A-304F-9307-E7B1A89B08F7}"/>
           </ac:spMkLst>
         </pc:spChg>
-        <pc:spChg chg="del mod">
-          <ac:chgData name="Marcia Moraes" userId="c9c67e8a-58e2-4733-9a1c-5d44fec4775b" providerId="ADAL" clId="{E40059A0-084C-4499-B9E0-8AE3D5F0EBF2}" dt="2023-11-28T17:47:02.538" v="76" actId="478"/>
-          <ac:spMkLst>
-            <pc:docMk/>
-            <pc:sldMk cId="926474781" sldId="271"/>
-            <ac:spMk id="6" creationId="{772FBA25-57F9-41AD-8CF5-B6750F6B5056}"/>
-          </ac:spMkLst>
-        </pc:spChg>
-        <pc:spChg chg="add">
-          <ac:chgData name="Marcia Moraes" userId="c9c67e8a-58e2-4733-9a1c-5d44fec4775b" providerId="ADAL" clId="{E40059A0-084C-4499-B9E0-8AE3D5F0EBF2}" dt="2023-11-28T17:47:21.953" v="77"/>
-          <ac:spMkLst>
-            <pc:docMk/>
-            <pc:sldMk cId="926474781" sldId="271"/>
-            <ac:spMk id="7" creationId="{65898405-BB68-4104-886B-F7BD66E624B1}"/>
-          </ac:spMkLst>
-        </pc:spChg>
-        <pc:graphicFrameChg chg="add">
-          <ac:chgData name="Marcia Moraes" userId="c9c67e8a-58e2-4733-9a1c-5d44fec4775b" providerId="ADAL" clId="{E40059A0-084C-4499-B9E0-8AE3D5F0EBF2}" dt="2023-11-28T17:47:21.953" v="77"/>
+        <pc:graphicFrameChg chg="modGraphic">
+          <ac:chgData name="Marcia Moraes" userId="c9c67e8a-58e2-4733-9a1c-5d44fec4775b" providerId="ADAL" clId="{918ACE75-BF75-45B7-AA2E-0C470B9EC7DD}" dt="2024-03-07T20:25:08.929" v="2" actId="20577"/>
           <ac:graphicFrameMkLst>
             <pc:docMk/>
             <pc:sldMk cId="926474781" sldId="271"/>
             <ac:graphicFrameMk id="8" creationId="{37651A57-AD1D-4E2B-9103-36EE55FC293C}"/>
           </ac:graphicFrameMkLst>
         </pc:graphicFrameChg>
-        <pc:picChg chg="add del mod">
-          <ac:chgData name="Marcia Moraes" userId="c9c67e8a-58e2-4733-9a1c-5d44fec4775b" providerId="ADAL" clId="{E40059A0-084C-4499-B9E0-8AE3D5F0EBF2}" dt="2023-11-28T17:54:29.261" v="80" actId="478"/>
-          <ac:picMkLst>
-            <pc:docMk/>
-            <pc:sldMk cId="926474781" sldId="271"/>
-            <ac:picMk id="1026" creationId="{E6466E6C-563D-4D5A-8A0D-B2B0CB5D87B1}"/>
-          </ac:picMkLst>
-        </pc:picChg>
-        <pc:picChg chg="add mod">
-          <ac:chgData name="Marcia Moraes" userId="c9c67e8a-58e2-4733-9a1c-5d44fec4775b" providerId="ADAL" clId="{E40059A0-084C-4499-B9E0-8AE3D5F0EBF2}" dt="2023-11-28T17:56:24.341" v="84" actId="1076"/>
-          <ac:picMkLst>
-            <pc:docMk/>
-            <pc:sldMk cId="926474781" sldId="271"/>
-            <ac:picMk id="1028" creationId="{141F3B47-67D3-4C2A-9617-CD06F5C43C1F}"/>
-          </ac:picMkLst>
-        </pc:picChg>
       </pc:sldChg>
     </pc:docChg>
+  </pc:docChgLst>
+  <pc:docChgLst>
+    <pc:chgData name="Marcia Moraes" userId="c9c67e8a-58e2-4733-9a1c-5d44fec4775b" providerId="ADAL" clId="{53741CE1-D3A2-46FF-9696-CE781C34CE81}"/>
+  </pc:docChgLst>
+  <pc:docChgLst>
+    <pc:chgData name="Marcia Moraes" userId="c9c67e8a-58e2-4733-9a1c-5d44fec4775b" providerId="ADAL" clId="{E40059A0-084C-4499-B9E0-8AE3D5F0EBF2}"/>
   </pc:docChgLst>
 </pc:chgInfo>
 </file>
@@ -298,7 +269,7 @@
           <a:p>
             <a:fld id="{4D7E51A5-B478-1E40-8CBB-0DAA8831E99D}" type="datetimeFigureOut">
               <a:rPr lang="en-US" smtClean="0"/>
-              <a:t>11/28/2023</a:t>
+              <a:t>3/7/2024</a:t>
             </a:fld>
             <a:endParaRPr lang="en-US"/>
           </a:p>
@@ -463,7 +434,7 @@
           <a:p>
             <a:fld id="{D0ED587F-861E-6740-9643-E3DDAE89B8D6}" type="datetimeFigureOut">
               <a:rPr lang="en-US" smtClean="0"/>
-              <a:t>11/28/2023</a:t>
+              <a:t>3/7/2024</a:t>
             </a:fld>
             <a:endParaRPr lang="en-US"/>
           </a:p>
@@ -8417,15 +8388,7 @@
             <a:pPr lvl="1"/>
             <a:r>
               <a:rPr lang="en-US" sz="2400" dirty="0"/>
-              <a:t>HELP DESK CLOSES - Friday Dec 8</a:t>
-            </a:r>
-            <a:r>
-              <a:rPr lang="en-US" sz="2400" baseline="30000" dirty="0"/>
-              <a:t>th</a:t>
-            </a:r>
-            <a:r>
-              <a:rPr lang="en-US" sz="2400" dirty="0"/>
-              <a:t>, plan accordantly! </a:t>
+              <a:t>HELP DESK CLOSES - Friday May 3, plan accordantly! </a:t>
             </a:r>
           </a:p>
           <a:p>
@@ -8437,8 +8400,12 @@
           <a:p>
             <a:pPr lvl="1"/>
             <a:r>
+              <a:rPr lang="en-US" sz="2400"/>
+              <a:t>Tuesday </a:t>
+            </a:r>
+            <a:r>
               <a:rPr lang="en-US" sz="2400" dirty="0"/>
-              <a:t>Thursday Dec 14 11:50am-1:50pm at CS110</a:t>
+              <a:t>May 7 7:30am-9:30am at CS110 – 002 section</a:t>
             </a:r>
           </a:p>
         </p:txBody>
@@ -8491,7 +8458,11 @@
             <a:graphicFrameLocks noGrp="1"/>
           </p:cNvGraphicFramePr>
           <p:nvPr>
-            <p:extLst/>
+            <p:extLst>
+              <p:ext uri="{D42A27DB-BD31-4B8C-83A1-F6EECF244321}">
+                <p14:modId xmlns:p14="http://schemas.microsoft.com/office/powerpoint/2010/main" val="1254741044"/>
+              </p:ext>
+            </p:extLst>
           </p:nvPr>
         </p:nvGraphicFramePr>
         <p:xfrm>
@@ -8800,7 +8771,7 @@
                         <a:rPr lang="en-US" sz="1600" dirty="0">
                           <a:effectLst/>
                         </a:rPr>
-                        <a:t>12 PM - 2 PM : CSB 120</a:t>
+                        <a:t>2 PM - 5 PM : CSB 120</a:t>
                       </a:r>
                       <a:endParaRPr lang="en-US" sz="1600" dirty="0">
                         <a:effectLst/>
@@ -16007,6 +15978,15 @@
 </file>
 
 <file path=customXml/item2.xml><?xml version="1.0" encoding="utf-8"?>
+<?mso-contentType ?>
+<FormTemplates xmlns="http://schemas.microsoft.com/sharepoint/v3/contenttype/forms">
+  <Display>DocumentLibraryForm</Display>
+  <Edit>DocumentLibraryForm</Edit>
+  <New>DocumentLibraryForm</New>
+</FormTemplates>
+</file>
+
+<file path=customXml/item3.xml><?xml version="1.0" encoding="utf-8"?>
 <ct:contentTypeSchema xmlns:ct="http://schemas.microsoft.com/office/2006/metadata/contentType" xmlns:ma="http://schemas.microsoft.com/office/2006/metadata/properties/metaAttributes" ct:_="" ma:_="" ma:contentTypeName="Document" ma:contentTypeID="0x010100074387D78AC76C4289401EF66FB51FCC" ma:contentTypeVersion="15" ma:contentTypeDescription="Create a new document." ma:contentTypeScope="" ma:versionID="d3659bec8b8330148a03d82a9d99f412">
   <xsd:schema xmlns:xsd="http://www.w3.org/2001/XMLSchema" xmlns:xs="http://www.w3.org/2001/XMLSchema" xmlns:p="http://schemas.microsoft.com/office/2006/metadata/properties" xmlns:ns3="92c41bee-f0ee-4aa6-9399-a35fbb883510" xmlns:ns4="e06ed288-fd75-4b50-bbed-f5a5df88c31c" targetNamespace="http://schemas.microsoft.com/office/2006/metadata/properties" ma:root="true" ma:fieldsID="1a21d371127b63848c9a2290f5945250" ns3:_="" ns4:_="">
     <xsd:import namespace="92c41bee-f0ee-4aa6-9399-a35fbb883510"/>
@@ -16241,33 +16221,32 @@
 </ct:contentTypeSchema>
 </file>
 
-<file path=customXml/item3.xml><?xml version="1.0" encoding="utf-8"?>
-<?mso-contentType ?>
-<FormTemplates xmlns="http://schemas.microsoft.com/sharepoint/v3/contenttype/forms">
-  <Display>DocumentLibraryForm</Display>
-  <Edit>DocumentLibraryForm</Edit>
-  <New>DocumentLibraryForm</New>
-</FormTemplates>
-</file>
-
 <file path=customXml/itemProps1.xml><?xml version="1.0" encoding="utf-8"?>
 <ds:datastoreItem xmlns:ds="http://schemas.openxmlformats.org/officeDocument/2006/customXml" ds:itemID="{2466944C-8618-4D97-837E-62F35504EB04}">
   <ds:schemaRefs>
     <ds:schemaRef ds:uri="http://schemas.microsoft.com/office/2006/documentManagement/types"/>
-    <ds:schemaRef ds:uri="http://schemas.microsoft.com/office/2006/metadata/properties"/>
+    <ds:schemaRef ds:uri="http://purl.org/dc/terms/"/>
     <ds:schemaRef ds:uri="http://www.w3.org/XML/1998/namespace"/>
     <ds:schemaRef ds:uri="e06ed288-fd75-4b50-bbed-f5a5df88c31c"/>
+    <ds:schemaRef ds:uri="http://purl.org/dc/dcmitype/"/>
+    <ds:schemaRef ds:uri="http://schemas.openxmlformats.org/package/2006/metadata/core-properties"/>
     <ds:schemaRef ds:uri="http://purl.org/dc/elements/1.1/"/>
-    <ds:schemaRef ds:uri="http://purl.org/dc/terms/"/>
+    <ds:schemaRef ds:uri="92c41bee-f0ee-4aa6-9399-a35fbb883510"/>
     <ds:schemaRef ds:uri="http://schemas.microsoft.com/office/infopath/2007/PartnerControls"/>
-    <ds:schemaRef ds:uri="http://schemas.openxmlformats.org/package/2006/metadata/core-properties"/>
-    <ds:schemaRef ds:uri="92c41bee-f0ee-4aa6-9399-a35fbb883510"/>
-    <ds:schemaRef ds:uri="http://purl.org/dc/dcmitype/"/>
+    <ds:schemaRef ds:uri="http://schemas.microsoft.com/office/2006/metadata/properties"/>
   </ds:schemaRefs>
 </ds:datastoreItem>
 </file>
 
 <file path=customXml/itemProps2.xml><?xml version="1.0" encoding="utf-8"?>
+<ds:datastoreItem xmlns:ds="http://schemas.openxmlformats.org/officeDocument/2006/customXml" ds:itemID="{0BFEF18A-DF64-4AA8-8E88-1ECB35B2728C}">
+  <ds:schemaRefs>
+    <ds:schemaRef ds:uri="http://schemas.microsoft.com/sharepoint/v3/contenttype/forms"/>
+  </ds:schemaRefs>
+</ds:datastoreItem>
+</file>
+
+<file path=customXml/itemProps3.xml><?xml version="1.0" encoding="utf-8"?>
 <ds:datastoreItem xmlns:ds="http://schemas.openxmlformats.org/officeDocument/2006/customXml" ds:itemID="{32DB71B9-C985-44BD-B96C-1C8CF0BDC283}">
   <ds:schemaRefs>
     <ds:schemaRef ds:uri="http://schemas.microsoft.com/office/2006/metadata/contentType"/>
@@ -16284,12 +16263,4 @@
     <ds:schemaRef ds:uri="http://schemas.microsoft.com/internal/obd"/>
   </ds:schemaRefs>
 </ds:datastoreItem>
-</file>
-
-<file path=customXml/itemProps3.xml><?xml version="1.0" encoding="utf-8"?>
-<ds:datastoreItem xmlns:ds="http://schemas.openxmlformats.org/officeDocument/2006/customXml" ds:itemID="{0BFEF18A-DF64-4AA8-8E88-1ECB35B2728C}">
-  <ds:schemaRefs>
-    <ds:schemaRef ds:uri="http://schemas.microsoft.com/sharepoint/v3/contenttype/forms"/>
-  </ds:schemaRefs>
-</ds:datastoreItem>
 </file>